--- a/reference_content/Slides/Log_Reg_Images.pptx
+++ b/reference_content/Slides/Log_Reg_Images.pptx
@@ -8,11 +8,19 @@
     <p:sldId id="256" r:id="rId2"/>
     <p:sldId id="257" r:id="rId3"/>
     <p:sldId id="260" r:id="rId4"/>
-    <p:sldId id="261" r:id="rId5"/>
-    <p:sldId id="262" r:id="rId6"/>
-    <p:sldId id="263" r:id="rId7"/>
-    <p:sldId id="258" r:id="rId8"/>
-    <p:sldId id="259" r:id="rId9"/>
+    <p:sldId id="264" r:id="rId5"/>
+    <p:sldId id="270" r:id="rId6"/>
+    <p:sldId id="265" r:id="rId7"/>
+    <p:sldId id="261" r:id="rId8"/>
+    <p:sldId id="262" r:id="rId9"/>
+    <p:sldId id="263" r:id="rId10"/>
+    <p:sldId id="266" r:id="rId11"/>
+    <p:sldId id="269" r:id="rId12"/>
+    <p:sldId id="267" r:id="rId13"/>
+    <p:sldId id="258" r:id="rId14"/>
+    <p:sldId id="259" r:id="rId15"/>
+    <p:sldId id="268" r:id="rId16"/>
+    <p:sldId id="271" r:id="rId17"/>
   </p:sldIdLst>
   <p:sldSz cx="12192000" cy="6858000"/>
   <p:notesSz cx="6858000" cy="9144000"/>
@@ -111,6 +119,11 @@
       </a:defRPr>
     </a:lvl9pPr>
   </p:defaultTextStyle>
+  <p:extLst>
+    <p:ext uri="{EFAFB233-063F-42B5-8137-9DF3F51BA10A}">
+      <p15:sldGuideLst xmlns:p15="http://schemas.microsoft.com/office/powerpoint/2012/main"/>
+    </p:ext>
+  </p:extLst>
 </p:presentation>
 </file>
 
@@ -253,7 +266,7 @@
           <a:p>
             <a:fld id="{AEE213B2-D287-D448-9C17-666E4151F8B9}" type="datetimeFigureOut">
               <a:rPr lang="en-US" smtClean="0"/>
-              <a:t>1/24/22</a:t>
+              <a:t>2/29/24</a:t>
             </a:fld>
             <a:endParaRPr lang="en-US"/>
           </a:p>
@@ -464,7 +477,7 @@
           <a:p>
             <a:fld id="{AEE213B2-D287-D448-9C17-666E4151F8B9}" type="datetimeFigureOut">
               <a:rPr lang="en-US" smtClean="0"/>
-              <a:t>1/24/22</a:t>
+              <a:t>2/29/24</a:t>
             </a:fld>
             <a:endParaRPr lang="en-US"/>
           </a:p>
@@ -679,7 +692,7 @@
           <a:p>
             <a:fld id="{AEE213B2-D287-D448-9C17-666E4151F8B9}" type="datetimeFigureOut">
               <a:rPr lang="en-US" smtClean="0"/>
-              <a:t>1/24/22</a:t>
+              <a:t>2/29/24</a:t>
             </a:fld>
             <a:endParaRPr lang="en-US"/>
           </a:p>
@@ -880,7 +893,7 @@
           <a:p>
             <a:fld id="{AEE213B2-D287-D448-9C17-666E4151F8B9}" type="datetimeFigureOut">
               <a:rPr lang="en-US" smtClean="0"/>
-              <a:t>1/24/22</a:t>
+              <a:t>2/29/24</a:t>
             </a:fld>
             <a:endParaRPr lang="en-US"/>
           </a:p>
@@ -1159,7 +1172,7 @@
           <a:p>
             <a:fld id="{AEE213B2-D287-D448-9C17-666E4151F8B9}" type="datetimeFigureOut">
               <a:rPr lang="en-US" smtClean="0"/>
-              <a:t>1/24/22</a:t>
+              <a:t>2/29/24</a:t>
             </a:fld>
             <a:endParaRPr lang="en-US"/>
           </a:p>
@@ -1427,7 +1440,7 @@
           <a:p>
             <a:fld id="{AEE213B2-D287-D448-9C17-666E4151F8B9}" type="datetimeFigureOut">
               <a:rPr lang="en-US" smtClean="0"/>
-              <a:t>1/24/22</a:t>
+              <a:t>2/29/24</a:t>
             </a:fld>
             <a:endParaRPr lang="en-US"/>
           </a:p>
@@ -1843,7 +1856,7 @@
           <a:p>
             <a:fld id="{AEE213B2-D287-D448-9C17-666E4151F8B9}" type="datetimeFigureOut">
               <a:rPr lang="en-US" smtClean="0"/>
-              <a:t>1/24/22</a:t>
+              <a:t>2/29/24</a:t>
             </a:fld>
             <a:endParaRPr lang="en-US"/>
           </a:p>
@@ -1992,7 +2005,7 @@
           <a:p>
             <a:fld id="{AEE213B2-D287-D448-9C17-666E4151F8B9}" type="datetimeFigureOut">
               <a:rPr lang="en-US" smtClean="0"/>
-              <a:t>1/24/22</a:t>
+              <a:t>2/29/24</a:t>
             </a:fld>
             <a:endParaRPr lang="en-US"/>
           </a:p>
@@ -2118,7 +2131,7 @@
           <a:p>
             <a:fld id="{AEE213B2-D287-D448-9C17-666E4151F8B9}" type="datetimeFigureOut">
               <a:rPr lang="en-US" smtClean="0"/>
-              <a:t>1/24/22</a:t>
+              <a:t>2/29/24</a:t>
             </a:fld>
             <a:endParaRPr lang="en-US"/>
           </a:p>
@@ -2369,7 +2382,7 @@
           <a:p>
             <a:fld id="{AEE213B2-D287-D448-9C17-666E4151F8B9}" type="datetimeFigureOut">
               <a:rPr lang="en-US" smtClean="0"/>
-              <a:t>1/24/22</a:t>
+              <a:t>2/29/24</a:t>
             </a:fld>
             <a:endParaRPr lang="en-US"/>
           </a:p>
@@ -2814,7 +2827,7 @@
           <a:p>
             <a:fld id="{AEE213B2-D287-D448-9C17-666E4151F8B9}" type="datetimeFigureOut">
               <a:rPr lang="en-US" smtClean="0"/>
-              <a:t>1/24/22</a:t>
+              <a:t>2/29/24</a:t>
             </a:fld>
             <a:endParaRPr lang="en-US"/>
           </a:p>
@@ -3141,7 +3154,7 @@
           <a:p>
             <a:fld id="{AEE213B2-D287-D448-9C17-666E4151F8B9}" type="datetimeFigureOut">
               <a:rPr lang="en-US" smtClean="0"/>
-              <a:t>1/24/22</a:t>
+              <a:t>2/29/24</a:t>
             </a:fld>
             <a:endParaRPr lang="en-US"/>
           </a:p>
@@ -3695,6 +3708,1461 @@
 </p:sld>
 </file>
 
+<file path=ppt/slides/slide10.xml><?xml version="1.0" encoding="utf-8"?>
+<p:sld xmlns:a="http://schemas.openxmlformats.org/drawingml/2006/main" xmlns:r="http://schemas.openxmlformats.org/officeDocument/2006/relationships" xmlns:p="http://schemas.openxmlformats.org/presentationml/2006/main">
+  <p:cSld>
+    <p:spTree>
+      <p:nvGrpSpPr>
+        <p:cNvPr id="1" name=""/>
+        <p:cNvGrpSpPr/>
+        <p:nvPr/>
+      </p:nvGrpSpPr>
+      <p:grpSpPr>
+        <a:xfrm>
+          <a:off x="0" y="0"/>
+          <a:ext cx="0" cy="0"/>
+          <a:chOff x="0" y="0"/>
+          <a:chExt cx="0" cy="0"/>
+        </a:xfrm>
+      </p:grpSpPr>
+      <p:sp>
+        <p:nvSpPr>
+          <p:cNvPr id="2" name="Title 1">
+            <a:extLst>
+              <a:ext uri="{FF2B5EF4-FFF2-40B4-BE49-F238E27FC236}">
+                <a16:creationId xmlns:a16="http://schemas.microsoft.com/office/drawing/2014/main" id="{8B004215-F4E0-694F-5EBD-1B777F9B7A6C}"/>
+              </a:ext>
+            </a:extLst>
+          </p:cNvPr>
+          <p:cNvSpPr>
+            <a:spLocks noGrp="1"/>
+          </p:cNvSpPr>
+          <p:nvPr>
+            <p:ph type="title"/>
+          </p:nvPr>
+        </p:nvSpPr>
+        <p:spPr/>
+        <p:txBody>
+          <a:bodyPr/>
+          <a:lstStyle/>
+          <a:p>
+            <a:endParaRPr lang="en-US"/>
+          </a:p>
+        </p:txBody>
+      </p:sp>
+      <p:sp>
+        <p:nvSpPr>
+          <p:cNvPr id="3" name="Content Placeholder 2">
+            <a:extLst>
+              <a:ext uri="{FF2B5EF4-FFF2-40B4-BE49-F238E27FC236}">
+                <a16:creationId xmlns:a16="http://schemas.microsoft.com/office/drawing/2014/main" id="{472E2424-31D3-AB65-BDD7-6877BD20EE13}"/>
+              </a:ext>
+            </a:extLst>
+          </p:cNvPr>
+          <p:cNvSpPr>
+            <a:spLocks noGrp="1"/>
+          </p:cNvSpPr>
+          <p:nvPr>
+            <p:ph idx="1"/>
+          </p:nvPr>
+        </p:nvSpPr>
+        <p:spPr/>
+        <p:txBody>
+          <a:bodyPr/>
+          <a:lstStyle/>
+          <a:p>
+            <a:endParaRPr lang="en-US"/>
+          </a:p>
+        </p:txBody>
+      </p:sp>
+      <p:pic>
+        <p:nvPicPr>
+          <p:cNvPr id="1026" name="Picture 2" descr="Understand Cross Entropy Loss in Minutes | by Uniqtech | Data Science  Bootcamp | Medium">
+            <a:extLst>
+              <a:ext uri="{FF2B5EF4-FFF2-40B4-BE49-F238E27FC236}">
+                <a16:creationId xmlns:a16="http://schemas.microsoft.com/office/drawing/2014/main" id="{C4673594-CB96-AACF-8B99-1C1458EF5C53}"/>
+              </a:ext>
+            </a:extLst>
+          </p:cNvPr>
+          <p:cNvPicPr>
+            <a:picLocks noChangeAspect="1" noChangeArrowheads="1"/>
+          </p:cNvPicPr>
+          <p:nvPr/>
+        </p:nvPicPr>
+        <p:blipFill>
+          <a:blip r:embed="rId2">
+            <a:extLst>
+              <a:ext uri="{28A0092B-C50C-407E-A947-70E740481C1C}">
+                <a14:useLocalDpi xmlns:a14="http://schemas.microsoft.com/office/drawing/2010/main" val="0"/>
+              </a:ext>
+            </a:extLst>
+          </a:blip>
+          <a:srcRect/>
+          <a:stretch>
+            <a:fillRect/>
+          </a:stretch>
+        </p:blipFill>
+        <p:spPr bwMode="auto">
+          <a:xfrm>
+            <a:off x="260350" y="196850"/>
+            <a:ext cx="11671300" cy="6464300"/>
+          </a:xfrm>
+          <a:prstGeom prst="rect">
+            <a:avLst/>
+          </a:prstGeom>
+          <a:noFill/>
+          <a:extLst>
+            <a:ext uri="{909E8E84-426E-40DD-AFC4-6F175D3DCCD1}">
+              <a14:hiddenFill xmlns:a14="http://schemas.microsoft.com/office/drawing/2010/main">
+                <a:solidFill>
+                  <a:srgbClr val="FFFFFF"/>
+                </a:solidFill>
+              </a14:hiddenFill>
+            </a:ext>
+          </a:extLst>
+        </p:spPr>
+      </p:pic>
+    </p:spTree>
+    <p:extLst>
+      <p:ext uri="{BB962C8B-B14F-4D97-AF65-F5344CB8AC3E}">
+        <p14:creationId xmlns:p14="http://schemas.microsoft.com/office/powerpoint/2010/main" val="2243742767"/>
+      </p:ext>
+    </p:extLst>
+  </p:cSld>
+  <p:clrMapOvr>
+    <a:masterClrMapping/>
+  </p:clrMapOvr>
+</p:sld>
+</file>
+
+<file path=ppt/slides/slide11.xml><?xml version="1.0" encoding="utf-8"?>
+<p:sld xmlns:a="http://schemas.openxmlformats.org/drawingml/2006/main" xmlns:r="http://schemas.openxmlformats.org/officeDocument/2006/relationships" xmlns:p="http://schemas.openxmlformats.org/presentationml/2006/main">
+  <p:cSld>
+    <p:spTree>
+      <p:nvGrpSpPr>
+        <p:cNvPr id="1" name=""/>
+        <p:cNvGrpSpPr/>
+        <p:nvPr/>
+      </p:nvGrpSpPr>
+      <p:grpSpPr>
+        <a:xfrm>
+          <a:off x="0" y="0"/>
+          <a:ext cx="0" cy="0"/>
+          <a:chOff x="0" y="0"/>
+          <a:chExt cx="0" cy="0"/>
+        </a:xfrm>
+      </p:grpSpPr>
+      <p:sp>
+        <p:nvSpPr>
+          <p:cNvPr id="2" name="Title 1">
+            <a:extLst>
+              <a:ext uri="{FF2B5EF4-FFF2-40B4-BE49-F238E27FC236}">
+                <a16:creationId xmlns:a16="http://schemas.microsoft.com/office/drawing/2014/main" id="{6D0E349A-7CE7-3BC2-1FE6-4DC6D20257A4}"/>
+              </a:ext>
+            </a:extLst>
+          </p:cNvPr>
+          <p:cNvSpPr>
+            <a:spLocks noGrp="1"/>
+          </p:cNvSpPr>
+          <p:nvPr>
+            <p:ph type="title"/>
+          </p:nvPr>
+        </p:nvSpPr>
+        <p:spPr/>
+        <p:txBody>
+          <a:bodyPr/>
+          <a:lstStyle/>
+          <a:p>
+            <a:r>
+              <a:rPr lang="en-US" dirty="0"/>
+              <a:t>Gradient Descent and Multiclass Models</a:t>
+            </a:r>
+          </a:p>
+        </p:txBody>
+      </p:sp>
+      <p:sp>
+        <p:nvSpPr>
+          <p:cNvPr id="3" name="Content Placeholder 2">
+            <a:extLst>
+              <a:ext uri="{FF2B5EF4-FFF2-40B4-BE49-F238E27FC236}">
+                <a16:creationId xmlns:a16="http://schemas.microsoft.com/office/drawing/2014/main" id="{3B9D176C-1451-D8BC-9CC0-548D54FE6888}"/>
+              </a:ext>
+            </a:extLst>
+          </p:cNvPr>
+          <p:cNvSpPr>
+            <a:spLocks noGrp="1"/>
+          </p:cNvSpPr>
+          <p:nvPr>
+            <p:ph idx="1"/>
+          </p:nvPr>
+        </p:nvSpPr>
+        <p:spPr>
+          <a:xfrm>
+            <a:off x="1451579" y="1853755"/>
+            <a:ext cx="9603275" cy="4199726"/>
+          </a:xfrm>
+        </p:spPr>
+        <p:txBody>
+          <a:bodyPr/>
+          <a:lstStyle/>
+          <a:p>
+            <a:r>
+              <a:rPr lang="en-US" dirty="0"/>
+              <a:t>The gradient descent process is the same, the cross-entropy generates loss, the gradient is taken on the loss curve </a:t>
+            </a:r>
+            <a:r>
+              <a:rPr lang="en-US" dirty="0" err="1"/>
+              <a:t>w.r.t.</a:t>
+            </a:r>
+            <a:r>
+              <a:rPr lang="en-US" dirty="0"/>
+              <a:t> each feature, the weights are adjusted, and repeat…</a:t>
+            </a:r>
+          </a:p>
+          <a:p>
+            <a:pPr lvl="1"/>
+            <a:r>
+              <a:rPr lang="en-US" dirty="0"/>
+              <a:t>As long as something can be structured as “loss” and ”things to adjust”, G.D. is the same. </a:t>
+            </a:r>
+          </a:p>
+          <a:p>
+            <a:r>
+              <a:rPr lang="en-US" dirty="0"/>
+              <a:t>Regularization is applied by default in </a:t>
+            </a:r>
+            <a:r>
+              <a:rPr lang="en-US" dirty="0" err="1"/>
+              <a:t>sklearn</a:t>
+            </a:r>
+            <a:r>
+              <a:rPr lang="en-US" dirty="0"/>
+              <a:t>. </a:t>
+            </a:r>
+          </a:p>
+          <a:p>
+            <a:pPr lvl="1"/>
+            <a:r>
+              <a:rPr lang="en-US" dirty="0"/>
+              <a:t>Multiclass classification is commonly used on things like image recognition, where there are lots of potentially classes, so limiting overfitting is good. </a:t>
+            </a:r>
+          </a:p>
+        </p:txBody>
+      </p:sp>
+    </p:spTree>
+    <p:extLst>
+      <p:ext uri="{BB962C8B-B14F-4D97-AF65-F5344CB8AC3E}">
+        <p14:creationId xmlns:p14="http://schemas.microsoft.com/office/powerpoint/2010/main" val="2561420412"/>
+      </p:ext>
+    </p:extLst>
+  </p:cSld>
+  <p:clrMapOvr>
+    <a:masterClrMapping/>
+  </p:clrMapOvr>
+</p:sld>
+</file>
+
+<file path=ppt/slides/slide12.xml><?xml version="1.0" encoding="utf-8"?>
+<p:sld xmlns:a="http://schemas.openxmlformats.org/drawingml/2006/main" xmlns:r="http://schemas.openxmlformats.org/officeDocument/2006/relationships" xmlns:p="http://schemas.openxmlformats.org/presentationml/2006/main">
+  <p:cSld>
+    <p:bg>
+      <p:bgPr>
+        <a:gradFill rotWithShape="1">
+          <a:gsLst>
+            <a:gs pos="0">
+              <a:schemeClr val="bg2">
+                <a:tint val="94000"/>
+                <a:satMod val="80000"/>
+                <a:lumMod val="106000"/>
+              </a:schemeClr>
+            </a:gs>
+            <a:gs pos="100000">
+              <a:schemeClr val="bg2">
+                <a:shade val="80000"/>
+              </a:schemeClr>
+            </a:gs>
+          </a:gsLst>
+          <a:path path="circle">
+            <a:fillToRect l="43000" r="43000" b="100000"/>
+          </a:path>
+        </a:gradFill>
+        <a:effectLst/>
+      </p:bgPr>
+    </p:bg>
+    <p:spTree>
+      <p:nvGrpSpPr>
+        <p:cNvPr id="1" name=""/>
+        <p:cNvGrpSpPr/>
+        <p:nvPr/>
+      </p:nvGrpSpPr>
+      <p:grpSpPr>
+        <a:xfrm>
+          <a:off x="0" y="0"/>
+          <a:ext cx="0" cy="0"/>
+          <a:chOff x="0" y="0"/>
+          <a:chExt cx="0" cy="0"/>
+        </a:xfrm>
+      </p:grpSpPr>
+      <p:sp>
+        <p:nvSpPr>
+          <p:cNvPr id="9" name="Rectangle 8">
+            <a:extLst>
+              <a:ext uri="{FF2B5EF4-FFF2-40B4-BE49-F238E27FC236}">
+                <a16:creationId xmlns:a16="http://schemas.microsoft.com/office/drawing/2014/main" id="{C63C853E-3842-4594-86A9-051FFAF4D343}"/>
+              </a:ext>
+              <a:ext uri="{C183D7F6-B498-43B3-948B-1728B52AA6E4}">
+                <adec:decorative xmlns:adec="http://schemas.microsoft.com/office/drawing/2017/decorative" val="1"/>
+              </a:ext>
+            </a:extLst>
+          </p:cNvPr>
+          <p:cNvSpPr>
+            <a:spLocks noGrp="1" noRot="1" noChangeAspect="1" noMove="1" noResize="1" noEditPoints="1" noAdjustHandles="1" noChangeArrowheads="1" noChangeShapeType="1" noTextEdit="1"/>
+          </p:cNvSpPr>
+          <p:nvPr>
+            <p:extLst>
+              <p:ext uri="{386F3935-93C4-4BCD-93E2-E3B085C9AB24}">
+                <p16:designElem xmlns:p16="http://schemas.microsoft.com/office/powerpoint/2015/main" val="1"/>
+              </p:ext>
+            </p:extLst>
+          </p:nvPr>
+        </p:nvSpPr>
+        <p:spPr>
+          <a:xfrm>
+            <a:off x="0" y="2019476"/>
+            <a:ext cx="12192000" cy="4105941"/>
+          </a:xfrm>
+          <a:prstGeom prst="rect">
+            <a:avLst/>
+          </a:prstGeom>
+          <a:gradFill flip="none" rotWithShape="1">
+            <a:gsLst>
+              <a:gs pos="0">
+                <a:schemeClr val="bg2">
+                  <a:alpha val="0"/>
+                </a:schemeClr>
+              </a:gs>
+              <a:gs pos="100000">
+                <a:schemeClr val="bg2"/>
+              </a:gs>
+            </a:gsLst>
+            <a:lin ang="5400000" scaled="0"/>
+            <a:tileRect/>
+          </a:gradFill>
+          <a:ln>
+            <a:noFill/>
+          </a:ln>
+        </p:spPr>
+        <p:style>
+          <a:lnRef idx="2">
+            <a:schemeClr val="accent1">
+              <a:shade val="50000"/>
+            </a:schemeClr>
+          </a:lnRef>
+          <a:fillRef idx="1">
+            <a:schemeClr val="accent1"/>
+          </a:fillRef>
+          <a:effectRef idx="0">
+            <a:schemeClr val="accent1"/>
+          </a:effectRef>
+          <a:fontRef idx="minor">
+            <a:schemeClr val="lt1"/>
+          </a:fontRef>
+        </p:style>
+        <p:txBody>
+          <a:bodyPr/>
+          <a:lstStyle/>
+          <a:p>
+            <a:endParaRPr lang="en-US"/>
+          </a:p>
+        </p:txBody>
+      </p:sp>
+      <p:pic>
+        <p:nvPicPr>
+          <p:cNvPr id="11" name="Picture 10">
+            <a:extLst>
+              <a:ext uri="{FF2B5EF4-FFF2-40B4-BE49-F238E27FC236}">
+                <a16:creationId xmlns:a16="http://schemas.microsoft.com/office/drawing/2014/main" id="{B591CDC5-6B61-4116-B3B5-0FF42B6E606D}"/>
+              </a:ext>
+              <a:ext uri="{C183D7F6-B498-43B3-948B-1728B52AA6E4}">
+                <adec:decorative xmlns:adec="http://schemas.microsoft.com/office/drawing/2017/decorative" val="1"/>
+              </a:ext>
+            </a:extLst>
+          </p:cNvPr>
+          <p:cNvPicPr>
+            <a:picLocks noGrp="1" noRot="1" noChangeAspect="1" noMove="1" noResize="1" noEditPoints="1" noAdjustHandles="1" noChangeArrowheads="1" noChangeShapeType="1" noCrop="1"/>
+          </p:cNvPicPr>
+          <p:nvPr>
+            <p:extLst>
+              <p:ext uri="{386F3935-93C4-4BCD-93E2-E3B085C9AB24}">
+                <p16:designElem xmlns:p16="http://schemas.microsoft.com/office/powerpoint/2015/main" val="1"/>
+              </p:ext>
+            </p:extLst>
+          </p:nvPr>
+        </p:nvPicPr>
+        <p:blipFill rotWithShape="1">
+          <a:blip r:embed="rId2">
+            <a:extLst>
+              <a:ext uri="{28A0092B-C50C-407E-A947-70E740481C1C}">
+                <a14:useLocalDpi xmlns:a14="http://schemas.microsoft.com/office/drawing/2010/main" val="0"/>
+              </a:ext>
+            </a:extLst>
+          </a:blip>
+          <a:srcRect t="1538" b="-1538"/>
+          <a:stretch/>
+        </p:blipFill>
+        <p:spPr bwMode="black">
+          <a:xfrm>
+            <a:off x="0" y="6126480"/>
+            <a:ext cx="12192000" cy="742950"/>
+          </a:xfrm>
+          <a:prstGeom prst="rect">
+            <a:avLst/>
+          </a:prstGeom>
+        </p:spPr>
+      </p:pic>
+      <p:cxnSp>
+        <p:nvCxnSpPr>
+          <p:cNvPr id="13" name="Straight Connector 12">
+            <a:extLst>
+              <a:ext uri="{FF2B5EF4-FFF2-40B4-BE49-F238E27FC236}">
+                <a16:creationId xmlns:a16="http://schemas.microsoft.com/office/drawing/2014/main" id="{25B08984-5BEB-422F-A364-2B41E6A516EB}"/>
+              </a:ext>
+              <a:ext uri="{C183D7F6-B498-43B3-948B-1728B52AA6E4}">
+                <adec:decorative xmlns:adec="http://schemas.microsoft.com/office/drawing/2017/decorative" val="1"/>
+              </a:ext>
+            </a:extLst>
+          </p:cNvPr>
+          <p:cNvCxnSpPr>
+            <a:cxnSpLocks noGrp="1" noRot="1" noChangeAspect="1" noMove="1" noResize="1" noEditPoints="1" noAdjustHandles="1" noChangeArrowheads="1" noChangeShapeType="1"/>
+          </p:cNvCxnSpPr>
+          <p:nvPr>
+            <p:extLst>
+              <p:ext uri="{386F3935-93C4-4BCD-93E2-E3B085C9AB24}">
+                <p16:designElem xmlns:p16="http://schemas.microsoft.com/office/powerpoint/2015/main" val="1"/>
+              </p:ext>
+            </p:extLst>
+          </p:nvPr>
+        </p:nvCxnSpPr>
+        <p:spPr>
+          <a:xfrm>
+            <a:off x="0" y="6128413"/>
+            <a:ext cx="12192000" cy="0"/>
+          </a:xfrm>
+          <a:prstGeom prst="line">
+            <a:avLst/>
+          </a:prstGeom>
+          <a:ln w="12700">
+            <a:solidFill>
+              <a:srgbClr val="000001">
+                <a:alpha val="20000"/>
+              </a:srgbClr>
+            </a:solidFill>
+          </a:ln>
+        </p:spPr>
+        <p:style>
+          <a:lnRef idx="1">
+            <a:schemeClr val="accent1"/>
+          </a:lnRef>
+          <a:fillRef idx="0">
+            <a:schemeClr val="accent1"/>
+          </a:fillRef>
+          <a:effectRef idx="0">
+            <a:schemeClr val="accent1"/>
+          </a:effectRef>
+          <a:fontRef idx="minor">
+            <a:schemeClr val="tx1"/>
+          </a:fontRef>
+        </p:style>
+      </p:cxnSp>
+      <p:cxnSp>
+        <p:nvCxnSpPr>
+          <p:cNvPr id="15" name="Straight Connector 14">
+            <a:extLst>
+              <a:ext uri="{FF2B5EF4-FFF2-40B4-BE49-F238E27FC236}">
+                <a16:creationId xmlns:a16="http://schemas.microsoft.com/office/drawing/2014/main" id="{A8F413B1-54E0-4B16-92AB-1CC5C7D645BC}"/>
+              </a:ext>
+              <a:ext uri="{C183D7F6-B498-43B3-948B-1728B52AA6E4}">
+                <adec:decorative xmlns:adec="http://schemas.microsoft.com/office/drawing/2017/decorative" val="1"/>
+              </a:ext>
+            </a:extLst>
+          </p:cNvPr>
+          <p:cNvCxnSpPr>
+            <a:cxnSpLocks noGrp="1" noRot="1" noChangeAspect="1" noMove="1" noResize="1" noEditPoints="1" noAdjustHandles="1" noChangeArrowheads="1" noChangeShapeType="1"/>
+          </p:cNvCxnSpPr>
+          <p:nvPr>
+            <p:extLst>
+              <p:ext uri="{386F3935-93C4-4BCD-93E2-E3B085C9AB24}">
+                <p16:designElem xmlns:p16="http://schemas.microsoft.com/office/powerpoint/2015/main" val="1"/>
+              </p:ext>
+            </p:extLst>
+          </p:nvPr>
+        </p:nvCxnSpPr>
+        <p:spPr>
+          <a:xfrm>
+            <a:off x="1453896" y="1847088"/>
+            <a:ext cx="9607522" cy="0"/>
+          </a:xfrm>
+          <a:prstGeom prst="line">
+            <a:avLst/>
+          </a:prstGeom>
+          <a:ln w="31750"/>
+        </p:spPr>
+        <p:style>
+          <a:lnRef idx="3">
+            <a:schemeClr val="accent1"/>
+          </a:lnRef>
+          <a:fillRef idx="0">
+            <a:schemeClr val="accent1"/>
+          </a:fillRef>
+          <a:effectRef idx="2">
+            <a:schemeClr val="accent1"/>
+          </a:effectRef>
+          <a:fontRef idx="minor">
+            <a:schemeClr val="tx1"/>
+          </a:fontRef>
+        </p:style>
+      </p:cxnSp>
+      <p:pic>
+        <p:nvPicPr>
+          <p:cNvPr id="5" name="Picture 4" descr="Toy plastic numbers">
+            <a:extLst>
+              <a:ext uri="{FF2B5EF4-FFF2-40B4-BE49-F238E27FC236}">
+                <a16:creationId xmlns:a16="http://schemas.microsoft.com/office/drawing/2014/main" id="{1BCCC988-B63A-F3F2-240F-33B175945D33}"/>
+              </a:ext>
+            </a:extLst>
+          </p:cNvPr>
+          <p:cNvPicPr>
+            <a:picLocks noChangeAspect="1"/>
+          </p:cNvPicPr>
+          <p:nvPr/>
+        </p:nvPicPr>
+        <p:blipFill rotWithShape="1">
+          <a:blip r:embed="rId3"/>
+          <a:srcRect t="9379" r="-1" b="6348"/>
+          <a:stretch/>
+        </p:blipFill>
+        <p:spPr>
+          <a:xfrm>
+            <a:off x="20" y="10"/>
+            <a:ext cx="12191675" cy="6857990"/>
+          </a:xfrm>
+          <a:prstGeom prst="rect">
+            <a:avLst/>
+          </a:prstGeom>
+        </p:spPr>
+      </p:pic>
+      <p:sp>
+        <p:nvSpPr>
+          <p:cNvPr id="17" name="Rectangle 16">
+            <a:extLst>
+              <a:ext uri="{FF2B5EF4-FFF2-40B4-BE49-F238E27FC236}">
+                <a16:creationId xmlns:a16="http://schemas.microsoft.com/office/drawing/2014/main" id="{2E67E8BF-E4B2-4098-9FB3-9E400BD86935}"/>
+              </a:ext>
+              <a:ext uri="{C183D7F6-B498-43B3-948B-1728B52AA6E4}">
+                <adec:decorative xmlns:adec="http://schemas.microsoft.com/office/drawing/2017/decorative" val="1"/>
+              </a:ext>
+            </a:extLst>
+          </p:cNvPr>
+          <p:cNvSpPr>
+            <a:spLocks noGrp="1" noRot="1" noChangeAspect="1" noMove="1" noResize="1" noEditPoints="1" noAdjustHandles="1" noChangeArrowheads="1" noChangeShapeType="1" noTextEdit="1"/>
+          </p:cNvSpPr>
+          <p:nvPr>
+            <p:extLst>
+              <p:ext uri="{386F3935-93C4-4BCD-93E2-E3B085C9AB24}">
+                <p16:designElem xmlns:p16="http://schemas.microsoft.com/office/powerpoint/2015/main" val="1"/>
+              </p:ext>
+            </p:extLst>
+          </p:nvPr>
+        </p:nvSpPr>
+        <p:spPr>
+          <a:xfrm>
+            <a:off x="5930686" y="4905349"/>
+            <a:ext cx="5610646" cy="1450464"/>
+          </a:xfrm>
+          <a:prstGeom prst="rect">
+            <a:avLst/>
+          </a:prstGeom>
+          <a:solidFill>
+            <a:srgbClr val="000001">
+              <a:alpha val="75000"/>
+            </a:srgbClr>
+          </a:solidFill>
+          <a:ln>
+            <a:noFill/>
+          </a:ln>
+        </p:spPr>
+        <p:style>
+          <a:lnRef idx="1">
+            <a:schemeClr val="accent1"/>
+          </a:lnRef>
+          <a:fillRef idx="3">
+            <a:schemeClr val="accent1"/>
+          </a:fillRef>
+          <a:effectRef idx="2">
+            <a:schemeClr val="accent1"/>
+          </a:effectRef>
+          <a:fontRef idx="minor">
+            <a:schemeClr val="lt1"/>
+          </a:fontRef>
+        </p:style>
+        <p:txBody>
+          <a:bodyPr rtlCol="0" anchor="ctr"/>
+          <a:lstStyle/>
+          <a:p>
+            <a:pPr algn="ctr"/>
+            <a:endParaRPr lang="en-US"/>
+          </a:p>
+        </p:txBody>
+      </p:sp>
+      <p:sp>
+        <p:nvSpPr>
+          <p:cNvPr id="2" name="Title 1">
+            <a:extLst>
+              <a:ext uri="{FF2B5EF4-FFF2-40B4-BE49-F238E27FC236}">
+                <a16:creationId xmlns:a16="http://schemas.microsoft.com/office/drawing/2014/main" id="{F4031923-7C8E-4F34-ECDD-041AB964D2AE}"/>
+              </a:ext>
+            </a:extLst>
+          </p:cNvPr>
+          <p:cNvSpPr>
+            <a:spLocks noGrp="1"/>
+          </p:cNvSpPr>
+          <p:nvPr>
+            <p:ph type="title"/>
+          </p:nvPr>
+        </p:nvSpPr>
+        <p:spPr>
+          <a:xfrm>
+            <a:off x="6094412" y="5239131"/>
+            <a:ext cx="5279490" cy="960087"/>
+          </a:xfrm>
+        </p:spPr>
+        <p:txBody>
+          <a:bodyPr vert="horz" lIns="91440" tIns="45720" rIns="91440" bIns="45720" rtlCol="0" anchor="t">
+            <a:normAutofit/>
+          </a:bodyPr>
+          <a:lstStyle/>
+          <a:p>
+            <a:r>
+              <a:rPr lang="en-US" sz="3000">
+                <a:solidFill>
+                  <a:srgbClr val="FFFFFE"/>
+                </a:solidFill>
+              </a:rPr>
+              <a:t>Multi-class Classification - Images</a:t>
+            </a:r>
+          </a:p>
+        </p:txBody>
+      </p:sp>
+      <p:cxnSp>
+        <p:nvCxnSpPr>
+          <p:cNvPr id="19" name="Straight Connector 18">
+            <a:extLst>
+              <a:ext uri="{FF2B5EF4-FFF2-40B4-BE49-F238E27FC236}">
+                <a16:creationId xmlns:a16="http://schemas.microsoft.com/office/drawing/2014/main" id="{3781A10F-5DF6-4C9B-AE0B-5249E4399D26}"/>
+              </a:ext>
+              <a:ext uri="{C183D7F6-B498-43B3-948B-1728B52AA6E4}">
+                <adec:decorative xmlns:adec="http://schemas.microsoft.com/office/drawing/2017/decorative" val="1"/>
+              </a:ext>
+            </a:extLst>
+          </p:cNvPr>
+          <p:cNvCxnSpPr>
+            <a:cxnSpLocks noGrp="1" noRot="1" noChangeAspect="1" noMove="1" noResize="1" noEditPoints="1" noAdjustHandles="1" noChangeArrowheads="1" noChangeShapeType="1"/>
+          </p:cNvCxnSpPr>
+          <p:nvPr>
+            <p:extLst>
+              <p:ext uri="{386F3935-93C4-4BCD-93E2-E3B085C9AB24}">
+                <p16:designElem xmlns:p16="http://schemas.microsoft.com/office/powerpoint/2015/main" val="1"/>
+              </p:ext>
+            </p:extLst>
+          </p:nvPr>
+        </p:nvCxnSpPr>
+        <p:spPr>
+          <a:xfrm>
+            <a:off x="6094411" y="5073596"/>
+            <a:ext cx="5283196" cy="0"/>
+          </a:xfrm>
+          <a:prstGeom prst="line">
+            <a:avLst/>
+          </a:prstGeom>
+          <a:ln w="31750">
+            <a:solidFill>
+              <a:srgbClr val="F0980C"/>
+            </a:solidFill>
+          </a:ln>
+        </p:spPr>
+        <p:style>
+          <a:lnRef idx="3">
+            <a:schemeClr val="accent1"/>
+          </a:lnRef>
+          <a:fillRef idx="0">
+            <a:schemeClr val="accent1"/>
+          </a:fillRef>
+          <a:effectRef idx="2">
+            <a:schemeClr val="accent1"/>
+          </a:effectRef>
+          <a:fontRef idx="minor">
+            <a:schemeClr val="tx1"/>
+          </a:fontRef>
+        </p:style>
+      </p:cxnSp>
+    </p:spTree>
+    <p:extLst>
+      <p:ext uri="{BB962C8B-B14F-4D97-AF65-F5344CB8AC3E}">
+        <p14:creationId xmlns:p14="http://schemas.microsoft.com/office/powerpoint/2010/main" val="3677524823"/>
+      </p:ext>
+    </p:extLst>
+  </p:cSld>
+  <p:clrMapOvr>
+    <a:masterClrMapping/>
+  </p:clrMapOvr>
+</p:sld>
+</file>
+
+<file path=ppt/slides/slide13.xml><?xml version="1.0" encoding="utf-8"?>
+<p:sld xmlns:a="http://schemas.openxmlformats.org/drawingml/2006/main" xmlns:r="http://schemas.openxmlformats.org/officeDocument/2006/relationships" xmlns:p="http://schemas.openxmlformats.org/presentationml/2006/main">
+  <p:cSld>
+    <p:bg>
+      <p:bgPr>
+        <a:gradFill rotWithShape="1">
+          <a:gsLst>
+            <a:gs pos="0">
+              <a:schemeClr val="bg2">
+                <a:tint val="94000"/>
+                <a:satMod val="80000"/>
+                <a:lumMod val="106000"/>
+              </a:schemeClr>
+            </a:gs>
+            <a:gs pos="100000">
+              <a:schemeClr val="bg2">
+                <a:shade val="80000"/>
+              </a:schemeClr>
+            </a:gs>
+          </a:gsLst>
+          <a:path path="circle">
+            <a:fillToRect l="43000" r="43000" b="100000"/>
+          </a:path>
+        </a:gradFill>
+        <a:effectLst/>
+      </p:bgPr>
+    </p:bg>
+    <p:spTree>
+      <p:nvGrpSpPr>
+        <p:cNvPr id="1" name=""/>
+        <p:cNvGrpSpPr/>
+        <p:nvPr/>
+      </p:nvGrpSpPr>
+      <p:grpSpPr>
+        <a:xfrm>
+          <a:off x="0" y="0"/>
+          <a:ext cx="0" cy="0"/>
+          <a:chOff x="0" y="0"/>
+          <a:chExt cx="0" cy="0"/>
+        </a:xfrm>
+      </p:grpSpPr>
+      <p:sp>
+        <p:nvSpPr>
+          <p:cNvPr id="2" name="Title 1">
+            <a:extLst>
+              <a:ext uri="{FF2B5EF4-FFF2-40B4-BE49-F238E27FC236}">
+                <a16:creationId xmlns:a16="http://schemas.microsoft.com/office/drawing/2014/main" id="{F3FB903F-CE3E-DE43-9BF5-70277B57D148}"/>
+              </a:ext>
+            </a:extLst>
+          </p:cNvPr>
+          <p:cNvSpPr>
+            <a:spLocks noGrp="1"/>
+          </p:cNvSpPr>
+          <p:nvPr>
+            <p:ph type="title"/>
+          </p:nvPr>
+        </p:nvSpPr>
+        <p:spPr>
+          <a:xfrm>
+            <a:off x="1451579" y="804519"/>
+            <a:ext cx="9603275" cy="1049235"/>
+          </a:xfrm>
+        </p:spPr>
+        <p:txBody>
+          <a:bodyPr>
+            <a:normAutofit/>
+          </a:bodyPr>
+          <a:lstStyle/>
+          <a:p>
+            <a:r>
+              <a:rPr lang="en-US" dirty="0"/>
+              <a:t>Images</a:t>
+            </a:r>
+          </a:p>
+        </p:txBody>
+      </p:sp>
+      <p:sp>
+        <p:nvSpPr>
+          <p:cNvPr id="3" name="Content Placeholder 2">
+            <a:extLst>
+              <a:ext uri="{FF2B5EF4-FFF2-40B4-BE49-F238E27FC236}">
+                <a16:creationId xmlns:a16="http://schemas.microsoft.com/office/drawing/2014/main" id="{C81DE9A2-B784-8847-A671-53558461A496}"/>
+              </a:ext>
+            </a:extLst>
+          </p:cNvPr>
+          <p:cNvSpPr>
+            <a:spLocks noGrp="1"/>
+          </p:cNvSpPr>
+          <p:nvPr>
+            <p:ph idx="1"/>
+          </p:nvPr>
+        </p:nvSpPr>
+        <p:spPr>
+          <a:xfrm>
+            <a:off x="401444" y="2015733"/>
+            <a:ext cx="4984946" cy="4037747"/>
+          </a:xfrm>
+        </p:spPr>
+        <p:txBody>
+          <a:bodyPr>
+            <a:normAutofit/>
+          </a:bodyPr>
+          <a:lstStyle/>
+          <a:p>
+            <a:r>
+              <a:rPr lang="en-US" dirty="0"/>
+              <a:t>Images are basically 2D (for now) grids of pixels.</a:t>
+            </a:r>
+          </a:p>
+          <a:p>
+            <a:pPr lvl="1"/>
+            <a:r>
+              <a:rPr lang="en-US" dirty="0"/>
+              <a:t>Your 1080p screen is 1920 x 1080 pixels.</a:t>
+            </a:r>
+          </a:p>
+          <a:p>
+            <a:r>
+              <a:rPr lang="en-US" dirty="0"/>
+              <a:t>Each pixel is an integer value. </a:t>
+            </a:r>
+          </a:p>
+          <a:p>
+            <a:pPr lvl="1"/>
+            <a:r>
+              <a:rPr lang="en-US" dirty="0"/>
+              <a:t>0-255 for darkness</a:t>
+            </a:r>
+          </a:p>
+          <a:p>
+            <a:r>
+              <a:rPr lang="en-US" dirty="0"/>
+              <a:t>Images are normal data, and we can treat them like any other data. </a:t>
+            </a:r>
+          </a:p>
+          <a:p>
+            <a:r>
+              <a:rPr lang="en-US" dirty="0"/>
+              <a:t>This allows us to, pretty easily, do image recognition!</a:t>
+            </a:r>
+          </a:p>
+        </p:txBody>
+      </p:sp>
+      <p:pic>
+        <p:nvPicPr>
+          <p:cNvPr id="1026" name="Picture 2" descr="SaraAI - mnist">
+            <a:extLst>
+              <a:ext uri="{FF2B5EF4-FFF2-40B4-BE49-F238E27FC236}">
+                <a16:creationId xmlns:a16="http://schemas.microsoft.com/office/drawing/2014/main" id="{5E9AF5CB-741A-654E-B2AF-0D1547D587DA}"/>
+              </a:ext>
+            </a:extLst>
+          </p:cNvPr>
+          <p:cNvPicPr>
+            <a:picLocks noChangeAspect="1" noChangeArrowheads="1"/>
+          </p:cNvPicPr>
+          <p:nvPr/>
+        </p:nvPicPr>
+        <p:blipFill>
+          <a:blip r:embed="rId2">
+            <a:extLst>
+              <a:ext uri="{28A0092B-C50C-407E-A947-70E740481C1C}">
+                <a14:useLocalDpi xmlns:a14="http://schemas.microsoft.com/office/drawing/2010/main" val="0"/>
+              </a:ext>
+            </a:extLst>
+          </a:blip>
+          <a:stretch>
+            <a:fillRect/>
+          </a:stretch>
+        </p:blipFill>
+        <p:spPr bwMode="auto">
+          <a:xfrm>
+            <a:off x="5386389" y="52389"/>
+            <a:ext cx="6805612" cy="6805612"/>
+          </a:xfrm>
+          <a:prstGeom prst="rect">
+            <a:avLst/>
+          </a:prstGeom>
+          <a:noFill/>
+          <a:extLst>
+            <a:ext uri="{909E8E84-426E-40DD-AFC4-6F175D3DCCD1}">
+              <a14:hiddenFill xmlns:a14="http://schemas.microsoft.com/office/drawing/2010/main">
+                <a:solidFill>
+                  <a:srgbClr val="FFFFFF"/>
+                </a:solidFill>
+              </a14:hiddenFill>
+            </a:ext>
+          </a:extLst>
+        </p:spPr>
+      </p:pic>
+    </p:spTree>
+    <p:extLst>
+      <p:ext uri="{BB962C8B-B14F-4D97-AF65-F5344CB8AC3E}">
+        <p14:creationId xmlns:p14="http://schemas.microsoft.com/office/powerpoint/2010/main" val="3942868991"/>
+      </p:ext>
+    </p:extLst>
+  </p:cSld>
+  <p:clrMapOvr>
+    <a:masterClrMapping/>
+  </p:clrMapOvr>
+</p:sld>
+</file>
+
+<file path=ppt/slides/slide14.xml><?xml version="1.0" encoding="utf-8"?>
+<p:sld xmlns:a="http://schemas.openxmlformats.org/drawingml/2006/main" xmlns:r="http://schemas.openxmlformats.org/officeDocument/2006/relationships" xmlns:p="http://schemas.openxmlformats.org/presentationml/2006/main">
+  <p:cSld>
+    <p:bg>
+      <p:bgPr>
+        <a:gradFill rotWithShape="1">
+          <a:gsLst>
+            <a:gs pos="0">
+              <a:schemeClr val="bg2">
+                <a:tint val="94000"/>
+                <a:satMod val="80000"/>
+                <a:lumMod val="106000"/>
+              </a:schemeClr>
+            </a:gs>
+            <a:gs pos="100000">
+              <a:schemeClr val="bg2">
+                <a:shade val="80000"/>
+              </a:schemeClr>
+            </a:gs>
+          </a:gsLst>
+          <a:path path="circle">
+            <a:fillToRect l="43000" r="43000" b="100000"/>
+          </a:path>
+        </a:gradFill>
+        <a:effectLst/>
+      </p:bgPr>
+    </p:bg>
+    <p:spTree>
+      <p:nvGrpSpPr>
+        <p:cNvPr id="1" name=""/>
+        <p:cNvGrpSpPr/>
+        <p:nvPr/>
+      </p:nvGrpSpPr>
+      <p:grpSpPr>
+        <a:xfrm>
+          <a:off x="0" y="0"/>
+          <a:ext cx="0" cy="0"/>
+          <a:chOff x="0" y="0"/>
+          <a:chExt cx="0" cy="0"/>
+        </a:xfrm>
+      </p:grpSpPr>
+      <p:sp>
+        <p:nvSpPr>
+          <p:cNvPr id="2" name="Title 1">
+            <a:extLst>
+              <a:ext uri="{FF2B5EF4-FFF2-40B4-BE49-F238E27FC236}">
+                <a16:creationId xmlns:a16="http://schemas.microsoft.com/office/drawing/2014/main" id="{AB677636-8A33-7C42-809D-0BCBF174378D}"/>
+              </a:ext>
+            </a:extLst>
+          </p:cNvPr>
+          <p:cNvSpPr>
+            <a:spLocks noGrp="1"/>
+          </p:cNvSpPr>
+          <p:nvPr>
+            <p:ph type="title"/>
+          </p:nvPr>
+        </p:nvSpPr>
+        <p:spPr>
+          <a:xfrm>
+            <a:off x="1451579" y="804519"/>
+            <a:ext cx="9603275" cy="1049235"/>
+          </a:xfrm>
+        </p:spPr>
+        <p:txBody>
+          <a:bodyPr>
+            <a:normAutofit/>
+          </a:bodyPr>
+          <a:lstStyle/>
+          <a:p>
+            <a:r>
+              <a:rPr lang="en-US" dirty="0"/>
+              <a:t>Better Images</a:t>
+            </a:r>
+          </a:p>
+        </p:txBody>
+      </p:sp>
+      <p:pic>
+        <p:nvPicPr>
+          <p:cNvPr id="6146" name="Picture 2" descr="Color image representation and RGB matrix | Download Scientific Diagram">
+            <a:extLst>
+              <a:ext uri="{FF2B5EF4-FFF2-40B4-BE49-F238E27FC236}">
+                <a16:creationId xmlns:a16="http://schemas.microsoft.com/office/drawing/2014/main" id="{4EF6BA20-AB62-C94A-AC15-0B8F4FFA5B7C}"/>
+              </a:ext>
+            </a:extLst>
+          </p:cNvPr>
+          <p:cNvPicPr>
+            <a:picLocks noChangeAspect="1" noChangeArrowheads="1"/>
+          </p:cNvPicPr>
+          <p:nvPr/>
+        </p:nvPicPr>
+        <p:blipFill>
+          <a:blip r:embed="rId2">
+            <a:extLst>
+              <a:ext uri="{28A0092B-C50C-407E-A947-70E740481C1C}">
+                <a14:useLocalDpi xmlns:a14="http://schemas.microsoft.com/office/drawing/2010/main" val="0"/>
+              </a:ext>
+            </a:extLst>
+          </a:blip>
+          <a:stretch>
+            <a:fillRect/>
+          </a:stretch>
+        </p:blipFill>
+        <p:spPr bwMode="auto">
+          <a:xfrm>
+            <a:off x="-13095" y="2286000"/>
+            <a:ext cx="7877442" cy="2914650"/>
+          </a:xfrm>
+          <a:prstGeom prst="rect">
+            <a:avLst/>
+          </a:prstGeom>
+          <a:noFill/>
+          <a:extLst>
+            <a:ext uri="{909E8E84-426E-40DD-AFC4-6F175D3DCCD1}">
+              <a14:hiddenFill xmlns:a14="http://schemas.microsoft.com/office/drawing/2010/main">
+                <a:solidFill>
+                  <a:srgbClr val="FFFFFF"/>
+                </a:solidFill>
+              </a14:hiddenFill>
+            </a:ext>
+          </a:extLst>
+        </p:spPr>
+      </p:pic>
+      <p:sp>
+        <p:nvSpPr>
+          <p:cNvPr id="3" name="Content Placeholder 2">
+            <a:extLst>
+              <a:ext uri="{FF2B5EF4-FFF2-40B4-BE49-F238E27FC236}">
+                <a16:creationId xmlns:a16="http://schemas.microsoft.com/office/drawing/2014/main" id="{51DCB23F-F681-554F-8018-B8D417F4BDB9}"/>
+              </a:ext>
+            </a:extLst>
+          </p:cNvPr>
+          <p:cNvSpPr>
+            <a:spLocks noGrp="1"/>
+          </p:cNvSpPr>
+          <p:nvPr>
+            <p:ph idx="1"/>
+          </p:nvPr>
+        </p:nvSpPr>
+        <p:spPr>
+          <a:xfrm>
+            <a:off x="8115300" y="2015734"/>
+            <a:ext cx="3943350" cy="4037747"/>
+          </a:xfrm>
+        </p:spPr>
+        <p:txBody>
+          <a:bodyPr>
+            <a:normAutofit/>
+          </a:bodyPr>
+          <a:lstStyle/>
+          <a:p>
+            <a:r>
+              <a:rPr lang="en-US" dirty="0"/>
+              <a:t>Our images are simple – 1 color. </a:t>
+            </a:r>
+          </a:p>
+          <a:p>
+            <a:r>
+              <a:rPr lang="en-US" dirty="0"/>
+              <a:t>No depth - we only need an array with depth of 1. </a:t>
+            </a:r>
+          </a:p>
+          <a:p>
+            <a:r>
+              <a:rPr lang="en-US" dirty="0"/>
+              <a:t>More complex images add pixels and additional layers for more color. </a:t>
+            </a:r>
+          </a:p>
+          <a:p>
+            <a:r>
+              <a:rPr lang="en-US" dirty="0"/>
+              <a:t>These are tensors – multidimensional arrays. </a:t>
+            </a:r>
+          </a:p>
+        </p:txBody>
+      </p:sp>
+    </p:spTree>
+    <p:extLst>
+      <p:ext uri="{BB962C8B-B14F-4D97-AF65-F5344CB8AC3E}">
+        <p14:creationId xmlns:p14="http://schemas.microsoft.com/office/powerpoint/2010/main" val="690243489"/>
+      </p:ext>
+    </p:extLst>
+  </p:cSld>
+  <p:clrMapOvr>
+    <a:masterClrMapping/>
+  </p:clrMapOvr>
+</p:sld>
+</file>
+
+<file path=ppt/slides/slide15.xml><?xml version="1.0" encoding="utf-8"?>
+<p:sld xmlns:a="http://schemas.openxmlformats.org/drawingml/2006/main" xmlns:r="http://schemas.openxmlformats.org/officeDocument/2006/relationships" xmlns:p="http://schemas.openxmlformats.org/presentationml/2006/main">
+  <p:cSld>
+    <p:spTree>
+      <p:nvGrpSpPr>
+        <p:cNvPr id="1" name=""/>
+        <p:cNvGrpSpPr/>
+        <p:nvPr/>
+      </p:nvGrpSpPr>
+      <p:grpSpPr>
+        <a:xfrm>
+          <a:off x="0" y="0"/>
+          <a:ext cx="0" cy="0"/>
+          <a:chOff x="0" y="0"/>
+          <a:chExt cx="0" cy="0"/>
+        </a:xfrm>
+      </p:grpSpPr>
+      <p:sp>
+        <p:nvSpPr>
+          <p:cNvPr id="2" name="Title 1">
+            <a:extLst>
+              <a:ext uri="{FF2B5EF4-FFF2-40B4-BE49-F238E27FC236}">
+                <a16:creationId xmlns:a16="http://schemas.microsoft.com/office/drawing/2014/main" id="{763A3D3D-1B15-1537-EF9B-D4F698BB039B}"/>
+              </a:ext>
+            </a:extLst>
+          </p:cNvPr>
+          <p:cNvSpPr>
+            <a:spLocks noGrp="1"/>
+          </p:cNvSpPr>
+          <p:nvPr>
+            <p:ph type="title"/>
+          </p:nvPr>
+        </p:nvSpPr>
+        <p:spPr/>
+        <p:txBody>
+          <a:bodyPr/>
+          <a:lstStyle/>
+          <a:p>
+            <a:r>
+              <a:rPr lang="en-US" dirty="0"/>
+              <a:t>Classifying Digits</a:t>
+            </a:r>
+          </a:p>
+        </p:txBody>
+      </p:sp>
+      <p:sp>
+        <p:nvSpPr>
+          <p:cNvPr id="3" name="Content Placeholder 2">
+            <a:extLst>
+              <a:ext uri="{FF2B5EF4-FFF2-40B4-BE49-F238E27FC236}">
+                <a16:creationId xmlns:a16="http://schemas.microsoft.com/office/drawing/2014/main" id="{9EC530FB-566D-D043-2F30-7D7002FF5A02}"/>
+              </a:ext>
+            </a:extLst>
+          </p:cNvPr>
+          <p:cNvSpPr>
+            <a:spLocks noGrp="1"/>
+          </p:cNvSpPr>
+          <p:nvPr>
+            <p:ph idx="1"/>
+          </p:nvPr>
+        </p:nvSpPr>
+        <p:spPr>
+          <a:xfrm>
+            <a:off x="1451579" y="1853754"/>
+            <a:ext cx="9603275" cy="4259451"/>
+          </a:xfrm>
+        </p:spPr>
+        <p:txBody>
+          <a:bodyPr>
+            <a:normAutofit/>
+          </a:bodyPr>
+          <a:lstStyle/>
+          <a:p>
+            <a:r>
+              <a:rPr lang="en-US" dirty="0"/>
+              <a:t>We can create a model to classify digits into 10 classes. </a:t>
+            </a:r>
+          </a:p>
+          <a:p>
+            <a:r>
+              <a:rPr lang="en-US" dirty="0"/>
+              <a:t>Our image data – we will interpret it like “normal” data:</a:t>
+            </a:r>
+          </a:p>
+          <a:p>
+            <a:pPr lvl="1"/>
+            <a:r>
+              <a:rPr lang="en-US" dirty="0"/>
+              <a:t>Each digit is an image of pixels – either 64 (8x8) or 748 (28x28). </a:t>
+            </a:r>
+          </a:p>
+          <a:p>
+            <a:pPr lvl="1"/>
+            <a:r>
+              <a:rPr lang="en-US" dirty="0"/>
+              <a:t>There’s only one color, so each pixel can be between 0 and 255 for “darkness”. </a:t>
+            </a:r>
+          </a:p>
+          <a:p>
+            <a:pPr lvl="1"/>
+            <a:r>
+              <a:rPr lang="en-US" dirty="0"/>
+              <a:t>Our target is the label, the actual number that the pixel is. </a:t>
+            </a:r>
+          </a:p>
+          <a:p>
+            <a:pPr lvl="1"/>
+            <a:r>
+              <a:rPr lang="en-US" dirty="0"/>
+              <a:t>We can flatten the 2D representation of pixels into one row, then use normal models. </a:t>
+            </a:r>
+          </a:p>
+          <a:p>
+            <a:pPr lvl="1"/>
+            <a:r>
+              <a:rPr lang="en-US" dirty="0"/>
+              <a:t>Each pixel will now just be one feature, in order. (We can reshape back to get original)</a:t>
+            </a:r>
+          </a:p>
+          <a:p>
+            <a:r>
+              <a:rPr lang="en-US" dirty="0"/>
+              <a:t>We lose the spatial part of the data – our flat representation doesn’t “understand” 2D.</a:t>
+            </a:r>
+          </a:p>
+          <a:p>
+            <a:pPr lvl="1"/>
+            <a:r>
+              <a:rPr lang="en-US" dirty="0"/>
+              <a:t>With images, and other things that are analog, we create a representation to use. </a:t>
+            </a:r>
+          </a:p>
+          <a:p>
+            <a:pPr lvl="1"/>
+            <a:r>
+              <a:rPr lang="en-US" dirty="0"/>
+              <a:t>There are better ways to process image data that keep spatial awareness, we’ll see later. </a:t>
+            </a:r>
+          </a:p>
+          <a:p>
+            <a:endParaRPr lang="en-US" dirty="0"/>
+          </a:p>
+        </p:txBody>
+      </p:sp>
+      <p:pic>
+        <p:nvPicPr>
+          <p:cNvPr id="3074" name="Picture 2" descr="NumPy: numpy.ndarray.flatten()function - w3resource">
+            <a:extLst>
+              <a:ext uri="{FF2B5EF4-FFF2-40B4-BE49-F238E27FC236}">
+                <a16:creationId xmlns:a16="http://schemas.microsoft.com/office/drawing/2014/main" id="{33E79A7E-03D2-71B3-8975-E0B8F178C978}"/>
+              </a:ext>
+            </a:extLst>
+          </p:cNvPr>
+          <p:cNvPicPr>
+            <a:picLocks noChangeAspect="1" noChangeArrowheads="1"/>
+          </p:cNvPicPr>
+          <p:nvPr/>
+        </p:nvPicPr>
+        <p:blipFill rotWithShape="1">
+          <a:blip r:embed="rId2">
+            <a:extLst>
+              <a:ext uri="{28A0092B-C50C-407E-A947-70E740481C1C}">
+                <a14:useLocalDpi xmlns:a14="http://schemas.microsoft.com/office/drawing/2010/main" val="0"/>
+              </a:ext>
+            </a:extLst>
+          </a:blip>
+          <a:srcRect l="9739" t="3665" r="11514" b="3665"/>
+          <a:stretch/>
+        </p:blipFill>
+        <p:spPr bwMode="auto">
+          <a:xfrm>
+            <a:off x="9637059" y="1"/>
+            <a:ext cx="2554941" cy="3369266"/>
+          </a:xfrm>
+          <a:prstGeom prst="rect">
+            <a:avLst/>
+          </a:prstGeom>
+          <a:noFill/>
+          <a:extLst>
+            <a:ext uri="{909E8E84-426E-40DD-AFC4-6F175D3DCCD1}">
+              <a14:hiddenFill xmlns:a14="http://schemas.microsoft.com/office/drawing/2010/main">
+                <a:solidFill>
+                  <a:srgbClr val="FFFFFF"/>
+                </a:solidFill>
+              </a14:hiddenFill>
+            </a:ext>
+          </a:extLst>
+        </p:spPr>
+      </p:pic>
+    </p:spTree>
+    <p:extLst>
+      <p:ext uri="{BB962C8B-B14F-4D97-AF65-F5344CB8AC3E}">
+        <p14:creationId xmlns:p14="http://schemas.microsoft.com/office/powerpoint/2010/main" val="1464860524"/>
+      </p:ext>
+    </p:extLst>
+  </p:cSld>
+  <p:clrMapOvr>
+    <a:masterClrMapping/>
+  </p:clrMapOvr>
+</p:sld>
+</file>
+
+<file path=ppt/slides/slide16.xml><?xml version="1.0" encoding="utf-8"?>
+<p:sld xmlns:a="http://schemas.openxmlformats.org/drawingml/2006/main" xmlns:r="http://schemas.openxmlformats.org/officeDocument/2006/relationships" xmlns:p="http://schemas.openxmlformats.org/presentationml/2006/main">
+  <p:cSld>
+    <p:spTree>
+      <p:nvGrpSpPr>
+        <p:cNvPr id="1" name=""/>
+        <p:cNvGrpSpPr/>
+        <p:nvPr/>
+      </p:nvGrpSpPr>
+      <p:grpSpPr>
+        <a:xfrm>
+          <a:off x="0" y="0"/>
+          <a:ext cx="0" cy="0"/>
+          <a:chOff x="0" y="0"/>
+          <a:chExt cx="0" cy="0"/>
+        </a:xfrm>
+      </p:grpSpPr>
+      <p:sp>
+        <p:nvSpPr>
+          <p:cNvPr id="2" name="Title 1">
+            <a:extLst>
+              <a:ext uri="{FF2B5EF4-FFF2-40B4-BE49-F238E27FC236}">
+                <a16:creationId xmlns:a16="http://schemas.microsoft.com/office/drawing/2014/main" id="{D4257230-D331-22F1-C328-892C2A3F5FD3}"/>
+              </a:ext>
+            </a:extLst>
+          </p:cNvPr>
+          <p:cNvSpPr>
+            <a:spLocks noGrp="1"/>
+          </p:cNvSpPr>
+          <p:nvPr>
+            <p:ph type="title"/>
+          </p:nvPr>
+        </p:nvSpPr>
+        <p:spPr/>
+        <p:txBody>
+          <a:bodyPr/>
+          <a:lstStyle/>
+          <a:p>
+            <a:r>
+              <a:rPr lang="en-US" dirty="0"/>
+              <a:t>Data Representations</a:t>
+            </a:r>
+          </a:p>
+        </p:txBody>
+      </p:sp>
+      <p:sp>
+        <p:nvSpPr>
+          <p:cNvPr id="3" name="Content Placeholder 2">
+            <a:extLst>
+              <a:ext uri="{FF2B5EF4-FFF2-40B4-BE49-F238E27FC236}">
+                <a16:creationId xmlns:a16="http://schemas.microsoft.com/office/drawing/2014/main" id="{0F7856DB-7967-F0FC-4E78-90EC7D46A8E9}"/>
+              </a:ext>
+            </a:extLst>
+          </p:cNvPr>
+          <p:cNvSpPr>
+            <a:spLocks noGrp="1"/>
+          </p:cNvSpPr>
+          <p:nvPr>
+            <p:ph idx="1"/>
+          </p:nvPr>
+        </p:nvSpPr>
+        <p:spPr>
+          <a:xfrm>
+            <a:off x="980768" y="1853754"/>
+            <a:ext cx="10434483" cy="4288949"/>
+          </a:xfrm>
+        </p:spPr>
+        <p:txBody>
+          <a:bodyPr>
+            <a:normAutofit/>
+          </a:bodyPr>
+          <a:lstStyle/>
+          <a:p>
+            <a:r>
+              <a:rPr lang="en-US" dirty="0"/>
+              <a:t>For structured data (numbers, classes, Booleans) the data values we use are pretty set. </a:t>
+            </a:r>
+          </a:p>
+          <a:p>
+            <a:pPr lvl="1"/>
+            <a:r>
+              <a:rPr lang="en-US" dirty="0"/>
+              <a:t>Our models calculate numbers, so we are just converting to different numbers. </a:t>
+            </a:r>
+          </a:p>
+          <a:p>
+            <a:pPr lvl="1"/>
+            <a:r>
+              <a:rPr lang="en-US" dirty="0"/>
+              <a:t>Our predictions are based on getting as close as possible to whatever the value is. </a:t>
+            </a:r>
+          </a:p>
+          <a:p>
+            <a:r>
+              <a:rPr lang="en-US" dirty="0"/>
+              <a:t>For unstructured data, that can’t really happen. </a:t>
+            </a:r>
+          </a:p>
+          <a:p>
+            <a:pPr lvl="1"/>
+            <a:r>
+              <a:rPr lang="en-US" dirty="0"/>
+              <a:t>An image, sound, or paragraph doesn’t really have a ’value’ in the same sense. </a:t>
+            </a:r>
+          </a:p>
+          <a:p>
+            <a:r>
+              <a:rPr lang="en-US" dirty="0"/>
+              <a:t>We need to generate a representation of the data to use in a mathematical model. </a:t>
+            </a:r>
+          </a:p>
+          <a:p>
+            <a:pPr lvl="1"/>
+            <a:r>
+              <a:rPr lang="en-US" dirty="0"/>
+              <a:t>Here, that is a simple rearranging of the pixel layout. </a:t>
+            </a:r>
+          </a:p>
+          <a:p>
+            <a:pPr lvl="1"/>
+            <a:r>
+              <a:rPr lang="en-US" dirty="0"/>
+              <a:t>In more advanced image processing models, we can look at 2D ‘hunks’ (or edges, or…)</a:t>
+            </a:r>
+          </a:p>
+          <a:p>
+            <a:pPr lvl="1"/>
+            <a:r>
+              <a:rPr lang="en-US" dirty="0"/>
+              <a:t>Soon, for free text, we’ll need to do something similar – generate an embedding. </a:t>
+            </a:r>
+          </a:p>
+          <a:p>
+            <a:r>
+              <a:rPr lang="en-US" dirty="0"/>
+              <a:t>Performance depends both on the model, and how good the numeric representation of reality is. </a:t>
+            </a:r>
+          </a:p>
+        </p:txBody>
+      </p:sp>
+    </p:spTree>
+    <p:extLst>
+      <p:ext uri="{BB962C8B-B14F-4D97-AF65-F5344CB8AC3E}">
+        <p14:creationId xmlns:p14="http://schemas.microsoft.com/office/powerpoint/2010/main" val="2217046555"/>
+      </p:ext>
+    </p:extLst>
+  </p:cSld>
+  <p:clrMapOvr>
+    <a:masterClrMapping/>
+  </p:clrMapOvr>
+</p:sld>
+</file>
+
 <file path=ppt/slides/slide2.xml><?xml version="1.0" encoding="utf-8"?>
 <p:sld xmlns:a="http://schemas.openxmlformats.org/drawingml/2006/main" xmlns:r="http://schemas.openxmlformats.org/officeDocument/2006/relationships" xmlns:p="http://schemas.openxmlformats.org/presentationml/2006/main">
   <p:cSld>
@@ -3882,7 +5350,7 @@
         <p:spPr>
           <a:xfrm>
             <a:off x="1451579" y="2015734"/>
-            <a:ext cx="4162555" cy="3450613"/>
+            <a:ext cx="4162555" cy="4037747"/>
           </a:xfrm>
         </p:spPr>
         <p:txBody>
@@ -3910,8 +5378,10 @@
             </a:r>
           </a:p>
           <a:p>
-            <a:pPr lvl="1"/>
-            <a:endParaRPr lang="en-US" dirty="0"/>
+            <a:r>
+              <a:rPr lang="en-US" dirty="0"/>
+              <a:t>Logistic regression has L2 as default.</a:t>
+            </a:r>
           </a:p>
           <a:p>
             <a:endParaRPr lang="en-US" dirty="0"/>
@@ -4023,7 +5493,7 @@
           <p:cNvPr id="2" name="Title 1">
             <a:extLst>
               <a:ext uri="{FF2B5EF4-FFF2-40B4-BE49-F238E27FC236}">
-                <a16:creationId xmlns:a16="http://schemas.microsoft.com/office/drawing/2014/main" id="{17924B18-343E-BC46-82D5-942B63B247E9}"/>
+                <a16:creationId xmlns:a16="http://schemas.microsoft.com/office/drawing/2014/main" id="{14EF79B5-DD28-C972-54FB-7C2B0B9BA641}"/>
               </a:ext>
             </a:extLst>
           </p:cNvPr>
@@ -4048,17 +5518,116 @@
           <a:p>
             <a:r>
               <a:rPr lang="en-US" dirty="0"/>
-              <a:t>Multiple Classification</a:t>
+              <a:t>Regularization in Effect</a:t>
+            </a:r>
+          </a:p>
+        </p:txBody>
+      </p:sp>
+      <p:sp>
+        <p:nvSpPr>
+          <p:cNvPr id="3" name="Content Placeholder 2">
+            <a:extLst>
+              <a:ext uri="{FF2B5EF4-FFF2-40B4-BE49-F238E27FC236}">
+                <a16:creationId xmlns:a16="http://schemas.microsoft.com/office/drawing/2014/main" id="{E134F73D-FC6D-F732-C58B-FED96127F2DD}"/>
+              </a:ext>
+            </a:extLst>
+          </p:cNvPr>
+          <p:cNvSpPr>
+            <a:spLocks noGrp="1"/>
+          </p:cNvSpPr>
+          <p:nvPr>
+            <p:ph idx="1"/>
+          </p:nvPr>
+        </p:nvSpPr>
+        <p:spPr>
+          <a:xfrm>
+            <a:off x="0" y="1917290"/>
+            <a:ext cx="6512403" cy="4136191"/>
+          </a:xfrm>
+        </p:spPr>
+        <p:txBody>
+          <a:bodyPr>
+            <a:normAutofit/>
+          </a:bodyPr>
+          <a:lstStyle/>
+          <a:p>
+            <a:r>
+              <a:rPr lang="en-US" dirty="0"/>
+              <a:t>Recall:</a:t>
+            </a:r>
+          </a:p>
+          <a:p>
+            <a:pPr lvl="1"/>
+            <a:r>
+              <a:rPr lang="en-US" dirty="0"/>
+              <a:t>In a regression, the prediction is just y=</a:t>
+            </a:r>
+            <a:r>
+              <a:rPr lang="en-US" dirty="0" err="1"/>
+              <a:t>mx+b</a:t>
+            </a:r>
+            <a:r>
+              <a:rPr lang="en-US" dirty="0"/>
+              <a:t> calculated.</a:t>
+            </a:r>
+          </a:p>
+          <a:p>
+            <a:pPr lvl="1"/>
+            <a:r>
+              <a:rPr lang="en-US" dirty="0"/>
+              <a:t>We scaled data to have </a:t>
+            </a:r>
+            <a:r>
+              <a:rPr lang="en-US" dirty="0" err="1"/>
+              <a:t>Xs</a:t>
+            </a:r>
+            <a:r>
+              <a:rPr lang="en-US" dirty="0"/>
+              <a:t> that are not widely varied in their range. ~0-1ish. </a:t>
+            </a:r>
+          </a:p>
+          <a:p>
+            <a:pPr lvl="1"/>
+            <a:r>
+              <a:rPr lang="en-US" dirty="0"/>
+              <a:t>Regularization limits the growth of the m. (Weights)</a:t>
+            </a:r>
+          </a:p>
+          <a:p>
+            <a:pPr lvl="1"/>
+            <a:r>
+              <a:rPr lang="en-US" dirty="0"/>
+              <a:t>B (intercept) is purely corrective, added at the end to shift. </a:t>
+            </a:r>
+          </a:p>
+          <a:p>
+            <a:r>
+              <a:rPr lang="en-US" dirty="0"/>
+              <a:t>In regression we’d have scaling and reg. limiting mx terms. </a:t>
+            </a:r>
+          </a:p>
+          <a:p>
+            <a:pPr lvl="1"/>
+            <a:r>
+              <a:rPr lang="en-US" dirty="0"/>
+              <a:t>I.e. the model is less “reactive” or variant in its predictions. </a:t>
+            </a:r>
+          </a:p>
+          <a:p>
+            <a:pPr lvl="1"/>
+            <a:r>
+              <a:rPr lang="en-US" dirty="0"/>
+              <a:t>In large models, with many terms, this limits overfitting. </a:t>
             </a:r>
           </a:p>
         </p:txBody>
       </p:sp>
       <p:pic>
         <p:nvPicPr>
-          <p:cNvPr id="4098" name="Picture 2" descr="Logistic Regression | Machine Learning, Deep Learning, and Computer Vision">
+          <p:cNvPr id="2050" name="Picture 2" descr="Multiple Linear Regression Analysis - ReliaWiki">
             <a:extLst>
               <a:ext uri="{FF2B5EF4-FFF2-40B4-BE49-F238E27FC236}">
-                <a16:creationId xmlns:a16="http://schemas.microsoft.com/office/drawing/2014/main" id="{0FCC8ECD-3D62-484C-9CBD-48657C83B52C}"/>
+                <a16:creationId xmlns:a16="http://schemas.microsoft.com/office/drawing/2014/main" id="{B6C3DEA5-C9E4-1AD2-57B9-B277BEF26342}"/>
               </a:ext>
             </a:extLst>
           </p:cNvPr>
@@ -4081,8 +5650,8 @@
         </p:blipFill>
         <p:spPr bwMode="auto">
           <a:xfrm>
-            <a:off x="0" y="1572526"/>
-            <a:ext cx="8858250" cy="4938472"/>
+            <a:off x="6512403" y="1484328"/>
+            <a:ext cx="5679598" cy="5373671"/>
           </a:xfrm>
           <a:prstGeom prst="rect">
             <a:avLst/>
@@ -4099,62 +5668,10 @@
           </a:extLst>
         </p:spPr>
       </p:pic>
-      <p:sp>
-        <p:nvSpPr>
-          <p:cNvPr id="3" name="Content Placeholder 2">
-            <a:extLst>
-              <a:ext uri="{FF2B5EF4-FFF2-40B4-BE49-F238E27FC236}">
-                <a16:creationId xmlns:a16="http://schemas.microsoft.com/office/drawing/2014/main" id="{2946E953-78A9-4645-AFD0-EE3431E8EC02}"/>
-              </a:ext>
-            </a:extLst>
-          </p:cNvPr>
-          <p:cNvSpPr>
-            <a:spLocks noGrp="1"/>
-          </p:cNvSpPr>
-          <p:nvPr>
-            <p:ph idx="1"/>
-          </p:nvPr>
-        </p:nvSpPr>
-        <p:spPr>
-          <a:xfrm>
-            <a:off x="8858250" y="2015734"/>
-            <a:ext cx="3157538" cy="4037747"/>
-          </a:xfrm>
-        </p:spPr>
-        <p:txBody>
-          <a:bodyPr>
-            <a:normAutofit/>
-          </a:bodyPr>
-          <a:lstStyle/>
-          <a:p>
-            <a:r>
-              <a:rPr lang="en-US" dirty="0"/>
-              <a:t>We can also predict things into multiple classes. </a:t>
-            </a:r>
-          </a:p>
-          <a:p>
-            <a:r>
-              <a:rPr lang="en-US" dirty="0" err="1"/>
-              <a:t>Sklearn</a:t>
-            </a:r>
-            <a:r>
-              <a:rPr lang="en-US" dirty="0"/>
-              <a:t> does this by default by doing 1 vs rest. </a:t>
-            </a:r>
-          </a:p>
-          <a:p>
-            <a:pPr lvl="1"/>
-            <a:r>
-              <a:rPr lang="en-US" dirty="0"/>
-              <a:t>Build 1 classifier per class, making a yes/no for that class. </a:t>
-            </a:r>
-          </a:p>
-        </p:txBody>
-      </p:sp>
     </p:spTree>
     <p:extLst>
       <p:ext uri="{BB962C8B-B14F-4D97-AF65-F5344CB8AC3E}">
-        <p14:creationId xmlns:p14="http://schemas.microsoft.com/office/powerpoint/2010/main" val="2341763407"/>
+        <p14:creationId xmlns:p14="http://schemas.microsoft.com/office/powerpoint/2010/main" val="1765103554"/>
       </p:ext>
     </p:extLst>
   </p:cSld>
@@ -4167,30 +5684,6 @@
 <file path=ppt/slides/slide5.xml><?xml version="1.0" encoding="utf-8"?>
 <p:sld xmlns:a="http://schemas.openxmlformats.org/drawingml/2006/main" xmlns:r="http://schemas.openxmlformats.org/officeDocument/2006/relationships" xmlns:p="http://schemas.openxmlformats.org/presentationml/2006/main">
   <p:cSld>
-    <p:bg>
-      <p:bgPr>
-        <a:gradFill rotWithShape="1">
-          <a:gsLst>
-            <a:gs pos="0">
-              <a:schemeClr val="bg2">
-                <a:tint val="94000"/>
-                <a:satMod val="80000"/>
-                <a:lumMod val="106000"/>
-              </a:schemeClr>
-            </a:gs>
-            <a:gs pos="100000">
-              <a:schemeClr val="bg2">
-                <a:shade val="80000"/>
-              </a:schemeClr>
-            </a:gs>
-          </a:gsLst>
-          <a:path path="circle">
-            <a:fillToRect l="43000" r="43000" b="100000"/>
-          </a:path>
-        </a:gradFill>
-        <a:effectLst/>
-      </p:bgPr>
-    </p:bg>
     <p:spTree>
       <p:nvGrpSpPr>
         <p:cNvPr id="1" name=""/>
@@ -4210,7 +5703,7 @@
           <p:cNvPr id="2" name="Title 1">
             <a:extLst>
               <a:ext uri="{FF2B5EF4-FFF2-40B4-BE49-F238E27FC236}">
-                <a16:creationId xmlns:a16="http://schemas.microsoft.com/office/drawing/2014/main" id="{281F390E-340F-B249-822B-570BE9D0D667}"/>
+                <a16:creationId xmlns:a16="http://schemas.microsoft.com/office/drawing/2014/main" id="{DA338294-45D5-A7B2-E23F-05912D8B6B44}"/>
               </a:ext>
             </a:extLst>
           </p:cNvPr>
@@ -4221,23 +5714,15 @@
             <p:ph type="title"/>
           </p:nvPr>
         </p:nvSpPr>
-        <p:spPr>
-          <a:xfrm>
-            <a:off x="1451579" y="804519"/>
-            <a:ext cx="9603275" cy="1049235"/>
-          </a:xfrm>
-        </p:spPr>
-        <p:txBody>
-          <a:bodyPr>
-            <a:normAutofit/>
-          </a:bodyPr>
-          <a:lstStyle/>
-          <a:p>
-            <a:r>
-              <a:rPr lang="en-US" dirty="0" err="1"/>
-              <a:t>Softmax</a:t>
-            </a:r>
-            <a:endParaRPr lang="en-US" dirty="0"/>
+        <p:spPr/>
+        <p:txBody>
+          <a:bodyPr/>
+          <a:lstStyle/>
+          <a:p>
+            <a:r>
+              <a:rPr lang="en-US" dirty="0"/>
+              <a:t>What about Classification…</a:t>
+            </a:r>
           </a:p>
         </p:txBody>
       </p:sp>
@@ -4246,7 +5731,7 @@
           <p:cNvPr id="3" name="Content Placeholder 2">
             <a:extLst>
               <a:ext uri="{FF2B5EF4-FFF2-40B4-BE49-F238E27FC236}">
-                <a16:creationId xmlns:a16="http://schemas.microsoft.com/office/drawing/2014/main" id="{14DFB65A-A4ED-8244-AFBA-19A6DF06612B}"/>
+                <a16:creationId xmlns:a16="http://schemas.microsoft.com/office/drawing/2014/main" id="{8EF5C0F7-BE2D-4F9C-F766-800578105E34}"/>
               </a:ext>
             </a:extLst>
           </p:cNvPr>
@@ -4257,96 +5742,19 @@
             <p:ph idx="1"/>
           </p:nvPr>
         </p:nvSpPr>
-        <p:spPr>
-          <a:xfrm>
-            <a:off x="571501" y="2015734"/>
-            <a:ext cx="4016850" cy="3450613"/>
-          </a:xfrm>
-        </p:spPr>
-        <p:txBody>
-          <a:bodyPr>
-            <a:normAutofit/>
-          </a:bodyPr>
-          <a:lstStyle/>
-          <a:p>
-            <a:r>
-              <a:rPr lang="en-US" dirty="0" err="1"/>
-              <a:t>Softmax</a:t>
-            </a:r>
-            <a:r>
-              <a:rPr lang="en-US" dirty="0"/>
-              <a:t> allows us to directly predict class probabilities with one classifier. </a:t>
-            </a:r>
-          </a:p>
-          <a:p>
-            <a:r>
-              <a:rPr lang="en-US" dirty="0"/>
-              <a:t>The output of </a:t>
-            </a:r>
-            <a:r>
-              <a:rPr lang="en-US" dirty="0" err="1"/>
-              <a:t>Softmax</a:t>
-            </a:r>
-            <a:r>
-              <a:rPr lang="en-US" dirty="0"/>
-              <a:t> is a probability (0 to 1) that the instance is in that class. </a:t>
-            </a:r>
-          </a:p>
+        <p:spPr/>
+        <p:txBody>
+          <a:bodyPr/>
+          <a:lstStyle/>
           <a:p>
             <a:endParaRPr lang="en-US" dirty="0"/>
           </a:p>
         </p:txBody>
       </p:sp>
-      <p:pic>
-        <p:nvPicPr>
-          <p:cNvPr id="3074" name="Picture 2" descr="PyTorch Lecture 09: Softmax Classifier - YouTube">
-            <a:extLst>
-              <a:ext uri="{FF2B5EF4-FFF2-40B4-BE49-F238E27FC236}">
-                <a16:creationId xmlns:a16="http://schemas.microsoft.com/office/drawing/2014/main" id="{EAFE1CA0-BEE5-0149-8F24-D1E42CA099AA}"/>
-              </a:ext>
-            </a:extLst>
-          </p:cNvPr>
-          <p:cNvPicPr>
-            <a:picLocks noChangeAspect="1" noChangeArrowheads="1"/>
-          </p:cNvPicPr>
-          <p:nvPr/>
-        </p:nvPicPr>
-        <p:blipFill>
-          <a:blip r:embed="rId2">
-            <a:extLst>
-              <a:ext uri="{28A0092B-C50C-407E-A947-70E740481C1C}">
-                <a14:useLocalDpi xmlns:a14="http://schemas.microsoft.com/office/drawing/2010/main" val="0"/>
-              </a:ext>
-            </a:extLst>
-          </a:blip>
-          <a:stretch>
-            <a:fillRect/>
-          </a:stretch>
-        </p:blipFill>
-        <p:spPr bwMode="auto">
-          <a:xfrm>
-            <a:off x="4588350" y="2345916"/>
-            <a:ext cx="7640485" cy="4297772"/>
-          </a:xfrm>
-          <a:prstGeom prst="rect">
-            <a:avLst/>
-          </a:prstGeom>
-          <a:noFill/>
-          <a:extLst>
-            <a:ext uri="{909E8E84-426E-40DD-AFC4-6F175D3DCCD1}">
-              <a14:hiddenFill xmlns:a14="http://schemas.microsoft.com/office/drawing/2010/main">
-                <a:solidFill>
-                  <a:srgbClr val="FFFFFF"/>
-                </a:solidFill>
-              </a14:hiddenFill>
-            </a:ext>
-          </a:extLst>
-        </p:spPr>
-      </p:pic>
     </p:spTree>
     <p:extLst>
       <p:ext uri="{BB962C8B-B14F-4D97-AF65-F5344CB8AC3E}">
-        <p14:creationId xmlns:p14="http://schemas.microsoft.com/office/powerpoint/2010/main" val="2396580394"/>
+        <p14:creationId xmlns:p14="http://schemas.microsoft.com/office/powerpoint/2010/main" val="3894839049"/>
       </p:ext>
     </p:extLst>
   </p:cSld>
@@ -4378,7 +5786,7 @@
           <p:cNvPr id="2" name="Title 1">
             <a:extLst>
               <a:ext uri="{FF2B5EF4-FFF2-40B4-BE49-F238E27FC236}">
-                <a16:creationId xmlns:a16="http://schemas.microsoft.com/office/drawing/2014/main" id="{04357363-3198-764C-98E4-92885E2E943E}"/>
+                <a16:creationId xmlns:a16="http://schemas.microsoft.com/office/drawing/2014/main" id="{6CAEB196-FFFF-61BE-E06C-7897C44B7C49}"/>
               </a:ext>
             </a:extLst>
           </p:cNvPr>
@@ -4396,7 +5804,7 @@
           <a:p>
             <a:r>
               <a:rPr lang="en-US" dirty="0"/>
-              <a:t>Cross Entropy</a:t>
+              <a:t>What if There Are More than 2 Classes?</a:t>
             </a:r>
           </a:p>
         </p:txBody>
@@ -4406,7 +5814,7 @@
           <p:cNvPr id="3" name="Content Placeholder 2">
             <a:extLst>
               <a:ext uri="{FF2B5EF4-FFF2-40B4-BE49-F238E27FC236}">
-                <a16:creationId xmlns:a16="http://schemas.microsoft.com/office/drawing/2014/main" id="{852241B2-8C22-7B40-A9F8-854911DE4C2C}"/>
+                <a16:creationId xmlns:a16="http://schemas.microsoft.com/office/drawing/2014/main" id="{B454EEEC-AE20-1885-E76F-7B7689F686D0}"/>
               </a:ext>
             </a:extLst>
           </p:cNvPr>
@@ -4419,8 +5827,8 @@
         </p:nvSpPr>
         <p:spPr>
           <a:xfrm>
-            <a:off x="1451579" y="1853755"/>
-            <a:ext cx="9603275" cy="1071950"/>
+            <a:off x="1451579" y="1853754"/>
+            <a:ext cx="9603275" cy="4199727"/>
           </a:xfrm>
         </p:spPr>
         <p:txBody>
@@ -4429,76 +5837,94 @@
           <a:p>
             <a:r>
               <a:rPr lang="en-US" dirty="0"/>
-              <a:t>Cross Entropy is a common cost function for classification. </a:t>
-            </a:r>
-          </a:p>
-          <a:p>
-            <a:r>
-              <a:rPr lang="en-US" dirty="0"/>
-              <a:t>Cross entropy translates the </a:t>
+              <a:t>Classification models have defaulted to binary so far. </a:t>
+            </a:r>
+          </a:p>
+          <a:p>
+            <a:pPr lvl="1"/>
+            <a:r>
+              <a:rPr lang="en-US" dirty="0"/>
+              <a:t>Classes are (or can be understood as) True and False. </a:t>
+            </a:r>
+          </a:p>
+          <a:p>
+            <a:pPr lvl="1"/>
+            <a:r>
+              <a:rPr lang="en-US" dirty="0"/>
+              <a:t>Output is the probability something is true. </a:t>
+            </a:r>
+          </a:p>
+          <a:p>
+            <a:pPr lvl="1"/>
+            <a:r>
+              <a:rPr lang="en-US" dirty="0"/>
+              <a:t>Loss function (binary cross entropy) is built on the difference from the correct answer. </a:t>
+            </a:r>
+          </a:p>
+          <a:p>
+            <a:pPr lvl="1"/>
+            <a:r>
+              <a:rPr lang="en-US" dirty="0"/>
+              <a:t>Trees and Bayes can handle more than 2 output classes by default, linear models can’t.</a:t>
+            </a:r>
+          </a:p>
+          <a:p>
+            <a:r>
+              <a:rPr lang="en-US" dirty="0"/>
+              <a:t>We can modify these models to handle more than one class, in several ways. </a:t>
+            </a:r>
+          </a:p>
+          <a:p>
+            <a:pPr lvl="1"/>
+            <a:r>
+              <a:rPr lang="en-US" dirty="0"/>
+              <a:t>One vs One – make a classifier for each pair of possible outputs. </a:t>
+            </a:r>
+          </a:p>
+          <a:p>
+            <a:pPr lvl="1"/>
+            <a:r>
+              <a:rPr lang="en-US" dirty="0"/>
+              <a:t>One vs Rest – make a classifier for each class vs not that class. </a:t>
+            </a:r>
+          </a:p>
+          <a:p>
+            <a:pPr lvl="1"/>
+            <a:r>
+              <a:rPr lang="en-US" dirty="0"/>
+              <a:t>This can be forced in </a:t>
             </a:r>
             <a:r>
               <a:rPr lang="en-US" dirty="0" err="1"/>
-              <a:t>softmax</a:t>
-            </a:r>
-            <a:r>
-              <a:rPr lang="en-US" dirty="0"/>
-              <a:t> probabilities into a label, and calculates the cost. </a:t>
-            </a:r>
-          </a:p>
-        </p:txBody>
-      </p:sp>
-      <p:pic>
-        <p:nvPicPr>
-          <p:cNvPr id="5122" name="Picture 2" descr="Easy TensorFlow - Linear Classifier">
-            <a:extLst>
-              <a:ext uri="{FF2B5EF4-FFF2-40B4-BE49-F238E27FC236}">
-                <a16:creationId xmlns:a16="http://schemas.microsoft.com/office/drawing/2014/main" id="{CB8DE2E4-DF9F-7D4B-93A8-13702E477A77}"/>
-              </a:ext>
-            </a:extLst>
-          </p:cNvPr>
-          <p:cNvPicPr>
-            <a:picLocks noChangeAspect="1" noChangeArrowheads="1"/>
-          </p:cNvPicPr>
-          <p:nvPr/>
-        </p:nvPicPr>
-        <p:blipFill>
-          <a:blip r:embed="rId2">
-            <a:extLst>
-              <a:ext uri="{28A0092B-C50C-407E-A947-70E740481C1C}">
-                <a14:useLocalDpi xmlns:a14="http://schemas.microsoft.com/office/drawing/2010/main" val="0"/>
-              </a:ext>
-            </a:extLst>
-          </a:blip>
-          <a:srcRect/>
-          <a:stretch>
-            <a:fillRect/>
-          </a:stretch>
-        </p:blipFill>
-        <p:spPr bwMode="auto">
-          <a:xfrm>
-            <a:off x="568573" y="2925704"/>
-            <a:ext cx="11054854" cy="4157086"/>
-          </a:xfrm>
-          <a:prstGeom prst="rect">
-            <a:avLst/>
-          </a:prstGeom>
-          <a:noFill/>
-          <a:extLst>
-            <a:ext uri="{909E8E84-426E-40DD-AFC4-6F175D3DCCD1}">
-              <a14:hiddenFill xmlns:a14="http://schemas.microsoft.com/office/drawing/2010/main">
-                <a:solidFill>
-                  <a:srgbClr val="FFFFFF"/>
-                </a:solidFill>
-              </a14:hiddenFill>
-            </a:ext>
-          </a:extLst>
-        </p:spPr>
-      </p:pic>
+              <a:t>Sklearn</a:t>
+            </a:r>
+            <a:r>
+              <a:rPr lang="en-US" dirty="0"/>
+              <a:t>, but is generally invisible. SVM uses </a:t>
+            </a:r>
+            <a:r>
+              <a:rPr lang="en-US" dirty="0" err="1"/>
+              <a:t>OvO</a:t>
+            </a:r>
+            <a:r>
+              <a:rPr lang="en-US" dirty="0"/>
+              <a:t>, other linear use </a:t>
+            </a:r>
+            <a:r>
+              <a:rPr lang="en-US" dirty="0" err="1"/>
+              <a:t>OvR</a:t>
+            </a:r>
+            <a:r>
+              <a:rPr lang="en-US" dirty="0"/>
+              <a:t>, and tree or Bayes models can do multiple classes directly. </a:t>
+            </a:r>
+          </a:p>
+        </p:txBody>
+      </p:sp>
     </p:spTree>
     <p:extLst>
       <p:ext uri="{BB962C8B-B14F-4D97-AF65-F5344CB8AC3E}">
-        <p14:creationId xmlns:p14="http://schemas.microsoft.com/office/powerpoint/2010/main" val="1639071196"/>
+        <p14:creationId xmlns:p14="http://schemas.microsoft.com/office/powerpoint/2010/main" val="3791882905"/>
       </p:ext>
     </p:extLst>
   </p:cSld>
@@ -4554,7 +5980,7 @@
           <p:cNvPr id="2" name="Title 1">
             <a:extLst>
               <a:ext uri="{FF2B5EF4-FFF2-40B4-BE49-F238E27FC236}">
-                <a16:creationId xmlns:a16="http://schemas.microsoft.com/office/drawing/2014/main" id="{F3FB903F-CE3E-DE43-9BF5-70277B57D148}"/>
+                <a16:creationId xmlns:a16="http://schemas.microsoft.com/office/drawing/2014/main" id="{17924B18-343E-BC46-82D5-942B63B247E9}"/>
               </a:ext>
             </a:extLst>
           </p:cNvPr>
@@ -4579,84 +6005,17 @@
           <a:p>
             <a:r>
               <a:rPr lang="en-US" dirty="0"/>
-              <a:t>Images</a:t>
-            </a:r>
-          </a:p>
-        </p:txBody>
-      </p:sp>
-      <p:sp>
-        <p:nvSpPr>
-          <p:cNvPr id="3" name="Content Placeholder 2">
+              <a:t>Multiple Classification</a:t>
+            </a:r>
+          </a:p>
+        </p:txBody>
+      </p:sp>
+      <p:pic>
+        <p:nvPicPr>
+          <p:cNvPr id="4098" name="Picture 2" descr="Logistic Regression | Machine Learning, Deep Learning, and Computer Vision">
             <a:extLst>
               <a:ext uri="{FF2B5EF4-FFF2-40B4-BE49-F238E27FC236}">
-                <a16:creationId xmlns:a16="http://schemas.microsoft.com/office/drawing/2014/main" id="{C81DE9A2-B784-8847-A671-53558461A496}"/>
-              </a:ext>
-            </a:extLst>
-          </p:cNvPr>
-          <p:cNvSpPr>
-            <a:spLocks noGrp="1"/>
-          </p:cNvSpPr>
-          <p:nvPr>
-            <p:ph idx="1"/>
-          </p:nvPr>
-        </p:nvSpPr>
-        <p:spPr>
-          <a:xfrm>
-            <a:off x="401444" y="2015733"/>
-            <a:ext cx="4984946" cy="4037747"/>
-          </a:xfrm>
-        </p:spPr>
-        <p:txBody>
-          <a:bodyPr>
-            <a:normAutofit/>
-          </a:bodyPr>
-          <a:lstStyle/>
-          <a:p>
-            <a:r>
-              <a:rPr lang="en-US" dirty="0"/>
-              <a:t>Images are basically 2D (for now) grids of pixels.</a:t>
-            </a:r>
-          </a:p>
-          <a:p>
-            <a:pPr lvl="1"/>
-            <a:r>
-              <a:rPr lang="en-US" dirty="0"/>
-              <a:t>Your 1080p screen is 1920 x 1080 pixels.</a:t>
-            </a:r>
-          </a:p>
-          <a:p>
-            <a:r>
-              <a:rPr lang="en-US" dirty="0"/>
-              <a:t>Each pixel is an integer value. </a:t>
-            </a:r>
-          </a:p>
-          <a:p>
-            <a:pPr lvl="1"/>
-            <a:r>
-              <a:rPr lang="en-US" dirty="0"/>
-              <a:t>0-255 for darkness</a:t>
-            </a:r>
-          </a:p>
-          <a:p>
-            <a:r>
-              <a:rPr lang="en-US" dirty="0"/>
-              <a:t>Images are normal data, and we can treat them like any other data. </a:t>
-            </a:r>
-          </a:p>
-          <a:p>
-            <a:r>
-              <a:rPr lang="en-US" dirty="0"/>
-              <a:t>This allows us to, pretty easily, do image recognition!</a:t>
-            </a:r>
-          </a:p>
-        </p:txBody>
-      </p:sp>
-      <p:pic>
-        <p:nvPicPr>
-          <p:cNvPr id="1026" name="Picture 2" descr="SaraAI - mnist">
-            <a:extLst>
-              <a:ext uri="{FF2B5EF4-FFF2-40B4-BE49-F238E27FC236}">
-                <a16:creationId xmlns:a16="http://schemas.microsoft.com/office/drawing/2014/main" id="{5E9AF5CB-741A-654E-B2AF-0D1547D587DA}"/>
+                <a16:creationId xmlns:a16="http://schemas.microsoft.com/office/drawing/2014/main" id="{0FCC8ECD-3D62-484C-9CBD-48657C83B52C}"/>
               </a:ext>
             </a:extLst>
           </p:cNvPr>
@@ -4679,8 +6038,8 @@
         </p:blipFill>
         <p:spPr bwMode="auto">
           <a:xfrm>
-            <a:off x="5386389" y="52389"/>
-            <a:ext cx="6805612" cy="6805612"/>
+            <a:off x="0" y="1572526"/>
+            <a:ext cx="8858250" cy="4938472"/>
           </a:xfrm>
           <a:prstGeom prst="rect">
             <a:avLst/>
@@ -4697,10 +6056,68 @@
           </a:extLst>
         </p:spPr>
       </p:pic>
+      <p:sp>
+        <p:nvSpPr>
+          <p:cNvPr id="3" name="Content Placeholder 2">
+            <a:extLst>
+              <a:ext uri="{FF2B5EF4-FFF2-40B4-BE49-F238E27FC236}">
+                <a16:creationId xmlns:a16="http://schemas.microsoft.com/office/drawing/2014/main" id="{2946E953-78A9-4645-AFD0-EE3431E8EC02}"/>
+              </a:ext>
+            </a:extLst>
+          </p:cNvPr>
+          <p:cNvSpPr>
+            <a:spLocks noGrp="1"/>
+          </p:cNvSpPr>
+          <p:nvPr>
+            <p:ph idx="1"/>
+          </p:nvPr>
+        </p:nvSpPr>
+        <p:spPr>
+          <a:xfrm>
+            <a:off x="8858250" y="2015734"/>
+            <a:ext cx="3157538" cy="4037747"/>
+          </a:xfrm>
+        </p:spPr>
+        <p:txBody>
+          <a:bodyPr>
+            <a:normAutofit/>
+          </a:bodyPr>
+          <a:lstStyle/>
+          <a:p>
+            <a:r>
+              <a:rPr lang="en-US" dirty="0"/>
+              <a:t>We can also predict things into multiple classes. </a:t>
+            </a:r>
+          </a:p>
+          <a:p>
+            <a:r>
+              <a:rPr lang="en-US" dirty="0" err="1"/>
+              <a:t>Sklearn</a:t>
+            </a:r>
+            <a:r>
+              <a:rPr lang="en-US" dirty="0"/>
+              <a:t> does this by default by doing 1 vs rest. </a:t>
+            </a:r>
+          </a:p>
+          <a:p>
+            <a:pPr lvl="1"/>
+            <a:r>
+              <a:rPr lang="en-US" dirty="0"/>
+              <a:t>Build 1 classifier per class, making a yes/no for that class. </a:t>
+            </a:r>
+          </a:p>
+          <a:p>
+            <a:r>
+              <a:rPr lang="en-US" dirty="0"/>
+              <a:t>We get the probabilities of the above prediction. </a:t>
+            </a:r>
+          </a:p>
+        </p:txBody>
+      </p:sp>
     </p:spTree>
     <p:extLst>
       <p:ext uri="{BB962C8B-B14F-4D97-AF65-F5344CB8AC3E}">
-        <p14:creationId xmlns:p14="http://schemas.microsoft.com/office/powerpoint/2010/main" val="3942868991"/>
+        <p14:creationId xmlns:p14="http://schemas.microsoft.com/office/powerpoint/2010/main" val="2341763407"/>
       </p:ext>
     </p:extLst>
   </p:cSld>
@@ -4756,7 +6173,7 @@
           <p:cNvPr id="2" name="Title 1">
             <a:extLst>
               <a:ext uri="{FF2B5EF4-FFF2-40B4-BE49-F238E27FC236}">
-                <a16:creationId xmlns:a16="http://schemas.microsoft.com/office/drawing/2014/main" id="{AB677636-8A33-7C42-809D-0BCBF174378D}"/>
+                <a16:creationId xmlns:a16="http://schemas.microsoft.com/office/drawing/2014/main" id="{281F390E-340F-B249-822B-570BE9D0D667}"/>
               </a:ext>
             </a:extLst>
           </p:cNvPr>
@@ -4780,18 +6197,96 @@
           <a:lstStyle/>
           <a:p>
             <a:r>
-              <a:rPr lang="en-US" dirty="0"/>
-              <a:t>Better Images</a:t>
+              <a:rPr lang="en-US" dirty="0" err="1"/>
+              <a:t>Softmax</a:t>
+            </a:r>
+            <a:endParaRPr lang="en-US" dirty="0"/>
+          </a:p>
+        </p:txBody>
+      </p:sp>
+      <p:sp>
+        <p:nvSpPr>
+          <p:cNvPr id="3" name="Content Placeholder 2">
+            <a:extLst>
+              <a:ext uri="{FF2B5EF4-FFF2-40B4-BE49-F238E27FC236}">
+                <a16:creationId xmlns:a16="http://schemas.microsoft.com/office/drawing/2014/main" id="{14DFB65A-A4ED-8244-AFBA-19A6DF06612B}"/>
+              </a:ext>
+            </a:extLst>
+          </p:cNvPr>
+          <p:cNvSpPr>
+            <a:spLocks noGrp="1"/>
+          </p:cNvSpPr>
+          <p:nvPr>
+            <p:ph idx="1"/>
+          </p:nvPr>
+        </p:nvSpPr>
+        <p:spPr>
+          <a:xfrm>
+            <a:off x="0" y="2015734"/>
+            <a:ext cx="4588351" cy="4037747"/>
+          </a:xfrm>
+        </p:spPr>
+        <p:txBody>
+          <a:bodyPr>
+            <a:normAutofit/>
+          </a:bodyPr>
+          <a:lstStyle/>
+          <a:p>
+            <a:r>
+              <a:rPr lang="en-US" dirty="0" err="1"/>
+              <a:t>Softmax</a:t>
+            </a:r>
+            <a:r>
+              <a:rPr lang="en-US" dirty="0"/>
+              <a:t> allows us to directly predict class probabilities with one classifier. </a:t>
+            </a:r>
+          </a:p>
+          <a:p>
+            <a:r>
+              <a:rPr lang="en-US" dirty="0"/>
+              <a:t>The output of </a:t>
+            </a:r>
+            <a:r>
+              <a:rPr lang="en-US" dirty="0" err="1"/>
+              <a:t>Softmax</a:t>
+            </a:r>
+            <a:r>
+              <a:rPr lang="en-US" dirty="0"/>
+              <a:t> is a probability (0 to 1) that the instance is in that class. </a:t>
+            </a:r>
+          </a:p>
+          <a:p>
+            <a:r>
+              <a:rPr lang="en-US" dirty="0" err="1"/>
+              <a:t>Softmax</a:t>
+            </a:r>
+            <a:r>
+              <a:rPr lang="en-US" dirty="0"/>
+              <a:t> can:</a:t>
+            </a:r>
+          </a:p>
+          <a:p>
+            <a:pPr lvl="1"/>
+            <a:r>
+              <a:rPr lang="en-US" dirty="0"/>
+              <a:t>Take in the logits, or the output of the regression models internally. </a:t>
+            </a:r>
+          </a:p>
+          <a:p>
+            <a:pPr lvl="1"/>
+            <a:r>
+              <a:rPr lang="en-US" dirty="0"/>
+              <a:t>Change those into probabilities per class, which is what we need!</a:t>
             </a:r>
           </a:p>
         </p:txBody>
       </p:sp>
       <p:pic>
         <p:nvPicPr>
-          <p:cNvPr id="6146" name="Picture 2" descr="Color image representation and RGB matrix | Download Scientific Diagram">
+          <p:cNvPr id="3074" name="Picture 2" descr="PyTorch Lecture 09: Softmax Classifier - YouTube">
             <a:extLst>
               <a:ext uri="{FF2B5EF4-FFF2-40B4-BE49-F238E27FC236}">
-                <a16:creationId xmlns:a16="http://schemas.microsoft.com/office/drawing/2014/main" id="{4EF6BA20-AB62-C94A-AC15-0B8F4FFA5B7C}"/>
+                <a16:creationId xmlns:a16="http://schemas.microsoft.com/office/drawing/2014/main" id="{EAFE1CA0-BEE5-0149-8F24-D1E42CA099AA}"/>
               </a:ext>
             </a:extLst>
           </p:cNvPr>
@@ -4814,8 +6309,8 @@
         </p:blipFill>
         <p:spPr bwMode="auto">
           <a:xfrm>
-            <a:off x="-13095" y="2286000"/>
-            <a:ext cx="7877442" cy="2914650"/>
+            <a:off x="4588350" y="2345916"/>
+            <a:ext cx="7640485" cy="4297772"/>
           </a:xfrm>
           <a:prstGeom prst="rect">
             <a:avLst/>
@@ -4832,12 +6327,70 @@
           </a:extLst>
         </p:spPr>
       </p:pic>
+    </p:spTree>
+    <p:extLst>
+      <p:ext uri="{BB962C8B-B14F-4D97-AF65-F5344CB8AC3E}">
+        <p14:creationId xmlns:p14="http://schemas.microsoft.com/office/powerpoint/2010/main" val="2396580394"/>
+      </p:ext>
+    </p:extLst>
+  </p:cSld>
+  <p:clrMapOvr>
+    <a:masterClrMapping/>
+  </p:clrMapOvr>
+</p:sld>
+</file>
+
+<file path=ppt/slides/slide9.xml><?xml version="1.0" encoding="utf-8"?>
+<p:sld xmlns:a="http://schemas.openxmlformats.org/drawingml/2006/main" xmlns:r="http://schemas.openxmlformats.org/officeDocument/2006/relationships" xmlns:p="http://schemas.openxmlformats.org/presentationml/2006/main">
+  <p:cSld>
+    <p:spTree>
+      <p:nvGrpSpPr>
+        <p:cNvPr id="1" name=""/>
+        <p:cNvGrpSpPr/>
+        <p:nvPr/>
+      </p:nvGrpSpPr>
+      <p:grpSpPr>
+        <a:xfrm>
+          <a:off x="0" y="0"/>
+          <a:ext cx="0" cy="0"/>
+          <a:chOff x="0" y="0"/>
+          <a:chExt cx="0" cy="0"/>
+        </a:xfrm>
+      </p:grpSpPr>
+      <p:sp>
+        <p:nvSpPr>
+          <p:cNvPr id="2" name="Title 1">
+            <a:extLst>
+              <a:ext uri="{FF2B5EF4-FFF2-40B4-BE49-F238E27FC236}">
+                <a16:creationId xmlns:a16="http://schemas.microsoft.com/office/drawing/2014/main" id="{04357363-3198-764C-98E4-92885E2E943E}"/>
+              </a:ext>
+            </a:extLst>
+          </p:cNvPr>
+          <p:cNvSpPr>
+            <a:spLocks noGrp="1"/>
+          </p:cNvSpPr>
+          <p:nvPr>
+            <p:ph type="title"/>
+          </p:nvPr>
+        </p:nvSpPr>
+        <p:spPr/>
+        <p:txBody>
+          <a:bodyPr/>
+          <a:lstStyle/>
+          <a:p>
+            <a:r>
+              <a:rPr lang="en-US" dirty="0"/>
+              <a:t>Cross Entropy</a:t>
+            </a:r>
+          </a:p>
+        </p:txBody>
+      </p:sp>
       <p:sp>
         <p:nvSpPr>
           <p:cNvPr id="3" name="Content Placeholder 2">
             <a:extLst>
               <a:ext uri="{FF2B5EF4-FFF2-40B4-BE49-F238E27FC236}">
-                <a16:creationId xmlns:a16="http://schemas.microsoft.com/office/drawing/2014/main" id="{51DCB23F-F681-554F-8018-B8D417F4BDB9}"/>
+                <a16:creationId xmlns:a16="http://schemas.microsoft.com/office/drawing/2014/main" id="{852241B2-8C22-7B40-A9F8-854911DE4C2C}"/>
               </a:ext>
             </a:extLst>
           </p:cNvPr>
@@ -4850,45 +6403,92 @@
         </p:nvSpPr>
         <p:spPr>
           <a:xfrm>
-            <a:off x="8115300" y="2015734"/>
-            <a:ext cx="3943350" cy="4037747"/>
-          </a:xfrm>
-        </p:spPr>
-        <p:txBody>
-          <a:bodyPr>
-            <a:normAutofit/>
-          </a:bodyPr>
-          <a:lstStyle/>
-          <a:p>
-            <a:r>
-              <a:rPr lang="en-US" dirty="0"/>
-              <a:t>Our images are simple – 1 color. </a:t>
-            </a:r>
-          </a:p>
-          <a:p>
-            <a:r>
-              <a:rPr lang="en-US" dirty="0"/>
-              <a:t>No depth - we only need an array with depth of 1. </a:t>
-            </a:r>
-          </a:p>
-          <a:p>
-            <a:r>
-              <a:rPr lang="en-US" dirty="0"/>
-              <a:t>More complex images add pixels and additional layers for more color. </a:t>
-            </a:r>
-          </a:p>
-          <a:p>
-            <a:r>
-              <a:rPr lang="en-US" dirty="0"/>
-              <a:t>These are tensors – multidimensional arrays. </a:t>
-            </a:r>
-          </a:p>
-        </p:txBody>
-      </p:sp>
+            <a:off x="1451579" y="1853755"/>
+            <a:ext cx="9603275" cy="1464608"/>
+          </a:xfrm>
+        </p:spPr>
+        <p:txBody>
+          <a:bodyPr/>
+          <a:lstStyle/>
+          <a:p>
+            <a:r>
+              <a:rPr lang="en-US" dirty="0"/>
+              <a:t>Cross Entropy (non-binary kind) is a common cost function for classification. </a:t>
+            </a:r>
+          </a:p>
+          <a:p>
+            <a:r>
+              <a:rPr lang="en-US" dirty="0"/>
+              <a:t>Cross entropy translates the </a:t>
+            </a:r>
+            <a:r>
+              <a:rPr lang="en-US" dirty="0" err="1"/>
+              <a:t>softmax</a:t>
+            </a:r>
+            <a:r>
+              <a:rPr lang="en-US" dirty="0"/>
+              <a:t> probabilities into a label, and calculates the cost. </a:t>
+            </a:r>
+          </a:p>
+          <a:p>
+            <a:r>
+              <a:rPr lang="en-US" dirty="0"/>
+              <a:t>Like binary cross entropy, this measures the “distance from” the correct prediction. </a:t>
+            </a:r>
+          </a:p>
+        </p:txBody>
+      </p:sp>
+      <p:pic>
+        <p:nvPicPr>
+          <p:cNvPr id="5122" name="Picture 2" descr="Easy TensorFlow - Linear Classifier">
+            <a:extLst>
+              <a:ext uri="{FF2B5EF4-FFF2-40B4-BE49-F238E27FC236}">
+                <a16:creationId xmlns:a16="http://schemas.microsoft.com/office/drawing/2014/main" id="{CB8DE2E4-DF9F-7D4B-93A8-13702E477A77}"/>
+              </a:ext>
+            </a:extLst>
+          </p:cNvPr>
+          <p:cNvPicPr>
+            <a:picLocks noChangeAspect="1" noChangeArrowheads="1"/>
+          </p:cNvPicPr>
+          <p:nvPr/>
+        </p:nvPicPr>
+        <p:blipFill>
+          <a:blip r:embed="rId2">
+            <a:extLst>
+              <a:ext uri="{28A0092B-C50C-407E-A947-70E740481C1C}">
+                <a14:useLocalDpi xmlns:a14="http://schemas.microsoft.com/office/drawing/2010/main" val="0"/>
+              </a:ext>
+            </a:extLst>
+          </a:blip>
+          <a:srcRect/>
+          <a:stretch>
+            <a:fillRect/>
+          </a:stretch>
+        </p:blipFill>
+        <p:spPr bwMode="auto">
+          <a:xfrm>
+            <a:off x="1142240" y="3318363"/>
+            <a:ext cx="9912614" cy="3727556"/>
+          </a:xfrm>
+          <a:prstGeom prst="rect">
+            <a:avLst/>
+          </a:prstGeom>
+          <a:noFill/>
+          <a:extLst>
+            <a:ext uri="{909E8E84-426E-40DD-AFC4-6F175D3DCCD1}">
+              <a14:hiddenFill xmlns:a14="http://schemas.microsoft.com/office/drawing/2010/main">
+                <a:solidFill>
+                  <a:srgbClr val="FFFFFF"/>
+                </a:solidFill>
+              </a14:hiddenFill>
+            </a:ext>
+          </a:extLst>
+        </p:spPr>
+      </p:pic>
     </p:spTree>
     <p:extLst>
       <p:ext uri="{BB962C8B-B14F-4D97-AF65-F5344CB8AC3E}">
-        <p14:creationId xmlns:p14="http://schemas.microsoft.com/office/powerpoint/2010/main" val="690243489"/>
+        <p14:creationId xmlns:p14="http://schemas.microsoft.com/office/powerpoint/2010/main" val="1639071196"/>
       </p:ext>
     </p:extLst>
   </p:cSld>

--- a/reference_content/Slides/Log_Reg_Images.pptx
+++ b/reference_content/Slides/Log_Reg_Images.pptx
@@ -5,22 +5,23 @@
     <p:sldMasterId id="2147483660" r:id="rId1"/>
   </p:sldMasterIdLst>
   <p:sldIdLst>
-    <p:sldId id="256" r:id="rId2"/>
-    <p:sldId id="257" r:id="rId3"/>
-    <p:sldId id="260" r:id="rId4"/>
-    <p:sldId id="264" r:id="rId5"/>
-    <p:sldId id="270" r:id="rId6"/>
-    <p:sldId id="265" r:id="rId7"/>
-    <p:sldId id="261" r:id="rId8"/>
-    <p:sldId id="262" r:id="rId9"/>
-    <p:sldId id="263" r:id="rId10"/>
-    <p:sldId id="266" r:id="rId11"/>
-    <p:sldId id="269" r:id="rId12"/>
-    <p:sldId id="267" r:id="rId13"/>
-    <p:sldId id="258" r:id="rId14"/>
-    <p:sldId id="259" r:id="rId15"/>
-    <p:sldId id="268" r:id="rId16"/>
-    <p:sldId id="271" r:id="rId17"/>
+    <p:sldId id="272" r:id="rId2"/>
+    <p:sldId id="256" r:id="rId3"/>
+    <p:sldId id="257" r:id="rId4"/>
+    <p:sldId id="260" r:id="rId5"/>
+    <p:sldId id="264" r:id="rId6"/>
+    <p:sldId id="270" r:id="rId7"/>
+    <p:sldId id="265" r:id="rId8"/>
+    <p:sldId id="261" r:id="rId9"/>
+    <p:sldId id="262" r:id="rId10"/>
+    <p:sldId id="263" r:id="rId11"/>
+    <p:sldId id="266" r:id="rId12"/>
+    <p:sldId id="269" r:id="rId13"/>
+    <p:sldId id="267" r:id="rId14"/>
+    <p:sldId id="258" r:id="rId15"/>
+    <p:sldId id="259" r:id="rId16"/>
+    <p:sldId id="268" r:id="rId17"/>
+    <p:sldId id="271" r:id="rId18"/>
   </p:sldIdLst>
   <p:sldSz cx="12192000" cy="6858000"/>
   <p:notesSz cx="6858000" cy="9144000"/>
@@ -3645,7 +3646,7 @@
           <p:cNvPr id="2" name="Title 1">
             <a:extLst>
               <a:ext uri="{FF2B5EF4-FFF2-40B4-BE49-F238E27FC236}">
-                <a16:creationId xmlns:a16="http://schemas.microsoft.com/office/drawing/2014/main" id="{EFB45428-29C3-BC43-9FC5-E850D418B665}"/>
+                <a16:creationId xmlns:a16="http://schemas.microsoft.com/office/drawing/2014/main" id="{A36E358A-76B0-731D-7A96-15FF7C121A24}"/>
               </a:ext>
             </a:extLst>
           </p:cNvPr>
@@ -3653,29 +3654,27 @@
             <a:spLocks noGrp="1"/>
           </p:cNvSpPr>
           <p:nvPr>
-            <p:ph type="ctrTitle"/>
+            <p:ph type="title"/>
           </p:nvPr>
         </p:nvSpPr>
         <p:spPr/>
         <p:txBody>
-          <a:bodyPr>
-            <a:normAutofit fontScale="90000"/>
-          </a:bodyPr>
-          <a:lstStyle/>
-          <a:p>
-            <a:r>
-              <a:rPr lang="en-US" dirty="0"/>
-              <a:t>Logistic Regression and Images</a:t>
-            </a:r>
-          </a:p>
-        </p:txBody>
-      </p:sp>
-      <p:sp>
-        <p:nvSpPr>
-          <p:cNvPr id="3" name="Subtitle 2">
+          <a:bodyPr/>
+          <a:lstStyle/>
+          <a:p>
+            <a:r>
+              <a:rPr lang="en-US" dirty="0"/>
+              <a:t>Housekeeping</a:t>
+            </a:r>
+          </a:p>
+        </p:txBody>
+      </p:sp>
+      <p:sp>
+        <p:nvSpPr>
+          <p:cNvPr id="3" name="Content Placeholder 2">
             <a:extLst>
               <a:ext uri="{FF2B5EF4-FFF2-40B4-BE49-F238E27FC236}">
-                <a16:creationId xmlns:a16="http://schemas.microsoft.com/office/drawing/2014/main" id="{7AEA02F9-360D-0240-AEED-CBAFA096A037}"/>
+                <a16:creationId xmlns:a16="http://schemas.microsoft.com/office/drawing/2014/main" id="{EE0D340F-C0AE-2094-85BE-11298E186AC4}"/>
               </a:ext>
             </a:extLst>
           </p:cNvPr>
@@ -3683,22 +3682,121 @@
             <a:spLocks noGrp="1"/>
           </p:cNvSpPr>
           <p:nvPr>
-            <p:ph type="subTitle" idx="1"/>
-          </p:nvPr>
-        </p:nvSpPr>
-        <p:spPr/>
+            <p:ph idx="1"/>
+          </p:nvPr>
+        </p:nvSpPr>
+        <p:spPr>
+          <a:xfrm>
+            <a:off x="1451579" y="1853754"/>
+            <a:ext cx="9603275" cy="4199727"/>
+          </a:xfrm>
+        </p:spPr>
         <p:txBody>
           <a:bodyPr/>
           <a:lstStyle/>
           <a:p>
-            <a:endParaRPr lang="en-US"/>
+            <a:r>
+              <a:rPr lang="en-US" dirty="0"/>
+              <a:t>Today (008 and 010 – some small edits today, so pull again if yours is old):</a:t>
+            </a:r>
+          </a:p>
+          <a:p>
+            <a:pPr lvl="1"/>
+            <a:r>
+              <a:rPr lang="en-US" dirty="0"/>
+              <a:t>Multiclass classification and </a:t>
+            </a:r>
+            <a:r>
+              <a:rPr lang="en-US" dirty="0" err="1"/>
+              <a:t>softmax</a:t>
+            </a:r>
+            <a:r>
+              <a:rPr lang="en-US" dirty="0"/>
+              <a:t> via logistic regression. </a:t>
+            </a:r>
+          </a:p>
+          <a:p>
+            <a:pPr lvl="1"/>
+            <a:r>
+              <a:rPr lang="en-US" dirty="0"/>
+              <a:t>Using image data in models. </a:t>
+            </a:r>
+          </a:p>
+          <a:p>
+            <a:pPr lvl="1"/>
+            <a:r>
+              <a:rPr lang="en-US" dirty="0"/>
+              <a:t>Support Vector Machines + decision boundaries, dimensionality, kernel tricks. (Dep. On time)</a:t>
+            </a:r>
+          </a:p>
+          <a:p>
+            <a:pPr lvl="1"/>
+            <a:r>
+              <a:rPr lang="en-US" dirty="0"/>
+              <a:t>Curse of dimensionality. </a:t>
+            </a:r>
+          </a:p>
+          <a:p>
+            <a:r>
+              <a:rPr lang="en-US" dirty="0"/>
+              <a:t>ML Exam - March 14 (Unless there’s some issue </a:t>
+            </a:r>
+            <a:r>
+              <a:rPr lang="en-US"/>
+              <a:t>with that??). </a:t>
+            </a:r>
+            <a:endParaRPr lang="en-US" dirty="0"/>
+          </a:p>
+          <a:p>
+            <a:pPr lvl="1"/>
+            <a:r>
+              <a:rPr lang="en-US" dirty="0"/>
+              <a:t>Basic concepts of ML – train/test, accuracies, errors, model types, gradient descent, </a:t>
+            </a:r>
+            <a:r>
+              <a:rPr lang="en-US" dirty="0" err="1"/>
+              <a:t>etc</a:t>
+            </a:r>
+            <a:r>
+              <a:rPr lang="en-US" dirty="0"/>
+              <a:t>…</a:t>
+            </a:r>
+          </a:p>
+          <a:p>
+            <a:pPr lvl="1"/>
+            <a:r>
+              <a:rPr lang="en-US" dirty="0"/>
+              <a:t>Theory behind different models – regression, trees, SVMs, clusters. </a:t>
+            </a:r>
+          </a:p>
+          <a:p>
+            <a:pPr lvl="1"/>
+            <a:r>
+              <a:rPr lang="en-US" dirty="0"/>
+              <a:t>Other stuff – PCA, pipes and grids, plotting, </a:t>
+            </a:r>
+            <a:r>
+              <a:rPr lang="en-US" dirty="0" err="1"/>
+              <a:t>etc</a:t>
+            </a:r>
+            <a:r>
+              <a:rPr lang="en-US" dirty="0"/>
+              <a:t>…</a:t>
+            </a:r>
+          </a:p>
+          <a:p>
+            <a:pPr lvl="1"/>
+            <a:r>
+              <a:rPr lang="en-US" dirty="0"/>
+              <a:t>It’s not really hard, this stuff is mostly hands-on, it’s a pretty simple quiz.  </a:t>
+            </a:r>
           </a:p>
         </p:txBody>
       </p:sp>
     </p:spTree>
     <p:extLst>
       <p:ext uri="{BB962C8B-B14F-4D97-AF65-F5344CB8AC3E}">
-        <p14:creationId xmlns:p14="http://schemas.microsoft.com/office/powerpoint/2010/main" val="1853110498"/>
+        <p14:creationId xmlns:p14="http://schemas.microsoft.com/office/powerpoint/2010/main" val="227997606"/>
       </p:ext>
     </p:extLst>
   </p:cSld>
@@ -3709,6 +3807,164 @@
 </file>
 
 <file path=ppt/slides/slide10.xml><?xml version="1.0" encoding="utf-8"?>
+<p:sld xmlns:a="http://schemas.openxmlformats.org/drawingml/2006/main" xmlns:r="http://schemas.openxmlformats.org/officeDocument/2006/relationships" xmlns:p="http://schemas.openxmlformats.org/presentationml/2006/main">
+  <p:cSld>
+    <p:spTree>
+      <p:nvGrpSpPr>
+        <p:cNvPr id="1" name=""/>
+        <p:cNvGrpSpPr/>
+        <p:nvPr/>
+      </p:nvGrpSpPr>
+      <p:grpSpPr>
+        <a:xfrm>
+          <a:off x="0" y="0"/>
+          <a:ext cx="0" cy="0"/>
+          <a:chOff x="0" y="0"/>
+          <a:chExt cx="0" cy="0"/>
+        </a:xfrm>
+      </p:grpSpPr>
+      <p:sp>
+        <p:nvSpPr>
+          <p:cNvPr id="2" name="Title 1">
+            <a:extLst>
+              <a:ext uri="{FF2B5EF4-FFF2-40B4-BE49-F238E27FC236}">
+                <a16:creationId xmlns:a16="http://schemas.microsoft.com/office/drawing/2014/main" id="{04357363-3198-764C-98E4-92885E2E943E}"/>
+              </a:ext>
+            </a:extLst>
+          </p:cNvPr>
+          <p:cNvSpPr>
+            <a:spLocks noGrp="1"/>
+          </p:cNvSpPr>
+          <p:nvPr>
+            <p:ph type="title"/>
+          </p:nvPr>
+        </p:nvSpPr>
+        <p:spPr/>
+        <p:txBody>
+          <a:bodyPr/>
+          <a:lstStyle/>
+          <a:p>
+            <a:r>
+              <a:rPr lang="en-US" dirty="0"/>
+              <a:t>Cross Entropy</a:t>
+            </a:r>
+          </a:p>
+        </p:txBody>
+      </p:sp>
+      <p:sp>
+        <p:nvSpPr>
+          <p:cNvPr id="3" name="Content Placeholder 2">
+            <a:extLst>
+              <a:ext uri="{FF2B5EF4-FFF2-40B4-BE49-F238E27FC236}">
+                <a16:creationId xmlns:a16="http://schemas.microsoft.com/office/drawing/2014/main" id="{852241B2-8C22-7B40-A9F8-854911DE4C2C}"/>
+              </a:ext>
+            </a:extLst>
+          </p:cNvPr>
+          <p:cNvSpPr>
+            <a:spLocks noGrp="1"/>
+          </p:cNvSpPr>
+          <p:nvPr>
+            <p:ph idx="1"/>
+          </p:nvPr>
+        </p:nvSpPr>
+        <p:spPr>
+          <a:xfrm>
+            <a:off x="1451579" y="1853755"/>
+            <a:ext cx="9603275" cy="1464608"/>
+          </a:xfrm>
+        </p:spPr>
+        <p:txBody>
+          <a:bodyPr/>
+          <a:lstStyle/>
+          <a:p>
+            <a:r>
+              <a:rPr lang="en-US" dirty="0"/>
+              <a:t>Cross Entropy (non-binary kind) is a common cost function for classification. </a:t>
+            </a:r>
+          </a:p>
+          <a:p>
+            <a:r>
+              <a:rPr lang="en-US" dirty="0"/>
+              <a:t>Cross entropy translates the </a:t>
+            </a:r>
+            <a:r>
+              <a:rPr lang="en-US" dirty="0" err="1"/>
+              <a:t>softmax</a:t>
+            </a:r>
+            <a:r>
+              <a:rPr lang="en-US" dirty="0"/>
+              <a:t> probabilities into a label, and calculates the cost. </a:t>
+            </a:r>
+          </a:p>
+          <a:p>
+            <a:r>
+              <a:rPr lang="en-US" dirty="0"/>
+              <a:t>Like binary cross entropy, this measures the “distance from” the correct prediction. </a:t>
+            </a:r>
+          </a:p>
+        </p:txBody>
+      </p:sp>
+      <p:pic>
+        <p:nvPicPr>
+          <p:cNvPr id="5122" name="Picture 2" descr="Easy TensorFlow - Linear Classifier">
+            <a:extLst>
+              <a:ext uri="{FF2B5EF4-FFF2-40B4-BE49-F238E27FC236}">
+                <a16:creationId xmlns:a16="http://schemas.microsoft.com/office/drawing/2014/main" id="{CB8DE2E4-DF9F-7D4B-93A8-13702E477A77}"/>
+              </a:ext>
+            </a:extLst>
+          </p:cNvPr>
+          <p:cNvPicPr>
+            <a:picLocks noChangeAspect="1" noChangeArrowheads="1"/>
+          </p:cNvPicPr>
+          <p:nvPr/>
+        </p:nvPicPr>
+        <p:blipFill>
+          <a:blip r:embed="rId2">
+            <a:extLst>
+              <a:ext uri="{28A0092B-C50C-407E-A947-70E740481C1C}">
+                <a14:useLocalDpi xmlns:a14="http://schemas.microsoft.com/office/drawing/2010/main" val="0"/>
+              </a:ext>
+            </a:extLst>
+          </a:blip>
+          <a:srcRect/>
+          <a:stretch>
+            <a:fillRect/>
+          </a:stretch>
+        </p:blipFill>
+        <p:spPr bwMode="auto">
+          <a:xfrm>
+            <a:off x="1142240" y="3318363"/>
+            <a:ext cx="9912614" cy="3727556"/>
+          </a:xfrm>
+          <a:prstGeom prst="rect">
+            <a:avLst/>
+          </a:prstGeom>
+          <a:noFill/>
+          <a:extLst>
+            <a:ext uri="{909E8E84-426E-40DD-AFC4-6F175D3DCCD1}">
+              <a14:hiddenFill xmlns:a14="http://schemas.microsoft.com/office/drawing/2010/main">
+                <a:solidFill>
+                  <a:srgbClr val="FFFFFF"/>
+                </a:solidFill>
+              </a14:hiddenFill>
+            </a:ext>
+          </a:extLst>
+        </p:spPr>
+      </p:pic>
+    </p:spTree>
+    <p:extLst>
+      <p:ext uri="{BB962C8B-B14F-4D97-AF65-F5344CB8AC3E}">
+        <p14:creationId xmlns:p14="http://schemas.microsoft.com/office/powerpoint/2010/main" val="1639071196"/>
+      </p:ext>
+    </p:extLst>
+  </p:cSld>
+  <p:clrMapOvr>
+    <a:masterClrMapping/>
+  </p:clrMapOvr>
+</p:sld>
+</file>
+
+<file path=ppt/slides/slide11.xml><?xml version="1.0" encoding="utf-8"?>
 <p:sld xmlns:a="http://schemas.openxmlformats.org/drawingml/2006/main" xmlns:r="http://schemas.openxmlformats.org/officeDocument/2006/relationships" xmlns:p="http://schemas.openxmlformats.org/presentationml/2006/main">
   <p:cSld>
     <p:spTree>
@@ -3835,7 +4091,7 @@
 </p:sld>
 </file>
 
-<file path=ppt/slides/slide11.xml><?xml version="1.0" encoding="utf-8"?>
+<file path=ppt/slides/slide12.xml><?xml version="1.0" encoding="utf-8"?>
 <p:sld xmlns:a="http://schemas.openxmlformats.org/drawingml/2006/main" xmlns:r="http://schemas.openxmlformats.org/officeDocument/2006/relationships" xmlns:p="http://schemas.openxmlformats.org/presentationml/2006/main">
   <p:cSld>
     <p:spTree>
@@ -3953,462 +4209,6 @@
     <p:extLst>
       <p:ext uri="{BB962C8B-B14F-4D97-AF65-F5344CB8AC3E}">
         <p14:creationId xmlns:p14="http://schemas.microsoft.com/office/powerpoint/2010/main" val="2561420412"/>
-      </p:ext>
-    </p:extLst>
-  </p:cSld>
-  <p:clrMapOvr>
-    <a:masterClrMapping/>
-  </p:clrMapOvr>
-</p:sld>
-</file>
-
-<file path=ppt/slides/slide12.xml><?xml version="1.0" encoding="utf-8"?>
-<p:sld xmlns:a="http://schemas.openxmlformats.org/drawingml/2006/main" xmlns:r="http://schemas.openxmlformats.org/officeDocument/2006/relationships" xmlns:p="http://schemas.openxmlformats.org/presentationml/2006/main">
-  <p:cSld>
-    <p:bg>
-      <p:bgPr>
-        <a:gradFill rotWithShape="1">
-          <a:gsLst>
-            <a:gs pos="0">
-              <a:schemeClr val="bg2">
-                <a:tint val="94000"/>
-                <a:satMod val="80000"/>
-                <a:lumMod val="106000"/>
-              </a:schemeClr>
-            </a:gs>
-            <a:gs pos="100000">
-              <a:schemeClr val="bg2">
-                <a:shade val="80000"/>
-              </a:schemeClr>
-            </a:gs>
-          </a:gsLst>
-          <a:path path="circle">
-            <a:fillToRect l="43000" r="43000" b="100000"/>
-          </a:path>
-        </a:gradFill>
-        <a:effectLst/>
-      </p:bgPr>
-    </p:bg>
-    <p:spTree>
-      <p:nvGrpSpPr>
-        <p:cNvPr id="1" name=""/>
-        <p:cNvGrpSpPr/>
-        <p:nvPr/>
-      </p:nvGrpSpPr>
-      <p:grpSpPr>
-        <a:xfrm>
-          <a:off x="0" y="0"/>
-          <a:ext cx="0" cy="0"/>
-          <a:chOff x="0" y="0"/>
-          <a:chExt cx="0" cy="0"/>
-        </a:xfrm>
-      </p:grpSpPr>
-      <p:sp>
-        <p:nvSpPr>
-          <p:cNvPr id="9" name="Rectangle 8">
-            <a:extLst>
-              <a:ext uri="{FF2B5EF4-FFF2-40B4-BE49-F238E27FC236}">
-                <a16:creationId xmlns:a16="http://schemas.microsoft.com/office/drawing/2014/main" id="{C63C853E-3842-4594-86A9-051FFAF4D343}"/>
-              </a:ext>
-              <a:ext uri="{C183D7F6-B498-43B3-948B-1728B52AA6E4}">
-                <adec:decorative xmlns:adec="http://schemas.microsoft.com/office/drawing/2017/decorative" val="1"/>
-              </a:ext>
-            </a:extLst>
-          </p:cNvPr>
-          <p:cNvSpPr>
-            <a:spLocks noGrp="1" noRot="1" noChangeAspect="1" noMove="1" noResize="1" noEditPoints="1" noAdjustHandles="1" noChangeArrowheads="1" noChangeShapeType="1" noTextEdit="1"/>
-          </p:cNvSpPr>
-          <p:nvPr>
-            <p:extLst>
-              <p:ext uri="{386F3935-93C4-4BCD-93E2-E3B085C9AB24}">
-                <p16:designElem xmlns:p16="http://schemas.microsoft.com/office/powerpoint/2015/main" val="1"/>
-              </p:ext>
-            </p:extLst>
-          </p:nvPr>
-        </p:nvSpPr>
-        <p:spPr>
-          <a:xfrm>
-            <a:off x="0" y="2019476"/>
-            <a:ext cx="12192000" cy="4105941"/>
-          </a:xfrm>
-          <a:prstGeom prst="rect">
-            <a:avLst/>
-          </a:prstGeom>
-          <a:gradFill flip="none" rotWithShape="1">
-            <a:gsLst>
-              <a:gs pos="0">
-                <a:schemeClr val="bg2">
-                  <a:alpha val="0"/>
-                </a:schemeClr>
-              </a:gs>
-              <a:gs pos="100000">
-                <a:schemeClr val="bg2"/>
-              </a:gs>
-            </a:gsLst>
-            <a:lin ang="5400000" scaled="0"/>
-            <a:tileRect/>
-          </a:gradFill>
-          <a:ln>
-            <a:noFill/>
-          </a:ln>
-        </p:spPr>
-        <p:style>
-          <a:lnRef idx="2">
-            <a:schemeClr val="accent1">
-              <a:shade val="50000"/>
-            </a:schemeClr>
-          </a:lnRef>
-          <a:fillRef idx="1">
-            <a:schemeClr val="accent1"/>
-          </a:fillRef>
-          <a:effectRef idx="0">
-            <a:schemeClr val="accent1"/>
-          </a:effectRef>
-          <a:fontRef idx="minor">
-            <a:schemeClr val="lt1"/>
-          </a:fontRef>
-        </p:style>
-        <p:txBody>
-          <a:bodyPr/>
-          <a:lstStyle/>
-          <a:p>
-            <a:endParaRPr lang="en-US"/>
-          </a:p>
-        </p:txBody>
-      </p:sp>
-      <p:pic>
-        <p:nvPicPr>
-          <p:cNvPr id="11" name="Picture 10">
-            <a:extLst>
-              <a:ext uri="{FF2B5EF4-FFF2-40B4-BE49-F238E27FC236}">
-                <a16:creationId xmlns:a16="http://schemas.microsoft.com/office/drawing/2014/main" id="{B591CDC5-6B61-4116-B3B5-0FF42B6E606D}"/>
-              </a:ext>
-              <a:ext uri="{C183D7F6-B498-43B3-948B-1728B52AA6E4}">
-                <adec:decorative xmlns:adec="http://schemas.microsoft.com/office/drawing/2017/decorative" val="1"/>
-              </a:ext>
-            </a:extLst>
-          </p:cNvPr>
-          <p:cNvPicPr>
-            <a:picLocks noGrp="1" noRot="1" noChangeAspect="1" noMove="1" noResize="1" noEditPoints="1" noAdjustHandles="1" noChangeArrowheads="1" noChangeShapeType="1" noCrop="1"/>
-          </p:cNvPicPr>
-          <p:nvPr>
-            <p:extLst>
-              <p:ext uri="{386F3935-93C4-4BCD-93E2-E3B085C9AB24}">
-                <p16:designElem xmlns:p16="http://schemas.microsoft.com/office/powerpoint/2015/main" val="1"/>
-              </p:ext>
-            </p:extLst>
-          </p:nvPr>
-        </p:nvPicPr>
-        <p:blipFill rotWithShape="1">
-          <a:blip r:embed="rId2">
-            <a:extLst>
-              <a:ext uri="{28A0092B-C50C-407E-A947-70E740481C1C}">
-                <a14:useLocalDpi xmlns:a14="http://schemas.microsoft.com/office/drawing/2010/main" val="0"/>
-              </a:ext>
-            </a:extLst>
-          </a:blip>
-          <a:srcRect t="1538" b="-1538"/>
-          <a:stretch/>
-        </p:blipFill>
-        <p:spPr bwMode="black">
-          <a:xfrm>
-            <a:off x="0" y="6126480"/>
-            <a:ext cx="12192000" cy="742950"/>
-          </a:xfrm>
-          <a:prstGeom prst="rect">
-            <a:avLst/>
-          </a:prstGeom>
-        </p:spPr>
-      </p:pic>
-      <p:cxnSp>
-        <p:nvCxnSpPr>
-          <p:cNvPr id="13" name="Straight Connector 12">
-            <a:extLst>
-              <a:ext uri="{FF2B5EF4-FFF2-40B4-BE49-F238E27FC236}">
-                <a16:creationId xmlns:a16="http://schemas.microsoft.com/office/drawing/2014/main" id="{25B08984-5BEB-422F-A364-2B41E6A516EB}"/>
-              </a:ext>
-              <a:ext uri="{C183D7F6-B498-43B3-948B-1728B52AA6E4}">
-                <adec:decorative xmlns:adec="http://schemas.microsoft.com/office/drawing/2017/decorative" val="1"/>
-              </a:ext>
-            </a:extLst>
-          </p:cNvPr>
-          <p:cNvCxnSpPr>
-            <a:cxnSpLocks noGrp="1" noRot="1" noChangeAspect="1" noMove="1" noResize="1" noEditPoints="1" noAdjustHandles="1" noChangeArrowheads="1" noChangeShapeType="1"/>
-          </p:cNvCxnSpPr>
-          <p:nvPr>
-            <p:extLst>
-              <p:ext uri="{386F3935-93C4-4BCD-93E2-E3B085C9AB24}">
-                <p16:designElem xmlns:p16="http://schemas.microsoft.com/office/powerpoint/2015/main" val="1"/>
-              </p:ext>
-            </p:extLst>
-          </p:nvPr>
-        </p:nvCxnSpPr>
-        <p:spPr>
-          <a:xfrm>
-            <a:off x="0" y="6128413"/>
-            <a:ext cx="12192000" cy="0"/>
-          </a:xfrm>
-          <a:prstGeom prst="line">
-            <a:avLst/>
-          </a:prstGeom>
-          <a:ln w="12700">
-            <a:solidFill>
-              <a:srgbClr val="000001">
-                <a:alpha val="20000"/>
-              </a:srgbClr>
-            </a:solidFill>
-          </a:ln>
-        </p:spPr>
-        <p:style>
-          <a:lnRef idx="1">
-            <a:schemeClr val="accent1"/>
-          </a:lnRef>
-          <a:fillRef idx="0">
-            <a:schemeClr val="accent1"/>
-          </a:fillRef>
-          <a:effectRef idx="0">
-            <a:schemeClr val="accent1"/>
-          </a:effectRef>
-          <a:fontRef idx="minor">
-            <a:schemeClr val="tx1"/>
-          </a:fontRef>
-        </p:style>
-      </p:cxnSp>
-      <p:cxnSp>
-        <p:nvCxnSpPr>
-          <p:cNvPr id="15" name="Straight Connector 14">
-            <a:extLst>
-              <a:ext uri="{FF2B5EF4-FFF2-40B4-BE49-F238E27FC236}">
-                <a16:creationId xmlns:a16="http://schemas.microsoft.com/office/drawing/2014/main" id="{A8F413B1-54E0-4B16-92AB-1CC5C7D645BC}"/>
-              </a:ext>
-              <a:ext uri="{C183D7F6-B498-43B3-948B-1728B52AA6E4}">
-                <adec:decorative xmlns:adec="http://schemas.microsoft.com/office/drawing/2017/decorative" val="1"/>
-              </a:ext>
-            </a:extLst>
-          </p:cNvPr>
-          <p:cNvCxnSpPr>
-            <a:cxnSpLocks noGrp="1" noRot="1" noChangeAspect="1" noMove="1" noResize="1" noEditPoints="1" noAdjustHandles="1" noChangeArrowheads="1" noChangeShapeType="1"/>
-          </p:cNvCxnSpPr>
-          <p:nvPr>
-            <p:extLst>
-              <p:ext uri="{386F3935-93C4-4BCD-93E2-E3B085C9AB24}">
-                <p16:designElem xmlns:p16="http://schemas.microsoft.com/office/powerpoint/2015/main" val="1"/>
-              </p:ext>
-            </p:extLst>
-          </p:nvPr>
-        </p:nvCxnSpPr>
-        <p:spPr>
-          <a:xfrm>
-            <a:off x="1453896" y="1847088"/>
-            <a:ext cx="9607522" cy="0"/>
-          </a:xfrm>
-          <a:prstGeom prst="line">
-            <a:avLst/>
-          </a:prstGeom>
-          <a:ln w="31750"/>
-        </p:spPr>
-        <p:style>
-          <a:lnRef idx="3">
-            <a:schemeClr val="accent1"/>
-          </a:lnRef>
-          <a:fillRef idx="0">
-            <a:schemeClr val="accent1"/>
-          </a:fillRef>
-          <a:effectRef idx="2">
-            <a:schemeClr val="accent1"/>
-          </a:effectRef>
-          <a:fontRef idx="minor">
-            <a:schemeClr val="tx1"/>
-          </a:fontRef>
-        </p:style>
-      </p:cxnSp>
-      <p:pic>
-        <p:nvPicPr>
-          <p:cNvPr id="5" name="Picture 4" descr="Toy plastic numbers">
-            <a:extLst>
-              <a:ext uri="{FF2B5EF4-FFF2-40B4-BE49-F238E27FC236}">
-                <a16:creationId xmlns:a16="http://schemas.microsoft.com/office/drawing/2014/main" id="{1BCCC988-B63A-F3F2-240F-33B175945D33}"/>
-              </a:ext>
-            </a:extLst>
-          </p:cNvPr>
-          <p:cNvPicPr>
-            <a:picLocks noChangeAspect="1"/>
-          </p:cNvPicPr>
-          <p:nvPr/>
-        </p:nvPicPr>
-        <p:blipFill rotWithShape="1">
-          <a:blip r:embed="rId3"/>
-          <a:srcRect t="9379" r="-1" b="6348"/>
-          <a:stretch/>
-        </p:blipFill>
-        <p:spPr>
-          <a:xfrm>
-            <a:off x="20" y="10"/>
-            <a:ext cx="12191675" cy="6857990"/>
-          </a:xfrm>
-          <a:prstGeom prst="rect">
-            <a:avLst/>
-          </a:prstGeom>
-        </p:spPr>
-      </p:pic>
-      <p:sp>
-        <p:nvSpPr>
-          <p:cNvPr id="17" name="Rectangle 16">
-            <a:extLst>
-              <a:ext uri="{FF2B5EF4-FFF2-40B4-BE49-F238E27FC236}">
-                <a16:creationId xmlns:a16="http://schemas.microsoft.com/office/drawing/2014/main" id="{2E67E8BF-E4B2-4098-9FB3-9E400BD86935}"/>
-              </a:ext>
-              <a:ext uri="{C183D7F6-B498-43B3-948B-1728B52AA6E4}">
-                <adec:decorative xmlns:adec="http://schemas.microsoft.com/office/drawing/2017/decorative" val="1"/>
-              </a:ext>
-            </a:extLst>
-          </p:cNvPr>
-          <p:cNvSpPr>
-            <a:spLocks noGrp="1" noRot="1" noChangeAspect="1" noMove="1" noResize="1" noEditPoints="1" noAdjustHandles="1" noChangeArrowheads="1" noChangeShapeType="1" noTextEdit="1"/>
-          </p:cNvSpPr>
-          <p:nvPr>
-            <p:extLst>
-              <p:ext uri="{386F3935-93C4-4BCD-93E2-E3B085C9AB24}">
-                <p16:designElem xmlns:p16="http://schemas.microsoft.com/office/powerpoint/2015/main" val="1"/>
-              </p:ext>
-            </p:extLst>
-          </p:nvPr>
-        </p:nvSpPr>
-        <p:spPr>
-          <a:xfrm>
-            <a:off x="5930686" y="4905349"/>
-            <a:ext cx="5610646" cy="1450464"/>
-          </a:xfrm>
-          <a:prstGeom prst="rect">
-            <a:avLst/>
-          </a:prstGeom>
-          <a:solidFill>
-            <a:srgbClr val="000001">
-              <a:alpha val="75000"/>
-            </a:srgbClr>
-          </a:solidFill>
-          <a:ln>
-            <a:noFill/>
-          </a:ln>
-        </p:spPr>
-        <p:style>
-          <a:lnRef idx="1">
-            <a:schemeClr val="accent1"/>
-          </a:lnRef>
-          <a:fillRef idx="3">
-            <a:schemeClr val="accent1"/>
-          </a:fillRef>
-          <a:effectRef idx="2">
-            <a:schemeClr val="accent1"/>
-          </a:effectRef>
-          <a:fontRef idx="minor">
-            <a:schemeClr val="lt1"/>
-          </a:fontRef>
-        </p:style>
-        <p:txBody>
-          <a:bodyPr rtlCol="0" anchor="ctr"/>
-          <a:lstStyle/>
-          <a:p>
-            <a:pPr algn="ctr"/>
-            <a:endParaRPr lang="en-US"/>
-          </a:p>
-        </p:txBody>
-      </p:sp>
-      <p:sp>
-        <p:nvSpPr>
-          <p:cNvPr id="2" name="Title 1">
-            <a:extLst>
-              <a:ext uri="{FF2B5EF4-FFF2-40B4-BE49-F238E27FC236}">
-                <a16:creationId xmlns:a16="http://schemas.microsoft.com/office/drawing/2014/main" id="{F4031923-7C8E-4F34-ECDD-041AB964D2AE}"/>
-              </a:ext>
-            </a:extLst>
-          </p:cNvPr>
-          <p:cNvSpPr>
-            <a:spLocks noGrp="1"/>
-          </p:cNvSpPr>
-          <p:nvPr>
-            <p:ph type="title"/>
-          </p:nvPr>
-        </p:nvSpPr>
-        <p:spPr>
-          <a:xfrm>
-            <a:off x="6094412" y="5239131"/>
-            <a:ext cx="5279490" cy="960087"/>
-          </a:xfrm>
-        </p:spPr>
-        <p:txBody>
-          <a:bodyPr vert="horz" lIns="91440" tIns="45720" rIns="91440" bIns="45720" rtlCol="0" anchor="t">
-            <a:normAutofit/>
-          </a:bodyPr>
-          <a:lstStyle/>
-          <a:p>
-            <a:r>
-              <a:rPr lang="en-US" sz="3000">
-                <a:solidFill>
-                  <a:srgbClr val="FFFFFE"/>
-                </a:solidFill>
-              </a:rPr>
-              <a:t>Multi-class Classification - Images</a:t>
-            </a:r>
-          </a:p>
-        </p:txBody>
-      </p:sp>
-      <p:cxnSp>
-        <p:nvCxnSpPr>
-          <p:cNvPr id="19" name="Straight Connector 18">
-            <a:extLst>
-              <a:ext uri="{FF2B5EF4-FFF2-40B4-BE49-F238E27FC236}">
-                <a16:creationId xmlns:a16="http://schemas.microsoft.com/office/drawing/2014/main" id="{3781A10F-5DF6-4C9B-AE0B-5249E4399D26}"/>
-              </a:ext>
-              <a:ext uri="{C183D7F6-B498-43B3-948B-1728B52AA6E4}">
-                <adec:decorative xmlns:adec="http://schemas.microsoft.com/office/drawing/2017/decorative" val="1"/>
-              </a:ext>
-            </a:extLst>
-          </p:cNvPr>
-          <p:cNvCxnSpPr>
-            <a:cxnSpLocks noGrp="1" noRot="1" noChangeAspect="1" noMove="1" noResize="1" noEditPoints="1" noAdjustHandles="1" noChangeArrowheads="1" noChangeShapeType="1"/>
-          </p:cNvCxnSpPr>
-          <p:nvPr>
-            <p:extLst>
-              <p:ext uri="{386F3935-93C4-4BCD-93E2-E3B085C9AB24}">
-                <p16:designElem xmlns:p16="http://schemas.microsoft.com/office/powerpoint/2015/main" val="1"/>
-              </p:ext>
-            </p:extLst>
-          </p:nvPr>
-        </p:nvCxnSpPr>
-        <p:spPr>
-          <a:xfrm>
-            <a:off x="6094411" y="5073596"/>
-            <a:ext cx="5283196" cy="0"/>
-          </a:xfrm>
-          <a:prstGeom prst="line">
-            <a:avLst/>
-          </a:prstGeom>
-          <a:ln w="31750">
-            <a:solidFill>
-              <a:srgbClr val="F0980C"/>
-            </a:solidFill>
-          </a:ln>
-        </p:spPr>
-        <p:style>
-          <a:lnRef idx="3">
-            <a:schemeClr val="accent1"/>
-          </a:lnRef>
-          <a:fillRef idx="0">
-            <a:schemeClr val="accent1"/>
-          </a:fillRef>
-          <a:effectRef idx="2">
-            <a:schemeClr val="accent1"/>
-          </a:effectRef>
-          <a:fontRef idx="minor">
-            <a:schemeClr val="tx1"/>
-          </a:fontRef>
-        </p:style>
-      </p:cxnSp>
-    </p:spTree>
-    <p:extLst>
-      <p:ext uri="{BB962C8B-B14F-4D97-AF65-F5344CB8AC3E}">
-        <p14:creationId xmlns:p14="http://schemas.microsoft.com/office/powerpoint/2010/main" val="3677524823"/>
       </p:ext>
     </p:extLst>
   </p:cSld>
@@ -4461,121 +4261,101 @@
       </p:grpSpPr>
       <p:sp>
         <p:nvSpPr>
-          <p:cNvPr id="2" name="Title 1">
+          <p:cNvPr id="9" name="Rectangle 8">
             <a:extLst>
               <a:ext uri="{FF2B5EF4-FFF2-40B4-BE49-F238E27FC236}">
-                <a16:creationId xmlns:a16="http://schemas.microsoft.com/office/drawing/2014/main" id="{F3FB903F-CE3E-DE43-9BF5-70277B57D148}"/>
+                <a16:creationId xmlns:a16="http://schemas.microsoft.com/office/drawing/2014/main" id="{C63C853E-3842-4594-86A9-051FFAF4D343}"/>
+              </a:ext>
+              <a:ext uri="{C183D7F6-B498-43B3-948B-1728B52AA6E4}">
+                <adec:decorative xmlns:adec="http://schemas.microsoft.com/office/drawing/2017/decorative" val="1"/>
               </a:ext>
             </a:extLst>
           </p:cNvPr>
           <p:cNvSpPr>
-            <a:spLocks noGrp="1"/>
-          </p:cNvSpPr>
-          <p:nvPr>
-            <p:ph type="title"/>
+            <a:spLocks noGrp="1" noRot="1" noChangeAspect="1" noMove="1" noResize="1" noEditPoints="1" noAdjustHandles="1" noChangeArrowheads="1" noChangeShapeType="1" noTextEdit="1"/>
+          </p:cNvSpPr>
+          <p:nvPr>
+            <p:extLst>
+              <p:ext uri="{386F3935-93C4-4BCD-93E2-E3B085C9AB24}">
+                <p16:designElem xmlns:p16="http://schemas.microsoft.com/office/powerpoint/2015/main" val="1"/>
+              </p:ext>
+            </p:extLst>
           </p:nvPr>
         </p:nvSpPr>
         <p:spPr>
           <a:xfrm>
-            <a:off x="1451579" y="804519"/>
-            <a:ext cx="9603275" cy="1049235"/>
-          </a:xfrm>
-        </p:spPr>
-        <p:txBody>
-          <a:bodyPr>
-            <a:normAutofit/>
-          </a:bodyPr>
-          <a:lstStyle/>
-          <a:p>
-            <a:r>
-              <a:rPr lang="en-US" dirty="0"/>
-              <a:t>Images</a:t>
-            </a:r>
-          </a:p>
-        </p:txBody>
-      </p:sp>
-      <p:sp>
-        <p:nvSpPr>
-          <p:cNvPr id="3" name="Content Placeholder 2">
+            <a:off x="0" y="2019476"/>
+            <a:ext cx="12192000" cy="4105941"/>
+          </a:xfrm>
+          <a:prstGeom prst="rect">
+            <a:avLst/>
+          </a:prstGeom>
+          <a:gradFill flip="none" rotWithShape="1">
+            <a:gsLst>
+              <a:gs pos="0">
+                <a:schemeClr val="bg2">
+                  <a:alpha val="0"/>
+                </a:schemeClr>
+              </a:gs>
+              <a:gs pos="100000">
+                <a:schemeClr val="bg2"/>
+              </a:gs>
+            </a:gsLst>
+            <a:lin ang="5400000" scaled="0"/>
+            <a:tileRect/>
+          </a:gradFill>
+          <a:ln>
+            <a:noFill/>
+          </a:ln>
+        </p:spPr>
+        <p:style>
+          <a:lnRef idx="2">
+            <a:schemeClr val="accent1">
+              <a:shade val="50000"/>
+            </a:schemeClr>
+          </a:lnRef>
+          <a:fillRef idx="1">
+            <a:schemeClr val="accent1"/>
+          </a:fillRef>
+          <a:effectRef idx="0">
+            <a:schemeClr val="accent1"/>
+          </a:effectRef>
+          <a:fontRef idx="minor">
+            <a:schemeClr val="lt1"/>
+          </a:fontRef>
+        </p:style>
+        <p:txBody>
+          <a:bodyPr/>
+          <a:lstStyle/>
+          <a:p>
+            <a:endParaRPr lang="en-US"/>
+          </a:p>
+        </p:txBody>
+      </p:sp>
+      <p:pic>
+        <p:nvPicPr>
+          <p:cNvPr id="11" name="Picture 10">
             <a:extLst>
               <a:ext uri="{FF2B5EF4-FFF2-40B4-BE49-F238E27FC236}">
-                <a16:creationId xmlns:a16="http://schemas.microsoft.com/office/drawing/2014/main" id="{C81DE9A2-B784-8847-A671-53558461A496}"/>
+                <a16:creationId xmlns:a16="http://schemas.microsoft.com/office/drawing/2014/main" id="{B591CDC5-6B61-4116-B3B5-0FF42B6E606D}"/>
               </a:ext>
-            </a:extLst>
-          </p:cNvPr>
-          <p:cNvSpPr>
-            <a:spLocks noGrp="1"/>
-          </p:cNvSpPr>
-          <p:nvPr>
-            <p:ph idx="1"/>
-          </p:nvPr>
-        </p:nvSpPr>
-        <p:spPr>
-          <a:xfrm>
-            <a:off x="401444" y="2015733"/>
-            <a:ext cx="4984946" cy="4037747"/>
-          </a:xfrm>
-        </p:spPr>
-        <p:txBody>
-          <a:bodyPr>
-            <a:normAutofit/>
-          </a:bodyPr>
-          <a:lstStyle/>
-          <a:p>
-            <a:r>
-              <a:rPr lang="en-US" dirty="0"/>
-              <a:t>Images are basically 2D (for now) grids of pixels.</a:t>
-            </a:r>
-          </a:p>
-          <a:p>
-            <a:pPr lvl="1"/>
-            <a:r>
-              <a:rPr lang="en-US" dirty="0"/>
-              <a:t>Your 1080p screen is 1920 x 1080 pixels.</a:t>
-            </a:r>
-          </a:p>
-          <a:p>
-            <a:r>
-              <a:rPr lang="en-US" dirty="0"/>
-              <a:t>Each pixel is an integer value. </a:t>
-            </a:r>
-          </a:p>
-          <a:p>
-            <a:pPr lvl="1"/>
-            <a:r>
-              <a:rPr lang="en-US" dirty="0"/>
-              <a:t>0-255 for darkness</a:t>
-            </a:r>
-          </a:p>
-          <a:p>
-            <a:r>
-              <a:rPr lang="en-US" dirty="0"/>
-              <a:t>Images are normal data, and we can treat them like any other data. </a:t>
-            </a:r>
-          </a:p>
-          <a:p>
-            <a:r>
-              <a:rPr lang="en-US" dirty="0"/>
-              <a:t>This allows us to, pretty easily, do image recognition!</a:t>
-            </a:r>
-          </a:p>
-        </p:txBody>
-      </p:sp>
-      <p:pic>
-        <p:nvPicPr>
-          <p:cNvPr id="1026" name="Picture 2" descr="SaraAI - mnist">
-            <a:extLst>
-              <a:ext uri="{FF2B5EF4-FFF2-40B4-BE49-F238E27FC236}">
-                <a16:creationId xmlns:a16="http://schemas.microsoft.com/office/drawing/2014/main" id="{5E9AF5CB-741A-654E-B2AF-0D1547D587DA}"/>
+              <a:ext uri="{C183D7F6-B498-43B3-948B-1728B52AA6E4}">
+                <adec:decorative xmlns:adec="http://schemas.microsoft.com/office/drawing/2017/decorative" val="1"/>
               </a:ext>
             </a:extLst>
           </p:cNvPr>
           <p:cNvPicPr>
-            <a:picLocks noChangeAspect="1" noChangeArrowheads="1"/>
+            <a:picLocks noGrp="1" noRot="1" noChangeAspect="1" noMove="1" noResize="1" noEditPoints="1" noAdjustHandles="1" noChangeArrowheads="1" noChangeShapeType="1" noCrop="1"/>
           </p:cNvPicPr>
-          <p:nvPr/>
+          <p:nvPr>
+            <p:extLst>
+              <p:ext uri="{386F3935-93C4-4BCD-93E2-E3B085C9AB24}">
+                <p16:designElem xmlns:p16="http://schemas.microsoft.com/office/powerpoint/2015/main" val="1"/>
+              </p:ext>
+            </p:extLst>
+          </p:nvPr>
         </p:nvPicPr>
-        <p:blipFill>
+        <p:blipFill rotWithShape="1">
           <a:blip r:embed="rId2">
             <a:extLst>
               <a:ext uri="{28A0092B-C50C-407E-A947-70E740481C1C}">
@@ -4583,34 +4363,308 @@
               </a:ext>
             </a:extLst>
           </a:blip>
-          <a:stretch>
-            <a:fillRect/>
-          </a:stretch>
+          <a:srcRect t="1538" b="-1538"/>
+          <a:stretch/>
         </p:blipFill>
-        <p:spPr bwMode="auto">
-          <a:xfrm>
-            <a:off x="5386389" y="52389"/>
-            <a:ext cx="6805612" cy="6805612"/>
+        <p:spPr bwMode="black">
+          <a:xfrm>
+            <a:off x="0" y="6126480"/>
+            <a:ext cx="12192000" cy="742950"/>
           </a:xfrm>
           <a:prstGeom prst="rect">
             <a:avLst/>
           </a:prstGeom>
-          <a:noFill/>
-          <a:extLst>
-            <a:ext uri="{909E8E84-426E-40DD-AFC4-6F175D3DCCD1}">
-              <a14:hiddenFill xmlns:a14="http://schemas.microsoft.com/office/drawing/2010/main">
+        </p:spPr>
+      </p:pic>
+      <p:cxnSp>
+        <p:nvCxnSpPr>
+          <p:cNvPr id="13" name="Straight Connector 12">
+            <a:extLst>
+              <a:ext uri="{FF2B5EF4-FFF2-40B4-BE49-F238E27FC236}">
+                <a16:creationId xmlns:a16="http://schemas.microsoft.com/office/drawing/2014/main" id="{25B08984-5BEB-422F-A364-2B41E6A516EB}"/>
+              </a:ext>
+              <a:ext uri="{C183D7F6-B498-43B3-948B-1728B52AA6E4}">
+                <adec:decorative xmlns:adec="http://schemas.microsoft.com/office/drawing/2017/decorative" val="1"/>
+              </a:ext>
+            </a:extLst>
+          </p:cNvPr>
+          <p:cNvCxnSpPr>
+            <a:cxnSpLocks noGrp="1" noRot="1" noChangeAspect="1" noMove="1" noResize="1" noEditPoints="1" noAdjustHandles="1" noChangeArrowheads="1" noChangeShapeType="1"/>
+          </p:cNvCxnSpPr>
+          <p:nvPr>
+            <p:extLst>
+              <p:ext uri="{386F3935-93C4-4BCD-93E2-E3B085C9AB24}">
+                <p16:designElem xmlns:p16="http://schemas.microsoft.com/office/powerpoint/2015/main" val="1"/>
+              </p:ext>
+            </p:extLst>
+          </p:nvPr>
+        </p:nvCxnSpPr>
+        <p:spPr>
+          <a:xfrm>
+            <a:off x="0" y="6128413"/>
+            <a:ext cx="12192000" cy="0"/>
+          </a:xfrm>
+          <a:prstGeom prst="line">
+            <a:avLst/>
+          </a:prstGeom>
+          <a:ln w="12700">
+            <a:solidFill>
+              <a:srgbClr val="000001">
+                <a:alpha val="20000"/>
+              </a:srgbClr>
+            </a:solidFill>
+          </a:ln>
+        </p:spPr>
+        <p:style>
+          <a:lnRef idx="1">
+            <a:schemeClr val="accent1"/>
+          </a:lnRef>
+          <a:fillRef idx="0">
+            <a:schemeClr val="accent1"/>
+          </a:fillRef>
+          <a:effectRef idx="0">
+            <a:schemeClr val="accent1"/>
+          </a:effectRef>
+          <a:fontRef idx="minor">
+            <a:schemeClr val="tx1"/>
+          </a:fontRef>
+        </p:style>
+      </p:cxnSp>
+      <p:cxnSp>
+        <p:nvCxnSpPr>
+          <p:cNvPr id="15" name="Straight Connector 14">
+            <a:extLst>
+              <a:ext uri="{FF2B5EF4-FFF2-40B4-BE49-F238E27FC236}">
+                <a16:creationId xmlns:a16="http://schemas.microsoft.com/office/drawing/2014/main" id="{A8F413B1-54E0-4B16-92AB-1CC5C7D645BC}"/>
+              </a:ext>
+              <a:ext uri="{C183D7F6-B498-43B3-948B-1728B52AA6E4}">
+                <adec:decorative xmlns:adec="http://schemas.microsoft.com/office/drawing/2017/decorative" val="1"/>
+              </a:ext>
+            </a:extLst>
+          </p:cNvPr>
+          <p:cNvCxnSpPr>
+            <a:cxnSpLocks noGrp="1" noRot="1" noChangeAspect="1" noMove="1" noResize="1" noEditPoints="1" noAdjustHandles="1" noChangeArrowheads="1" noChangeShapeType="1"/>
+          </p:cNvCxnSpPr>
+          <p:nvPr>
+            <p:extLst>
+              <p:ext uri="{386F3935-93C4-4BCD-93E2-E3B085C9AB24}">
+                <p16:designElem xmlns:p16="http://schemas.microsoft.com/office/powerpoint/2015/main" val="1"/>
+              </p:ext>
+            </p:extLst>
+          </p:nvPr>
+        </p:nvCxnSpPr>
+        <p:spPr>
+          <a:xfrm>
+            <a:off x="1453896" y="1847088"/>
+            <a:ext cx="9607522" cy="0"/>
+          </a:xfrm>
+          <a:prstGeom prst="line">
+            <a:avLst/>
+          </a:prstGeom>
+          <a:ln w="31750"/>
+        </p:spPr>
+        <p:style>
+          <a:lnRef idx="3">
+            <a:schemeClr val="accent1"/>
+          </a:lnRef>
+          <a:fillRef idx="0">
+            <a:schemeClr val="accent1"/>
+          </a:fillRef>
+          <a:effectRef idx="2">
+            <a:schemeClr val="accent1"/>
+          </a:effectRef>
+          <a:fontRef idx="minor">
+            <a:schemeClr val="tx1"/>
+          </a:fontRef>
+        </p:style>
+      </p:cxnSp>
+      <p:pic>
+        <p:nvPicPr>
+          <p:cNvPr id="5" name="Picture 4" descr="Toy plastic numbers">
+            <a:extLst>
+              <a:ext uri="{FF2B5EF4-FFF2-40B4-BE49-F238E27FC236}">
+                <a16:creationId xmlns:a16="http://schemas.microsoft.com/office/drawing/2014/main" id="{1BCCC988-B63A-F3F2-240F-33B175945D33}"/>
+              </a:ext>
+            </a:extLst>
+          </p:cNvPr>
+          <p:cNvPicPr>
+            <a:picLocks noChangeAspect="1"/>
+          </p:cNvPicPr>
+          <p:nvPr/>
+        </p:nvPicPr>
+        <p:blipFill rotWithShape="1">
+          <a:blip r:embed="rId3"/>
+          <a:srcRect t="9379" r="-1" b="6348"/>
+          <a:stretch/>
+        </p:blipFill>
+        <p:spPr>
+          <a:xfrm>
+            <a:off x="20" y="10"/>
+            <a:ext cx="12191675" cy="6857990"/>
+          </a:xfrm>
+          <a:prstGeom prst="rect">
+            <a:avLst/>
+          </a:prstGeom>
+        </p:spPr>
+      </p:pic>
+      <p:sp>
+        <p:nvSpPr>
+          <p:cNvPr id="17" name="Rectangle 16">
+            <a:extLst>
+              <a:ext uri="{FF2B5EF4-FFF2-40B4-BE49-F238E27FC236}">
+                <a16:creationId xmlns:a16="http://schemas.microsoft.com/office/drawing/2014/main" id="{2E67E8BF-E4B2-4098-9FB3-9E400BD86935}"/>
+              </a:ext>
+              <a:ext uri="{C183D7F6-B498-43B3-948B-1728B52AA6E4}">
+                <adec:decorative xmlns:adec="http://schemas.microsoft.com/office/drawing/2017/decorative" val="1"/>
+              </a:ext>
+            </a:extLst>
+          </p:cNvPr>
+          <p:cNvSpPr>
+            <a:spLocks noGrp="1" noRot="1" noChangeAspect="1" noMove="1" noResize="1" noEditPoints="1" noAdjustHandles="1" noChangeArrowheads="1" noChangeShapeType="1" noTextEdit="1"/>
+          </p:cNvSpPr>
+          <p:nvPr>
+            <p:extLst>
+              <p:ext uri="{386F3935-93C4-4BCD-93E2-E3B085C9AB24}">
+                <p16:designElem xmlns:p16="http://schemas.microsoft.com/office/powerpoint/2015/main" val="1"/>
+              </p:ext>
+            </p:extLst>
+          </p:nvPr>
+        </p:nvSpPr>
+        <p:spPr>
+          <a:xfrm>
+            <a:off x="5930686" y="4905349"/>
+            <a:ext cx="5610646" cy="1450464"/>
+          </a:xfrm>
+          <a:prstGeom prst="rect">
+            <a:avLst/>
+          </a:prstGeom>
+          <a:solidFill>
+            <a:srgbClr val="000001">
+              <a:alpha val="75000"/>
+            </a:srgbClr>
+          </a:solidFill>
+          <a:ln>
+            <a:noFill/>
+          </a:ln>
+        </p:spPr>
+        <p:style>
+          <a:lnRef idx="1">
+            <a:schemeClr val="accent1"/>
+          </a:lnRef>
+          <a:fillRef idx="3">
+            <a:schemeClr val="accent1"/>
+          </a:fillRef>
+          <a:effectRef idx="2">
+            <a:schemeClr val="accent1"/>
+          </a:effectRef>
+          <a:fontRef idx="minor">
+            <a:schemeClr val="lt1"/>
+          </a:fontRef>
+        </p:style>
+        <p:txBody>
+          <a:bodyPr rtlCol="0" anchor="ctr"/>
+          <a:lstStyle/>
+          <a:p>
+            <a:pPr algn="ctr"/>
+            <a:endParaRPr lang="en-US"/>
+          </a:p>
+        </p:txBody>
+      </p:sp>
+      <p:sp>
+        <p:nvSpPr>
+          <p:cNvPr id="2" name="Title 1">
+            <a:extLst>
+              <a:ext uri="{FF2B5EF4-FFF2-40B4-BE49-F238E27FC236}">
+                <a16:creationId xmlns:a16="http://schemas.microsoft.com/office/drawing/2014/main" id="{F4031923-7C8E-4F34-ECDD-041AB964D2AE}"/>
+              </a:ext>
+            </a:extLst>
+          </p:cNvPr>
+          <p:cNvSpPr>
+            <a:spLocks noGrp="1"/>
+          </p:cNvSpPr>
+          <p:nvPr>
+            <p:ph type="title"/>
+          </p:nvPr>
+        </p:nvSpPr>
+        <p:spPr>
+          <a:xfrm>
+            <a:off x="6094412" y="5239131"/>
+            <a:ext cx="5279490" cy="960087"/>
+          </a:xfrm>
+        </p:spPr>
+        <p:txBody>
+          <a:bodyPr vert="horz" lIns="91440" tIns="45720" rIns="91440" bIns="45720" rtlCol="0" anchor="t">
+            <a:normAutofit/>
+          </a:bodyPr>
+          <a:lstStyle/>
+          <a:p>
+            <a:r>
+              <a:rPr lang="en-US" sz="3000">
                 <a:solidFill>
-                  <a:srgbClr val="FFFFFF"/>
+                  <a:srgbClr val="FFFFFE"/>
                 </a:solidFill>
-              </a14:hiddenFill>
-            </a:ext>
-          </a:extLst>
-        </p:spPr>
-      </p:pic>
+              </a:rPr>
+              <a:t>Multi-class Classification - Images</a:t>
+            </a:r>
+          </a:p>
+        </p:txBody>
+      </p:sp>
+      <p:cxnSp>
+        <p:nvCxnSpPr>
+          <p:cNvPr id="19" name="Straight Connector 18">
+            <a:extLst>
+              <a:ext uri="{FF2B5EF4-FFF2-40B4-BE49-F238E27FC236}">
+                <a16:creationId xmlns:a16="http://schemas.microsoft.com/office/drawing/2014/main" id="{3781A10F-5DF6-4C9B-AE0B-5249E4399D26}"/>
+              </a:ext>
+              <a:ext uri="{C183D7F6-B498-43B3-948B-1728B52AA6E4}">
+                <adec:decorative xmlns:adec="http://schemas.microsoft.com/office/drawing/2017/decorative" val="1"/>
+              </a:ext>
+            </a:extLst>
+          </p:cNvPr>
+          <p:cNvCxnSpPr>
+            <a:cxnSpLocks noGrp="1" noRot="1" noChangeAspect="1" noMove="1" noResize="1" noEditPoints="1" noAdjustHandles="1" noChangeArrowheads="1" noChangeShapeType="1"/>
+          </p:cNvCxnSpPr>
+          <p:nvPr>
+            <p:extLst>
+              <p:ext uri="{386F3935-93C4-4BCD-93E2-E3B085C9AB24}">
+                <p16:designElem xmlns:p16="http://schemas.microsoft.com/office/powerpoint/2015/main" val="1"/>
+              </p:ext>
+            </p:extLst>
+          </p:nvPr>
+        </p:nvCxnSpPr>
+        <p:spPr>
+          <a:xfrm>
+            <a:off x="6094411" y="5073596"/>
+            <a:ext cx="5283196" cy="0"/>
+          </a:xfrm>
+          <a:prstGeom prst="line">
+            <a:avLst/>
+          </a:prstGeom>
+          <a:ln w="31750">
+            <a:solidFill>
+              <a:srgbClr val="F0980C"/>
+            </a:solidFill>
+          </a:ln>
+        </p:spPr>
+        <p:style>
+          <a:lnRef idx="3">
+            <a:schemeClr val="accent1"/>
+          </a:lnRef>
+          <a:fillRef idx="0">
+            <a:schemeClr val="accent1"/>
+          </a:fillRef>
+          <a:effectRef idx="2">
+            <a:schemeClr val="accent1"/>
+          </a:effectRef>
+          <a:fontRef idx="minor">
+            <a:schemeClr val="tx1"/>
+          </a:fontRef>
+        </p:style>
+      </p:cxnSp>
     </p:spTree>
     <p:extLst>
       <p:ext uri="{BB962C8B-B14F-4D97-AF65-F5344CB8AC3E}">
-        <p14:creationId xmlns:p14="http://schemas.microsoft.com/office/powerpoint/2010/main" val="3942868991"/>
+        <p14:creationId xmlns:p14="http://schemas.microsoft.com/office/powerpoint/2010/main" val="3677524823"/>
       </p:ext>
     </p:extLst>
   </p:cSld>
@@ -4666,7 +4720,7 @@
           <p:cNvPr id="2" name="Title 1">
             <a:extLst>
               <a:ext uri="{FF2B5EF4-FFF2-40B4-BE49-F238E27FC236}">
-                <a16:creationId xmlns:a16="http://schemas.microsoft.com/office/drawing/2014/main" id="{AB677636-8A33-7C42-809D-0BCBF174378D}"/>
+                <a16:creationId xmlns:a16="http://schemas.microsoft.com/office/drawing/2014/main" id="{F3FB903F-CE3E-DE43-9BF5-70277B57D148}"/>
               </a:ext>
             </a:extLst>
           </p:cNvPr>
@@ -4691,17 +4745,84 @@
           <a:p>
             <a:r>
               <a:rPr lang="en-US" dirty="0"/>
-              <a:t>Better Images</a:t>
+              <a:t>Images</a:t>
+            </a:r>
+          </a:p>
+        </p:txBody>
+      </p:sp>
+      <p:sp>
+        <p:nvSpPr>
+          <p:cNvPr id="3" name="Content Placeholder 2">
+            <a:extLst>
+              <a:ext uri="{FF2B5EF4-FFF2-40B4-BE49-F238E27FC236}">
+                <a16:creationId xmlns:a16="http://schemas.microsoft.com/office/drawing/2014/main" id="{C81DE9A2-B784-8847-A671-53558461A496}"/>
+              </a:ext>
+            </a:extLst>
+          </p:cNvPr>
+          <p:cNvSpPr>
+            <a:spLocks noGrp="1"/>
+          </p:cNvSpPr>
+          <p:nvPr>
+            <p:ph idx="1"/>
+          </p:nvPr>
+        </p:nvSpPr>
+        <p:spPr>
+          <a:xfrm>
+            <a:off x="401444" y="2015733"/>
+            <a:ext cx="4984946" cy="4037747"/>
+          </a:xfrm>
+        </p:spPr>
+        <p:txBody>
+          <a:bodyPr>
+            <a:normAutofit/>
+          </a:bodyPr>
+          <a:lstStyle/>
+          <a:p>
+            <a:r>
+              <a:rPr lang="en-US" dirty="0"/>
+              <a:t>Images are basically 2D (for now) grids of pixels.</a:t>
+            </a:r>
+          </a:p>
+          <a:p>
+            <a:pPr lvl="1"/>
+            <a:r>
+              <a:rPr lang="en-US" dirty="0"/>
+              <a:t>Your 1080p screen is 1920 x 1080 pixels.</a:t>
+            </a:r>
+          </a:p>
+          <a:p>
+            <a:r>
+              <a:rPr lang="en-US" dirty="0"/>
+              <a:t>Each pixel is an integer value. </a:t>
+            </a:r>
+          </a:p>
+          <a:p>
+            <a:pPr lvl="1"/>
+            <a:r>
+              <a:rPr lang="en-US" dirty="0"/>
+              <a:t>0-255 for darkness</a:t>
+            </a:r>
+          </a:p>
+          <a:p>
+            <a:r>
+              <a:rPr lang="en-US" dirty="0"/>
+              <a:t>Images are normal data, and we can treat them like any other data. </a:t>
+            </a:r>
+          </a:p>
+          <a:p>
+            <a:r>
+              <a:rPr lang="en-US" dirty="0"/>
+              <a:t>This allows us to, pretty easily, do image recognition!</a:t>
             </a:r>
           </a:p>
         </p:txBody>
       </p:sp>
       <p:pic>
         <p:nvPicPr>
-          <p:cNvPr id="6146" name="Picture 2" descr="Color image representation and RGB matrix | Download Scientific Diagram">
+          <p:cNvPr id="1026" name="Picture 2" descr="SaraAI - mnist">
             <a:extLst>
               <a:ext uri="{FF2B5EF4-FFF2-40B4-BE49-F238E27FC236}">
-                <a16:creationId xmlns:a16="http://schemas.microsoft.com/office/drawing/2014/main" id="{4EF6BA20-AB62-C94A-AC15-0B8F4FFA5B7C}"/>
+                <a16:creationId xmlns:a16="http://schemas.microsoft.com/office/drawing/2014/main" id="{5E9AF5CB-741A-654E-B2AF-0D1547D587DA}"/>
               </a:ext>
             </a:extLst>
           </p:cNvPr>
@@ -4724,8 +4845,8 @@
         </p:blipFill>
         <p:spPr bwMode="auto">
           <a:xfrm>
-            <a:off x="-13095" y="2286000"/>
-            <a:ext cx="7877442" cy="2914650"/>
+            <a:off x="5386389" y="52389"/>
+            <a:ext cx="6805612" cy="6805612"/>
           </a:xfrm>
           <a:prstGeom prst="rect">
             <a:avLst/>
@@ -4742,63 +4863,10 @@
           </a:extLst>
         </p:spPr>
       </p:pic>
-      <p:sp>
-        <p:nvSpPr>
-          <p:cNvPr id="3" name="Content Placeholder 2">
-            <a:extLst>
-              <a:ext uri="{FF2B5EF4-FFF2-40B4-BE49-F238E27FC236}">
-                <a16:creationId xmlns:a16="http://schemas.microsoft.com/office/drawing/2014/main" id="{51DCB23F-F681-554F-8018-B8D417F4BDB9}"/>
-              </a:ext>
-            </a:extLst>
-          </p:cNvPr>
-          <p:cNvSpPr>
-            <a:spLocks noGrp="1"/>
-          </p:cNvSpPr>
-          <p:nvPr>
-            <p:ph idx="1"/>
-          </p:nvPr>
-        </p:nvSpPr>
-        <p:spPr>
-          <a:xfrm>
-            <a:off x="8115300" y="2015734"/>
-            <a:ext cx="3943350" cy="4037747"/>
-          </a:xfrm>
-        </p:spPr>
-        <p:txBody>
-          <a:bodyPr>
-            <a:normAutofit/>
-          </a:bodyPr>
-          <a:lstStyle/>
-          <a:p>
-            <a:r>
-              <a:rPr lang="en-US" dirty="0"/>
-              <a:t>Our images are simple – 1 color. </a:t>
-            </a:r>
-          </a:p>
-          <a:p>
-            <a:r>
-              <a:rPr lang="en-US" dirty="0"/>
-              <a:t>No depth - we only need an array with depth of 1. </a:t>
-            </a:r>
-          </a:p>
-          <a:p>
-            <a:r>
-              <a:rPr lang="en-US" dirty="0"/>
-              <a:t>More complex images add pixels and additional layers for more color. </a:t>
-            </a:r>
-          </a:p>
-          <a:p>
-            <a:r>
-              <a:rPr lang="en-US" dirty="0"/>
-              <a:t>These are tensors – multidimensional arrays. </a:t>
-            </a:r>
-          </a:p>
-        </p:txBody>
-      </p:sp>
     </p:spTree>
     <p:extLst>
       <p:ext uri="{BB962C8B-B14F-4D97-AF65-F5344CB8AC3E}">
-        <p14:creationId xmlns:p14="http://schemas.microsoft.com/office/powerpoint/2010/main" val="690243489"/>
+        <p14:creationId xmlns:p14="http://schemas.microsoft.com/office/powerpoint/2010/main" val="3942868991"/>
       </p:ext>
     </p:extLst>
   </p:cSld>
@@ -4809,453 +4877,6 @@
 </file>
 
 <file path=ppt/slides/slide15.xml><?xml version="1.0" encoding="utf-8"?>
-<p:sld xmlns:a="http://schemas.openxmlformats.org/drawingml/2006/main" xmlns:r="http://schemas.openxmlformats.org/officeDocument/2006/relationships" xmlns:p="http://schemas.openxmlformats.org/presentationml/2006/main">
-  <p:cSld>
-    <p:spTree>
-      <p:nvGrpSpPr>
-        <p:cNvPr id="1" name=""/>
-        <p:cNvGrpSpPr/>
-        <p:nvPr/>
-      </p:nvGrpSpPr>
-      <p:grpSpPr>
-        <a:xfrm>
-          <a:off x="0" y="0"/>
-          <a:ext cx="0" cy="0"/>
-          <a:chOff x="0" y="0"/>
-          <a:chExt cx="0" cy="0"/>
-        </a:xfrm>
-      </p:grpSpPr>
-      <p:sp>
-        <p:nvSpPr>
-          <p:cNvPr id="2" name="Title 1">
-            <a:extLst>
-              <a:ext uri="{FF2B5EF4-FFF2-40B4-BE49-F238E27FC236}">
-                <a16:creationId xmlns:a16="http://schemas.microsoft.com/office/drawing/2014/main" id="{763A3D3D-1B15-1537-EF9B-D4F698BB039B}"/>
-              </a:ext>
-            </a:extLst>
-          </p:cNvPr>
-          <p:cNvSpPr>
-            <a:spLocks noGrp="1"/>
-          </p:cNvSpPr>
-          <p:nvPr>
-            <p:ph type="title"/>
-          </p:nvPr>
-        </p:nvSpPr>
-        <p:spPr/>
-        <p:txBody>
-          <a:bodyPr/>
-          <a:lstStyle/>
-          <a:p>
-            <a:r>
-              <a:rPr lang="en-US" dirty="0"/>
-              <a:t>Classifying Digits</a:t>
-            </a:r>
-          </a:p>
-        </p:txBody>
-      </p:sp>
-      <p:sp>
-        <p:nvSpPr>
-          <p:cNvPr id="3" name="Content Placeholder 2">
-            <a:extLst>
-              <a:ext uri="{FF2B5EF4-FFF2-40B4-BE49-F238E27FC236}">
-                <a16:creationId xmlns:a16="http://schemas.microsoft.com/office/drawing/2014/main" id="{9EC530FB-566D-D043-2F30-7D7002FF5A02}"/>
-              </a:ext>
-            </a:extLst>
-          </p:cNvPr>
-          <p:cNvSpPr>
-            <a:spLocks noGrp="1"/>
-          </p:cNvSpPr>
-          <p:nvPr>
-            <p:ph idx="1"/>
-          </p:nvPr>
-        </p:nvSpPr>
-        <p:spPr>
-          <a:xfrm>
-            <a:off x="1451579" y="1853754"/>
-            <a:ext cx="9603275" cy="4259451"/>
-          </a:xfrm>
-        </p:spPr>
-        <p:txBody>
-          <a:bodyPr>
-            <a:normAutofit/>
-          </a:bodyPr>
-          <a:lstStyle/>
-          <a:p>
-            <a:r>
-              <a:rPr lang="en-US" dirty="0"/>
-              <a:t>We can create a model to classify digits into 10 classes. </a:t>
-            </a:r>
-          </a:p>
-          <a:p>
-            <a:r>
-              <a:rPr lang="en-US" dirty="0"/>
-              <a:t>Our image data – we will interpret it like “normal” data:</a:t>
-            </a:r>
-          </a:p>
-          <a:p>
-            <a:pPr lvl="1"/>
-            <a:r>
-              <a:rPr lang="en-US" dirty="0"/>
-              <a:t>Each digit is an image of pixels – either 64 (8x8) or 748 (28x28). </a:t>
-            </a:r>
-          </a:p>
-          <a:p>
-            <a:pPr lvl="1"/>
-            <a:r>
-              <a:rPr lang="en-US" dirty="0"/>
-              <a:t>There’s only one color, so each pixel can be between 0 and 255 for “darkness”. </a:t>
-            </a:r>
-          </a:p>
-          <a:p>
-            <a:pPr lvl="1"/>
-            <a:r>
-              <a:rPr lang="en-US" dirty="0"/>
-              <a:t>Our target is the label, the actual number that the pixel is. </a:t>
-            </a:r>
-          </a:p>
-          <a:p>
-            <a:pPr lvl="1"/>
-            <a:r>
-              <a:rPr lang="en-US" dirty="0"/>
-              <a:t>We can flatten the 2D representation of pixels into one row, then use normal models. </a:t>
-            </a:r>
-          </a:p>
-          <a:p>
-            <a:pPr lvl="1"/>
-            <a:r>
-              <a:rPr lang="en-US" dirty="0"/>
-              <a:t>Each pixel will now just be one feature, in order. (We can reshape back to get original)</a:t>
-            </a:r>
-          </a:p>
-          <a:p>
-            <a:r>
-              <a:rPr lang="en-US" dirty="0"/>
-              <a:t>We lose the spatial part of the data – our flat representation doesn’t “understand” 2D.</a:t>
-            </a:r>
-          </a:p>
-          <a:p>
-            <a:pPr lvl="1"/>
-            <a:r>
-              <a:rPr lang="en-US" dirty="0"/>
-              <a:t>With images, and other things that are analog, we create a representation to use. </a:t>
-            </a:r>
-          </a:p>
-          <a:p>
-            <a:pPr lvl="1"/>
-            <a:r>
-              <a:rPr lang="en-US" dirty="0"/>
-              <a:t>There are better ways to process image data that keep spatial awareness, we’ll see later. </a:t>
-            </a:r>
-          </a:p>
-          <a:p>
-            <a:endParaRPr lang="en-US" dirty="0"/>
-          </a:p>
-        </p:txBody>
-      </p:sp>
-      <p:pic>
-        <p:nvPicPr>
-          <p:cNvPr id="3074" name="Picture 2" descr="NumPy: numpy.ndarray.flatten()function - w3resource">
-            <a:extLst>
-              <a:ext uri="{FF2B5EF4-FFF2-40B4-BE49-F238E27FC236}">
-                <a16:creationId xmlns:a16="http://schemas.microsoft.com/office/drawing/2014/main" id="{33E79A7E-03D2-71B3-8975-E0B8F178C978}"/>
-              </a:ext>
-            </a:extLst>
-          </p:cNvPr>
-          <p:cNvPicPr>
-            <a:picLocks noChangeAspect="1" noChangeArrowheads="1"/>
-          </p:cNvPicPr>
-          <p:nvPr/>
-        </p:nvPicPr>
-        <p:blipFill rotWithShape="1">
-          <a:blip r:embed="rId2">
-            <a:extLst>
-              <a:ext uri="{28A0092B-C50C-407E-A947-70E740481C1C}">
-                <a14:useLocalDpi xmlns:a14="http://schemas.microsoft.com/office/drawing/2010/main" val="0"/>
-              </a:ext>
-            </a:extLst>
-          </a:blip>
-          <a:srcRect l="9739" t="3665" r="11514" b="3665"/>
-          <a:stretch/>
-        </p:blipFill>
-        <p:spPr bwMode="auto">
-          <a:xfrm>
-            <a:off x="9637059" y="1"/>
-            <a:ext cx="2554941" cy="3369266"/>
-          </a:xfrm>
-          <a:prstGeom prst="rect">
-            <a:avLst/>
-          </a:prstGeom>
-          <a:noFill/>
-          <a:extLst>
-            <a:ext uri="{909E8E84-426E-40DD-AFC4-6F175D3DCCD1}">
-              <a14:hiddenFill xmlns:a14="http://schemas.microsoft.com/office/drawing/2010/main">
-                <a:solidFill>
-                  <a:srgbClr val="FFFFFF"/>
-                </a:solidFill>
-              </a14:hiddenFill>
-            </a:ext>
-          </a:extLst>
-        </p:spPr>
-      </p:pic>
-    </p:spTree>
-    <p:extLst>
-      <p:ext uri="{BB962C8B-B14F-4D97-AF65-F5344CB8AC3E}">
-        <p14:creationId xmlns:p14="http://schemas.microsoft.com/office/powerpoint/2010/main" val="1464860524"/>
-      </p:ext>
-    </p:extLst>
-  </p:cSld>
-  <p:clrMapOvr>
-    <a:masterClrMapping/>
-  </p:clrMapOvr>
-</p:sld>
-</file>
-
-<file path=ppt/slides/slide16.xml><?xml version="1.0" encoding="utf-8"?>
-<p:sld xmlns:a="http://schemas.openxmlformats.org/drawingml/2006/main" xmlns:r="http://schemas.openxmlformats.org/officeDocument/2006/relationships" xmlns:p="http://schemas.openxmlformats.org/presentationml/2006/main">
-  <p:cSld>
-    <p:spTree>
-      <p:nvGrpSpPr>
-        <p:cNvPr id="1" name=""/>
-        <p:cNvGrpSpPr/>
-        <p:nvPr/>
-      </p:nvGrpSpPr>
-      <p:grpSpPr>
-        <a:xfrm>
-          <a:off x="0" y="0"/>
-          <a:ext cx="0" cy="0"/>
-          <a:chOff x="0" y="0"/>
-          <a:chExt cx="0" cy="0"/>
-        </a:xfrm>
-      </p:grpSpPr>
-      <p:sp>
-        <p:nvSpPr>
-          <p:cNvPr id="2" name="Title 1">
-            <a:extLst>
-              <a:ext uri="{FF2B5EF4-FFF2-40B4-BE49-F238E27FC236}">
-                <a16:creationId xmlns:a16="http://schemas.microsoft.com/office/drawing/2014/main" id="{D4257230-D331-22F1-C328-892C2A3F5FD3}"/>
-              </a:ext>
-            </a:extLst>
-          </p:cNvPr>
-          <p:cNvSpPr>
-            <a:spLocks noGrp="1"/>
-          </p:cNvSpPr>
-          <p:nvPr>
-            <p:ph type="title"/>
-          </p:nvPr>
-        </p:nvSpPr>
-        <p:spPr/>
-        <p:txBody>
-          <a:bodyPr/>
-          <a:lstStyle/>
-          <a:p>
-            <a:r>
-              <a:rPr lang="en-US" dirty="0"/>
-              <a:t>Data Representations</a:t>
-            </a:r>
-          </a:p>
-        </p:txBody>
-      </p:sp>
-      <p:sp>
-        <p:nvSpPr>
-          <p:cNvPr id="3" name="Content Placeholder 2">
-            <a:extLst>
-              <a:ext uri="{FF2B5EF4-FFF2-40B4-BE49-F238E27FC236}">
-                <a16:creationId xmlns:a16="http://schemas.microsoft.com/office/drawing/2014/main" id="{0F7856DB-7967-F0FC-4E78-90EC7D46A8E9}"/>
-              </a:ext>
-            </a:extLst>
-          </p:cNvPr>
-          <p:cNvSpPr>
-            <a:spLocks noGrp="1"/>
-          </p:cNvSpPr>
-          <p:nvPr>
-            <p:ph idx="1"/>
-          </p:nvPr>
-        </p:nvSpPr>
-        <p:spPr>
-          <a:xfrm>
-            <a:off x="980768" y="1853754"/>
-            <a:ext cx="10434483" cy="4288949"/>
-          </a:xfrm>
-        </p:spPr>
-        <p:txBody>
-          <a:bodyPr>
-            <a:normAutofit/>
-          </a:bodyPr>
-          <a:lstStyle/>
-          <a:p>
-            <a:r>
-              <a:rPr lang="en-US" dirty="0"/>
-              <a:t>For structured data (numbers, classes, Booleans) the data values we use are pretty set. </a:t>
-            </a:r>
-          </a:p>
-          <a:p>
-            <a:pPr lvl="1"/>
-            <a:r>
-              <a:rPr lang="en-US" dirty="0"/>
-              <a:t>Our models calculate numbers, so we are just converting to different numbers. </a:t>
-            </a:r>
-          </a:p>
-          <a:p>
-            <a:pPr lvl="1"/>
-            <a:r>
-              <a:rPr lang="en-US" dirty="0"/>
-              <a:t>Our predictions are based on getting as close as possible to whatever the value is. </a:t>
-            </a:r>
-          </a:p>
-          <a:p>
-            <a:r>
-              <a:rPr lang="en-US" dirty="0"/>
-              <a:t>For unstructured data, that can’t really happen. </a:t>
-            </a:r>
-          </a:p>
-          <a:p>
-            <a:pPr lvl="1"/>
-            <a:r>
-              <a:rPr lang="en-US" dirty="0"/>
-              <a:t>An image, sound, or paragraph doesn’t really have a ’value’ in the same sense. </a:t>
-            </a:r>
-          </a:p>
-          <a:p>
-            <a:r>
-              <a:rPr lang="en-US" dirty="0"/>
-              <a:t>We need to generate a representation of the data to use in a mathematical model. </a:t>
-            </a:r>
-          </a:p>
-          <a:p>
-            <a:pPr lvl="1"/>
-            <a:r>
-              <a:rPr lang="en-US" dirty="0"/>
-              <a:t>Here, that is a simple rearranging of the pixel layout. </a:t>
-            </a:r>
-          </a:p>
-          <a:p>
-            <a:pPr lvl="1"/>
-            <a:r>
-              <a:rPr lang="en-US" dirty="0"/>
-              <a:t>In more advanced image processing models, we can look at 2D ‘hunks’ (or edges, or…)</a:t>
-            </a:r>
-          </a:p>
-          <a:p>
-            <a:pPr lvl="1"/>
-            <a:r>
-              <a:rPr lang="en-US" dirty="0"/>
-              <a:t>Soon, for free text, we’ll need to do something similar – generate an embedding. </a:t>
-            </a:r>
-          </a:p>
-          <a:p>
-            <a:r>
-              <a:rPr lang="en-US" dirty="0"/>
-              <a:t>Performance depends both on the model, and how good the numeric representation of reality is. </a:t>
-            </a:r>
-          </a:p>
-        </p:txBody>
-      </p:sp>
-    </p:spTree>
-    <p:extLst>
-      <p:ext uri="{BB962C8B-B14F-4D97-AF65-F5344CB8AC3E}">
-        <p14:creationId xmlns:p14="http://schemas.microsoft.com/office/powerpoint/2010/main" val="2217046555"/>
-      </p:ext>
-    </p:extLst>
-  </p:cSld>
-  <p:clrMapOvr>
-    <a:masterClrMapping/>
-  </p:clrMapOvr>
-</p:sld>
-</file>
-
-<file path=ppt/slides/slide2.xml><?xml version="1.0" encoding="utf-8"?>
-<p:sld xmlns:a="http://schemas.openxmlformats.org/drawingml/2006/main" xmlns:r="http://schemas.openxmlformats.org/officeDocument/2006/relationships" xmlns:p="http://schemas.openxmlformats.org/presentationml/2006/main">
-  <p:cSld>
-    <p:spTree>
-      <p:nvGrpSpPr>
-        <p:cNvPr id="1" name=""/>
-        <p:cNvGrpSpPr/>
-        <p:nvPr/>
-      </p:nvGrpSpPr>
-      <p:grpSpPr>
-        <a:xfrm>
-          <a:off x="0" y="0"/>
-          <a:ext cx="0" cy="0"/>
-          <a:chOff x="0" y="0"/>
-          <a:chExt cx="0" cy="0"/>
-        </a:xfrm>
-      </p:grpSpPr>
-      <p:sp>
-        <p:nvSpPr>
-          <p:cNvPr id="2" name="Title 1">
-            <a:extLst>
-              <a:ext uri="{FF2B5EF4-FFF2-40B4-BE49-F238E27FC236}">
-                <a16:creationId xmlns:a16="http://schemas.microsoft.com/office/drawing/2014/main" id="{8454DF97-6394-DD4A-9484-20CB6EE8F69B}"/>
-              </a:ext>
-            </a:extLst>
-          </p:cNvPr>
-          <p:cNvSpPr>
-            <a:spLocks noGrp="1"/>
-          </p:cNvSpPr>
-          <p:nvPr>
-            <p:ph type="title"/>
-          </p:nvPr>
-        </p:nvSpPr>
-        <p:spPr/>
-        <p:txBody>
-          <a:bodyPr/>
-          <a:lstStyle/>
-          <a:p>
-            <a:r>
-              <a:rPr lang="en-US" dirty="0"/>
-              <a:t>Logistic Regression – What’s New?</a:t>
-            </a:r>
-          </a:p>
-        </p:txBody>
-      </p:sp>
-      <p:sp>
-        <p:nvSpPr>
-          <p:cNvPr id="3" name="Content Placeholder 2">
-            <a:extLst>
-              <a:ext uri="{FF2B5EF4-FFF2-40B4-BE49-F238E27FC236}">
-                <a16:creationId xmlns:a16="http://schemas.microsoft.com/office/drawing/2014/main" id="{8AB2D909-C243-384C-AE6C-C91F234E82F4}"/>
-              </a:ext>
-            </a:extLst>
-          </p:cNvPr>
-          <p:cNvSpPr>
-            <a:spLocks noGrp="1"/>
-          </p:cNvSpPr>
-          <p:nvPr>
-            <p:ph idx="1"/>
-          </p:nvPr>
-        </p:nvSpPr>
-        <p:spPr/>
-        <p:txBody>
-          <a:bodyPr/>
-          <a:lstStyle/>
-          <a:p>
-            <a:r>
-              <a:rPr lang="en-US" dirty="0"/>
-              <a:t>Regularization</a:t>
-            </a:r>
-          </a:p>
-          <a:p>
-            <a:r>
-              <a:rPr lang="en-US" dirty="0"/>
-              <a:t>Multiple Classification</a:t>
-            </a:r>
-          </a:p>
-        </p:txBody>
-      </p:sp>
-    </p:spTree>
-    <p:extLst>
-      <p:ext uri="{BB962C8B-B14F-4D97-AF65-F5344CB8AC3E}">
-        <p14:creationId xmlns:p14="http://schemas.microsoft.com/office/powerpoint/2010/main" val="2850889656"/>
-      </p:ext>
-    </p:extLst>
-  </p:cSld>
-  <p:clrMapOvr>
-    <a:masterClrMapping/>
-  </p:clrMapOvr>
-</p:sld>
-</file>
-
-<file path=ppt/slides/slide3.xml><?xml version="1.0" encoding="utf-8"?>
 <p:sld xmlns:a="http://schemas.openxmlformats.org/drawingml/2006/main" xmlns:r="http://schemas.openxmlformats.org/officeDocument/2006/relationships" xmlns:p="http://schemas.openxmlformats.org/presentationml/2006/main">
   <p:cSld>
     <p:bg>
@@ -5301,7 +4922,7 @@
           <p:cNvPr id="2" name="Title 1">
             <a:extLst>
               <a:ext uri="{FF2B5EF4-FFF2-40B4-BE49-F238E27FC236}">
-                <a16:creationId xmlns:a16="http://schemas.microsoft.com/office/drawing/2014/main" id="{5CA7E9C9-9045-144D-A612-F495C191692F}"/>
+                <a16:creationId xmlns:a16="http://schemas.microsoft.com/office/drawing/2014/main" id="{AB677636-8A33-7C42-809D-0BCBF174378D}"/>
               </a:ext>
             </a:extLst>
           </p:cNvPr>
@@ -5326,74 +4947,17 @@
           <a:p>
             <a:r>
               <a:rPr lang="en-US" dirty="0"/>
-              <a:t>Regularization</a:t>
-            </a:r>
-          </a:p>
-        </p:txBody>
-      </p:sp>
-      <p:sp>
-        <p:nvSpPr>
-          <p:cNvPr id="3" name="Content Placeholder 2">
+              <a:t>Better Images</a:t>
+            </a:r>
+          </a:p>
+        </p:txBody>
+      </p:sp>
+      <p:pic>
+        <p:nvPicPr>
+          <p:cNvPr id="6146" name="Picture 2" descr="Color image representation and RGB matrix | Download Scientific Diagram">
             <a:extLst>
               <a:ext uri="{FF2B5EF4-FFF2-40B4-BE49-F238E27FC236}">
-                <a16:creationId xmlns:a16="http://schemas.microsoft.com/office/drawing/2014/main" id="{68B218D4-F802-E042-B952-453BEAB6AB98}"/>
-              </a:ext>
-            </a:extLst>
-          </p:cNvPr>
-          <p:cNvSpPr>
-            <a:spLocks noGrp="1"/>
-          </p:cNvSpPr>
-          <p:nvPr>
-            <p:ph idx="1"/>
-          </p:nvPr>
-        </p:nvSpPr>
-        <p:spPr>
-          <a:xfrm>
-            <a:off x="1451579" y="2015734"/>
-            <a:ext cx="4162555" cy="4037747"/>
-          </a:xfrm>
-        </p:spPr>
-        <p:txBody>
-          <a:bodyPr>
-            <a:normAutofit/>
-          </a:bodyPr>
-          <a:lstStyle/>
-          <a:p>
-            <a:r>
-              <a:rPr lang="en-US" sz="2400" dirty="0"/>
-              <a:t>Logistic regression is a linear model. </a:t>
-            </a:r>
-          </a:p>
-          <a:p>
-            <a:r>
-              <a:rPr lang="en-US" sz="2400" dirty="0"/>
-              <a:t>Regularization is (generally) applied to linear models by default. </a:t>
-            </a:r>
-          </a:p>
-          <a:p>
-            <a:pPr lvl="1"/>
-            <a:r>
-              <a:rPr lang="en-US" sz="2000" dirty="0"/>
-              <a:t>We can define the type with the HP: penalty</a:t>
-            </a:r>
-          </a:p>
-          <a:p>
-            <a:r>
-              <a:rPr lang="en-US" dirty="0"/>
-              <a:t>Logistic regression has L2 as default.</a:t>
-            </a:r>
-          </a:p>
-          <a:p>
-            <a:endParaRPr lang="en-US" dirty="0"/>
-          </a:p>
-        </p:txBody>
-      </p:sp>
-      <p:pic>
-        <p:nvPicPr>
-          <p:cNvPr id="2050" name="Picture 2" descr="Regularization of Linear Models with SKLearn | by Robert Thas John |  Coinmonks | Medium">
-            <a:extLst>
-              <a:ext uri="{FF2B5EF4-FFF2-40B4-BE49-F238E27FC236}">
-                <a16:creationId xmlns:a16="http://schemas.microsoft.com/office/drawing/2014/main" id="{6E3147F7-4507-094E-9A95-C55F32D0D56B}"/>
+                <a16:creationId xmlns:a16="http://schemas.microsoft.com/office/drawing/2014/main" id="{4EF6BA20-AB62-C94A-AC15-0B8F4FFA5B7C}"/>
               </a:ext>
             </a:extLst>
           </p:cNvPr>
@@ -5416,8 +4980,8 @@
         </p:blipFill>
         <p:spPr bwMode="auto">
           <a:xfrm>
-            <a:off x="6198386" y="2015734"/>
-            <a:ext cx="4752492" cy="3450613"/>
+            <a:off x="-13095" y="2286000"/>
+            <a:ext cx="7877442" cy="2914650"/>
           </a:xfrm>
           <a:prstGeom prst="rect">
             <a:avLst/>
@@ -5434,10 +4998,595 @@
           </a:extLst>
         </p:spPr>
       </p:pic>
+      <p:sp>
+        <p:nvSpPr>
+          <p:cNvPr id="3" name="Content Placeholder 2">
+            <a:extLst>
+              <a:ext uri="{FF2B5EF4-FFF2-40B4-BE49-F238E27FC236}">
+                <a16:creationId xmlns:a16="http://schemas.microsoft.com/office/drawing/2014/main" id="{51DCB23F-F681-554F-8018-B8D417F4BDB9}"/>
+              </a:ext>
+            </a:extLst>
+          </p:cNvPr>
+          <p:cNvSpPr>
+            <a:spLocks noGrp="1"/>
+          </p:cNvSpPr>
+          <p:nvPr>
+            <p:ph idx="1"/>
+          </p:nvPr>
+        </p:nvSpPr>
+        <p:spPr>
+          <a:xfrm>
+            <a:off x="8115300" y="2015734"/>
+            <a:ext cx="3943350" cy="4037747"/>
+          </a:xfrm>
+        </p:spPr>
+        <p:txBody>
+          <a:bodyPr>
+            <a:normAutofit/>
+          </a:bodyPr>
+          <a:lstStyle/>
+          <a:p>
+            <a:r>
+              <a:rPr lang="en-US" dirty="0"/>
+              <a:t>Our images are simple – 1 color. </a:t>
+            </a:r>
+          </a:p>
+          <a:p>
+            <a:r>
+              <a:rPr lang="en-US" dirty="0"/>
+              <a:t>No depth - we only need an array with depth of 1. </a:t>
+            </a:r>
+          </a:p>
+          <a:p>
+            <a:r>
+              <a:rPr lang="en-US" dirty="0"/>
+              <a:t>More complex images add pixels and additional layers for more color. </a:t>
+            </a:r>
+          </a:p>
+          <a:p>
+            <a:r>
+              <a:rPr lang="en-US" dirty="0"/>
+              <a:t>These are tensors – multidimensional arrays. </a:t>
+            </a:r>
+          </a:p>
+        </p:txBody>
+      </p:sp>
     </p:spTree>
     <p:extLst>
       <p:ext uri="{BB962C8B-B14F-4D97-AF65-F5344CB8AC3E}">
-        <p14:creationId xmlns:p14="http://schemas.microsoft.com/office/powerpoint/2010/main" val="3743818688"/>
+        <p14:creationId xmlns:p14="http://schemas.microsoft.com/office/powerpoint/2010/main" val="690243489"/>
+      </p:ext>
+    </p:extLst>
+  </p:cSld>
+  <p:clrMapOvr>
+    <a:masterClrMapping/>
+  </p:clrMapOvr>
+</p:sld>
+</file>
+
+<file path=ppt/slides/slide16.xml><?xml version="1.0" encoding="utf-8"?>
+<p:sld xmlns:a="http://schemas.openxmlformats.org/drawingml/2006/main" xmlns:r="http://schemas.openxmlformats.org/officeDocument/2006/relationships" xmlns:p="http://schemas.openxmlformats.org/presentationml/2006/main">
+  <p:cSld>
+    <p:spTree>
+      <p:nvGrpSpPr>
+        <p:cNvPr id="1" name=""/>
+        <p:cNvGrpSpPr/>
+        <p:nvPr/>
+      </p:nvGrpSpPr>
+      <p:grpSpPr>
+        <a:xfrm>
+          <a:off x="0" y="0"/>
+          <a:ext cx="0" cy="0"/>
+          <a:chOff x="0" y="0"/>
+          <a:chExt cx="0" cy="0"/>
+        </a:xfrm>
+      </p:grpSpPr>
+      <p:sp>
+        <p:nvSpPr>
+          <p:cNvPr id="2" name="Title 1">
+            <a:extLst>
+              <a:ext uri="{FF2B5EF4-FFF2-40B4-BE49-F238E27FC236}">
+                <a16:creationId xmlns:a16="http://schemas.microsoft.com/office/drawing/2014/main" id="{763A3D3D-1B15-1537-EF9B-D4F698BB039B}"/>
+              </a:ext>
+            </a:extLst>
+          </p:cNvPr>
+          <p:cNvSpPr>
+            <a:spLocks noGrp="1"/>
+          </p:cNvSpPr>
+          <p:nvPr>
+            <p:ph type="title"/>
+          </p:nvPr>
+        </p:nvSpPr>
+        <p:spPr/>
+        <p:txBody>
+          <a:bodyPr/>
+          <a:lstStyle/>
+          <a:p>
+            <a:r>
+              <a:rPr lang="en-US" dirty="0"/>
+              <a:t>Classifying Digits</a:t>
+            </a:r>
+          </a:p>
+        </p:txBody>
+      </p:sp>
+      <p:sp>
+        <p:nvSpPr>
+          <p:cNvPr id="3" name="Content Placeholder 2">
+            <a:extLst>
+              <a:ext uri="{FF2B5EF4-FFF2-40B4-BE49-F238E27FC236}">
+                <a16:creationId xmlns:a16="http://schemas.microsoft.com/office/drawing/2014/main" id="{9EC530FB-566D-D043-2F30-7D7002FF5A02}"/>
+              </a:ext>
+            </a:extLst>
+          </p:cNvPr>
+          <p:cNvSpPr>
+            <a:spLocks noGrp="1"/>
+          </p:cNvSpPr>
+          <p:nvPr>
+            <p:ph idx="1"/>
+          </p:nvPr>
+        </p:nvSpPr>
+        <p:spPr>
+          <a:xfrm>
+            <a:off x="1451579" y="1853754"/>
+            <a:ext cx="9603275" cy="4259451"/>
+          </a:xfrm>
+        </p:spPr>
+        <p:txBody>
+          <a:bodyPr>
+            <a:normAutofit/>
+          </a:bodyPr>
+          <a:lstStyle/>
+          <a:p>
+            <a:r>
+              <a:rPr lang="en-US" dirty="0"/>
+              <a:t>We can create a model to classify digits into 10 classes. </a:t>
+            </a:r>
+          </a:p>
+          <a:p>
+            <a:r>
+              <a:rPr lang="en-US" dirty="0"/>
+              <a:t>Our image data – we will interpret it like “normal” data:</a:t>
+            </a:r>
+          </a:p>
+          <a:p>
+            <a:pPr lvl="1"/>
+            <a:r>
+              <a:rPr lang="en-US" dirty="0"/>
+              <a:t>Each digit is an image of pixels – either 64 (8x8) or 748 (28x28). </a:t>
+            </a:r>
+          </a:p>
+          <a:p>
+            <a:pPr lvl="1"/>
+            <a:r>
+              <a:rPr lang="en-US" dirty="0"/>
+              <a:t>There’s only one color, so each pixel can be between 0 and 255 for “darkness”. </a:t>
+            </a:r>
+          </a:p>
+          <a:p>
+            <a:pPr lvl="1"/>
+            <a:r>
+              <a:rPr lang="en-US" dirty="0"/>
+              <a:t>Our target is the label, the actual number that the pixel is. </a:t>
+            </a:r>
+          </a:p>
+          <a:p>
+            <a:pPr lvl="1"/>
+            <a:r>
+              <a:rPr lang="en-US" dirty="0"/>
+              <a:t>We can flatten the 2D representation of pixels into one row, then use normal models. </a:t>
+            </a:r>
+          </a:p>
+          <a:p>
+            <a:pPr lvl="1"/>
+            <a:r>
+              <a:rPr lang="en-US" dirty="0"/>
+              <a:t>Each pixel will now just be one feature, in order. (We can reshape back to get original)</a:t>
+            </a:r>
+          </a:p>
+          <a:p>
+            <a:r>
+              <a:rPr lang="en-US" dirty="0"/>
+              <a:t>We lose the spatial part of the data – our flat representation doesn’t “understand” 2D.</a:t>
+            </a:r>
+          </a:p>
+          <a:p>
+            <a:pPr lvl="1"/>
+            <a:r>
+              <a:rPr lang="en-US" dirty="0"/>
+              <a:t>With images, and other things that are analog, we create a representation to use. </a:t>
+            </a:r>
+          </a:p>
+          <a:p>
+            <a:pPr lvl="1"/>
+            <a:r>
+              <a:rPr lang="en-US" dirty="0"/>
+              <a:t>There are better ways to process image data that keep spatial awareness, we’ll see later. </a:t>
+            </a:r>
+          </a:p>
+          <a:p>
+            <a:endParaRPr lang="en-US" dirty="0"/>
+          </a:p>
+        </p:txBody>
+      </p:sp>
+      <p:pic>
+        <p:nvPicPr>
+          <p:cNvPr id="3074" name="Picture 2" descr="NumPy: numpy.ndarray.flatten()function - w3resource">
+            <a:extLst>
+              <a:ext uri="{FF2B5EF4-FFF2-40B4-BE49-F238E27FC236}">
+                <a16:creationId xmlns:a16="http://schemas.microsoft.com/office/drawing/2014/main" id="{33E79A7E-03D2-71B3-8975-E0B8F178C978}"/>
+              </a:ext>
+            </a:extLst>
+          </p:cNvPr>
+          <p:cNvPicPr>
+            <a:picLocks noChangeAspect="1" noChangeArrowheads="1"/>
+          </p:cNvPicPr>
+          <p:nvPr/>
+        </p:nvPicPr>
+        <p:blipFill rotWithShape="1">
+          <a:blip r:embed="rId2">
+            <a:extLst>
+              <a:ext uri="{28A0092B-C50C-407E-A947-70E740481C1C}">
+                <a14:useLocalDpi xmlns:a14="http://schemas.microsoft.com/office/drawing/2010/main" val="0"/>
+              </a:ext>
+            </a:extLst>
+          </a:blip>
+          <a:srcRect l="9739" t="3665" r="11514" b="3665"/>
+          <a:stretch/>
+        </p:blipFill>
+        <p:spPr bwMode="auto">
+          <a:xfrm>
+            <a:off x="9637059" y="1"/>
+            <a:ext cx="2554941" cy="3369266"/>
+          </a:xfrm>
+          <a:prstGeom prst="rect">
+            <a:avLst/>
+          </a:prstGeom>
+          <a:noFill/>
+          <a:extLst>
+            <a:ext uri="{909E8E84-426E-40DD-AFC4-6F175D3DCCD1}">
+              <a14:hiddenFill xmlns:a14="http://schemas.microsoft.com/office/drawing/2010/main">
+                <a:solidFill>
+                  <a:srgbClr val="FFFFFF"/>
+                </a:solidFill>
+              </a14:hiddenFill>
+            </a:ext>
+          </a:extLst>
+        </p:spPr>
+      </p:pic>
+    </p:spTree>
+    <p:extLst>
+      <p:ext uri="{BB962C8B-B14F-4D97-AF65-F5344CB8AC3E}">
+        <p14:creationId xmlns:p14="http://schemas.microsoft.com/office/powerpoint/2010/main" val="1464860524"/>
+      </p:ext>
+    </p:extLst>
+  </p:cSld>
+  <p:clrMapOvr>
+    <a:masterClrMapping/>
+  </p:clrMapOvr>
+</p:sld>
+</file>
+
+<file path=ppt/slides/slide17.xml><?xml version="1.0" encoding="utf-8"?>
+<p:sld xmlns:a="http://schemas.openxmlformats.org/drawingml/2006/main" xmlns:r="http://schemas.openxmlformats.org/officeDocument/2006/relationships" xmlns:p="http://schemas.openxmlformats.org/presentationml/2006/main">
+  <p:cSld>
+    <p:spTree>
+      <p:nvGrpSpPr>
+        <p:cNvPr id="1" name=""/>
+        <p:cNvGrpSpPr/>
+        <p:nvPr/>
+      </p:nvGrpSpPr>
+      <p:grpSpPr>
+        <a:xfrm>
+          <a:off x="0" y="0"/>
+          <a:ext cx="0" cy="0"/>
+          <a:chOff x="0" y="0"/>
+          <a:chExt cx="0" cy="0"/>
+        </a:xfrm>
+      </p:grpSpPr>
+      <p:sp>
+        <p:nvSpPr>
+          <p:cNvPr id="2" name="Title 1">
+            <a:extLst>
+              <a:ext uri="{FF2B5EF4-FFF2-40B4-BE49-F238E27FC236}">
+                <a16:creationId xmlns:a16="http://schemas.microsoft.com/office/drawing/2014/main" id="{D4257230-D331-22F1-C328-892C2A3F5FD3}"/>
+              </a:ext>
+            </a:extLst>
+          </p:cNvPr>
+          <p:cNvSpPr>
+            <a:spLocks noGrp="1"/>
+          </p:cNvSpPr>
+          <p:nvPr>
+            <p:ph type="title"/>
+          </p:nvPr>
+        </p:nvSpPr>
+        <p:spPr/>
+        <p:txBody>
+          <a:bodyPr/>
+          <a:lstStyle/>
+          <a:p>
+            <a:r>
+              <a:rPr lang="en-US" dirty="0"/>
+              <a:t>Data Representations</a:t>
+            </a:r>
+          </a:p>
+        </p:txBody>
+      </p:sp>
+      <p:sp>
+        <p:nvSpPr>
+          <p:cNvPr id="3" name="Content Placeholder 2">
+            <a:extLst>
+              <a:ext uri="{FF2B5EF4-FFF2-40B4-BE49-F238E27FC236}">
+                <a16:creationId xmlns:a16="http://schemas.microsoft.com/office/drawing/2014/main" id="{0F7856DB-7967-F0FC-4E78-90EC7D46A8E9}"/>
+              </a:ext>
+            </a:extLst>
+          </p:cNvPr>
+          <p:cNvSpPr>
+            <a:spLocks noGrp="1"/>
+          </p:cNvSpPr>
+          <p:nvPr>
+            <p:ph idx="1"/>
+          </p:nvPr>
+        </p:nvSpPr>
+        <p:spPr>
+          <a:xfrm>
+            <a:off x="980768" y="1853754"/>
+            <a:ext cx="10434483" cy="4288949"/>
+          </a:xfrm>
+        </p:spPr>
+        <p:txBody>
+          <a:bodyPr>
+            <a:normAutofit/>
+          </a:bodyPr>
+          <a:lstStyle/>
+          <a:p>
+            <a:r>
+              <a:rPr lang="en-US" dirty="0"/>
+              <a:t>For structured data (numbers, classes, Booleans) the data values we use are pretty set. </a:t>
+            </a:r>
+          </a:p>
+          <a:p>
+            <a:pPr lvl="1"/>
+            <a:r>
+              <a:rPr lang="en-US" dirty="0"/>
+              <a:t>Our models calculate numbers, so we are just converting to different numbers. </a:t>
+            </a:r>
+          </a:p>
+          <a:p>
+            <a:pPr lvl="1"/>
+            <a:r>
+              <a:rPr lang="en-US" dirty="0"/>
+              <a:t>Our predictions are based on getting as close as possible to whatever the value is. </a:t>
+            </a:r>
+          </a:p>
+          <a:p>
+            <a:r>
+              <a:rPr lang="en-US" dirty="0"/>
+              <a:t>For unstructured data, that can’t really happen. </a:t>
+            </a:r>
+          </a:p>
+          <a:p>
+            <a:pPr lvl="1"/>
+            <a:r>
+              <a:rPr lang="en-US" dirty="0"/>
+              <a:t>An image, sound, or paragraph doesn’t really have a ’value’ in the same sense. </a:t>
+            </a:r>
+          </a:p>
+          <a:p>
+            <a:r>
+              <a:rPr lang="en-US" dirty="0"/>
+              <a:t>We need to generate a representation of the data to use in a mathematical model. </a:t>
+            </a:r>
+          </a:p>
+          <a:p>
+            <a:pPr lvl="1"/>
+            <a:r>
+              <a:rPr lang="en-US" dirty="0"/>
+              <a:t>Here, that is a simple rearranging of the pixel layout. </a:t>
+            </a:r>
+          </a:p>
+          <a:p>
+            <a:pPr lvl="1"/>
+            <a:r>
+              <a:rPr lang="en-US" dirty="0"/>
+              <a:t>In more advanced image processing models, we can look at 2D ‘hunks’ (or edges, or…)</a:t>
+            </a:r>
+          </a:p>
+          <a:p>
+            <a:pPr lvl="1"/>
+            <a:r>
+              <a:rPr lang="en-US" dirty="0"/>
+              <a:t>Soon, for free text, we’ll need to do something similar – generate an embedding. </a:t>
+            </a:r>
+          </a:p>
+          <a:p>
+            <a:r>
+              <a:rPr lang="en-US" dirty="0"/>
+              <a:t>Performance depends both on the model, and how good the numeric representation of reality is. </a:t>
+            </a:r>
+          </a:p>
+        </p:txBody>
+      </p:sp>
+    </p:spTree>
+    <p:extLst>
+      <p:ext uri="{BB962C8B-B14F-4D97-AF65-F5344CB8AC3E}">
+        <p14:creationId xmlns:p14="http://schemas.microsoft.com/office/powerpoint/2010/main" val="2217046555"/>
+      </p:ext>
+    </p:extLst>
+  </p:cSld>
+  <p:clrMapOvr>
+    <a:masterClrMapping/>
+  </p:clrMapOvr>
+</p:sld>
+</file>
+
+<file path=ppt/slides/slide2.xml><?xml version="1.0" encoding="utf-8"?>
+<p:sld xmlns:a="http://schemas.openxmlformats.org/drawingml/2006/main" xmlns:r="http://schemas.openxmlformats.org/officeDocument/2006/relationships" xmlns:p="http://schemas.openxmlformats.org/presentationml/2006/main">
+  <p:cSld>
+    <p:spTree>
+      <p:nvGrpSpPr>
+        <p:cNvPr id="1" name=""/>
+        <p:cNvGrpSpPr/>
+        <p:nvPr/>
+      </p:nvGrpSpPr>
+      <p:grpSpPr>
+        <a:xfrm>
+          <a:off x="0" y="0"/>
+          <a:ext cx="0" cy="0"/>
+          <a:chOff x="0" y="0"/>
+          <a:chExt cx="0" cy="0"/>
+        </a:xfrm>
+      </p:grpSpPr>
+      <p:sp>
+        <p:nvSpPr>
+          <p:cNvPr id="2" name="Title 1">
+            <a:extLst>
+              <a:ext uri="{FF2B5EF4-FFF2-40B4-BE49-F238E27FC236}">
+                <a16:creationId xmlns:a16="http://schemas.microsoft.com/office/drawing/2014/main" id="{EFB45428-29C3-BC43-9FC5-E850D418B665}"/>
+              </a:ext>
+            </a:extLst>
+          </p:cNvPr>
+          <p:cNvSpPr>
+            <a:spLocks noGrp="1"/>
+          </p:cNvSpPr>
+          <p:nvPr>
+            <p:ph type="ctrTitle"/>
+          </p:nvPr>
+        </p:nvSpPr>
+        <p:spPr/>
+        <p:txBody>
+          <a:bodyPr>
+            <a:normAutofit fontScale="90000"/>
+          </a:bodyPr>
+          <a:lstStyle/>
+          <a:p>
+            <a:r>
+              <a:rPr lang="en-US" dirty="0"/>
+              <a:t>Logistic Regression and Images</a:t>
+            </a:r>
+          </a:p>
+        </p:txBody>
+      </p:sp>
+      <p:sp>
+        <p:nvSpPr>
+          <p:cNvPr id="3" name="Subtitle 2">
+            <a:extLst>
+              <a:ext uri="{FF2B5EF4-FFF2-40B4-BE49-F238E27FC236}">
+                <a16:creationId xmlns:a16="http://schemas.microsoft.com/office/drawing/2014/main" id="{7AEA02F9-360D-0240-AEED-CBAFA096A037}"/>
+              </a:ext>
+            </a:extLst>
+          </p:cNvPr>
+          <p:cNvSpPr>
+            <a:spLocks noGrp="1"/>
+          </p:cNvSpPr>
+          <p:nvPr>
+            <p:ph type="subTitle" idx="1"/>
+          </p:nvPr>
+        </p:nvSpPr>
+        <p:spPr/>
+        <p:txBody>
+          <a:bodyPr/>
+          <a:lstStyle/>
+          <a:p>
+            <a:endParaRPr lang="en-US"/>
+          </a:p>
+        </p:txBody>
+      </p:sp>
+    </p:spTree>
+    <p:extLst>
+      <p:ext uri="{BB962C8B-B14F-4D97-AF65-F5344CB8AC3E}">
+        <p14:creationId xmlns:p14="http://schemas.microsoft.com/office/powerpoint/2010/main" val="1853110498"/>
+      </p:ext>
+    </p:extLst>
+  </p:cSld>
+  <p:clrMapOvr>
+    <a:masterClrMapping/>
+  </p:clrMapOvr>
+</p:sld>
+</file>
+
+<file path=ppt/slides/slide3.xml><?xml version="1.0" encoding="utf-8"?>
+<p:sld xmlns:a="http://schemas.openxmlformats.org/drawingml/2006/main" xmlns:r="http://schemas.openxmlformats.org/officeDocument/2006/relationships" xmlns:p="http://schemas.openxmlformats.org/presentationml/2006/main">
+  <p:cSld>
+    <p:spTree>
+      <p:nvGrpSpPr>
+        <p:cNvPr id="1" name=""/>
+        <p:cNvGrpSpPr/>
+        <p:nvPr/>
+      </p:nvGrpSpPr>
+      <p:grpSpPr>
+        <a:xfrm>
+          <a:off x="0" y="0"/>
+          <a:ext cx="0" cy="0"/>
+          <a:chOff x="0" y="0"/>
+          <a:chExt cx="0" cy="0"/>
+        </a:xfrm>
+      </p:grpSpPr>
+      <p:sp>
+        <p:nvSpPr>
+          <p:cNvPr id="2" name="Title 1">
+            <a:extLst>
+              <a:ext uri="{FF2B5EF4-FFF2-40B4-BE49-F238E27FC236}">
+                <a16:creationId xmlns:a16="http://schemas.microsoft.com/office/drawing/2014/main" id="{8454DF97-6394-DD4A-9484-20CB6EE8F69B}"/>
+              </a:ext>
+            </a:extLst>
+          </p:cNvPr>
+          <p:cNvSpPr>
+            <a:spLocks noGrp="1"/>
+          </p:cNvSpPr>
+          <p:nvPr>
+            <p:ph type="title"/>
+          </p:nvPr>
+        </p:nvSpPr>
+        <p:spPr/>
+        <p:txBody>
+          <a:bodyPr/>
+          <a:lstStyle/>
+          <a:p>
+            <a:r>
+              <a:rPr lang="en-US" dirty="0"/>
+              <a:t>Logistic Regression – What’s New?</a:t>
+            </a:r>
+          </a:p>
+        </p:txBody>
+      </p:sp>
+      <p:sp>
+        <p:nvSpPr>
+          <p:cNvPr id="3" name="Content Placeholder 2">
+            <a:extLst>
+              <a:ext uri="{FF2B5EF4-FFF2-40B4-BE49-F238E27FC236}">
+                <a16:creationId xmlns:a16="http://schemas.microsoft.com/office/drawing/2014/main" id="{8AB2D909-C243-384C-AE6C-C91F234E82F4}"/>
+              </a:ext>
+            </a:extLst>
+          </p:cNvPr>
+          <p:cNvSpPr>
+            <a:spLocks noGrp="1"/>
+          </p:cNvSpPr>
+          <p:nvPr>
+            <p:ph idx="1"/>
+          </p:nvPr>
+        </p:nvSpPr>
+        <p:spPr/>
+        <p:txBody>
+          <a:bodyPr/>
+          <a:lstStyle/>
+          <a:p>
+            <a:r>
+              <a:rPr lang="en-US" dirty="0"/>
+              <a:t>Regularization</a:t>
+            </a:r>
+          </a:p>
+          <a:p>
+            <a:r>
+              <a:rPr lang="en-US" dirty="0"/>
+              <a:t>Multiple Classification</a:t>
+            </a:r>
+          </a:p>
+        </p:txBody>
+      </p:sp>
+    </p:spTree>
+    <p:extLst>
+      <p:ext uri="{BB962C8B-B14F-4D97-AF65-F5344CB8AC3E}">
+        <p14:creationId xmlns:p14="http://schemas.microsoft.com/office/powerpoint/2010/main" val="2850889656"/>
       </p:ext>
     </p:extLst>
   </p:cSld>
@@ -5493,7 +5642,7 @@
           <p:cNvPr id="2" name="Title 1">
             <a:extLst>
               <a:ext uri="{FF2B5EF4-FFF2-40B4-BE49-F238E27FC236}">
-                <a16:creationId xmlns:a16="http://schemas.microsoft.com/office/drawing/2014/main" id="{14EF79B5-DD28-C972-54FB-7C2B0B9BA641}"/>
+                <a16:creationId xmlns:a16="http://schemas.microsoft.com/office/drawing/2014/main" id="{5CA7E9C9-9045-144D-A612-F495C191692F}"/>
               </a:ext>
             </a:extLst>
           </p:cNvPr>
@@ -5518,7 +5667,7 @@
           <a:p>
             <a:r>
               <a:rPr lang="en-US" dirty="0"/>
-              <a:t>Regularization in Effect</a:t>
+              <a:t>Regularization</a:t>
             </a:r>
           </a:p>
         </p:txBody>
@@ -5528,7 +5677,7 @@
           <p:cNvPr id="3" name="Content Placeholder 2">
             <a:extLst>
               <a:ext uri="{FF2B5EF4-FFF2-40B4-BE49-F238E27FC236}">
-                <a16:creationId xmlns:a16="http://schemas.microsoft.com/office/drawing/2014/main" id="{E134F73D-FC6D-F732-C58B-FED96127F2DD}"/>
+                <a16:creationId xmlns:a16="http://schemas.microsoft.com/office/drawing/2014/main" id="{68B218D4-F802-E042-B952-453BEAB6AB98}"/>
               </a:ext>
             </a:extLst>
           </p:cNvPr>
@@ -5541,8 +5690,8 @@
         </p:nvSpPr>
         <p:spPr>
           <a:xfrm>
-            <a:off x="0" y="1917290"/>
-            <a:ext cx="6512403" cy="4136191"/>
+            <a:off x="1451579" y="2015734"/>
+            <a:ext cx="4162555" cy="4037747"/>
           </a:xfrm>
         </p:spPr>
         <p:txBody>
@@ -5552,82 +5701,40 @@
           <a:lstStyle/>
           <a:p>
             <a:r>
-              <a:rPr lang="en-US" dirty="0"/>
-              <a:t>Recall:</a:t>
+              <a:rPr lang="en-US" sz="2400" dirty="0"/>
+              <a:t>Logistic regression is a linear model. </a:t>
+            </a:r>
+          </a:p>
+          <a:p>
+            <a:r>
+              <a:rPr lang="en-US" sz="2400" dirty="0"/>
+              <a:t>Regularization is (generally) applied to linear models by default. </a:t>
             </a:r>
           </a:p>
           <a:p>
             <a:pPr lvl="1"/>
             <a:r>
-              <a:rPr lang="en-US" dirty="0"/>
-              <a:t>In a regression, the prediction is just y=</a:t>
-            </a:r>
-            <a:r>
-              <a:rPr lang="en-US" dirty="0" err="1"/>
-              <a:t>mx+b</a:t>
-            </a:r>
-            <a:r>
-              <a:rPr lang="en-US" dirty="0"/>
-              <a:t> calculated.</a:t>
-            </a:r>
-          </a:p>
-          <a:p>
-            <a:pPr lvl="1"/>
-            <a:r>
-              <a:rPr lang="en-US" dirty="0"/>
-              <a:t>We scaled data to have </a:t>
-            </a:r>
-            <a:r>
-              <a:rPr lang="en-US" dirty="0" err="1"/>
-              <a:t>Xs</a:t>
-            </a:r>
-            <a:r>
-              <a:rPr lang="en-US" dirty="0"/>
-              <a:t> that are not widely varied in their range. ~0-1ish. </a:t>
-            </a:r>
-          </a:p>
-          <a:p>
-            <a:pPr lvl="1"/>
-            <a:r>
-              <a:rPr lang="en-US" dirty="0"/>
-              <a:t>Regularization limits the growth of the m. (Weights)</a:t>
-            </a:r>
-          </a:p>
-          <a:p>
-            <a:pPr lvl="1"/>
-            <a:r>
-              <a:rPr lang="en-US" dirty="0"/>
-              <a:t>B (intercept) is purely corrective, added at the end to shift. </a:t>
-            </a:r>
-          </a:p>
-          <a:p>
-            <a:r>
-              <a:rPr lang="en-US" dirty="0"/>
-              <a:t>In regression we’d have scaling and reg. limiting mx terms. </a:t>
-            </a:r>
-          </a:p>
-          <a:p>
-            <a:pPr lvl="1"/>
-            <a:r>
-              <a:rPr lang="en-US" dirty="0"/>
-              <a:t>I.e. the model is less “reactive” or variant in its predictions. </a:t>
-            </a:r>
-          </a:p>
-          <a:p>
-            <a:pPr lvl="1"/>
-            <a:r>
-              <a:rPr lang="en-US" dirty="0"/>
-              <a:t>In large models, with many terms, this limits overfitting. </a:t>
-            </a:r>
+              <a:rPr lang="en-US" sz="2000" dirty="0"/>
+              <a:t>We can define the type with the HP: penalty</a:t>
+            </a:r>
+          </a:p>
+          <a:p>
+            <a:r>
+              <a:rPr lang="en-US" dirty="0"/>
+              <a:t>Logistic regression has L2 as default.</a:t>
+            </a:r>
+          </a:p>
+          <a:p>
+            <a:endParaRPr lang="en-US" dirty="0"/>
           </a:p>
         </p:txBody>
       </p:sp>
       <p:pic>
         <p:nvPicPr>
-          <p:cNvPr id="2050" name="Picture 2" descr="Multiple Linear Regression Analysis - ReliaWiki">
+          <p:cNvPr id="2050" name="Picture 2" descr="Regularization of Linear Models with SKLearn | by Robert Thas John |  Coinmonks | Medium">
             <a:extLst>
               <a:ext uri="{FF2B5EF4-FFF2-40B4-BE49-F238E27FC236}">
-                <a16:creationId xmlns:a16="http://schemas.microsoft.com/office/drawing/2014/main" id="{B6C3DEA5-C9E4-1AD2-57B9-B277BEF26342}"/>
+                <a16:creationId xmlns:a16="http://schemas.microsoft.com/office/drawing/2014/main" id="{6E3147F7-4507-094E-9A95-C55F32D0D56B}"/>
               </a:ext>
             </a:extLst>
           </p:cNvPr>
@@ -5650,8 +5757,8 @@
         </p:blipFill>
         <p:spPr bwMode="auto">
           <a:xfrm>
-            <a:off x="6512403" y="1484328"/>
-            <a:ext cx="5679598" cy="5373671"/>
+            <a:off x="6198386" y="2015734"/>
+            <a:ext cx="4752492" cy="3450613"/>
           </a:xfrm>
           <a:prstGeom prst="rect">
             <a:avLst/>
@@ -5671,7 +5778,7 @@
     </p:spTree>
     <p:extLst>
       <p:ext uri="{BB962C8B-B14F-4D97-AF65-F5344CB8AC3E}">
-        <p14:creationId xmlns:p14="http://schemas.microsoft.com/office/powerpoint/2010/main" val="1765103554"/>
+        <p14:creationId xmlns:p14="http://schemas.microsoft.com/office/powerpoint/2010/main" val="3743818688"/>
       </p:ext>
     </p:extLst>
   </p:cSld>
@@ -5682,259 +5789,6 @@
 </file>
 
 <file path=ppt/slides/slide5.xml><?xml version="1.0" encoding="utf-8"?>
-<p:sld xmlns:a="http://schemas.openxmlformats.org/drawingml/2006/main" xmlns:r="http://schemas.openxmlformats.org/officeDocument/2006/relationships" xmlns:p="http://schemas.openxmlformats.org/presentationml/2006/main">
-  <p:cSld>
-    <p:spTree>
-      <p:nvGrpSpPr>
-        <p:cNvPr id="1" name=""/>
-        <p:cNvGrpSpPr/>
-        <p:nvPr/>
-      </p:nvGrpSpPr>
-      <p:grpSpPr>
-        <a:xfrm>
-          <a:off x="0" y="0"/>
-          <a:ext cx="0" cy="0"/>
-          <a:chOff x="0" y="0"/>
-          <a:chExt cx="0" cy="0"/>
-        </a:xfrm>
-      </p:grpSpPr>
-      <p:sp>
-        <p:nvSpPr>
-          <p:cNvPr id="2" name="Title 1">
-            <a:extLst>
-              <a:ext uri="{FF2B5EF4-FFF2-40B4-BE49-F238E27FC236}">
-                <a16:creationId xmlns:a16="http://schemas.microsoft.com/office/drawing/2014/main" id="{DA338294-45D5-A7B2-E23F-05912D8B6B44}"/>
-              </a:ext>
-            </a:extLst>
-          </p:cNvPr>
-          <p:cNvSpPr>
-            <a:spLocks noGrp="1"/>
-          </p:cNvSpPr>
-          <p:nvPr>
-            <p:ph type="title"/>
-          </p:nvPr>
-        </p:nvSpPr>
-        <p:spPr/>
-        <p:txBody>
-          <a:bodyPr/>
-          <a:lstStyle/>
-          <a:p>
-            <a:r>
-              <a:rPr lang="en-US" dirty="0"/>
-              <a:t>What about Classification…</a:t>
-            </a:r>
-          </a:p>
-        </p:txBody>
-      </p:sp>
-      <p:sp>
-        <p:nvSpPr>
-          <p:cNvPr id="3" name="Content Placeholder 2">
-            <a:extLst>
-              <a:ext uri="{FF2B5EF4-FFF2-40B4-BE49-F238E27FC236}">
-                <a16:creationId xmlns:a16="http://schemas.microsoft.com/office/drawing/2014/main" id="{8EF5C0F7-BE2D-4F9C-F766-800578105E34}"/>
-              </a:ext>
-            </a:extLst>
-          </p:cNvPr>
-          <p:cNvSpPr>
-            <a:spLocks noGrp="1"/>
-          </p:cNvSpPr>
-          <p:nvPr>
-            <p:ph idx="1"/>
-          </p:nvPr>
-        </p:nvSpPr>
-        <p:spPr/>
-        <p:txBody>
-          <a:bodyPr/>
-          <a:lstStyle/>
-          <a:p>
-            <a:endParaRPr lang="en-US" dirty="0"/>
-          </a:p>
-        </p:txBody>
-      </p:sp>
-    </p:spTree>
-    <p:extLst>
-      <p:ext uri="{BB962C8B-B14F-4D97-AF65-F5344CB8AC3E}">
-        <p14:creationId xmlns:p14="http://schemas.microsoft.com/office/powerpoint/2010/main" val="3894839049"/>
-      </p:ext>
-    </p:extLst>
-  </p:cSld>
-  <p:clrMapOvr>
-    <a:masterClrMapping/>
-  </p:clrMapOvr>
-</p:sld>
-</file>
-
-<file path=ppt/slides/slide6.xml><?xml version="1.0" encoding="utf-8"?>
-<p:sld xmlns:a="http://schemas.openxmlformats.org/drawingml/2006/main" xmlns:r="http://schemas.openxmlformats.org/officeDocument/2006/relationships" xmlns:p="http://schemas.openxmlformats.org/presentationml/2006/main">
-  <p:cSld>
-    <p:spTree>
-      <p:nvGrpSpPr>
-        <p:cNvPr id="1" name=""/>
-        <p:cNvGrpSpPr/>
-        <p:nvPr/>
-      </p:nvGrpSpPr>
-      <p:grpSpPr>
-        <a:xfrm>
-          <a:off x="0" y="0"/>
-          <a:ext cx="0" cy="0"/>
-          <a:chOff x="0" y="0"/>
-          <a:chExt cx="0" cy="0"/>
-        </a:xfrm>
-      </p:grpSpPr>
-      <p:sp>
-        <p:nvSpPr>
-          <p:cNvPr id="2" name="Title 1">
-            <a:extLst>
-              <a:ext uri="{FF2B5EF4-FFF2-40B4-BE49-F238E27FC236}">
-                <a16:creationId xmlns:a16="http://schemas.microsoft.com/office/drawing/2014/main" id="{6CAEB196-FFFF-61BE-E06C-7897C44B7C49}"/>
-              </a:ext>
-            </a:extLst>
-          </p:cNvPr>
-          <p:cNvSpPr>
-            <a:spLocks noGrp="1"/>
-          </p:cNvSpPr>
-          <p:nvPr>
-            <p:ph type="title"/>
-          </p:nvPr>
-        </p:nvSpPr>
-        <p:spPr/>
-        <p:txBody>
-          <a:bodyPr/>
-          <a:lstStyle/>
-          <a:p>
-            <a:r>
-              <a:rPr lang="en-US" dirty="0"/>
-              <a:t>What if There Are More than 2 Classes?</a:t>
-            </a:r>
-          </a:p>
-        </p:txBody>
-      </p:sp>
-      <p:sp>
-        <p:nvSpPr>
-          <p:cNvPr id="3" name="Content Placeholder 2">
-            <a:extLst>
-              <a:ext uri="{FF2B5EF4-FFF2-40B4-BE49-F238E27FC236}">
-                <a16:creationId xmlns:a16="http://schemas.microsoft.com/office/drawing/2014/main" id="{B454EEEC-AE20-1885-E76F-7B7689F686D0}"/>
-              </a:ext>
-            </a:extLst>
-          </p:cNvPr>
-          <p:cNvSpPr>
-            <a:spLocks noGrp="1"/>
-          </p:cNvSpPr>
-          <p:nvPr>
-            <p:ph idx="1"/>
-          </p:nvPr>
-        </p:nvSpPr>
-        <p:spPr>
-          <a:xfrm>
-            <a:off x="1451579" y="1853754"/>
-            <a:ext cx="9603275" cy="4199727"/>
-          </a:xfrm>
-        </p:spPr>
-        <p:txBody>
-          <a:bodyPr/>
-          <a:lstStyle/>
-          <a:p>
-            <a:r>
-              <a:rPr lang="en-US" dirty="0"/>
-              <a:t>Classification models have defaulted to binary so far. </a:t>
-            </a:r>
-          </a:p>
-          <a:p>
-            <a:pPr lvl="1"/>
-            <a:r>
-              <a:rPr lang="en-US" dirty="0"/>
-              <a:t>Classes are (or can be understood as) True and False. </a:t>
-            </a:r>
-          </a:p>
-          <a:p>
-            <a:pPr lvl="1"/>
-            <a:r>
-              <a:rPr lang="en-US" dirty="0"/>
-              <a:t>Output is the probability something is true. </a:t>
-            </a:r>
-          </a:p>
-          <a:p>
-            <a:pPr lvl="1"/>
-            <a:r>
-              <a:rPr lang="en-US" dirty="0"/>
-              <a:t>Loss function (binary cross entropy) is built on the difference from the correct answer. </a:t>
-            </a:r>
-          </a:p>
-          <a:p>
-            <a:pPr lvl="1"/>
-            <a:r>
-              <a:rPr lang="en-US" dirty="0"/>
-              <a:t>Trees and Bayes can handle more than 2 output classes by default, linear models can’t.</a:t>
-            </a:r>
-          </a:p>
-          <a:p>
-            <a:r>
-              <a:rPr lang="en-US" dirty="0"/>
-              <a:t>We can modify these models to handle more than one class, in several ways. </a:t>
-            </a:r>
-          </a:p>
-          <a:p>
-            <a:pPr lvl="1"/>
-            <a:r>
-              <a:rPr lang="en-US" dirty="0"/>
-              <a:t>One vs One – make a classifier for each pair of possible outputs. </a:t>
-            </a:r>
-          </a:p>
-          <a:p>
-            <a:pPr lvl="1"/>
-            <a:r>
-              <a:rPr lang="en-US" dirty="0"/>
-              <a:t>One vs Rest – make a classifier for each class vs not that class. </a:t>
-            </a:r>
-          </a:p>
-          <a:p>
-            <a:pPr lvl="1"/>
-            <a:r>
-              <a:rPr lang="en-US" dirty="0"/>
-              <a:t>This can be forced in </a:t>
-            </a:r>
-            <a:r>
-              <a:rPr lang="en-US" dirty="0" err="1"/>
-              <a:t>Sklearn</a:t>
-            </a:r>
-            <a:r>
-              <a:rPr lang="en-US" dirty="0"/>
-              <a:t>, but is generally invisible. SVM uses </a:t>
-            </a:r>
-            <a:r>
-              <a:rPr lang="en-US" dirty="0" err="1"/>
-              <a:t>OvO</a:t>
-            </a:r>
-            <a:r>
-              <a:rPr lang="en-US" dirty="0"/>
-              <a:t>, other linear use </a:t>
-            </a:r>
-            <a:r>
-              <a:rPr lang="en-US" dirty="0" err="1"/>
-              <a:t>OvR</a:t>
-            </a:r>
-            <a:r>
-              <a:rPr lang="en-US" dirty="0"/>
-              <a:t>, and tree or Bayes models can do multiple classes directly. </a:t>
-            </a:r>
-          </a:p>
-        </p:txBody>
-      </p:sp>
-    </p:spTree>
-    <p:extLst>
-      <p:ext uri="{BB962C8B-B14F-4D97-AF65-F5344CB8AC3E}">
-        <p14:creationId xmlns:p14="http://schemas.microsoft.com/office/powerpoint/2010/main" val="3791882905"/>
-      </p:ext>
-    </p:extLst>
-  </p:cSld>
-  <p:clrMapOvr>
-    <a:masterClrMapping/>
-  </p:clrMapOvr>
-</p:sld>
-</file>
-
-<file path=ppt/slides/slide7.xml><?xml version="1.0" encoding="utf-8"?>
 <p:sld xmlns:a="http://schemas.openxmlformats.org/drawingml/2006/main" xmlns:r="http://schemas.openxmlformats.org/officeDocument/2006/relationships" xmlns:p="http://schemas.openxmlformats.org/presentationml/2006/main">
   <p:cSld>
     <p:bg>
@@ -5980,7 +5834,7 @@
           <p:cNvPr id="2" name="Title 1">
             <a:extLst>
               <a:ext uri="{FF2B5EF4-FFF2-40B4-BE49-F238E27FC236}">
-                <a16:creationId xmlns:a16="http://schemas.microsoft.com/office/drawing/2014/main" id="{17924B18-343E-BC46-82D5-942B63B247E9}"/>
+                <a16:creationId xmlns:a16="http://schemas.microsoft.com/office/drawing/2014/main" id="{14EF79B5-DD28-C972-54FB-7C2B0B9BA641}"/>
               </a:ext>
             </a:extLst>
           </p:cNvPr>
@@ -6005,17 +5859,116 @@
           <a:p>
             <a:r>
               <a:rPr lang="en-US" dirty="0"/>
-              <a:t>Multiple Classification</a:t>
+              <a:t>Regularization in Effect</a:t>
+            </a:r>
+          </a:p>
+        </p:txBody>
+      </p:sp>
+      <p:sp>
+        <p:nvSpPr>
+          <p:cNvPr id="3" name="Content Placeholder 2">
+            <a:extLst>
+              <a:ext uri="{FF2B5EF4-FFF2-40B4-BE49-F238E27FC236}">
+                <a16:creationId xmlns:a16="http://schemas.microsoft.com/office/drawing/2014/main" id="{E134F73D-FC6D-F732-C58B-FED96127F2DD}"/>
+              </a:ext>
+            </a:extLst>
+          </p:cNvPr>
+          <p:cNvSpPr>
+            <a:spLocks noGrp="1"/>
+          </p:cNvSpPr>
+          <p:nvPr>
+            <p:ph idx="1"/>
+          </p:nvPr>
+        </p:nvSpPr>
+        <p:spPr>
+          <a:xfrm>
+            <a:off x="0" y="1917290"/>
+            <a:ext cx="6512403" cy="4136191"/>
+          </a:xfrm>
+        </p:spPr>
+        <p:txBody>
+          <a:bodyPr>
+            <a:normAutofit/>
+          </a:bodyPr>
+          <a:lstStyle/>
+          <a:p>
+            <a:r>
+              <a:rPr lang="en-US" dirty="0"/>
+              <a:t>Recall:</a:t>
+            </a:r>
+          </a:p>
+          <a:p>
+            <a:pPr lvl="1"/>
+            <a:r>
+              <a:rPr lang="en-US" dirty="0"/>
+              <a:t>In a regression, the prediction is just y=</a:t>
+            </a:r>
+            <a:r>
+              <a:rPr lang="en-US" dirty="0" err="1"/>
+              <a:t>mx+b</a:t>
+            </a:r>
+            <a:r>
+              <a:rPr lang="en-US" dirty="0"/>
+              <a:t> calculated.</a:t>
+            </a:r>
+          </a:p>
+          <a:p>
+            <a:pPr lvl="1"/>
+            <a:r>
+              <a:rPr lang="en-US" dirty="0"/>
+              <a:t>We scaled data to have </a:t>
+            </a:r>
+            <a:r>
+              <a:rPr lang="en-US" dirty="0" err="1"/>
+              <a:t>Xs</a:t>
+            </a:r>
+            <a:r>
+              <a:rPr lang="en-US" dirty="0"/>
+              <a:t> that are not widely varied in their range. ~0-1ish. </a:t>
+            </a:r>
+          </a:p>
+          <a:p>
+            <a:pPr lvl="1"/>
+            <a:r>
+              <a:rPr lang="en-US" dirty="0"/>
+              <a:t>Regularization limits the growth of the m. (Weights)</a:t>
+            </a:r>
+          </a:p>
+          <a:p>
+            <a:pPr lvl="1"/>
+            <a:r>
+              <a:rPr lang="en-US" dirty="0"/>
+              <a:t>B (intercept) is purely corrective, added at the end to shift. </a:t>
+            </a:r>
+          </a:p>
+          <a:p>
+            <a:r>
+              <a:rPr lang="en-US" dirty="0"/>
+              <a:t>In regression we’d have scaling and reg. limiting mx terms. </a:t>
+            </a:r>
+          </a:p>
+          <a:p>
+            <a:pPr lvl="1"/>
+            <a:r>
+              <a:rPr lang="en-US" dirty="0"/>
+              <a:t>I.e. the model is less “reactive” or variant in its predictions. </a:t>
+            </a:r>
+          </a:p>
+          <a:p>
+            <a:pPr lvl="1"/>
+            <a:r>
+              <a:rPr lang="en-US" dirty="0"/>
+              <a:t>In large models, with many terms, this limits overfitting. </a:t>
             </a:r>
           </a:p>
         </p:txBody>
       </p:sp>
       <p:pic>
         <p:nvPicPr>
-          <p:cNvPr id="4098" name="Picture 2" descr="Logistic Regression | Machine Learning, Deep Learning, and Computer Vision">
+          <p:cNvPr id="2050" name="Picture 2" descr="Multiple Linear Regression Analysis - ReliaWiki">
             <a:extLst>
               <a:ext uri="{FF2B5EF4-FFF2-40B4-BE49-F238E27FC236}">
-                <a16:creationId xmlns:a16="http://schemas.microsoft.com/office/drawing/2014/main" id="{0FCC8ECD-3D62-484C-9CBD-48657C83B52C}"/>
+                <a16:creationId xmlns:a16="http://schemas.microsoft.com/office/drawing/2014/main" id="{B6C3DEA5-C9E4-1AD2-57B9-B277BEF26342}"/>
               </a:ext>
             </a:extLst>
           </p:cNvPr>
@@ -6038,8 +5991,8 @@
         </p:blipFill>
         <p:spPr bwMode="auto">
           <a:xfrm>
-            <a:off x="0" y="1572526"/>
-            <a:ext cx="8858250" cy="4938472"/>
+            <a:off x="6512403" y="1484328"/>
+            <a:ext cx="5679598" cy="5373671"/>
           </a:xfrm>
           <a:prstGeom prst="rect">
             <a:avLst/>
@@ -6056,12 +6009,70 @@
           </a:extLst>
         </p:spPr>
       </p:pic>
+    </p:spTree>
+    <p:extLst>
+      <p:ext uri="{BB962C8B-B14F-4D97-AF65-F5344CB8AC3E}">
+        <p14:creationId xmlns:p14="http://schemas.microsoft.com/office/powerpoint/2010/main" val="1765103554"/>
+      </p:ext>
+    </p:extLst>
+  </p:cSld>
+  <p:clrMapOvr>
+    <a:masterClrMapping/>
+  </p:clrMapOvr>
+</p:sld>
+</file>
+
+<file path=ppt/slides/slide6.xml><?xml version="1.0" encoding="utf-8"?>
+<p:sld xmlns:a="http://schemas.openxmlformats.org/drawingml/2006/main" xmlns:r="http://schemas.openxmlformats.org/officeDocument/2006/relationships" xmlns:p="http://schemas.openxmlformats.org/presentationml/2006/main">
+  <p:cSld>
+    <p:spTree>
+      <p:nvGrpSpPr>
+        <p:cNvPr id="1" name=""/>
+        <p:cNvGrpSpPr/>
+        <p:nvPr/>
+      </p:nvGrpSpPr>
+      <p:grpSpPr>
+        <a:xfrm>
+          <a:off x="0" y="0"/>
+          <a:ext cx="0" cy="0"/>
+          <a:chOff x="0" y="0"/>
+          <a:chExt cx="0" cy="0"/>
+        </a:xfrm>
+      </p:grpSpPr>
+      <p:sp>
+        <p:nvSpPr>
+          <p:cNvPr id="2" name="Title 1">
+            <a:extLst>
+              <a:ext uri="{FF2B5EF4-FFF2-40B4-BE49-F238E27FC236}">
+                <a16:creationId xmlns:a16="http://schemas.microsoft.com/office/drawing/2014/main" id="{DA338294-45D5-A7B2-E23F-05912D8B6B44}"/>
+              </a:ext>
+            </a:extLst>
+          </p:cNvPr>
+          <p:cNvSpPr>
+            <a:spLocks noGrp="1"/>
+          </p:cNvSpPr>
+          <p:nvPr>
+            <p:ph type="title"/>
+          </p:nvPr>
+        </p:nvSpPr>
+        <p:spPr/>
+        <p:txBody>
+          <a:bodyPr/>
+          <a:lstStyle/>
+          <a:p>
+            <a:r>
+              <a:rPr lang="en-US" dirty="0"/>
+              <a:t>What about Classification…</a:t>
+            </a:r>
+          </a:p>
+        </p:txBody>
+      </p:sp>
       <p:sp>
         <p:nvSpPr>
           <p:cNvPr id="3" name="Content Placeholder 2">
             <a:extLst>
               <a:ext uri="{FF2B5EF4-FFF2-40B4-BE49-F238E27FC236}">
-                <a16:creationId xmlns:a16="http://schemas.microsoft.com/office/drawing/2014/main" id="{2946E953-78A9-4645-AFD0-EE3431E8EC02}"/>
+                <a16:creationId xmlns:a16="http://schemas.microsoft.com/office/drawing/2014/main" id="{8EF5C0F7-BE2D-4F9C-F766-800578105E34}"/>
               </a:ext>
             </a:extLst>
           </p:cNvPr>
@@ -6072,52 +6083,189 @@
             <p:ph idx="1"/>
           </p:nvPr>
         </p:nvSpPr>
-        <p:spPr>
-          <a:xfrm>
-            <a:off x="8858250" y="2015734"/>
-            <a:ext cx="3157538" cy="4037747"/>
-          </a:xfrm>
-        </p:spPr>
-        <p:txBody>
-          <a:bodyPr>
-            <a:normAutofit/>
-          </a:bodyPr>
-          <a:lstStyle/>
-          <a:p>
-            <a:r>
-              <a:rPr lang="en-US" dirty="0"/>
-              <a:t>We can also predict things into multiple classes. </a:t>
-            </a:r>
-          </a:p>
-          <a:p>
-            <a:r>
-              <a:rPr lang="en-US" dirty="0" err="1"/>
-              <a:t>Sklearn</a:t>
-            </a:r>
-            <a:r>
-              <a:rPr lang="en-US" dirty="0"/>
-              <a:t> does this by default by doing 1 vs rest. </a:t>
-            </a:r>
-          </a:p>
-          <a:p>
-            <a:pPr lvl="1"/>
-            <a:r>
-              <a:rPr lang="en-US" dirty="0"/>
-              <a:t>Build 1 classifier per class, making a yes/no for that class. </a:t>
-            </a:r>
-          </a:p>
-          <a:p>
-            <a:r>
-              <a:rPr lang="en-US" dirty="0"/>
-              <a:t>We get the probabilities of the above prediction. </a:t>
-            </a:r>
+        <p:spPr/>
+        <p:txBody>
+          <a:bodyPr/>
+          <a:lstStyle/>
+          <a:p>
+            <a:endParaRPr lang="en-US" dirty="0"/>
           </a:p>
         </p:txBody>
       </p:sp>
     </p:spTree>
     <p:extLst>
       <p:ext uri="{BB962C8B-B14F-4D97-AF65-F5344CB8AC3E}">
-        <p14:creationId xmlns:p14="http://schemas.microsoft.com/office/powerpoint/2010/main" val="2341763407"/>
+        <p14:creationId xmlns:p14="http://schemas.microsoft.com/office/powerpoint/2010/main" val="3894839049"/>
+      </p:ext>
+    </p:extLst>
+  </p:cSld>
+  <p:clrMapOvr>
+    <a:masterClrMapping/>
+  </p:clrMapOvr>
+</p:sld>
+</file>
+
+<file path=ppt/slides/slide7.xml><?xml version="1.0" encoding="utf-8"?>
+<p:sld xmlns:a="http://schemas.openxmlformats.org/drawingml/2006/main" xmlns:r="http://schemas.openxmlformats.org/officeDocument/2006/relationships" xmlns:p="http://schemas.openxmlformats.org/presentationml/2006/main">
+  <p:cSld>
+    <p:spTree>
+      <p:nvGrpSpPr>
+        <p:cNvPr id="1" name=""/>
+        <p:cNvGrpSpPr/>
+        <p:nvPr/>
+      </p:nvGrpSpPr>
+      <p:grpSpPr>
+        <a:xfrm>
+          <a:off x="0" y="0"/>
+          <a:ext cx="0" cy="0"/>
+          <a:chOff x="0" y="0"/>
+          <a:chExt cx="0" cy="0"/>
+        </a:xfrm>
+      </p:grpSpPr>
+      <p:sp>
+        <p:nvSpPr>
+          <p:cNvPr id="2" name="Title 1">
+            <a:extLst>
+              <a:ext uri="{FF2B5EF4-FFF2-40B4-BE49-F238E27FC236}">
+                <a16:creationId xmlns:a16="http://schemas.microsoft.com/office/drawing/2014/main" id="{6CAEB196-FFFF-61BE-E06C-7897C44B7C49}"/>
+              </a:ext>
+            </a:extLst>
+          </p:cNvPr>
+          <p:cNvSpPr>
+            <a:spLocks noGrp="1"/>
+          </p:cNvSpPr>
+          <p:nvPr>
+            <p:ph type="title"/>
+          </p:nvPr>
+        </p:nvSpPr>
+        <p:spPr/>
+        <p:txBody>
+          <a:bodyPr/>
+          <a:lstStyle/>
+          <a:p>
+            <a:r>
+              <a:rPr lang="en-US" dirty="0"/>
+              <a:t>What if There Are More than 2 Classes?</a:t>
+            </a:r>
+          </a:p>
+        </p:txBody>
+      </p:sp>
+      <p:sp>
+        <p:nvSpPr>
+          <p:cNvPr id="3" name="Content Placeholder 2">
+            <a:extLst>
+              <a:ext uri="{FF2B5EF4-FFF2-40B4-BE49-F238E27FC236}">
+                <a16:creationId xmlns:a16="http://schemas.microsoft.com/office/drawing/2014/main" id="{B454EEEC-AE20-1885-E76F-7B7689F686D0}"/>
+              </a:ext>
+            </a:extLst>
+          </p:cNvPr>
+          <p:cNvSpPr>
+            <a:spLocks noGrp="1"/>
+          </p:cNvSpPr>
+          <p:nvPr>
+            <p:ph idx="1"/>
+          </p:nvPr>
+        </p:nvSpPr>
+        <p:spPr>
+          <a:xfrm>
+            <a:off x="1451579" y="1853754"/>
+            <a:ext cx="9603275" cy="4199727"/>
+          </a:xfrm>
+        </p:spPr>
+        <p:txBody>
+          <a:bodyPr/>
+          <a:lstStyle/>
+          <a:p>
+            <a:r>
+              <a:rPr lang="en-US" dirty="0"/>
+              <a:t>Classification models have defaulted to binary so far. </a:t>
+            </a:r>
+          </a:p>
+          <a:p>
+            <a:pPr lvl="1"/>
+            <a:r>
+              <a:rPr lang="en-US" dirty="0"/>
+              <a:t>Classes are (or can be understood as) True and False. </a:t>
+            </a:r>
+          </a:p>
+          <a:p>
+            <a:pPr lvl="1"/>
+            <a:r>
+              <a:rPr lang="en-US" dirty="0"/>
+              <a:t>Output is the probability something is true. </a:t>
+            </a:r>
+          </a:p>
+          <a:p>
+            <a:pPr lvl="1"/>
+            <a:r>
+              <a:rPr lang="en-US" dirty="0"/>
+              <a:t>Loss function (binary cross entropy) is built on the difference from the correct answer. </a:t>
+            </a:r>
+          </a:p>
+          <a:p>
+            <a:pPr lvl="1"/>
+            <a:r>
+              <a:rPr lang="en-US" dirty="0"/>
+              <a:t>Trees and Bayes can handle more than 2 output classes by default, linear models can’t.</a:t>
+            </a:r>
+          </a:p>
+          <a:p>
+            <a:r>
+              <a:rPr lang="en-US" dirty="0"/>
+              <a:t>We can modify these models to handle more than one class, in several ways. </a:t>
+            </a:r>
+          </a:p>
+          <a:p>
+            <a:pPr lvl="1"/>
+            <a:r>
+              <a:rPr lang="en-US" dirty="0"/>
+              <a:t>One vs One – make a classifier for each pair of possible outputs. </a:t>
+            </a:r>
+          </a:p>
+          <a:p>
+            <a:pPr lvl="1"/>
+            <a:r>
+              <a:rPr lang="en-US" dirty="0"/>
+              <a:t>One vs Rest – make a classifier for each class vs not that class. </a:t>
+            </a:r>
+          </a:p>
+          <a:p>
+            <a:pPr lvl="1"/>
+            <a:r>
+              <a:rPr lang="en-US" dirty="0"/>
+              <a:t>This can be forced in </a:t>
+            </a:r>
+            <a:r>
+              <a:rPr lang="en-US" dirty="0" err="1"/>
+              <a:t>Sklearn</a:t>
+            </a:r>
+            <a:r>
+              <a:rPr lang="en-US" dirty="0"/>
+              <a:t>, but is generally invisible. SVM uses </a:t>
+            </a:r>
+            <a:r>
+              <a:rPr lang="en-US" dirty="0" err="1"/>
+              <a:t>OvO</a:t>
+            </a:r>
+            <a:r>
+              <a:rPr lang="en-US" dirty="0"/>
+              <a:t>, other linear use </a:t>
+            </a:r>
+            <a:r>
+              <a:rPr lang="en-US" dirty="0" err="1"/>
+              <a:t>OvR</a:t>
+            </a:r>
+            <a:r>
+              <a:rPr lang="en-US" dirty="0"/>
+              <a:t>, and tree or Bayes models can do multiple classes directly. </a:t>
+            </a:r>
+          </a:p>
+        </p:txBody>
+      </p:sp>
+    </p:spTree>
+    <p:extLst>
+      <p:ext uri="{BB962C8B-B14F-4D97-AF65-F5344CB8AC3E}">
+        <p14:creationId xmlns:p14="http://schemas.microsoft.com/office/powerpoint/2010/main" val="3791882905"/>
       </p:ext>
     </p:extLst>
   </p:cSld>
@@ -6173,6 +6321,199 @@
           <p:cNvPr id="2" name="Title 1">
             <a:extLst>
               <a:ext uri="{FF2B5EF4-FFF2-40B4-BE49-F238E27FC236}">
+                <a16:creationId xmlns:a16="http://schemas.microsoft.com/office/drawing/2014/main" id="{17924B18-343E-BC46-82D5-942B63B247E9}"/>
+              </a:ext>
+            </a:extLst>
+          </p:cNvPr>
+          <p:cNvSpPr>
+            <a:spLocks noGrp="1"/>
+          </p:cNvSpPr>
+          <p:nvPr>
+            <p:ph type="title"/>
+          </p:nvPr>
+        </p:nvSpPr>
+        <p:spPr>
+          <a:xfrm>
+            <a:off x="1451579" y="804519"/>
+            <a:ext cx="9603275" cy="1049235"/>
+          </a:xfrm>
+        </p:spPr>
+        <p:txBody>
+          <a:bodyPr>
+            <a:normAutofit/>
+          </a:bodyPr>
+          <a:lstStyle/>
+          <a:p>
+            <a:r>
+              <a:rPr lang="en-US" dirty="0"/>
+              <a:t>Multiple Classification</a:t>
+            </a:r>
+          </a:p>
+        </p:txBody>
+      </p:sp>
+      <p:pic>
+        <p:nvPicPr>
+          <p:cNvPr id="4098" name="Picture 2" descr="Logistic Regression | Machine Learning, Deep Learning, and Computer Vision">
+            <a:extLst>
+              <a:ext uri="{FF2B5EF4-FFF2-40B4-BE49-F238E27FC236}">
+                <a16:creationId xmlns:a16="http://schemas.microsoft.com/office/drawing/2014/main" id="{0FCC8ECD-3D62-484C-9CBD-48657C83B52C}"/>
+              </a:ext>
+            </a:extLst>
+          </p:cNvPr>
+          <p:cNvPicPr>
+            <a:picLocks noChangeAspect="1" noChangeArrowheads="1"/>
+          </p:cNvPicPr>
+          <p:nvPr/>
+        </p:nvPicPr>
+        <p:blipFill>
+          <a:blip r:embed="rId2">
+            <a:extLst>
+              <a:ext uri="{28A0092B-C50C-407E-A947-70E740481C1C}">
+                <a14:useLocalDpi xmlns:a14="http://schemas.microsoft.com/office/drawing/2010/main" val="0"/>
+              </a:ext>
+            </a:extLst>
+          </a:blip>
+          <a:stretch>
+            <a:fillRect/>
+          </a:stretch>
+        </p:blipFill>
+        <p:spPr bwMode="auto">
+          <a:xfrm>
+            <a:off x="0" y="1572526"/>
+            <a:ext cx="8858250" cy="4938472"/>
+          </a:xfrm>
+          <a:prstGeom prst="rect">
+            <a:avLst/>
+          </a:prstGeom>
+          <a:noFill/>
+          <a:extLst>
+            <a:ext uri="{909E8E84-426E-40DD-AFC4-6F175D3DCCD1}">
+              <a14:hiddenFill xmlns:a14="http://schemas.microsoft.com/office/drawing/2010/main">
+                <a:solidFill>
+                  <a:srgbClr val="FFFFFF"/>
+                </a:solidFill>
+              </a14:hiddenFill>
+            </a:ext>
+          </a:extLst>
+        </p:spPr>
+      </p:pic>
+      <p:sp>
+        <p:nvSpPr>
+          <p:cNvPr id="3" name="Content Placeholder 2">
+            <a:extLst>
+              <a:ext uri="{FF2B5EF4-FFF2-40B4-BE49-F238E27FC236}">
+                <a16:creationId xmlns:a16="http://schemas.microsoft.com/office/drawing/2014/main" id="{2946E953-78A9-4645-AFD0-EE3431E8EC02}"/>
+              </a:ext>
+            </a:extLst>
+          </p:cNvPr>
+          <p:cNvSpPr>
+            <a:spLocks noGrp="1"/>
+          </p:cNvSpPr>
+          <p:nvPr>
+            <p:ph idx="1"/>
+          </p:nvPr>
+        </p:nvSpPr>
+        <p:spPr>
+          <a:xfrm>
+            <a:off x="8858250" y="2015734"/>
+            <a:ext cx="3157538" cy="4037747"/>
+          </a:xfrm>
+        </p:spPr>
+        <p:txBody>
+          <a:bodyPr>
+            <a:normAutofit/>
+          </a:bodyPr>
+          <a:lstStyle/>
+          <a:p>
+            <a:r>
+              <a:rPr lang="en-US" dirty="0"/>
+              <a:t>We can also predict things into multiple classes. </a:t>
+            </a:r>
+          </a:p>
+          <a:p>
+            <a:r>
+              <a:rPr lang="en-US" dirty="0" err="1"/>
+              <a:t>Sklearn</a:t>
+            </a:r>
+            <a:r>
+              <a:rPr lang="en-US" dirty="0"/>
+              <a:t> does this by default by doing 1 vs rest. </a:t>
+            </a:r>
+          </a:p>
+          <a:p>
+            <a:pPr lvl="1"/>
+            <a:r>
+              <a:rPr lang="en-US" dirty="0"/>
+              <a:t>Build 1 classifier per class, making a yes/no for that class. </a:t>
+            </a:r>
+          </a:p>
+          <a:p>
+            <a:r>
+              <a:rPr lang="en-US" dirty="0"/>
+              <a:t>We get the probabilities of the above prediction. </a:t>
+            </a:r>
+          </a:p>
+        </p:txBody>
+      </p:sp>
+    </p:spTree>
+    <p:extLst>
+      <p:ext uri="{BB962C8B-B14F-4D97-AF65-F5344CB8AC3E}">
+        <p14:creationId xmlns:p14="http://schemas.microsoft.com/office/powerpoint/2010/main" val="2341763407"/>
+      </p:ext>
+    </p:extLst>
+  </p:cSld>
+  <p:clrMapOvr>
+    <a:masterClrMapping/>
+  </p:clrMapOvr>
+</p:sld>
+</file>
+
+<file path=ppt/slides/slide9.xml><?xml version="1.0" encoding="utf-8"?>
+<p:sld xmlns:a="http://schemas.openxmlformats.org/drawingml/2006/main" xmlns:r="http://schemas.openxmlformats.org/officeDocument/2006/relationships" xmlns:p="http://schemas.openxmlformats.org/presentationml/2006/main">
+  <p:cSld>
+    <p:bg>
+      <p:bgPr>
+        <a:gradFill rotWithShape="1">
+          <a:gsLst>
+            <a:gs pos="0">
+              <a:schemeClr val="bg2">
+                <a:tint val="94000"/>
+                <a:satMod val="80000"/>
+                <a:lumMod val="106000"/>
+              </a:schemeClr>
+            </a:gs>
+            <a:gs pos="100000">
+              <a:schemeClr val="bg2">
+                <a:shade val="80000"/>
+              </a:schemeClr>
+            </a:gs>
+          </a:gsLst>
+          <a:path path="circle">
+            <a:fillToRect l="43000" r="43000" b="100000"/>
+          </a:path>
+        </a:gradFill>
+        <a:effectLst/>
+      </p:bgPr>
+    </p:bg>
+    <p:spTree>
+      <p:nvGrpSpPr>
+        <p:cNvPr id="1" name=""/>
+        <p:cNvGrpSpPr/>
+        <p:nvPr/>
+      </p:nvGrpSpPr>
+      <p:grpSpPr>
+        <a:xfrm>
+          <a:off x="0" y="0"/>
+          <a:ext cx="0" cy="0"/>
+          <a:chOff x="0" y="0"/>
+          <a:chExt cx="0" cy="0"/>
+        </a:xfrm>
+      </p:grpSpPr>
+      <p:sp>
+        <p:nvSpPr>
+          <p:cNvPr id="2" name="Title 1">
+            <a:extLst>
+              <a:ext uri="{FF2B5EF4-FFF2-40B4-BE49-F238E27FC236}">
                 <a16:creationId xmlns:a16="http://schemas.microsoft.com/office/drawing/2014/main" id="{281F390E-340F-B249-822B-570BE9D0D667}"/>
               </a:ext>
             </a:extLst>
@@ -6331,164 +6672,6 @@
     <p:extLst>
       <p:ext uri="{BB962C8B-B14F-4D97-AF65-F5344CB8AC3E}">
         <p14:creationId xmlns:p14="http://schemas.microsoft.com/office/powerpoint/2010/main" val="2396580394"/>
-      </p:ext>
-    </p:extLst>
-  </p:cSld>
-  <p:clrMapOvr>
-    <a:masterClrMapping/>
-  </p:clrMapOvr>
-</p:sld>
-</file>
-
-<file path=ppt/slides/slide9.xml><?xml version="1.0" encoding="utf-8"?>
-<p:sld xmlns:a="http://schemas.openxmlformats.org/drawingml/2006/main" xmlns:r="http://schemas.openxmlformats.org/officeDocument/2006/relationships" xmlns:p="http://schemas.openxmlformats.org/presentationml/2006/main">
-  <p:cSld>
-    <p:spTree>
-      <p:nvGrpSpPr>
-        <p:cNvPr id="1" name=""/>
-        <p:cNvGrpSpPr/>
-        <p:nvPr/>
-      </p:nvGrpSpPr>
-      <p:grpSpPr>
-        <a:xfrm>
-          <a:off x="0" y="0"/>
-          <a:ext cx="0" cy="0"/>
-          <a:chOff x="0" y="0"/>
-          <a:chExt cx="0" cy="0"/>
-        </a:xfrm>
-      </p:grpSpPr>
-      <p:sp>
-        <p:nvSpPr>
-          <p:cNvPr id="2" name="Title 1">
-            <a:extLst>
-              <a:ext uri="{FF2B5EF4-FFF2-40B4-BE49-F238E27FC236}">
-                <a16:creationId xmlns:a16="http://schemas.microsoft.com/office/drawing/2014/main" id="{04357363-3198-764C-98E4-92885E2E943E}"/>
-              </a:ext>
-            </a:extLst>
-          </p:cNvPr>
-          <p:cNvSpPr>
-            <a:spLocks noGrp="1"/>
-          </p:cNvSpPr>
-          <p:nvPr>
-            <p:ph type="title"/>
-          </p:nvPr>
-        </p:nvSpPr>
-        <p:spPr/>
-        <p:txBody>
-          <a:bodyPr/>
-          <a:lstStyle/>
-          <a:p>
-            <a:r>
-              <a:rPr lang="en-US" dirty="0"/>
-              <a:t>Cross Entropy</a:t>
-            </a:r>
-          </a:p>
-        </p:txBody>
-      </p:sp>
-      <p:sp>
-        <p:nvSpPr>
-          <p:cNvPr id="3" name="Content Placeholder 2">
-            <a:extLst>
-              <a:ext uri="{FF2B5EF4-FFF2-40B4-BE49-F238E27FC236}">
-                <a16:creationId xmlns:a16="http://schemas.microsoft.com/office/drawing/2014/main" id="{852241B2-8C22-7B40-A9F8-854911DE4C2C}"/>
-              </a:ext>
-            </a:extLst>
-          </p:cNvPr>
-          <p:cNvSpPr>
-            <a:spLocks noGrp="1"/>
-          </p:cNvSpPr>
-          <p:nvPr>
-            <p:ph idx="1"/>
-          </p:nvPr>
-        </p:nvSpPr>
-        <p:spPr>
-          <a:xfrm>
-            <a:off x="1451579" y="1853755"/>
-            <a:ext cx="9603275" cy="1464608"/>
-          </a:xfrm>
-        </p:spPr>
-        <p:txBody>
-          <a:bodyPr/>
-          <a:lstStyle/>
-          <a:p>
-            <a:r>
-              <a:rPr lang="en-US" dirty="0"/>
-              <a:t>Cross Entropy (non-binary kind) is a common cost function for classification. </a:t>
-            </a:r>
-          </a:p>
-          <a:p>
-            <a:r>
-              <a:rPr lang="en-US" dirty="0"/>
-              <a:t>Cross entropy translates the </a:t>
-            </a:r>
-            <a:r>
-              <a:rPr lang="en-US" dirty="0" err="1"/>
-              <a:t>softmax</a:t>
-            </a:r>
-            <a:r>
-              <a:rPr lang="en-US" dirty="0"/>
-              <a:t> probabilities into a label, and calculates the cost. </a:t>
-            </a:r>
-          </a:p>
-          <a:p>
-            <a:r>
-              <a:rPr lang="en-US" dirty="0"/>
-              <a:t>Like binary cross entropy, this measures the “distance from” the correct prediction. </a:t>
-            </a:r>
-          </a:p>
-        </p:txBody>
-      </p:sp>
-      <p:pic>
-        <p:nvPicPr>
-          <p:cNvPr id="5122" name="Picture 2" descr="Easy TensorFlow - Linear Classifier">
-            <a:extLst>
-              <a:ext uri="{FF2B5EF4-FFF2-40B4-BE49-F238E27FC236}">
-                <a16:creationId xmlns:a16="http://schemas.microsoft.com/office/drawing/2014/main" id="{CB8DE2E4-DF9F-7D4B-93A8-13702E477A77}"/>
-              </a:ext>
-            </a:extLst>
-          </p:cNvPr>
-          <p:cNvPicPr>
-            <a:picLocks noChangeAspect="1" noChangeArrowheads="1"/>
-          </p:cNvPicPr>
-          <p:nvPr/>
-        </p:nvPicPr>
-        <p:blipFill>
-          <a:blip r:embed="rId2">
-            <a:extLst>
-              <a:ext uri="{28A0092B-C50C-407E-A947-70E740481C1C}">
-                <a14:useLocalDpi xmlns:a14="http://schemas.microsoft.com/office/drawing/2010/main" val="0"/>
-              </a:ext>
-            </a:extLst>
-          </a:blip>
-          <a:srcRect/>
-          <a:stretch>
-            <a:fillRect/>
-          </a:stretch>
-        </p:blipFill>
-        <p:spPr bwMode="auto">
-          <a:xfrm>
-            <a:off x="1142240" y="3318363"/>
-            <a:ext cx="9912614" cy="3727556"/>
-          </a:xfrm>
-          <a:prstGeom prst="rect">
-            <a:avLst/>
-          </a:prstGeom>
-          <a:noFill/>
-          <a:extLst>
-            <a:ext uri="{909E8E84-426E-40DD-AFC4-6F175D3DCCD1}">
-              <a14:hiddenFill xmlns:a14="http://schemas.microsoft.com/office/drawing/2010/main">
-                <a:solidFill>
-                  <a:srgbClr val="FFFFFF"/>
-                </a:solidFill>
-              </a14:hiddenFill>
-            </a:ext>
-          </a:extLst>
-        </p:spPr>
-      </p:pic>
-    </p:spTree>
-    <p:extLst>
-      <p:ext uri="{BB962C8B-B14F-4D97-AF65-F5344CB8AC3E}">
-        <p14:creationId xmlns:p14="http://schemas.microsoft.com/office/powerpoint/2010/main" val="1639071196"/>
       </p:ext>
     </p:extLst>
   </p:cSld>

--- a/reference_content/Slides/Log_Reg_Images.pptx
+++ b/reference_content/Slides/Log_Reg_Images.pptx
@@ -9,19 +9,20 @@
     <p:sldId id="256" r:id="rId3"/>
     <p:sldId id="257" r:id="rId4"/>
     <p:sldId id="260" r:id="rId5"/>
-    <p:sldId id="264" r:id="rId6"/>
-    <p:sldId id="270" r:id="rId7"/>
-    <p:sldId id="265" r:id="rId8"/>
-    <p:sldId id="261" r:id="rId9"/>
-    <p:sldId id="262" r:id="rId10"/>
-    <p:sldId id="263" r:id="rId11"/>
-    <p:sldId id="266" r:id="rId12"/>
-    <p:sldId id="269" r:id="rId13"/>
-    <p:sldId id="267" r:id="rId14"/>
-    <p:sldId id="258" r:id="rId15"/>
-    <p:sldId id="259" r:id="rId16"/>
-    <p:sldId id="268" r:id="rId17"/>
-    <p:sldId id="271" r:id="rId18"/>
+    <p:sldId id="273" r:id="rId6"/>
+    <p:sldId id="264" r:id="rId7"/>
+    <p:sldId id="270" r:id="rId8"/>
+    <p:sldId id="265" r:id="rId9"/>
+    <p:sldId id="261" r:id="rId10"/>
+    <p:sldId id="262" r:id="rId11"/>
+    <p:sldId id="263" r:id="rId12"/>
+    <p:sldId id="266" r:id="rId13"/>
+    <p:sldId id="269" r:id="rId14"/>
+    <p:sldId id="267" r:id="rId15"/>
+    <p:sldId id="258" r:id="rId16"/>
+    <p:sldId id="259" r:id="rId17"/>
+    <p:sldId id="268" r:id="rId18"/>
+    <p:sldId id="271" r:id="rId19"/>
   </p:sldIdLst>
   <p:sldSz cx="12192000" cy="6858000"/>
   <p:notesSz cx="6858000" cy="9144000"/>
@@ -3692,12 +3693,21 @@
           </a:xfrm>
         </p:spPr>
         <p:txBody>
-          <a:bodyPr/>
+          <a:bodyPr>
+            <a:normAutofit/>
+          </a:bodyPr>
           <a:lstStyle/>
           <a:p>
             <a:r>
               <a:rPr lang="en-US" dirty="0"/>
               <a:t>Today (008 and 010 – some small edits today, so pull again if yours is old):</a:t>
+            </a:r>
+          </a:p>
+          <a:p>
+            <a:pPr lvl="1"/>
+            <a:r>
+              <a:rPr lang="en-US" dirty="0"/>
+              <a:t>Larger dimensions of input data and the Curse of Dimensionality.</a:t>
             </a:r>
           </a:p>
           <a:p>
@@ -3730,22 +3740,10 @@
             </a:r>
           </a:p>
           <a:p>
-            <a:pPr lvl="1"/>
-            <a:r>
-              <a:rPr lang="en-US" dirty="0"/>
-              <a:t>Curse of dimensionality. </a:t>
-            </a:r>
-          </a:p>
-          <a:p>
-            <a:r>
-              <a:rPr lang="en-US" dirty="0"/>
-              <a:t>ML Exam - March 14 (Unless there’s some issue </a:t>
-            </a:r>
-            <a:r>
-              <a:rPr lang="en-US"/>
-              <a:t>with that??). </a:t>
-            </a:r>
-            <a:endParaRPr lang="en-US" dirty="0"/>
+            <a:r>
+              <a:rPr lang="en-US" dirty="0"/>
+              <a:t>ML Exam - March 14 (Unless there’s some issue with that??). </a:t>
+            </a:r>
           </a:p>
           <a:p>
             <a:pPr lvl="1"/>
@@ -3807,418 +3805,6 @@
 </file>
 
 <file path=ppt/slides/slide10.xml><?xml version="1.0" encoding="utf-8"?>
-<p:sld xmlns:a="http://schemas.openxmlformats.org/drawingml/2006/main" xmlns:r="http://schemas.openxmlformats.org/officeDocument/2006/relationships" xmlns:p="http://schemas.openxmlformats.org/presentationml/2006/main">
-  <p:cSld>
-    <p:spTree>
-      <p:nvGrpSpPr>
-        <p:cNvPr id="1" name=""/>
-        <p:cNvGrpSpPr/>
-        <p:nvPr/>
-      </p:nvGrpSpPr>
-      <p:grpSpPr>
-        <a:xfrm>
-          <a:off x="0" y="0"/>
-          <a:ext cx="0" cy="0"/>
-          <a:chOff x="0" y="0"/>
-          <a:chExt cx="0" cy="0"/>
-        </a:xfrm>
-      </p:grpSpPr>
-      <p:sp>
-        <p:nvSpPr>
-          <p:cNvPr id="2" name="Title 1">
-            <a:extLst>
-              <a:ext uri="{FF2B5EF4-FFF2-40B4-BE49-F238E27FC236}">
-                <a16:creationId xmlns:a16="http://schemas.microsoft.com/office/drawing/2014/main" id="{04357363-3198-764C-98E4-92885E2E943E}"/>
-              </a:ext>
-            </a:extLst>
-          </p:cNvPr>
-          <p:cNvSpPr>
-            <a:spLocks noGrp="1"/>
-          </p:cNvSpPr>
-          <p:nvPr>
-            <p:ph type="title"/>
-          </p:nvPr>
-        </p:nvSpPr>
-        <p:spPr/>
-        <p:txBody>
-          <a:bodyPr/>
-          <a:lstStyle/>
-          <a:p>
-            <a:r>
-              <a:rPr lang="en-US" dirty="0"/>
-              <a:t>Cross Entropy</a:t>
-            </a:r>
-          </a:p>
-        </p:txBody>
-      </p:sp>
-      <p:sp>
-        <p:nvSpPr>
-          <p:cNvPr id="3" name="Content Placeholder 2">
-            <a:extLst>
-              <a:ext uri="{FF2B5EF4-FFF2-40B4-BE49-F238E27FC236}">
-                <a16:creationId xmlns:a16="http://schemas.microsoft.com/office/drawing/2014/main" id="{852241B2-8C22-7B40-A9F8-854911DE4C2C}"/>
-              </a:ext>
-            </a:extLst>
-          </p:cNvPr>
-          <p:cNvSpPr>
-            <a:spLocks noGrp="1"/>
-          </p:cNvSpPr>
-          <p:nvPr>
-            <p:ph idx="1"/>
-          </p:nvPr>
-        </p:nvSpPr>
-        <p:spPr>
-          <a:xfrm>
-            <a:off x="1451579" y="1853755"/>
-            <a:ext cx="9603275" cy="1464608"/>
-          </a:xfrm>
-        </p:spPr>
-        <p:txBody>
-          <a:bodyPr/>
-          <a:lstStyle/>
-          <a:p>
-            <a:r>
-              <a:rPr lang="en-US" dirty="0"/>
-              <a:t>Cross Entropy (non-binary kind) is a common cost function for classification. </a:t>
-            </a:r>
-          </a:p>
-          <a:p>
-            <a:r>
-              <a:rPr lang="en-US" dirty="0"/>
-              <a:t>Cross entropy translates the </a:t>
-            </a:r>
-            <a:r>
-              <a:rPr lang="en-US" dirty="0" err="1"/>
-              <a:t>softmax</a:t>
-            </a:r>
-            <a:r>
-              <a:rPr lang="en-US" dirty="0"/>
-              <a:t> probabilities into a label, and calculates the cost. </a:t>
-            </a:r>
-          </a:p>
-          <a:p>
-            <a:r>
-              <a:rPr lang="en-US" dirty="0"/>
-              <a:t>Like binary cross entropy, this measures the “distance from” the correct prediction. </a:t>
-            </a:r>
-          </a:p>
-        </p:txBody>
-      </p:sp>
-      <p:pic>
-        <p:nvPicPr>
-          <p:cNvPr id="5122" name="Picture 2" descr="Easy TensorFlow - Linear Classifier">
-            <a:extLst>
-              <a:ext uri="{FF2B5EF4-FFF2-40B4-BE49-F238E27FC236}">
-                <a16:creationId xmlns:a16="http://schemas.microsoft.com/office/drawing/2014/main" id="{CB8DE2E4-DF9F-7D4B-93A8-13702E477A77}"/>
-              </a:ext>
-            </a:extLst>
-          </p:cNvPr>
-          <p:cNvPicPr>
-            <a:picLocks noChangeAspect="1" noChangeArrowheads="1"/>
-          </p:cNvPicPr>
-          <p:nvPr/>
-        </p:nvPicPr>
-        <p:blipFill>
-          <a:blip r:embed="rId2">
-            <a:extLst>
-              <a:ext uri="{28A0092B-C50C-407E-A947-70E740481C1C}">
-                <a14:useLocalDpi xmlns:a14="http://schemas.microsoft.com/office/drawing/2010/main" val="0"/>
-              </a:ext>
-            </a:extLst>
-          </a:blip>
-          <a:srcRect/>
-          <a:stretch>
-            <a:fillRect/>
-          </a:stretch>
-        </p:blipFill>
-        <p:spPr bwMode="auto">
-          <a:xfrm>
-            <a:off x="1142240" y="3318363"/>
-            <a:ext cx="9912614" cy="3727556"/>
-          </a:xfrm>
-          <a:prstGeom prst="rect">
-            <a:avLst/>
-          </a:prstGeom>
-          <a:noFill/>
-          <a:extLst>
-            <a:ext uri="{909E8E84-426E-40DD-AFC4-6F175D3DCCD1}">
-              <a14:hiddenFill xmlns:a14="http://schemas.microsoft.com/office/drawing/2010/main">
-                <a:solidFill>
-                  <a:srgbClr val="FFFFFF"/>
-                </a:solidFill>
-              </a14:hiddenFill>
-            </a:ext>
-          </a:extLst>
-        </p:spPr>
-      </p:pic>
-    </p:spTree>
-    <p:extLst>
-      <p:ext uri="{BB962C8B-B14F-4D97-AF65-F5344CB8AC3E}">
-        <p14:creationId xmlns:p14="http://schemas.microsoft.com/office/powerpoint/2010/main" val="1639071196"/>
-      </p:ext>
-    </p:extLst>
-  </p:cSld>
-  <p:clrMapOvr>
-    <a:masterClrMapping/>
-  </p:clrMapOvr>
-</p:sld>
-</file>
-
-<file path=ppt/slides/slide11.xml><?xml version="1.0" encoding="utf-8"?>
-<p:sld xmlns:a="http://schemas.openxmlformats.org/drawingml/2006/main" xmlns:r="http://schemas.openxmlformats.org/officeDocument/2006/relationships" xmlns:p="http://schemas.openxmlformats.org/presentationml/2006/main">
-  <p:cSld>
-    <p:spTree>
-      <p:nvGrpSpPr>
-        <p:cNvPr id="1" name=""/>
-        <p:cNvGrpSpPr/>
-        <p:nvPr/>
-      </p:nvGrpSpPr>
-      <p:grpSpPr>
-        <a:xfrm>
-          <a:off x="0" y="0"/>
-          <a:ext cx="0" cy="0"/>
-          <a:chOff x="0" y="0"/>
-          <a:chExt cx="0" cy="0"/>
-        </a:xfrm>
-      </p:grpSpPr>
-      <p:sp>
-        <p:nvSpPr>
-          <p:cNvPr id="2" name="Title 1">
-            <a:extLst>
-              <a:ext uri="{FF2B5EF4-FFF2-40B4-BE49-F238E27FC236}">
-                <a16:creationId xmlns:a16="http://schemas.microsoft.com/office/drawing/2014/main" id="{8B004215-F4E0-694F-5EBD-1B777F9B7A6C}"/>
-              </a:ext>
-            </a:extLst>
-          </p:cNvPr>
-          <p:cNvSpPr>
-            <a:spLocks noGrp="1"/>
-          </p:cNvSpPr>
-          <p:nvPr>
-            <p:ph type="title"/>
-          </p:nvPr>
-        </p:nvSpPr>
-        <p:spPr/>
-        <p:txBody>
-          <a:bodyPr/>
-          <a:lstStyle/>
-          <a:p>
-            <a:endParaRPr lang="en-US"/>
-          </a:p>
-        </p:txBody>
-      </p:sp>
-      <p:sp>
-        <p:nvSpPr>
-          <p:cNvPr id="3" name="Content Placeholder 2">
-            <a:extLst>
-              <a:ext uri="{FF2B5EF4-FFF2-40B4-BE49-F238E27FC236}">
-                <a16:creationId xmlns:a16="http://schemas.microsoft.com/office/drawing/2014/main" id="{472E2424-31D3-AB65-BDD7-6877BD20EE13}"/>
-              </a:ext>
-            </a:extLst>
-          </p:cNvPr>
-          <p:cNvSpPr>
-            <a:spLocks noGrp="1"/>
-          </p:cNvSpPr>
-          <p:nvPr>
-            <p:ph idx="1"/>
-          </p:nvPr>
-        </p:nvSpPr>
-        <p:spPr/>
-        <p:txBody>
-          <a:bodyPr/>
-          <a:lstStyle/>
-          <a:p>
-            <a:endParaRPr lang="en-US"/>
-          </a:p>
-        </p:txBody>
-      </p:sp>
-      <p:pic>
-        <p:nvPicPr>
-          <p:cNvPr id="1026" name="Picture 2" descr="Understand Cross Entropy Loss in Minutes | by Uniqtech | Data Science  Bootcamp | Medium">
-            <a:extLst>
-              <a:ext uri="{FF2B5EF4-FFF2-40B4-BE49-F238E27FC236}">
-                <a16:creationId xmlns:a16="http://schemas.microsoft.com/office/drawing/2014/main" id="{C4673594-CB96-AACF-8B99-1C1458EF5C53}"/>
-              </a:ext>
-            </a:extLst>
-          </p:cNvPr>
-          <p:cNvPicPr>
-            <a:picLocks noChangeAspect="1" noChangeArrowheads="1"/>
-          </p:cNvPicPr>
-          <p:nvPr/>
-        </p:nvPicPr>
-        <p:blipFill>
-          <a:blip r:embed="rId2">
-            <a:extLst>
-              <a:ext uri="{28A0092B-C50C-407E-A947-70E740481C1C}">
-                <a14:useLocalDpi xmlns:a14="http://schemas.microsoft.com/office/drawing/2010/main" val="0"/>
-              </a:ext>
-            </a:extLst>
-          </a:blip>
-          <a:srcRect/>
-          <a:stretch>
-            <a:fillRect/>
-          </a:stretch>
-        </p:blipFill>
-        <p:spPr bwMode="auto">
-          <a:xfrm>
-            <a:off x="260350" y="196850"/>
-            <a:ext cx="11671300" cy="6464300"/>
-          </a:xfrm>
-          <a:prstGeom prst="rect">
-            <a:avLst/>
-          </a:prstGeom>
-          <a:noFill/>
-          <a:extLst>
-            <a:ext uri="{909E8E84-426E-40DD-AFC4-6F175D3DCCD1}">
-              <a14:hiddenFill xmlns:a14="http://schemas.microsoft.com/office/drawing/2010/main">
-                <a:solidFill>
-                  <a:srgbClr val="FFFFFF"/>
-                </a:solidFill>
-              </a14:hiddenFill>
-            </a:ext>
-          </a:extLst>
-        </p:spPr>
-      </p:pic>
-    </p:spTree>
-    <p:extLst>
-      <p:ext uri="{BB962C8B-B14F-4D97-AF65-F5344CB8AC3E}">
-        <p14:creationId xmlns:p14="http://schemas.microsoft.com/office/powerpoint/2010/main" val="2243742767"/>
-      </p:ext>
-    </p:extLst>
-  </p:cSld>
-  <p:clrMapOvr>
-    <a:masterClrMapping/>
-  </p:clrMapOvr>
-</p:sld>
-</file>
-
-<file path=ppt/slides/slide12.xml><?xml version="1.0" encoding="utf-8"?>
-<p:sld xmlns:a="http://schemas.openxmlformats.org/drawingml/2006/main" xmlns:r="http://schemas.openxmlformats.org/officeDocument/2006/relationships" xmlns:p="http://schemas.openxmlformats.org/presentationml/2006/main">
-  <p:cSld>
-    <p:spTree>
-      <p:nvGrpSpPr>
-        <p:cNvPr id="1" name=""/>
-        <p:cNvGrpSpPr/>
-        <p:nvPr/>
-      </p:nvGrpSpPr>
-      <p:grpSpPr>
-        <a:xfrm>
-          <a:off x="0" y="0"/>
-          <a:ext cx="0" cy="0"/>
-          <a:chOff x="0" y="0"/>
-          <a:chExt cx="0" cy="0"/>
-        </a:xfrm>
-      </p:grpSpPr>
-      <p:sp>
-        <p:nvSpPr>
-          <p:cNvPr id="2" name="Title 1">
-            <a:extLst>
-              <a:ext uri="{FF2B5EF4-FFF2-40B4-BE49-F238E27FC236}">
-                <a16:creationId xmlns:a16="http://schemas.microsoft.com/office/drawing/2014/main" id="{6D0E349A-7CE7-3BC2-1FE6-4DC6D20257A4}"/>
-              </a:ext>
-            </a:extLst>
-          </p:cNvPr>
-          <p:cNvSpPr>
-            <a:spLocks noGrp="1"/>
-          </p:cNvSpPr>
-          <p:nvPr>
-            <p:ph type="title"/>
-          </p:nvPr>
-        </p:nvSpPr>
-        <p:spPr/>
-        <p:txBody>
-          <a:bodyPr/>
-          <a:lstStyle/>
-          <a:p>
-            <a:r>
-              <a:rPr lang="en-US" dirty="0"/>
-              <a:t>Gradient Descent and Multiclass Models</a:t>
-            </a:r>
-          </a:p>
-        </p:txBody>
-      </p:sp>
-      <p:sp>
-        <p:nvSpPr>
-          <p:cNvPr id="3" name="Content Placeholder 2">
-            <a:extLst>
-              <a:ext uri="{FF2B5EF4-FFF2-40B4-BE49-F238E27FC236}">
-                <a16:creationId xmlns:a16="http://schemas.microsoft.com/office/drawing/2014/main" id="{3B9D176C-1451-D8BC-9CC0-548D54FE6888}"/>
-              </a:ext>
-            </a:extLst>
-          </p:cNvPr>
-          <p:cNvSpPr>
-            <a:spLocks noGrp="1"/>
-          </p:cNvSpPr>
-          <p:nvPr>
-            <p:ph idx="1"/>
-          </p:nvPr>
-        </p:nvSpPr>
-        <p:spPr>
-          <a:xfrm>
-            <a:off x="1451579" y="1853755"/>
-            <a:ext cx="9603275" cy="4199726"/>
-          </a:xfrm>
-        </p:spPr>
-        <p:txBody>
-          <a:bodyPr/>
-          <a:lstStyle/>
-          <a:p>
-            <a:r>
-              <a:rPr lang="en-US" dirty="0"/>
-              <a:t>The gradient descent process is the same, the cross-entropy generates loss, the gradient is taken on the loss curve </a:t>
-            </a:r>
-            <a:r>
-              <a:rPr lang="en-US" dirty="0" err="1"/>
-              <a:t>w.r.t.</a:t>
-            </a:r>
-            <a:r>
-              <a:rPr lang="en-US" dirty="0"/>
-              <a:t> each feature, the weights are adjusted, and repeat…</a:t>
-            </a:r>
-          </a:p>
-          <a:p>
-            <a:pPr lvl="1"/>
-            <a:r>
-              <a:rPr lang="en-US" dirty="0"/>
-              <a:t>As long as something can be structured as “loss” and ”things to adjust”, G.D. is the same. </a:t>
-            </a:r>
-          </a:p>
-          <a:p>
-            <a:r>
-              <a:rPr lang="en-US" dirty="0"/>
-              <a:t>Regularization is applied by default in </a:t>
-            </a:r>
-            <a:r>
-              <a:rPr lang="en-US" dirty="0" err="1"/>
-              <a:t>sklearn</a:t>
-            </a:r>
-            <a:r>
-              <a:rPr lang="en-US" dirty="0"/>
-              <a:t>. </a:t>
-            </a:r>
-          </a:p>
-          <a:p>
-            <a:pPr lvl="1"/>
-            <a:r>
-              <a:rPr lang="en-US" dirty="0"/>
-              <a:t>Multiclass classification is commonly used on things like image recognition, where there are lots of potentially classes, so limiting overfitting is good. </a:t>
-            </a:r>
-          </a:p>
-        </p:txBody>
-      </p:sp>
-    </p:spTree>
-    <p:extLst>
-      <p:ext uri="{BB962C8B-B14F-4D97-AF65-F5344CB8AC3E}">
-        <p14:creationId xmlns:p14="http://schemas.microsoft.com/office/powerpoint/2010/main" val="2561420412"/>
-      </p:ext>
-    </p:extLst>
-  </p:cSld>
-  <p:clrMapOvr>
-    <a:masterClrMapping/>
-  </p:clrMapOvr>
-</p:sld>
-</file>
-
-<file path=ppt/slides/slide13.xml><?xml version="1.0" encoding="utf-8"?>
 <p:sld xmlns:a="http://schemas.openxmlformats.org/drawingml/2006/main" xmlns:r="http://schemas.openxmlformats.org/officeDocument/2006/relationships" xmlns:p="http://schemas.openxmlformats.org/presentationml/2006/main">
   <p:cSld>
     <p:bg>
@@ -4261,101 +3847,132 @@
       </p:grpSpPr>
       <p:sp>
         <p:nvSpPr>
-          <p:cNvPr id="9" name="Rectangle 8">
+          <p:cNvPr id="2" name="Title 1">
             <a:extLst>
               <a:ext uri="{FF2B5EF4-FFF2-40B4-BE49-F238E27FC236}">
-                <a16:creationId xmlns:a16="http://schemas.microsoft.com/office/drawing/2014/main" id="{C63C853E-3842-4594-86A9-051FFAF4D343}"/>
-              </a:ext>
-              <a:ext uri="{C183D7F6-B498-43B3-948B-1728B52AA6E4}">
-                <adec:decorative xmlns:adec="http://schemas.microsoft.com/office/drawing/2017/decorative" val="1"/>
+                <a16:creationId xmlns:a16="http://schemas.microsoft.com/office/drawing/2014/main" id="{281F390E-340F-B249-822B-570BE9D0D667}"/>
               </a:ext>
             </a:extLst>
           </p:cNvPr>
           <p:cNvSpPr>
-            <a:spLocks noGrp="1" noRot="1" noChangeAspect="1" noMove="1" noResize="1" noEditPoints="1" noAdjustHandles="1" noChangeArrowheads="1" noChangeShapeType="1" noTextEdit="1"/>
-          </p:cNvSpPr>
-          <p:nvPr>
-            <p:extLst>
-              <p:ext uri="{386F3935-93C4-4BCD-93E2-E3B085C9AB24}">
-                <p16:designElem xmlns:p16="http://schemas.microsoft.com/office/powerpoint/2015/main" val="1"/>
-              </p:ext>
-            </p:extLst>
+            <a:spLocks noGrp="1"/>
+          </p:cNvSpPr>
+          <p:nvPr>
+            <p:ph type="title"/>
           </p:nvPr>
         </p:nvSpPr>
         <p:spPr>
           <a:xfrm>
-            <a:off x="0" y="2019476"/>
-            <a:ext cx="12192000" cy="4105941"/>
-          </a:xfrm>
-          <a:prstGeom prst="rect">
-            <a:avLst/>
-          </a:prstGeom>
-          <a:gradFill flip="none" rotWithShape="1">
-            <a:gsLst>
-              <a:gs pos="0">
-                <a:schemeClr val="bg2">
-                  <a:alpha val="0"/>
-                </a:schemeClr>
-              </a:gs>
-              <a:gs pos="100000">
-                <a:schemeClr val="bg2"/>
-              </a:gs>
-            </a:gsLst>
-            <a:lin ang="5400000" scaled="0"/>
-            <a:tileRect/>
-          </a:gradFill>
-          <a:ln>
-            <a:noFill/>
-          </a:ln>
-        </p:spPr>
-        <p:style>
-          <a:lnRef idx="2">
-            <a:schemeClr val="accent1">
-              <a:shade val="50000"/>
-            </a:schemeClr>
-          </a:lnRef>
-          <a:fillRef idx="1">
-            <a:schemeClr val="accent1"/>
-          </a:fillRef>
-          <a:effectRef idx="0">
-            <a:schemeClr val="accent1"/>
-          </a:effectRef>
-          <a:fontRef idx="minor">
-            <a:schemeClr val="lt1"/>
-          </a:fontRef>
-        </p:style>
-        <p:txBody>
-          <a:bodyPr/>
-          <a:lstStyle/>
-          <a:p>
-            <a:endParaRPr lang="en-US"/>
+            <a:off x="1451579" y="804519"/>
+            <a:ext cx="9603275" cy="1049235"/>
+          </a:xfrm>
+        </p:spPr>
+        <p:txBody>
+          <a:bodyPr>
+            <a:normAutofit/>
+          </a:bodyPr>
+          <a:lstStyle/>
+          <a:p>
+            <a:r>
+              <a:rPr lang="en-US" dirty="0" err="1"/>
+              <a:t>Softmax</a:t>
+            </a:r>
+            <a:endParaRPr lang="en-US" dirty="0"/>
+          </a:p>
+        </p:txBody>
+      </p:sp>
+      <p:sp>
+        <p:nvSpPr>
+          <p:cNvPr id="3" name="Content Placeholder 2">
+            <a:extLst>
+              <a:ext uri="{FF2B5EF4-FFF2-40B4-BE49-F238E27FC236}">
+                <a16:creationId xmlns:a16="http://schemas.microsoft.com/office/drawing/2014/main" id="{14DFB65A-A4ED-8244-AFBA-19A6DF06612B}"/>
+              </a:ext>
+            </a:extLst>
+          </p:cNvPr>
+          <p:cNvSpPr>
+            <a:spLocks noGrp="1"/>
+          </p:cNvSpPr>
+          <p:nvPr>
+            <p:ph idx="1"/>
+          </p:nvPr>
+        </p:nvSpPr>
+        <p:spPr>
+          <a:xfrm>
+            <a:off x="0" y="2015734"/>
+            <a:ext cx="4588351" cy="4037747"/>
+          </a:xfrm>
+        </p:spPr>
+        <p:txBody>
+          <a:bodyPr>
+            <a:normAutofit/>
+          </a:bodyPr>
+          <a:lstStyle/>
+          <a:p>
+            <a:r>
+              <a:rPr lang="en-US" dirty="0" err="1"/>
+              <a:t>Softmax</a:t>
+            </a:r>
+            <a:r>
+              <a:rPr lang="en-US" dirty="0"/>
+              <a:t> allows us to directly predict class probabilities with one classifier. </a:t>
+            </a:r>
+          </a:p>
+          <a:p>
+            <a:r>
+              <a:rPr lang="en-US" dirty="0"/>
+              <a:t>The output of </a:t>
+            </a:r>
+            <a:r>
+              <a:rPr lang="en-US" dirty="0" err="1"/>
+              <a:t>Softmax</a:t>
+            </a:r>
+            <a:r>
+              <a:rPr lang="en-US" dirty="0"/>
+              <a:t> is a probability (0 to 1) that the instance is in that class. </a:t>
+            </a:r>
+          </a:p>
+          <a:p>
+            <a:r>
+              <a:rPr lang="en-US" dirty="0" err="1"/>
+              <a:t>Softmax</a:t>
+            </a:r>
+            <a:r>
+              <a:rPr lang="en-US" dirty="0"/>
+              <a:t> can:</a:t>
+            </a:r>
+          </a:p>
+          <a:p>
+            <a:pPr lvl="1"/>
+            <a:r>
+              <a:rPr lang="en-US" dirty="0"/>
+              <a:t>Take in the logits, or the output of the regression models internally. </a:t>
+            </a:r>
+          </a:p>
+          <a:p>
+            <a:pPr lvl="1"/>
+            <a:r>
+              <a:rPr lang="en-US" dirty="0"/>
+              <a:t>Change those into probabilities per class, which is what we need!</a:t>
+            </a:r>
           </a:p>
         </p:txBody>
       </p:sp>
       <p:pic>
         <p:nvPicPr>
-          <p:cNvPr id="11" name="Picture 10">
+          <p:cNvPr id="3074" name="Picture 2" descr="PyTorch Lecture 09: Softmax Classifier - YouTube">
             <a:extLst>
               <a:ext uri="{FF2B5EF4-FFF2-40B4-BE49-F238E27FC236}">
-                <a16:creationId xmlns:a16="http://schemas.microsoft.com/office/drawing/2014/main" id="{B591CDC5-6B61-4116-B3B5-0FF42B6E606D}"/>
-              </a:ext>
-              <a:ext uri="{C183D7F6-B498-43B3-948B-1728B52AA6E4}">
-                <adec:decorative xmlns:adec="http://schemas.microsoft.com/office/drawing/2017/decorative" val="1"/>
+                <a16:creationId xmlns:a16="http://schemas.microsoft.com/office/drawing/2014/main" id="{EAFE1CA0-BEE5-0149-8F24-D1E42CA099AA}"/>
               </a:ext>
             </a:extLst>
           </p:cNvPr>
           <p:cNvPicPr>
-            <a:picLocks noGrp="1" noRot="1" noChangeAspect="1" noMove="1" noResize="1" noEditPoints="1" noAdjustHandles="1" noChangeArrowheads="1" noChangeShapeType="1" noCrop="1"/>
+            <a:picLocks noChangeAspect="1" noChangeArrowheads="1"/>
           </p:cNvPicPr>
-          <p:nvPr>
-            <p:extLst>
-              <p:ext uri="{386F3935-93C4-4BCD-93E2-E3B085C9AB24}">
-                <p16:designElem xmlns:p16="http://schemas.microsoft.com/office/powerpoint/2015/main" val="1"/>
-              </p:ext>
-            </p:extLst>
-          </p:nvPr>
+          <p:nvPr/>
         </p:nvPicPr>
-        <p:blipFill rotWithShape="1">
+        <p:blipFill>
           <a:blip r:embed="rId2">
             <a:extLst>
               <a:ext uri="{28A0092B-C50C-407E-A947-70E740481C1C}">
@@ -4363,219 +3980,351 @@
               </a:ext>
             </a:extLst>
           </a:blip>
-          <a:srcRect t="1538" b="-1538"/>
-          <a:stretch/>
+          <a:stretch>
+            <a:fillRect/>
+          </a:stretch>
         </p:blipFill>
-        <p:spPr bwMode="black">
-          <a:xfrm>
-            <a:off x="0" y="6126480"/>
-            <a:ext cx="12192000" cy="742950"/>
+        <p:spPr bwMode="auto">
+          <a:xfrm>
+            <a:off x="4588350" y="2345916"/>
+            <a:ext cx="7640485" cy="4297772"/>
           </a:xfrm>
           <a:prstGeom prst="rect">
             <a:avLst/>
           </a:prstGeom>
+          <a:noFill/>
+          <a:extLst>
+            <a:ext uri="{909E8E84-426E-40DD-AFC4-6F175D3DCCD1}">
+              <a14:hiddenFill xmlns:a14="http://schemas.microsoft.com/office/drawing/2010/main">
+                <a:solidFill>
+                  <a:srgbClr val="FFFFFF"/>
+                </a:solidFill>
+              </a14:hiddenFill>
+            </a:ext>
+          </a:extLst>
         </p:spPr>
       </p:pic>
-      <p:cxnSp>
-        <p:nvCxnSpPr>
-          <p:cNvPr id="13" name="Straight Connector 12">
+    </p:spTree>
+    <p:extLst>
+      <p:ext uri="{BB962C8B-B14F-4D97-AF65-F5344CB8AC3E}">
+        <p14:creationId xmlns:p14="http://schemas.microsoft.com/office/powerpoint/2010/main" val="2396580394"/>
+      </p:ext>
+    </p:extLst>
+  </p:cSld>
+  <p:clrMapOvr>
+    <a:masterClrMapping/>
+  </p:clrMapOvr>
+</p:sld>
+</file>
+
+<file path=ppt/slides/slide11.xml><?xml version="1.0" encoding="utf-8"?>
+<p:sld xmlns:a="http://schemas.openxmlformats.org/drawingml/2006/main" xmlns:r="http://schemas.openxmlformats.org/officeDocument/2006/relationships" xmlns:p="http://schemas.openxmlformats.org/presentationml/2006/main">
+  <p:cSld>
+    <p:spTree>
+      <p:nvGrpSpPr>
+        <p:cNvPr id="1" name=""/>
+        <p:cNvGrpSpPr/>
+        <p:nvPr/>
+      </p:nvGrpSpPr>
+      <p:grpSpPr>
+        <a:xfrm>
+          <a:off x="0" y="0"/>
+          <a:ext cx="0" cy="0"/>
+          <a:chOff x="0" y="0"/>
+          <a:chExt cx="0" cy="0"/>
+        </a:xfrm>
+      </p:grpSpPr>
+      <p:sp>
+        <p:nvSpPr>
+          <p:cNvPr id="2" name="Title 1">
             <a:extLst>
               <a:ext uri="{FF2B5EF4-FFF2-40B4-BE49-F238E27FC236}">
-                <a16:creationId xmlns:a16="http://schemas.microsoft.com/office/drawing/2014/main" id="{25B08984-5BEB-422F-A364-2B41E6A516EB}"/>
-              </a:ext>
-              <a:ext uri="{C183D7F6-B498-43B3-948B-1728B52AA6E4}">
-                <adec:decorative xmlns:adec="http://schemas.microsoft.com/office/drawing/2017/decorative" val="1"/>
+                <a16:creationId xmlns:a16="http://schemas.microsoft.com/office/drawing/2014/main" id="{04357363-3198-764C-98E4-92885E2E943E}"/>
               </a:ext>
             </a:extLst>
           </p:cNvPr>
-          <p:cNvCxnSpPr>
-            <a:cxnSpLocks noGrp="1" noRot="1" noChangeAspect="1" noMove="1" noResize="1" noEditPoints="1" noAdjustHandles="1" noChangeArrowheads="1" noChangeShapeType="1"/>
-          </p:cNvCxnSpPr>
-          <p:nvPr>
-            <p:extLst>
-              <p:ext uri="{386F3935-93C4-4BCD-93E2-E3B085C9AB24}">
-                <p16:designElem xmlns:p16="http://schemas.microsoft.com/office/powerpoint/2015/main" val="1"/>
-              </p:ext>
-            </p:extLst>
-          </p:nvPr>
-        </p:nvCxnSpPr>
-        <p:spPr>
-          <a:xfrm>
-            <a:off x="0" y="6128413"/>
-            <a:ext cx="12192000" cy="0"/>
-          </a:xfrm>
-          <a:prstGeom prst="line">
-            <a:avLst/>
-          </a:prstGeom>
-          <a:ln w="12700">
-            <a:solidFill>
-              <a:srgbClr val="000001">
-                <a:alpha val="20000"/>
-              </a:srgbClr>
-            </a:solidFill>
-          </a:ln>
-        </p:spPr>
-        <p:style>
-          <a:lnRef idx="1">
-            <a:schemeClr val="accent1"/>
-          </a:lnRef>
-          <a:fillRef idx="0">
-            <a:schemeClr val="accent1"/>
-          </a:fillRef>
-          <a:effectRef idx="0">
-            <a:schemeClr val="accent1"/>
-          </a:effectRef>
-          <a:fontRef idx="minor">
-            <a:schemeClr val="tx1"/>
-          </a:fontRef>
-        </p:style>
-      </p:cxnSp>
-      <p:cxnSp>
-        <p:nvCxnSpPr>
-          <p:cNvPr id="15" name="Straight Connector 14">
+          <p:cNvSpPr>
+            <a:spLocks noGrp="1"/>
+          </p:cNvSpPr>
+          <p:nvPr>
+            <p:ph type="title"/>
+          </p:nvPr>
+        </p:nvSpPr>
+        <p:spPr/>
+        <p:txBody>
+          <a:bodyPr/>
+          <a:lstStyle/>
+          <a:p>
+            <a:r>
+              <a:rPr lang="en-US" dirty="0"/>
+              <a:t>Cross Entropy</a:t>
+            </a:r>
+          </a:p>
+        </p:txBody>
+      </p:sp>
+      <p:sp>
+        <p:nvSpPr>
+          <p:cNvPr id="3" name="Content Placeholder 2">
             <a:extLst>
               <a:ext uri="{FF2B5EF4-FFF2-40B4-BE49-F238E27FC236}">
-                <a16:creationId xmlns:a16="http://schemas.microsoft.com/office/drawing/2014/main" id="{A8F413B1-54E0-4B16-92AB-1CC5C7D645BC}"/>
-              </a:ext>
-              <a:ext uri="{C183D7F6-B498-43B3-948B-1728B52AA6E4}">
-                <adec:decorative xmlns:adec="http://schemas.microsoft.com/office/drawing/2017/decorative" val="1"/>
+                <a16:creationId xmlns:a16="http://schemas.microsoft.com/office/drawing/2014/main" id="{852241B2-8C22-7B40-A9F8-854911DE4C2C}"/>
               </a:ext>
             </a:extLst>
           </p:cNvPr>
-          <p:cNvCxnSpPr>
-            <a:cxnSpLocks noGrp="1" noRot="1" noChangeAspect="1" noMove="1" noResize="1" noEditPoints="1" noAdjustHandles="1" noChangeArrowheads="1" noChangeShapeType="1"/>
-          </p:cNvCxnSpPr>
-          <p:nvPr>
-            <p:extLst>
-              <p:ext uri="{386F3935-93C4-4BCD-93E2-E3B085C9AB24}">
-                <p16:designElem xmlns:p16="http://schemas.microsoft.com/office/powerpoint/2015/main" val="1"/>
-              </p:ext>
-            </p:extLst>
-          </p:nvPr>
-        </p:nvCxnSpPr>
+          <p:cNvSpPr>
+            <a:spLocks noGrp="1"/>
+          </p:cNvSpPr>
+          <p:nvPr>
+            <p:ph idx="1"/>
+          </p:nvPr>
+        </p:nvSpPr>
         <p:spPr>
           <a:xfrm>
-            <a:off x="1453896" y="1847088"/>
-            <a:ext cx="9607522" cy="0"/>
-          </a:xfrm>
-          <a:prstGeom prst="line">
-            <a:avLst/>
-          </a:prstGeom>
-          <a:ln w="31750"/>
-        </p:spPr>
-        <p:style>
-          <a:lnRef idx="3">
-            <a:schemeClr val="accent1"/>
-          </a:lnRef>
-          <a:fillRef idx="0">
-            <a:schemeClr val="accent1"/>
-          </a:fillRef>
-          <a:effectRef idx="2">
-            <a:schemeClr val="accent1"/>
-          </a:effectRef>
-          <a:fontRef idx="minor">
-            <a:schemeClr val="tx1"/>
-          </a:fontRef>
-        </p:style>
-      </p:cxnSp>
+            <a:off x="1451579" y="1853755"/>
+            <a:ext cx="9603275" cy="1464608"/>
+          </a:xfrm>
+        </p:spPr>
+        <p:txBody>
+          <a:bodyPr/>
+          <a:lstStyle/>
+          <a:p>
+            <a:r>
+              <a:rPr lang="en-US" dirty="0"/>
+              <a:t>Cross Entropy (non-binary kind) is a common cost function for classification. </a:t>
+            </a:r>
+          </a:p>
+          <a:p>
+            <a:r>
+              <a:rPr lang="en-US" dirty="0"/>
+              <a:t>Cross entropy translates the </a:t>
+            </a:r>
+            <a:r>
+              <a:rPr lang="en-US" dirty="0" err="1"/>
+              <a:t>softmax</a:t>
+            </a:r>
+            <a:r>
+              <a:rPr lang="en-US" dirty="0"/>
+              <a:t> probabilities into a label, and calculates the cost. </a:t>
+            </a:r>
+          </a:p>
+          <a:p>
+            <a:r>
+              <a:rPr lang="en-US" dirty="0"/>
+              <a:t>Like binary cross entropy, this measures the “distance from” the correct prediction. </a:t>
+            </a:r>
+          </a:p>
+        </p:txBody>
+      </p:sp>
       <p:pic>
         <p:nvPicPr>
-          <p:cNvPr id="5" name="Picture 4" descr="Toy plastic numbers">
+          <p:cNvPr id="5122" name="Picture 2" descr="Easy TensorFlow - Linear Classifier">
             <a:extLst>
               <a:ext uri="{FF2B5EF4-FFF2-40B4-BE49-F238E27FC236}">
-                <a16:creationId xmlns:a16="http://schemas.microsoft.com/office/drawing/2014/main" id="{1BCCC988-B63A-F3F2-240F-33B175945D33}"/>
+                <a16:creationId xmlns:a16="http://schemas.microsoft.com/office/drawing/2014/main" id="{CB8DE2E4-DF9F-7D4B-93A8-13702E477A77}"/>
               </a:ext>
             </a:extLst>
           </p:cNvPr>
           <p:cNvPicPr>
-            <a:picLocks noChangeAspect="1"/>
+            <a:picLocks noChangeAspect="1" noChangeArrowheads="1"/>
           </p:cNvPicPr>
           <p:nvPr/>
         </p:nvPicPr>
-        <p:blipFill rotWithShape="1">
-          <a:blip r:embed="rId3"/>
-          <a:srcRect t="9379" r="-1" b="6348"/>
-          <a:stretch/>
+        <p:blipFill>
+          <a:blip r:embed="rId2">
+            <a:extLst>
+              <a:ext uri="{28A0092B-C50C-407E-A947-70E740481C1C}">
+                <a14:useLocalDpi xmlns:a14="http://schemas.microsoft.com/office/drawing/2010/main" val="0"/>
+              </a:ext>
+            </a:extLst>
+          </a:blip>
+          <a:srcRect/>
+          <a:stretch>
+            <a:fillRect/>
+          </a:stretch>
         </p:blipFill>
-        <p:spPr>
-          <a:xfrm>
-            <a:off x="20" y="10"/>
-            <a:ext cx="12191675" cy="6857990"/>
+        <p:spPr bwMode="auto">
+          <a:xfrm>
+            <a:off x="1142240" y="3318363"/>
+            <a:ext cx="9912614" cy="3727556"/>
           </a:xfrm>
           <a:prstGeom prst="rect">
             <a:avLst/>
           </a:prstGeom>
+          <a:noFill/>
+          <a:extLst>
+            <a:ext uri="{909E8E84-426E-40DD-AFC4-6F175D3DCCD1}">
+              <a14:hiddenFill xmlns:a14="http://schemas.microsoft.com/office/drawing/2010/main">
+                <a:solidFill>
+                  <a:srgbClr val="FFFFFF"/>
+                </a:solidFill>
+              </a14:hiddenFill>
+            </a:ext>
+          </a:extLst>
         </p:spPr>
       </p:pic>
-      <p:sp>
-        <p:nvSpPr>
-          <p:cNvPr id="17" name="Rectangle 16">
+    </p:spTree>
+    <p:extLst>
+      <p:ext uri="{BB962C8B-B14F-4D97-AF65-F5344CB8AC3E}">
+        <p14:creationId xmlns:p14="http://schemas.microsoft.com/office/powerpoint/2010/main" val="1639071196"/>
+      </p:ext>
+    </p:extLst>
+  </p:cSld>
+  <p:clrMapOvr>
+    <a:masterClrMapping/>
+  </p:clrMapOvr>
+</p:sld>
+</file>
+
+<file path=ppt/slides/slide12.xml><?xml version="1.0" encoding="utf-8"?>
+<p:sld xmlns:a="http://schemas.openxmlformats.org/drawingml/2006/main" xmlns:r="http://schemas.openxmlformats.org/officeDocument/2006/relationships" xmlns:p="http://schemas.openxmlformats.org/presentationml/2006/main">
+  <p:cSld>
+    <p:spTree>
+      <p:nvGrpSpPr>
+        <p:cNvPr id="1" name=""/>
+        <p:cNvGrpSpPr/>
+        <p:nvPr/>
+      </p:nvGrpSpPr>
+      <p:grpSpPr>
+        <a:xfrm>
+          <a:off x="0" y="0"/>
+          <a:ext cx="0" cy="0"/>
+          <a:chOff x="0" y="0"/>
+          <a:chExt cx="0" cy="0"/>
+        </a:xfrm>
+      </p:grpSpPr>
+      <p:sp>
+        <p:nvSpPr>
+          <p:cNvPr id="2" name="Title 1">
             <a:extLst>
               <a:ext uri="{FF2B5EF4-FFF2-40B4-BE49-F238E27FC236}">
-                <a16:creationId xmlns:a16="http://schemas.microsoft.com/office/drawing/2014/main" id="{2E67E8BF-E4B2-4098-9FB3-9E400BD86935}"/>
-              </a:ext>
-              <a:ext uri="{C183D7F6-B498-43B3-948B-1728B52AA6E4}">
-                <adec:decorative xmlns:adec="http://schemas.microsoft.com/office/drawing/2017/decorative" val="1"/>
+                <a16:creationId xmlns:a16="http://schemas.microsoft.com/office/drawing/2014/main" id="{8B004215-F4E0-694F-5EBD-1B777F9B7A6C}"/>
               </a:ext>
             </a:extLst>
           </p:cNvPr>
           <p:cNvSpPr>
-            <a:spLocks noGrp="1" noRot="1" noChangeAspect="1" noMove="1" noResize="1" noEditPoints="1" noAdjustHandles="1" noChangeArrowheads="1" noChangeShapeType="1" noTextEdit="1"/>
-          </p:cNvSpPr>
-          <p:nvPr>
-            <p:extLst>
-              <p:ext uri="{386F3935-93C4-4BCD-93E2-E3B085C9AB24}">
-                <p16:designElem xmlns:p16="http://schemas.microsoft.com/office/powerpoint/2015/main" val="1"/>
-              </p:ext>
-            </p:extLst>
-          </p:nvPr>
-        </p:nvSpPr>
-        <p:spPr>
-          <a:xfrm>
-            <a:off x="5930686" y="4905349"/>
-            <a:ext cx="5610646" cy="1450464"/>
+            <a:spLocks noGrp="1"/>
+          </p:cNvSpPr>
+          <p:nvPr>
+            <p:ph type="title"/>
+          </p:nvPr>
+        </p:nvSpPr>
+        <p:spPr/>
+        <p:txBody>
+          <a:bodyPr/>
+          <a:lstStyle/>
+          <a:p>
+            <a:endParaRPr lang="en-US"/>
+          </a:p>
+        </p:txBody>
+      </p:sp>
+      <p:sp>
+        <p:nvSpPr>
+          <p:cNvPr id="3" name="Content Placeholder 2">
+            <a:extLst>
+              <a:ext uri="{FF2B5EF4-FFF2-40B4-BE49-F238E27FC236}">
+                <a16:creationId xmlns:a16="http://schemas.microsoft.com/office/drawing/2014/main" id="{472E2424-31D3-AB65-BDD7-6877BD20EE13}"/>
+              </a:ext>
+            </a:extLst>
+          </p:cNvPr>
+          <p:cNvSpPr>
+            <a:spLocks noGrp="1"/>
+          </p:cNvSpPr>
+          <p:nvPr>
+            <p:ph idx="1"/>
+          </p:nvPr>
+        </p:nvSpPr>
+        <p:spPr/>
+        <p:txBody>
+          <a:bodyPr/>
+          <a:lstStyle/>
+          <a:p>
+            <a:endParaRPr lang="en-US"/>
+          </a:p>
+        </p:txBody>
+      </p:sp>
+      <p:pic>
+        <p:nvPicPr>
+          <p:cNvPr id="1026" name="Picture 2" descr="Understand Cross Entropy Loss in Minutes | by Uniqtech | Data Science  Bootcamp | Medium">
+            <a:extLst>
+              <a:ext uri="{FF2B5EF4-FFF2-40B4-BE49-F238E27FC236}">
+                <a16:creationId xmlns:a16="http://schemas.microsoft.com/office/drawing/2014/main" id="{C4673594-CB96-AACF-8B99-1C1458EF5C53}"/>
+              </a:ext>
+            </a:extLst>
+          </p:cNvPr>
+          <p:cNvPicPr>
+            <a:picLocks noChangeAspect="1" noChangeArrowheads="1"/>
+          </p:cNvPicPr>
+          <p:nvPr/>
+        </p:nvPicPr>
+        <p:blipFill>
+          <a:blip r:embed="rId2">
+            <a:extLst>
+              <a:ext uri="{28A0092B-C50C-407E-A947-70E740481C1C}">
+                <a14:useLocalDpi xmlns:a14="http://schemas.microsoft.com/office/drawing/2010/main" val="0"/>
+              </a:ext>
+            </a:extLst>
+          </a:blip>
+          <a:srcRect/>
+          <a:stretch>
+            <a:fillRect/>
+          </a:stretch>
+        </p:blipFill>
+        <p:spPr bwMode="auto">
+          <a:xfrm>
+            <a:off x="260350" y="196850"/>
+            <a:ext cx="11671300" cy="6464300"/>
           </a:xfrm>
           <a:prstGeom prst="rect">
             <a:avLst/>
           </a:prstGeom>
-          <a:solidFill>
-            <a:srgbClr val="000001">
-              <a:alpha val="75000"/>
-            </a:srgbClr>
-          </a:solidFill>
-          <a:ln>
-            <a:noFill/>
-          </a:ln>
-        </p:spPr>
-        <p:style>
-          <a:lnRef idx="1">
-            <a:schemeClr val="accent1"/>
-          </a:lnRef>
-          <a:fillRef idx="3">
-            <a:schemeClr val="accent1"/>
-          </a:fillRef>
-          <a:effectRef idx="2">
-            <a:schemeClr val="accent1"/>
-          </a:effectRef>
-          <a:fontRef idx="minor">
-            <a:schemeClr val="lt1"/>
-          </a:fontRef>
-        </p:style>
-        <p:txBody>
-          <a:bodyPr rtlCol="0" anchor="ctr"/>
-          <a:lstStyle/>
-          <a:p>
-            <a:pPr algn="ctr"/>
-            <a:endParaRPr lang="en-US"/>
-          </a:p>
-        </p:txBody>
-      </p:sp>
+          <a:noFill/>
+          <a:extLst>
+            <a:ext uri="{909E8E84-426E-40DD-AFC4-6F175D3DCCD1}">
+              <a14:hiddenFill xmlns:a14="http://schemas.microsoft.com/office/drawing/2010/main">
+                <a:solidFill>
+                  <a:srgbClr val="FFFFFF"/>
+                </a:solidFill>
+              </a14:hiddenFill>
+            </a:ext>
+          </a:extLst>
+        </p:spPr>
+      </p:pic>
+    </p:spTree>
+    <p:extLst>
+      <p:ext uri="{BB962C8B-B14F-4D97-AF65-F5344CB8AC3E}">
+        <p14:creationId xmlns:p14="http://schemas.microsoft.com/office/powerpoint/2010/main" val="2243742767"/>
+      </p:ext>
+    </p:extLst>
+  </p:cSld>
+  <p:clrMapOvr>
+    <a:masterClrMapping/>
+  </p:clrMapOvr>
+</p:sld>
+</file>
+
+<file path=ppt/slides/slide13.xml><?xml version="1.0" encoding="utf-8"?>
+<p:sld xmlns:a="http://schemas.openxmlformats.org/drawingml/2006/main" xmlns:r="http://schemas.openxmlformats.org/officeDocument/2006/relationships" xmlns:p="http://schemas.openxmlformats.org/presentationml/2006/main">
+  <p:cSld>
+    <p:spTree>
+      <p:nvGrpSpPr>
+        <p:cNvPr id="1" name=""/>
+        <p:cNvGrpSpPr/>
+        <p:nvPr/>
+      </p:nvGrpSpPr>
+      <p:grpSpPr>
+        <a:xfrm>
+          <a:off x="0" y="0"/>
+          <a:ext cx="0" cy="0"/>
+          <a:chOff x="0" y="0"/>
+          <a:chExt cx="0" cy="0"/>
+        </a:xfrm>
+      </p:grpSpPr>
       <p:sp>
         <p:nvSpPr>
           <p:cNvPr id="2" name="Title 1">
             <a:extLst>
               <a:ext uri="{FF2B5EF4-FFF2-40B4-BE49-F238E27FC236}">
-                <a16:creationId xmlns:a16="http://schemas.microsoft.com/office/drawing/2014/main" id="{F4031923-7C8E-4F34-ECDD-041AB964D2AE}"/>
+                <a16:creationId xmlns:a16="http://schemas.microsoft.com/office/drawing/2014/main" id="{6D0E349A-7CE7-3BC2-1FE6-4DC6D20257A4}"/>
               </a:ext>
             </a:extLst>
           </p:cNvPr>
@@ -4586,85 +4335,91 @@
             <p:ph type="title"/>
           </p:nvPr>
         </p:nvSpPr>
-        <p:spPr>
-          <a:xfrm>
-            <a:off x="6094412" y="5239131"/>
-            <a:ext cx="5279490" cy="960087"/>
-          </a:xfrm>
-        </p:spPr>
-        <p:txBody>
-          <a:bodyPr vert="horz" lIns="91440" tIns="45720" rIns="91440" bIns="45720" rtlCol="0" anchor="t">
-            <a:normAutofit/>
-          </a:bodyPr>
-          <a:lstStyle/>
-          <a:p>
-            <a:r>
-              <a:rPr lang="en-US" sz="3000">
-                <a:solidFill>
-                  <a:srgbClr val="FFFFFE"/>
-                </a:solidFill>
-              </a:rPr>
-              <a:t>Multi-class Classification - Images</a:t>
-            </a:r>
-          </a:p>
-        </p:txBody>
-      </p:sp>
-      <p:cxnSp>
-        <p:nvCxnSpPr>
-          <p:cNvPr id="19" name="Straight Connector 18">
+        <p:spPr/>
+        <p:txBody>
+          <a:bodyPr/>
+          <a:lstStyle/>
+          <a:p>
+            <a:r>
+              <a:rPr lang="en-US" dirty="0"/>
+              <a:t>Gradient Descent and Multiclass Models</a:t>
+            </a:r>
+          </a:p>
+        </p:txBody>
+      </p:sp>
+      <p:sp>
+        <p:nvSpPr>
+          <p:cNvPr id="3" name="Content Placeholder 2">
             <a:extLst>
               <a:ext uri="{FF2B5EF4-FFF2-40B4-BE49-F238E27FC236}">
-                <a16:creationId xmlns:a16="http://schemas.microsoft.com/office/drawing/2014/main" id="{3781A10F-5DF6-4C9B-AE0B-5249E4399D26}"/>
-              </a:ext>
-              <a:ext uri="{C183D7F6-B498-43B3-948B-1728B52AA6E4}">
-                <adec:decorative xmlns:adec="http://schemas.microsoft.com/office/drawing/2017/decorative" val="1"/>
+                <a16:creationId xmlns:a16="http://schemas.microsoft.com/office/drawing/2014/main" id="{3B9D176C-1451-D8BC-9CC0-548D54FE6888}"/>
               </a:ext>
             </a:extLst>
           </p:cNvPr>
-          <p:cNvCxnSpPr>
-            <a:cxnSpLocks noGrp="1" noRot="1" noChangeAspect="1" noMove="1" noResize="1" noEditPoints="1" noAdjustHandles="1" noChangeArrowheads="1" noChangeShapeType="1"/>
-          </p:cNvCxnSpPr>
-          <p:nvPr>
-            <p:extLst>
-              <p:ext uri="{386F3935-93C4-4BCD-93E2-E3B085C9AB24}">
-                <p16:designElem xmlns:p16="http://schemas.microsoft.com/office/powerpoint/2015/main" val="1"/>
-              </p:ext>
-            </p:extLst>
-          </p:nvPr>
-        </p:nvCxnSpPr>
+          <p:cNvSpPr>
+            <a:spLocks noGrp="1"/>
+          </p:cNvSpPr>
+          <p:nvPr>
+            <p:ph idx="1"/>
+          </p:nvPr>
+        </p:nvSpPr>
         <p:spPr>
           <a:xfrm>
-            <a:off x="6094411" y="5073596"/>
-            <a:ext cx="5283196" cy="0"/>
-          </a:xfrm>
-          <a:prstGeom prst="line">
-            <a:avLst/>
-          </a:prstGeom>
-          <a:ln w="31750">
-            <a:solidFill>
-              <a:srgbClr val="F0980C"/>
-            </a:solidFill>
-          </a:ln>
-        </p:spPr>
-        <p:style>
-          <a:lnRef idx="3">
-            <a:schemeClr val="accent1"/>
-          </a:lnRef>
-          <a:fillRef idx="0">
-            <a:schemeClr val="accent1"/>
-          </a:fillRef>
-          <a:effectRef idx="2">
-            <a:schemeClr val="accent1"/>
-          </a:effectRef>
-          <a:fontRef idx="minor">
-            <a:schemeClr val="tx1"/>
-          </a:fontRef>
-        </p:style>
-      </p:cxnSp>
+            <a:off x="1451579" y="1853755"/>
+            <a:ext cx="9603275" cy="4199726"/>
+          </a:xfrm>
+        </p:spPr>
+        <p:txBody>
+          <a:bodyPr/>
+          <a:lstStyle/>
+          <a:p>
+            <a:r>
+              <a:rPr lang="en-US" dirty="0"/>
+              <a:t>The gradient descent process is the same, the cross-entropy generates loss, the gradient is taken on the loss curve </a:t>
+            </a:r>
+            <a:r>
+              <a:rPr lang="en-US" dirty="0" err="1"/>
+              <a:t>w.r.t.</a:t>
+            </a:r>
+            <a:r>
+              <a:rPr lang="en-US" dirty="0"/>
+              <a:t> each feature, the weights are adjusted, and repeat…</a:t>
+            </a:r>
+          </a:p>
+          <a:p>
+            <a:pPr lvl="1"/>
+            <a:r>
+              <a:rPr lang="en-US" dirty="0"/>
+              <a:t>As long as something can be structured as “loss” and ”things to adjust”, G.D. is the same. </a:t>
+            </a:r>
+          </a:p>
+          <a:p>
+            <a:r>
+              <a:rPr lang="en-US" dirty="0"/>
+              <a:t>Regularization is applied by default in </a:t>
+            </a:r>
+            <a:r>
+              <a:rPr lang="en-US" dirty="0" err="1"/>
+              <a:t>sklearn</a:t>
+            </a:r>
+            <a:r>
+              <a:rPr lang="en-US" dirty="0"/>
+              <a:t>. </a:t>
+            </a:r>
+          </a:p>
+          <a:p>
+            <a:pPr lvl="1"/>
+            <a:r>
+              <a:rPr lang="en-US" dirty="0"/>
+              <a:t>Multiclass classification is commonly used on things like image recognition, where there are lots of potentially classes, so limiting overfitting is good. </a:t>
+            </a:r>
+          </a:p>
+        </p:txBody>
+      </p:sp>
     </p:spTree>
     <p:extLst>
       <p:ext uri="{BB962C8B-B14F-4D97-AF65-F5344CB8AC3E}">
-        <p14:creationId xmlns:p14="http://schemas.microsoft.com/office/powerpoint/2010/main" val="3677524823"/>
+        <p14:creationId xmlns:p14="http://schemas.microsoft.com/office/powerpoint/2010/main" val="2561420412"/>
       </p:ext>
     </p:extLst>
   </p:cSld>
@@ -4717,121 +4472,101 @@
       </p:grpSpPr>
       <p:sp>
         <p:nvSpPr>
-          <p:cNvPr id="2" name="Title 1">
+          <p:cNvPr id="9" name="Rectangle 8">
             <a:extLst>
               <a:ext uri="{FF2B5EF4-FFF2-40B4-BE49-F238E27FC236}">
-                <a16:creationId xmlns:a16="http://schemas.microsoft.com/office/drawing/2014/main" id="{F3FB903F-CE3E-DE43-9BF5-70277B57D148}"/>
+                <a16:creationId xmlns:a16="http://schemas.microsoft.com/office/drawing/2014/main" id="{C63C853E-3842-4594-86A9-051FFAF4D343}"/>
+              </a:ext>
+              <a:ext uri="{C183D7F6-B498-43B3-948B-1728B52AA6E4}">
+                <adec:decorative xmlns:adec="http://schemas.microsoft.com/office/drawing/2017/decorative" val="1"/>
               </a:ext>
             </a:extLst>
           </p:cNvPr>
           <p:cNvSpPr>
-            <a:spLocks noGrp="1"/>
-          </p:cNvSpPr>
-          <p:nvPr>
-            <p:ph type="title"/>
+            <a:spLocks noGrp="1" noRot="1" noChangeAspect="1" noMove="1" noResize="1" noEditPoints="1" noAdjustHandles="1" noChangeArrowheads="1" noChangeShapeType="1" noTextEdit="1"/>
+          </p:cNvSpPr>
+          <p:nvPr>
+            <p:extLst>
+              <p:ext uri="{386F3935-93C4-4BCD-93E2-E3B085C9AB24}">
+                <p16:designElem xmlns:p16="http://schemas.microsoft.com/office/powerpoint/2015/main" val="1"/>
+              </p:ext>
+            </p:extLst>
           </p:nvPr>
         </p:nvSpPr>
         <p:spPr>
           <a:xfrm>
-            <a:off x="1451579" y="804519"/>
-            <a:ext cx="9603275" cy="1049235"/>
-          </a:xfrm>
-        </p:spPr>
-        <p:txBody>
-          <a:bodyPr>
-            <a:normAutofit/>
-          </a:bodyPr>
-          <a:lstStyle/>
-          <a:p>
-            <a:r>
-              <a:rPr lang="en-US" dirty="0"/>
-              <a:t>Images</a:t>
-            </a:r>
-          </a:p>
-        </p:txBody>
-      </p:sp>
-      <p:sp>
-        <p:nvSpPr>
-          <p:cNvPr id="3" name="Content Placeholder 2">
+            <a:off x="0" y="2019476"/>
+            <a:ext cx="12192000" cy="4105941"/>
+          </a:xfrm>
+          <a:prstGeom prst="rect">
+            <a:avLst/>
+          </a:prstGeom>
+          <a:gradFill flip="none" rotWithShape="1">
+            <a:gsLst>
+              <a:gs pos="0">
+                <a:schemeClr val="bg2">
+                  <a:alpha val="0"/>
+                </a:schemeClr>
+              </a:gs>
+              <a:gs pos="100000">
+                <a:schemeClr val="bg2"/>
+              </a:gs>
+            </a:gsLst>
+            <a:lin ang="5400000" scaled="0"/>
+            <a:tileRect/>
+          </a:gradFill>
+          <a:ln>
+            <a:noFill/>
+          </a:ln>
+        </p:spPr>
+        <p:style>
+          <a:lnRef idx="2">
+            <a:schemeClr val="accent1">
+              <a:shade val="50000"/>
+            </a:schemeClr>
+          </a:lnRef>
+          <a:fillRef idx="1">
+            <a:schemeClr val="accent1"/>
+          </a:fillRef>
+          <a:effectRef idx="0">
+            <a:schemeClr val="accent1"/>
+          </a:effectRef>
+          <a:fontRef idx="minor">
+            <a:schemeClr val="lt1"/>
+          </a:fontRef>
+        </p:style>
+        <p:txBody>
+          <a:bodyPr/>
+          <a:lstStyle/>
+          <a:p>
+            <a:endParaRPr lang="en-US"/>
+          </a:p>
+        </p:txBody>
+      </p:sp>
+      <p:pic>
+        <p:nvPicPr>
+          <p:cNvPr id="11" name="Picture 10">
             <a:extLst>
               <a:ext uri="{FF2B5EF4-FFF2-40B4-BE49-F238E27FC236}">
-                <a16:creationId xmlns:a16="http://schemas.microsoft.com/office/drawing/2014/main" id="{C81DE9A2-B784-8847-A671-53558461A496}"/>
+                <a16:creationId xmlns:a16="http://schemas.microsoft.com/office/drawing/2014/main" id="{B591CDC5-6B61-4116-B3B5-0FF42B6E606D}"/>
               </a:ext>
-            </a:extLst>
-          </p:cNvPr>
-          <p:cNvSpPr>
-            <a:spLocks noGrp="1"/>
-          </p:cNvSpPr>
-          <p:nvPr>
-            <p:ph idx="1"/>
-          </p:nvPr>
-        </p:nvSpPr>
-        <p:spPr>
-          <a:xfrm>
-            <a:off x="401444" y="2015733"/>
-            <a:ext cx="4984946" cy="4037747"/>
-          </a:xfrm>
-        </p:spPr>
-        <p:txBody>
-          <a:bodyPr>
-            <a:normAutofit/>
-          </a:bodyPr>
-          <a:lstStyle/>
-          <a:p>
-            <a:r>
-              <a:rPr lang="en-US" dirty="0"/>
-              <a:t>Images are basically 2D (for now) grids of pixels.</a:t>
-            </a:r>
-          </a:p>
-          <a:p>
-            <a:pPr lvl="1"/>
-            <a:r>
-              <a:rPr lang="en-US" dirty="0"/>
-              <a:t>Your 1080p screen is 1920 x 1080 pixels.</a:t>
-            </a:r>
-          </a:p>
-          <a:p>
-            <a:r>
-              <a:rPr lang="en-US" dirty="0"/>
-              <a:t>Each pixel is an integer value. </a:t>
-            </a:r>
-          </a:p>
-          <a:p>
-            <a:pPr lvl="1"/>
-            <a:r>
-              <a:rPr lang="en-US" dirty="0"/>
-              <a:t>0-255 for darkness</a:t>
-            </a:r>
-          </a:p>
-          <a:p>
-            <a:r>
-              <a:rPr lang="en-US" dirty="0"/>
-              <a:t>Images are normal data, and we can treat them like any other data. </a:t>
-            </a:r>
-          </a:p>
-          <a:p>
-            <a:r>
-              <a:rPr lang="en-US" dirty="0"/>
-              <a:t>This allows us to, pretty easily, do image recognition!</a:t>
-            </a:r>
-          </a:p>
-        </p:txBody>
-      </p:sp>
-      <p:pic>
-        <p:nvPicPr>
-          <p:cNvPr id="1026" name="Picture 2" descr="SaraAI - mnist">
-            <a:extLst>
-              <a:ext uri="{FF2B5EF4-FFF2-40B4-BE49-F238E27FC236}">
-                <a16:creationId xmlns:a16="http://schemas.microsoft.com/office/drawing/2014/main" id="{5E9AF5CB-741A-654E-B2AF-0D1547D587DA}"/>
+              <a:ext uri="{C183D7F6-B498-43B3-948B-1728B52AA6E4}">
+                <adec:decorative xmlns:adec="http://schemas.microsoft.com/office/drawing/2017/decorative" val="1"/>
               </a:ext>
             </a:extLst>
           </p:cNvPr>
           <p:cNvPicPr>
-            <a:picLocks noChangeAspect="1" noChangeArrowheads="1"/>
+            <a:picLocks noGrp="1" noRot="1" noChangeAspect="1" noMove="1" noResize="1" noEditPoints="1" noAdjustHandles="1" noChangeArrowheads="1" noChangeShapeType="1" noCrop="1"/>
           </p:cNvPicPr>
-          <p:nvPr/>
+          <p:nvPr>
+            <p:extLst>
+              <p:ext uri="{386F3935-93C4-4BCD-93E2-E3B085C9AB24}">
+                <p16:designElem xmlns:p16="http://schemas.microsoft.com/office/powerpoint/2015/main" val="1"/>
+              </p:ext>
+            </p:extLst>
+          </p:nvPr>
         </p:nvPicPr>
-        <p:blipFill>
+        <p:blipFill rotWithShape="1">
           <a:blip r:embed="rId2">
             <a:extLst>
               <a:ext uri="{28A0092B-C50C-407E-A947-70E740481C1C}">
@@ -4839,34 +4574,308 @@
               </a:ext>
             </a:extLst>
           </a:blip>
-          <a:stretch>
-            <a:fillRect/>
-          </a:stretch>
+          <a:srcRect t="1538" b="-1538"/>
+          <a:stretch/>
         </p:blipFill>
-        <p:spPr bwMode="auto">
-          <a:xfrm>
-            <a:off x="5386389" y="52389"/>
-            <a:ext cx="6805612" cy="6805612"/>
+        <p:spPr bwMode="black">
+          <a:xfrm>
+            <a:off x="0" y="6126480"/>
+            <a:ext cx="12192000" cy="742950"/>
           </a:xfrm>
           <a:prstGeom prst="rect">
             <a:avLst/>
           </a:prstGeom>
-          <a:noFill/>
-          <a:extLst>
-            <a:ext uri="{909E8E84-426E-40DD-AFC4-6F175D3DCCD1}">
-              <a14:hiddenFill xmlns:a14="http://schemas.microsoft.com/office/drawing/2010/main">
+        </p:spPr>
+      </p:pic>
+      <p:cxnSp>
+        <p:nvCxnSpPr>
+          <p:cNvPr id="13" name="Straight Connector 12">
+            <a:extLst>
+              <a:ext uri="{FF2B5EF4-FFF2-40B4-BE49-F238E27FC236}">
+                <a16:creationId xmlns:a16="http://schemas.microsoft.com/office/drawing/2014/main" id="{25B08984-5BEB-422F-A364-2B41E6A516EB}"/>
+              </a:ext>
+              <a:ext uri="{C183D7F6-B498-43B3-948B-1728B52AA6E4}">
+                <adec:decorative xmlns:adec="http://schemas.microsoft.com/office/drawing/2017/decorative" val="1"/>
+              </a:ext>
+            </a:extLst>
+          </p:cNvPr>
+          <p:cNvCxnSpPr>
+            <a:cxnSpLocks noGrp="1" noRot="1" noChangeAspect="1" noMove="1" noResize="1" noEditPoints="1" noAdjustHandles="1" noChangeArrowheads="1" noChangeShapeType="1"/>
+          </p:cNvCxnSpPr>
+          <p:nvPr>
+            <p:extLst>
+              <p:ext uri="{386F3935-93C4-4BCD-93E2-E3B085C9AB24}">
+                <p16:designElem xmlns:p16="http://schemas.microsoft.com/office/powerpoint/2015/main" val="1"/>
+              </p:ext>
+            </p:extLst>
+          </p:nvPr>
+        </p:nvCxnSpPr>
+        <p:spPr>
+          <a:xfrm>
+            <a:off x="0" y="6128413"/>
+            <a:ext cx="12192000" cy="0"/>
+          </a:xfrm>
+          <a:prstGeom prst="line">
+            <a:avLst/>
+          </a:prstGeom>
+          <a:ln w="12700">
+            <a:solidFill>
+              <a:srgbClr val="000001">
+                <a:alpha val="20000"/>
+              </a:srgbClr>
+            </a:solidFill>
+          </a:ln>
+        </p:spPr>
+        <p:style>
+          <a:lnRef idx="1">
+            <a:schemeClr val="accent1"/>
+          </a:lnRef>
+          <a:fillRef idx="0">
+            <a:schemeClr val="accent1"/>
+          </a:fillRef>
+          <a:effectRef idx="0">
+            <a:schemeClr val="accent1"/>
+          </a:effectRef>
+          <a:fontRef idx="minor">
+            <a:schemeClr val="tx1"/>
+          </a:fontRef>
+        </p:style>
+      </p:cxnSp>
+      <p:cxnSp>
+        <p:nvCxnSpPr>
+          <p:cNvPr id="15" name="Straight Connector 14">
+            <a:extLst>
+              <a:ext uri="{FF2B5EF4-FFF2-40B4-BE49-F238E27FC236}">
+                <a16:creationId xmlns:a16="http://schemas.microsoft.com/office/drawing/2014/main" id="{A8F413B1-54E0-4B16-92AB-1CC5C7D645BC}"/>
+              </a:ext>
+              <a:ext uri="{C183D7F6-B498-43B3-948B-1728B52AA6E4}">
+                <adec:decorative xmlns:adec="http://schemas.microsoft.com/office/drawing/2017/decorative" val="1"/>
+              </a:ext>
+            </a:extLst>
+          </p:cNvPr>
+          <p:cNvCxnSpPr>
+            <a:cxnSpLocks noGrp="1" noRot="1" noChangeAspect="1" noMove="1" noResize="1" noEditPoints="1" noAdjustHandles="1" noChangeArrowheads="1" noChangeShapeType="1"/>
+          </p:cNvCxnSpPr>
+          <p:nvPr>
+            <p:extLst>
+              <p:ext uri="{386F3935-93C4-4BCD-93E2-E3B085C9AB24}">
+                <p16:designElem xmlns:p16="http://schemas.microsoft.com/office/powerpoint/2015/main" val="1"/>
+              </p:ext>
+            </p:extLst>
+          </p:nvPr>
+        </p:nvCxnSpPr>
+        <p:spPr>
+          <a:xfrm>
+            <a:off x="1453896" y="1847088"/>
+            <a:ext cx="9607522" cy="0"/>
+          </a:xfrm>
+          <a:prstGeom prst="line">
+            <a:avLst/>
+          </a:prstGeom>
+          <a:ln w="31750"/>
+        </p:spPr>
+        <p:style>
+          <a:lnRef idx="3">
+            <a:schemeClr val="accent1"/>
+          </a:lnRef>
+          <a:fillRef idx="0">
+            <a:schemeClr val="accent1"/>
+          </a:fillRef>
+          <a:effectRef idx="2">
+            <a:schemeClr val="accent1"/>
+          </a:effectRef>
+          <a:fontRef idx="minor">
+            <a:schemeClr val="tx1"/>
+          </a:fontRef>
+        </p:style>
+      </p:cxnSp>
+      <p:pic>
+        <p:nvPicPr>
+          <p:cNvPr id="5" name="Picture 4" descr="Toy plastic numbers">
+            <a:extLst>
+              <a:ext uri="{FF2B5EF4-FFF2-40B4-BE49-F238E27FC236}">
+                <a16:creationId xmlns:a16="http://schemas.microsoft.com/office/drawing/2014/main" id="{1BCCC988-B63A-F3F2-240F-33B175945D33}"/>
+              </a:ext>
+            </a:extLst>
+          </p:cNvPr>
+          <p:cNvPicPr>
+            <a:picLocks noChangeAspect="1"/>
+          </p:cNvPicPr>
+          <p:nvPr/>
+        </p:nvPicPr>
+        <p:blipFill rotWithShape="1">
+          <a:blip r:embed="rId3"/>
+          <a:srcRect t="9379" r="-1" b="6348"/>
+          <a:stretch/>
+        </p:blipFill>
+        <p:spPr>
+          <a:xfrm>
+            <a:off x="20" y="10"/>
+            <a:ext cx="12191675" cy="6857990"/>
+          </a:xfrm>
+          <a:prstGeom prst="rect">
+            <a:avLst/>
+          </a:prstGeom>
+        </p:spPr>
+      </p:pic>
+      <p:sp>
+        <p:nvSpPr>
+          <p:cNvPr id="17" name="Rectangle 16">
+            <a:extLst>
+              <a:ext uri="{FF2B5EF4-FFF2-40B4-BE49-F238E27FC236}">
+                <a16:creationId xmlns:a16="http://schemas.microsoft.com/office/drawing/2014/main" id="{2E67E8BF-E4B2-4098-9FB3-9E400BD86935}"/>
+              </a:ext>
+              <a:ext uri="{C183D7F6-B498-43B3-948B-1728B52AA6E4}">
+                <adec:decorative xmlns:adec="http://schemas.microsoft.com/office/drawing/2017/decorative" val="1"/>
+              </a:ext>
+            </a:extLst>
+          </p:cNvPr>
+          <p:cNvSpPr>
+            <a:spLocks noGrp="1" noRot="1" noChangeAspect="1" noMove="1" noResize="1" noEditPoints="1" noAdjustHandles="1" noChangeArrowheads="1" noChangeShapeType="1" noTextEdit="1"/>
+          </p:cNvSpPr>
+          <p:nvPr>
+            <p:extLst>
+              <p:ext uri="{386F3935-93C4-4BCD-93E2-E3B085C9AB24}">
+                <p16:designElem xmlns:p16="http://schemas.microsoft.com/office/powerpoint/2015/main" val="1"/>
+              </p:ext>
+            </p:extLst>
+          </p:nvPr>
+        </p:nvSpPr>
+        <p:spPr>
+          <a:xfrm>
+            <a:off x="5930686" y="4905349"/>
+            <a:ext cx="5610646" cy="1450464"/>
+          </a:xfrm>
+          <a:prstGeom prst="rect">
+            <a:avLst/>
+          </a:prstGeom>
+          <a:solidFill>
+            <a:srgbClr val="000001">
+              <a:alpha val="75000"/>
+            </a:srgbClr>
+          </a:solidFill>
+          <a:ln>
+            <a:noFill/>
+          </a:ln>
+        </p:spPr>
+        <p:style>
+          <a:lnRef idx="1">
+            <a:schemeClr val="accent1"/>
+          </a:lnRef>
+          <a:fillRef idx="3">
+            <a:schemeClr val="accent1"/>
+          </a:fillRef>
+          <a:effectRef idx="2">
+            <a:schemeClr val="accent1"/>
+          </a:effectRef>
+          <a:fontRef idx="minor">
+            <a:schemeClr val="lt1"/>
+          </a:fontRef>
+        </p:style>
+        <p:txBody>
+          <a:bodyPr rtlCol="0" anchor="ctr"/>
+          <a:lstStyle/>
+          <a:p>
+            <a:pPr algn="ctr"/>
+            <a:endParaRPr lang="en-US"/>
+          </a:p>
+        </p:txBody>
+      </p:sp>
+      <p:sp>
+        <p:nvSpPr>
+          <p:cNvPr id="2" name="Title 1">
+            <a:extLst>
+              <a:ext uri="{FF2B5EF4-FFF2-40B4-BE49-F238E27FC236}">
+                <a16:creationId xmlns:a16="http://schemas.microsoft.com/office/drawing/2014/main" id="{F4031923-7C8E-4F34-ECDD-041AB964D2AE}"/>
+              </a:ext>
+            </a:extLst>
+          </p:cNvPr>
+          <p:cNvSpPr>
+            <a:spLocks noGrp="1"/>
+          </p:cNvSpPr>
+          <p:nvPr>
+            <p:ph type="title"/>
+          </p:nvPr>
+        </p:nvSpPr>
+        <p:spPr>
+          <a:xfrm>
+            <a:off x="6094412" y="5239131"/>
+            <a:ext cx="5279490" cy="960087"/>
+          </a:xfrm>
+        </p:spPr>
+        <p:txBody>
+          <a:bodyPr vert="horz" lIns="91440" tIns="45720" rIns="91440" bIns="45720" rtlCol="0" anchor="t">
+            <a:normAutofit/>
+          </a:bodyPr>
+          <a:lstStyle/>
+          <a:p>
+            <a:r>
+              <a:rPr lang="en-US" sz="3000">
                 <a:solidFill>
-                  <a:srgbClr val="FFFFFF"/>
+                  <a:srgbClr val="FFFFFE"/>
                 </a:solidFill>
-              </a14:hiddenFill>
-            </a:ext>
-          </a:extLst>
-        </p:spPr>
-      </p:pic>
+              </a:rPr>
+              <a:t>Multi-class Classification - Images</a:t>
+            </a:r>
+          </a:p>
+        </p:txBody>
+      </p:sp>
+      <p:cxnSp>
+        <p:nvCxnSpPr>
+          <p:cNvPr id="19" name="Straight Connector 18">
+            <a:extLst>
+              <a:ext uri="{FF2B5EF4-FFF2-40B4-BE49-F238E27FC236}">
+                <a16:creationId xmlns:a16="http://schemas.microsoft.com/office/drawing/2014/main" id="{3781A10F-5DF6-4C9B-AE0B-5249E4399D26}"/>
+              </a:ext>
+              <a:ext uri="{C183D7F6-B498-43B3-948B-1728B52AA6E4}">
+                <adec:decorative xmlns:adec="http://schemas.microsoft.com/office/drawing/2017/decorative" val="1"/>
+              </a:ext>
+            </a:extLst>
+          </p:cNvPr>
+          <p:cNvCxnSpPr>
+            <a:cxnSpLocks noGrp="1" noRot="1" noChangeAspect="1" noMove="1" noResize="1" noEditPoints="1" noAdjustHandles="1" noChangeArrowheads="1" noChangeShapeType="1"/>
+          </p:cNvCxnSpPr>
+          <p:nvPr>
+            <p:extLst>
+              <p:ext uri="{386F3935-93C4-4BCD-93E2-E3B085C9AB24}">
+                <p16:designElem xmlns:p16="http://schemas.microsoft.com/office/powerpoint/2015/main" val="1"/>
+              </p:ext>
+            </p:extLst>
+          </p:nvPr>
+        </p:nvCxnSpPr>
+        <p:spPr>
+          <a:xfrm>
+            <a:off x="6094411" y="5073596"/>
+            <a:ext cx="5283196" cy="0"/>
+          </a:xfrm>
+          <a:prstGeom prst="line">
+            <a:avLst/>
+          </a:prstGeom>
+          <a:ln w="31750">
+            <a:solidFill>
+              <a:srgbClr val="F0980C"/>
+            </a:solidFill>
+          </a:ln>
+        </p:spPr>
+        <p:style>
+          <a:lnRef idx="3">
+            <a:schemeClr val="accent1"/>
+          </a:lnRef>
+          <a:fillRef idx="0">
+            <a:schemeClr val="accent1"/>
+          </a:fillRef>
+          <a:effectRef idx="2">
+            <a:schemeClr val="accent1"/>
+          </a:effectRef>
+          <a:fontRef idx="minor">
+            <a:schemeClr val="tx1"/>
+          </a:fontRef>
+        </p:style>
+      </p:cxnSp>
     </p:spTree>
     <p:extLst>
       <p:ext uri="{BB962C8B-B14F-4D97-AF65-F5344CB8AC3E}">
-        <p14:creationId xmlns:p14="http://schemas.microsoft.com/office/powerpoint/2010/main" val="3942868991"/>
+        <p14:creationId xmlns:p14="http://schemas.microsoft.com/office/powerpoint/2010/main" val="3677524823"/>
       </p:ext>
     </p:extLst>
   </p:cSld>
@@ -4922,6 +4931,208 @@
           <p:cNvPr id="2" name="Title 1">
             <a:extLst>
               <a:ext uri="{FF2B5EF4-FFF2-40B4-BE49-F238E27FC236}">
+                <a16:creationId xmlns:a16="http://schemas.microsoft.com/office/drawing/2014/main" id="{F3FB903F-CE3E-DE43-9BF5-70277B57D148}"/>
+              </a:ext>
+            </a:extLst>
+          </p:cNvPr>
+          <p:cNvSpPr>
+            <a:spLocks noGrp="1"/>
+          </p:cNvSpPr>
+          <p:nvPr>
+            <p:ph type="title"/>
+          </p:nvPr>
+        </p:nvSpPr>
+        <p:spPr>
+          <a:xfrm>
+            <a:off x="1451579" y="804519"/>
+            <a:ext cx="9603275" cy="1049235"/>
+          </a:xfrm>
+        </p:spPr>
+        <p:txBody>
+          <a:bodyPr>
+            <a:normAutofit/>
+          </a:bodyPr>
+          <a:lstStyle/>
+          <a:p>
+            <a:r>
+              <a:rPr lang="en-US" dirty="0"/>
+              <a:t>Images</a:t>
+            </a:r>
+          </a:p>
+        </p:txBody>
+      </p:sp>
+      <p:sp>
+        <p:nvSpPr>
+          <p:cNvPr id="3" name="Content Placeholder 2">
+            <a:extLst>
+              <a:ext uri="{FF2B5EF4-FFF2-40B4-BE49-F238E27FC236}">
+                <a16:creationId xmlns:a16="http://schemas.microsoft.com/office/drawing/2014/main" id="{C81DE9A2-B784-8847-A671-53558461A496}"/>
+              </a:ext>
+            </a:extLst>
+          </p:cNvPr>
+          <p:cNvSpPr>
+            <a:spLocks noGrp="1"/>
+          </p:cNvSpPr>
+          <p:nvPr>
+            <p:ph idx="1"/>
+          </p:nvPr>
+        </p:nvSpPr>
+        <p:spPr>
+          <a:xfrm>
+            <a:off x="401444" y="2015733"/>
+            <a:ext cx="4984946" cy="4037747"/>
+          </a:xfrm>
+        </p:spPr>
+        <p:txBody>
+          <a:bodyPr>
+            <a:normAutofit/>
+          </a:bodyPr>
+          <a:lstStyle/>
+          <a:p>
+            <a:r>
+              <a:rPr lang="en-US" dirty="0"/>
+              <a:t>Images are basically 2D (for now) grids of pixels.</a:t>
+            </a:r>
+          </a:p>
+          <a:p>
+            <a:pPr lvl="1"/>
+            <a:r>
+              <a:rPr lang="en-US" dirty="0"/>
+              <a:t>Your 1080p screen is 1920 x 1080 pixels.</a:t>
+            </a:r>
+          </a:p>
+          <a:p>
+            <a:r>
+              <a:rPr lang="en-US" dirty="0"/>
+              <a:t>Each pixel is an integer value. </a:t>
+            </a:r>
+          </a:p>
+          <a:p>
+            <a:pPr lvl="1"/>
+            <a:r>
+              <a:rPr lang="en-US" dirty="0"/>
+              <a:t>0-255 for darkness</a:t>
+            </a:r>
+          </a:p>
+          <a:p>
+            <a:r>
+              <a:rPr lang="en-US" dirty="0"/>
+              <a:t>Images are normal data, and we can treat them like any other data. </a:t>
+            </a:r>
+          </a:p>
+          <a:p>
+            <a:r>
+              <a:rPr lang="en-US" dirty="0"/>
+              <a:t>This allows us to, pretty easily, do image recognition!</a:t>
+            </a:r>
+          </a:p>
+        </p:txBody>
+      </p:sp>
+      <p:pic>
+        <p:nvPicPr>
+          <p:cNvPr id="1026" name="Picture 2" descr="SaraAI - mnist">
+            <a:extLst>
+              <a:ext uri="{FF2B5EF4-FFF2-40B4-BE49-F238E27FC236}">
+                <a16:creationId xmlns:a16="http://schemas.microsoft.com/office/drawing/2014/main" id="{5E9AF5CB-741A-654E-B2AF-0D1547D587DA}"/>
+              </a:ext>
+            </a:extLst>
+          </p:cNvPr>
+          <p:cNvPicPr>
+            <a:picLocks noChangeAspect="1" noChangeArrowheads="1"/>
+          </p:cNvPicPr>
+          <p:nvPr/>
+        </p:nvPicPr>
+        <p:blipFill>
+          <a:blip r:embed="rId2">
+            <a:extLst>
+              <a:ext uri="{28A0092B-C50C-407E-A947-70E740481C1C}">
+                <a14:useLocalDpi xmlns:a14="http://schemas.microsoft.com/office/drawing/2010/main" val="0"/>
+              </a:ext>
+            </a:extLst>
+          </a:blip>
+          <a:stretch>
+            <a:fillRect/>
+          </a:stretch>
+        </p:blipFill>
+        <p:spPr bwMode="auto">
+          <a:xfrm>
+            <a:off x="5386389" y="52389"/>
+            <a:ext cx="6805612" cy="6805612"/>
+          </a:xfrm>
+          <a:prstGeom prst="rect">
+            <a:avLst/>
+          </a:prstGeom>
+          <a:noFill/>
+          <a:extLst>
+            <a:ext uri="{909E8E84-426E-40DD-AFC4-6F175D3DCCD1}">
+              <a14:hiddenFill xmlns:a14="http://schemas.microsoft.com/office/drawing/2010/main">
+                <a:solidFill>
+                  <a:srgbClr val="FFFFFF"/>
+                </a:solidFill>
+              </a14:hiddenFill>
+            </a:ext>
+          </a:extLst>
+        </p:spPr>
+      </p:pic>
+    </p:spTree>
+    <p:extLst>
+      <p:ext uri="{BB962C8B-B14F-4D97-AF65-F5344CB8AC3E}">
+        <p14:creationId xmlns:p14="http://schemas.microsoft.com/office/powerpoint/2010/main" val="3942868991"/>
+      </p:ext>
+    </p:extLst>
+  </p:cSld>
+  <p:clrMapOvr>
+    <a:masterClrMapping/>
+  </p:clrMapOvr>
+</p:sld>
+</file>
+
+<file path=ppt/slides/slide16.xml><?xml version="1.0" encoding="utf-8"?>
+<p:sld xmlns:a="http://schemas.openxmlformats.org/drawingml/2006/main" xmlns:r="http://schemas.openxmlformats.org/officeDocument/2006/relationships" xmlns:p="http://schemas.openxmlformats.org/presentationml/2006/main">
+  <p:cSld>
+    <p:bg>
+      <p:bgPr>
+        <a:gradFill rotWithShape="1">
+          <a:gsLst>
+            <a:gs pos="0">
+              <a:schemeClr val="bg2">
+                <a:tint val="94000"/>
+                <a:satMod val="80000"/>
+                <a:lumMod val="106000"/>
+              </a:schemeClr>
+            </a:gs>
+            <a:gs pos="100000">
+              <a:schemeClr val="bg2">
+                <a:shade val="80000"/>
+              </a:schemeClr>
+            </a:gs>
+          </a:gsLst>
+          <a:path path="circle">
+            <a:fillToRect l="43000" r="43000" b="100000"/>
+          </a:path>
+        </a:gradFill>
+        <a:effectLst/>
+      </p:bgPr>
+    </p:bg>
+    <p:spTree>
+      <p:nvGrpSpPr>
+        <p:cNvPr id="1" name=""/>
+        <p:cNvGrpSpPr/>
+        <p:nvPr/>
+      </p:nvGrpSpPr>
+      <p:grpSpPr>
+        <a:xfrm>
+          <a:off x="0" y="0"/>
+          <a:ext cx="0" cy="0"/>
+          <a:chOff x="0" y="0"/>
+          <a:chExt cx="0" cy="0"/>
+        </a:xfrm>
+      </p:grpSpPr>
+      <p:sp>
+        <p:nvSpPr>
+          <p:cNvPr id="2" name="Title 1">
+            <a:extLst>
+              <a:ext uri="{FF2B5EF4-FFF2-40B4-BE49-F238E27FC236}">
                 <a16:creationId xmlns:a16="http://schemas.microsoft.com/office/drawing/2014/main" id="{AB677636-8A33-7C42-809D-0BCBF174378D}"/>
               </a:ext>
             </a:extLst>
@@ -5064,7 +5275,7 @@
 </p:sld>
 </file>
 
-<file path=ppt/slides/slide16.xml><?xml version="1.0" encoding="utf-8"?>
+<file path=ppt/slides/slide17.xml><?xml version="1.0" encoding="utf-8"?>
 <p:sld xmlns:a="http://schemas.openxmlformats.org/drawingml/2006/main" xmlns:r="http://schemas.openxmlformats.org/officeDocument/2006/relationships" xmlns:p="http://schemas.openxmlformats.org/presentationml/2006/main">
   <p:cSld>
     <p:spTree>
@@ -5266,7 +5477,7 @@
 </p:sld>
 </file>
 
-<file path=ppt/slides/slide17.xml><?xml version="1.0" encoding="utf-8"?>
+<file path=ppt/slides/slide18.xml><?xml version="1.0" encoding="utf-8"?>
 <p:sld xmlns:a="http://schemas.openxmlformats.org/drawingml/2006/main" xmlns:r="http://schemas.openxmlformats.org/officeDocument/2006/relationships" xmlns:p="http://schemas.openxmlformats.org/presentationml/2006/main">
   <p:cSld>
     <p:spTree>
@@ -5690,8 +5901,8 @@
         </p:nvSpPr>
         <p:spPr>
           <a:xfrm>
-            <a:off x="1451579" y="2015734"/>
-            <a:ext cx="4162555" cy="4037747"/>
+            <a:off x="652007" y="2015734"/>
+            <a:ext cx="5546379" cy="4037747"/>
           </a:xfrm>
         </p:spPr>
         <p:txBody>
@@ -5706,6 +5917,19 @@
             </a:r>
           </a:p>
           <a:p>
+            <a:pPr lvl="1"/>
+            <a:r>
+              <a:rPr lang="en-US" sz="2200" dirty="0"/>
+              <a:t>Recall the internal regression of logit. </a:t>
+            </a:r>
+          </a:p>
+          <a:p>
+            <a:r>
+              <a:rPr lang="en-US" sz="2400" dirty="0"/>
+              <a:t>Regularization penalizes growth of the model’s weights. </a:t>
+            </a:r>
+          </a:p>
+          <a:p>
             <a:r>
               <a:rPr lang="en-US" sz="2400" dirty="0"/>
               <a:t>Regularization is (generally) applied to linear models by default. </a:t>
@@ -5719,6 +5943,7 @@
             </a:r>
           </a:p>
           <a:p>
+            <a:pPr lvl="1"/>
             <a:r>
               <a:rPr lang="en-US" dirty="0"/>
               <a:t>Logistic regression has L2 as default.</a:t>
@@ -5789,6 +6014,134 @@
 </file>
 
 <file path=ppt/slides/slide5.xml><?xml version="1.0" encoding="utf-8"?>
+<p:sld xmlns:a="http://schemas.openxmlformats.org/drawingml/2006/main" xmlns:r="http://schemas.openxmlformats.org/officeDocument/2006/relationships" xmlns:p="http://schemas.openxmlformats.org/presentationml/2006/main">
+  <p:cSld>
+    <p:spTree>
+      <p:nvGrpSpPr>
+        <p:cNvPr id="1" name=""/>
+        <p:cNvGrpSpPr/>
+        <p:nvPr/>
+      </p:nvGrpSpPr>
+      <p:grpSpPr>
+        <a:xfrm>
+          <a:off x="0" y="0"/>
+          <a:ext cx="0" cy="0"/>
+          <a:chOff x="0" y="0"/>
+          <a:chExt cx="0" cy="0"/>
+        </a:xfrm>
+      </p:grpSpPr>
+      <p:sp>
+        <p:nvSpPr>
+          <p:cNvPr id="2" name="Title 1">
+            <a:extLst>
+              <a:ext uri="{FF2B5EF4-FFF2-40B4-BE49-F238E27FC236}">
+                <a16:creationId xmlns:a16="http://schemas.microsoft.com/office/drawing/2014/main" id="{A96E4F10-1ED0-CF68-F62E-14C83D7F37F3}"/>
+              </a:ext>
+            </a:extLst>
+          </p:cNvPr>
+          <p:cNvSpPr>
+            <a:spLocks noGrp="1"/>
+          </p:cNvSpPr>
+          <p:nvPr>
+            <p:ph type="title"/>
+          </p:nvPr>
+        </p:nvSpPr>
+        <p:spPr/>
+        <p:txBody>
+          <a:bodyPr/>
+          <a:lstStyle/>
+          <a:p>
+            <a:r>
+              <a:rPr lang="en-US" dirty="0"/>
+              <a:t>Regularized Cost penalizes Weight Size as Well as Error</a:t>
+            </a:r>
+          </a:p>
+        </p:txBody>
+      </p:sp>
+      <p:sp>
+        <p:nvSpPr>
+          <p:cNvPr id="3" name="Content Placeholder 2">
+            <a:extLst>
+              <a:ext uri="{FF2B5EF4-FFF2-40B4-BE49-F238E27FC236}">
+                <a16:creationId xmlns:a16="http://schemas.microsoft.com/office/drawing/2014/main" id="{9F3B5FF1-8DCF-51EF-BCCB-03EEBBC20ECB}"/>
+              </a:ext>
+            </a:extLst>
+          </p:cNvPr>
+          <p:cNvSpPr>
+            <a:spLocks noGrp="1"/>
+          </p:cNvSpPr>
+          <p:nvPr>
+            <p:ph idx="1"/>
+          </p:nvPr>
+        </p:nvSpPr>
+        <p:spPr/>
+        <p:txBody>
+          <a:bodyPr/>
+          <a:lstStyle/>
+          <a:p>
+            <a:endParaRPr lang="en-US"/>
+          </a:p>
+        </p:txBody>
+      </p:sp>
+      <p:pic>
+        <p:nvPicPr>
+          <p:cNvPr id="4098" name="Picture 2" descr="L1 vs L2 Regularization: The intuitive difference | by Dhaval Taunk |  Analytics Vidhya | Medium">
+            <a:extLst>
+              <a:ext uri="{FF2B5EF4-FFF2-40B4-BE49-F238E27FC236}">
+                <a16:creationId xmlns:a16="http://schemas.microsoft.com/office/drawing/2014/main" id="{681A9451-9A0D-26F7-8550-7ACFDBDF0289}"/>
+              </a:ext>
+            </a:extLst>
+          </p:cNvPr>
+          <p:cNvPicPr>
+            <a:picLocks noChangeAspect="1" noChangeArrowheads="1"/>
+          </p:cNvPicPr>
+          <p:nvPr/>
+        </p:nvPicPr>
+        <p:blipFill rotWithShape="1">
+          <a:blip r:embed="rId2">
+            <a:extLst>
+              <a:ext uri="{28A0092B-C50C-407E-A947-70E740481C1C}">
+                <a14:useLocalDpi xmlns:a14="http://schemas.microsoft.com/office/drawing/2010/main" val="0"/>
+              </a:ext>
+            </a:extLst>
+          </a:blip>
+          <a:srcRect t="2868" b="5389"/>
+          <a:stretch/>
+        </p:blipFill>
+        <p:spPr bwMode="auto">
+          <a:xfrm>
+            <a:off x="2935134" y="1924755"/>
+            <a:ext cx="6321732" cy="4217948"/>
+          </a:xfrm>
+          <a:prstGeom prst="rect">
+            <a:avLst/>
+          </a:prstGeom>
+          <a:noFill/>
+          <a:extLst>
+            <a:ext uri="{909E8E84-426E-40DD-AFC4-6F175D3DCCD1}">
+              <a14:hiddenFill xmlns:a14="http://schemas.microsoft.com/office/drawing/2010/main">
+                <a:solidFill>
+                  <a:srgbClr val="FFFFFF"/>
+                </a:solidFill>
+              </a14:hiddenFill>
+            </a:ext>
+          </a:extLst>
+        </p:spPr>
+      </p:pic>
+    </p:spTree>
+    <p:extLst>
+      <p:ext uri="{BB962C8B-B14F-4D97-AF65-F5344CB8AC3E}">
+        <p14:creationId xmlns:p14="http://schemas.microsoft.com/office/powerpoint/2010/main" val="90757592"/>
+      </p:ext>
+    </p:extLst>
+  </p:cSld>
+  <p:clrMapOvr>
+    <a:masterClrMapping/>
+  </p:clrMapOvr>
+</p:sld>
+</file>
+
+<file path=ppt/slides/slide6.xml><?xml version="1.0" encoding="utf-8"?>
 <p:sld xmlns:a="http://schemas.openxmlformats.org/drawingml/2006/main" xmlns:r="http://schemas.openxmlformats.org/officeDocument/2006/relationships" xmlns:p="http://schemas.openxmlformats.org/presentationml/2006/main">
   <p:cSld>
     <p:bg>
@@ -5847,8 +6200,8 @@
         </p:nvSpPr>
         <p:spPr>
           <a:xfrm>
-            <a:off x="1451579" y="804519"/>
-            <a:ext cx="9603275" cy="1049235"/>
+            <a:off x="221227" y="804519"/>
+            <a:ext cx="11688096" cy="1049235"/>
           </a:xfrm>
         </p:spPr>
         <p:txBody>
@@ -5859,7 +6212,7 @@
           <a:p>
             <a:r>
               <a:rPr lang="en-US" dirty="0"/>
-              <a:t>Regularization in Effect</a:t>
+              <a:t>Regularization in Effect (W/ Bonus Normalization)</a:t>
             </a:r>
           </a:p>
         </p:txBody>
@@ -5882,8 +6235,8 @@
         </p:nvSpPr>
         <p:spPr>
           <a:xfrm>
-            <a:off x="0" y="1917290"/>
-            <a:ext cx="6512403" cy="4136191"/>
+            <a:off x="0" y="1853754"/>
+            <a:ext cx="7047953" cy="4268750"/>
           </a:xfrm>
         </p:spPr>
         <p:txBody>
@@ -5916,7 +6269,7 @@
             <a:pPr lvl="1"/>
             <a:r>
               <a:rPr lang="en-US" dirty="0"/>
-              <a:t>We scaled data to have </a:t>
+              <a:t>Scaled data to have </a:t>
             </a:r>
             <a:r>
               <a:rPr lang="en-US" dirty="0" err="1"/>
@@ -5924,7 +6277,7 @@
             </a:r>
             <a:r>
               <a:rPr lang="en-US" dirty="0"/>
-              <a:t> that are not widely varied in their range. ~0-1ish. </a:t>
+              <a:t> that all in the range. ~0-1(or norm.)</a:t>
             </a:r>
           </a:p>
           <a:p>
@@ -5944,7 +6297,7 @@
           <a:p>
             <a:r>
               <a:rPr lang="en-US" dirty="0"/>
-              <a:t>In regression we’d have scaling and reg. limiting mx terms. </a:t>
+              <a:t>In regression we’d have scaling and reg. limiting [mx] terms. </a:t>
             </a:r>
           </a:p>
           <a:p>
@@ -5959,6 +6312,27 @@
             <a:r>
               <a:rPr lang="en-US" dirty="0"/>
               <a:t>In large models, with many terms, this limits overfitting. </a:t>
+            </a:r>
+          </a:p>
+          <a:p>
+            <a:r>
+              <a:rPr lang="en-US" dirty="0"/>
+              <a:t>“Blunts” the impact of any one factor. </a:t>
+            </a:r>
+          </a:p>
+          <a:p>
+            <a:pPr lvl="1"/>
+            <a:r>
+              <a:rPr lang="en-US" dirty="0"/>
+              <a:t>Weight determines </a:t>
+            </a:r>
+            <a:r>
+              <a:rPr lang="en-US"/>
+              <a:t>X’s influence on Y, </a:t>
+            </a:r>
+            <a:r>
+              <a:rPr lang="en-US" dirty="0"/>
+              <a:t>overweighting is penalized. </a:t>
             </a:r>
           </a:p>
         </p:txBody>
@@ -5991,8 +6365,8 @@
         </p:blipFill>
         <p:spPr bwMode="auto">
           <a:xfrm>
-            <a:off x="6512403" y="1484328"/>
-            <a:ext cx="5679598" cy="5373671"/>
+            <a:off x="7047953" y="1991032"/>
+            <a:ext cx="5144047" cy="4866967"/>
           </a:xfrm>
           <a:prstGeom prst="rect">
             <a:avLst/>
@@ -6013,89 +6387,6 @@
     <p:extLst>
       <p:ext uri="{BB962C8B-B14F-4D97-AF65-F5344CB8AC3E}">
         <p14:creationId xmlns:p14="http://schemas.microsoft.com/office/powerpoint/2010/main" val="1765103554"/>
-      </p:ext>
-    </p:extLst>
-  </p:cSld>
-  <p:clrMapOvr>
-    <a:masterClrMapping/>
-  </p:clrMapOvr>
-</p:sld>
-</file>
-
-<file path=ppt/slides/slide6.xml><?xml version="1.0" encoding="utf-8"?>
-<p:sld xmlns:a="http://schemas.openxmlformats.org/drawingml/2006/main" xmlns:r="http://schemas.openxmlformats.org/officeDocument/2006/relationships" xmlns:p="http://schemas.openxmlformats.org/presentationml/2006/main">
-  <p:cSld>
-    <p:spTree>
-      <p:nvGrpSpPr>
-        <p:cNvPr id="1" name=""/>
-        <p:cNvGrpSpPr/>
-        <p:nvPr/>
-      </p:nvGrpSpPr>
-      <p:grpSpPr>
-        <a:xfrm>
-          <a:off x="0" y="0"/>
-          <a:ext cx="0" cy="0"/>
-          <a:chOff x="0" y="0"/>
-          <a:chExt cx="0" cy="0"/>
-        </a:xfrm>
-      </p:grpSpPr>
-      <p:sp>
-        <p:nvSpPr>
-          <p:cNvPr id="2" name="Title 1">
-            <a:extLst>
-              <a:ext uri="{FF2B5EF4-FFF2-40B4-BE49-F238E27FC236}">
-                <a16:creationId xmlns:a16="http://schemas.microsoft.com/office/drawing/2014/main" id="{DA338294-45D5-A7B2-E23F-05912D8B6B44}"/>
-              </a:ext>
-            </a:extLst>
-          </p:cNvPr>
-          <p:cNvSpPr>
-            <a:spLocks noGrp="1"/>
-          </p:cNvSpPr>
-          <p:nvPr>
-            <p:ph type="title"/>
-          </p:nvPr>
-        </p:nvSpPr>
-        <p:spPr/>
-        <p:txBody>
-          <a:bodyPr/>
-          <a:lstStyle/>
-          <a:p>
-            <a:r>
-              <a:rPr lang="en-US" dirty="0"/>
-              <a:t>What about Classification…</a:t>
-            </a:r>
-          </a:p>
-        </p:txBody>
-      </p:sp>
-      <p:sp>
-        <p:nvSpPr>
-          <p:cNvPr id="3" name="Content Placeholder 2">
-            <a:extLst>
-              <a:ext uri="{FF2B5EF4-FFF2-40B4-BE49-F238E27FC236}">
-                <a16:creationId xmlns:a16="http://schemas.microsoft.com/office/drawing/2014/main" id="{8EF5C0F7-BE2D-4F9C-F766-800578105E34}"/>
-              </a:ext>
-            </a:extLst>
-          </p:cNvPr>
-          <p:cNvSpPr>
-            <a:spLocks noGrp="1"/>
-          </p:cNvSpPr>
-          <p:nvPr>
-            <p:ph idx="1"/>
-          </p:nvPr>
-        </p:nvSpPr>
-        <p:spPr/>
-        <p:txBody>
-          <a:bodyPr/>
-          <a:lstStyle/>
-          <a:p>
-            <a:endParaRPr lang="en-US" dirty="0"/>
-          </a:p>
-        </p:txBody>
-      </p:sp>
-    </p:spTree>
-    <p:extLst>
-      <p:ext uri="{BB962C8B-B14F-4D97-AF65-F5344CB8AC3E}">
-        <p14:creationId xmlns:p14="http://schemas.microsoft.com/office/powerpoint/2010/main" val="3894839049"/>
       </p:ext>
     </p:extLst>
   </p:cSld>
@@ -6127,7 +6418,7 @@
           <p:cNvPr id="2" name="Title 1">
             <a:extLst>
               <a:ext uri="{FF2B5EF4-FFF2-40B4-BE49-F238E27FC236}">
-                <a16:creationId xmlns:a16="http://schemas.microsoft.com/office/drawing/2014/main" id="{6CAEB196-FFFF-61BE-E06C-7897C44B7C49}"/>
+                <a16:creationId xmlns:a16="http://schemas.microsoft.com/office/drawing/2014/main" id="{DA338294-45D5-A7B2-E23F-05912D8B6B44}"/>
               </a:ext>
             </a:extLst>
           </p:cNvPr>
@@ -6145,7 +6436,7 @@
           <a:p>
             <a:r>
               <a:rPr lang="en-US" dirty="0"/>
-              <a:t>What if There Are More than 2 Classes?</a:t>
+              <a:t>What about Classification…</a:t>
             </a:r>
           </a:p>
         </p:txBody>
@@ -6155,7 +6446,7 @@
           <p:cNvPr id="3" name="Content Placeholder 2">
             <a:extLst>
               <a:ext uri="{FF2B5EF4-FFF2-40B4-BE49-F238E27FC236}">
-                <a16:creationId xmlns:a16="http://schemas.microsoft.com/office/drawing/2014/main" id="{B454EEEC-AE20-1885-E76F-7B7689F686D0}"/>
+                <a16:creationId xmlns:a16="http://schemas.microsoft.com/office/drawing/2014/main" id="{8EF5C0F7-BE2D-4F9C-F766-800578105E34}"/>
               </a:ext>
             </a:extLst>
           </p:cNvPr>
@@ -6166,106 +6457,19 @@
             <p:ph idx="1"/>
           </p:nvPr>
         </p:nvSpPr>
-        <p:spPr>
-          <a:xfrm>
-            <a:off x="1451579" y="1853754"/>
-            <a:ext cx="9603275" cy="4199727"/>
-          </a:xfrm>
-        </p:spPr>
+        <p:spPr/>
         <p:txBody>
           <a:bodyPr/>
           <a:lstStyle/>
           <a:p>
-            <a:r>
-              <a:rPr lang="en-US" dirty="0"/>
-              <a:t>Classification models have defaulted to binary so far. </a:t>
-            </a:r>
-          </a:p>
-          <a:p>
-            <a:pPr lvl="1"/>
-            <a:r>
-              <a:rPr lang="en-US" dirty="0"/>
-              <a:t>Classes are (or can be understood as) True and False. </a:t>
-            </a:r>
-          </a:p>
-          <a:p>
-            <a:pPr lvl="1"/>
-            <a:r>
-              <a:rPr lang="en-US" dirty="0"/>
-              <a:t>Output is the probability something is true. </a:t>
-            </a:r>
-          </a:p>
-          <a:p>
-            <a:pPr lvl="1"/>
-            <a:r>
-              <a:rPr lang="en-US" dirty="0"/>
-              <a:t>Loss function (binary cross entropy) is built on the difference from the correct answer. </a:t>
-            </a:r>
-          </a:p>
-          <a:p>
-            <a:pPr lvl="1"/>
-            <a:r>
-              <a:rPr lang="en-US" dirty="0"/>
-              <a:t>Trees and Bayes can handle more than 2 output classes by default, linear models can’t.</a:t>
-            </a:r>
-          </a:p>
-          <a:p>
-            <a:r>
-              <a:rPr lang="en-US" dirty="0"/>
-              <a:t>We can modify these models to handle more than one class, in several ways. </a:t>
-            </a:r>
-          </a:p>
-          <a:p>
-            <a:pPr lvl="1"/>
-            <a:r>
-              <a:rPr lang="en-US" dirty="0"/>
-              <a:t>One vs One – make a classifier for each pair of possible outputs. </a:t>
-            </a:r>
-          </a:p>
-          <a:p>
-            <a:pPr lvl="1"/>
-            <a:r>
-              <a:rPr lang="en-US" dirty="0"/>
-              <a:t>One vs Rest – make a classifier for each class vs not that class. </a:t>
-            </a:r>
-          </a:p>
-          <a:p>
-            <a:pPr lvl="1"/>
-            <a:r>
-              <a:rPr lang="en-US" dirty="0"/>
-              <a:t>This can be forced in </a:t>
-            </a:r>
-            <a:r>
-              <a:rPr lang="en-US" dirty="0" err="1"/>
-              <a:t>Sklearn</a:t>
-            </a:r>
-            <a:r>
-              <a:rPr lang="en-US" dirty="0"/>
-              <a:t>, but is generally invisible. SVM uses </a:t>
-            </a:r>
-            <a:r>
-              <a:rPr lang="en-US" dirty="0" err="1"/>
-              <a:t>OvO</a:t>
-            </a:r>
-            <a:r>
-              <a:rPr lang="en-US" dirty="0"/>
-              <a:t>, other linear use </a:t>
-            </a:r>
-            <a:r>
-              <a:rPr lang="en-US" dirty="0" err="1"/>
-              <a:t>OvR</a:t>
-            </a:r>
-            <a:r>
-              <a:rPr lang="en-US" dirty="0"/>
-              <a:t>, and tree or Bayes models can do multiple classes directly. </a:t>
-            </a:r>
+            <a:endParaRPr lang="en-US" dirty="0"/>
           </a:p>
         </p:txBody>
       </p:sp>
     </p:spTree>
     <p:extLst>
       <p:ext uri="{BB962C8B-B14F-4D97-AF65-F5344CB8AC3E}">
-        <p14:creationId xmlns:p14="http://schemas.microsoft.com/office/powerpoint/2010/main" val="3791882905"/>
+        <p14:creationId xmlns:p14="http://schemas.microsoft.com/office/powerpoint/2010/main" val="3894839049"/>
       </p:ext>
     </p:extLst>
   </p:cSld>
@@ -6278,30 +6482,6 @@
 <file path=ppt/slides/slide8.xml><?xml version="1.0" encoding="utf-8"?>
 <p:sld xmlns:a="http://schemas.openxmlformats.org/drawingml/2006/main" xmlns:r="http://schemas.openxmlformats.org/officeDocument/2006/relationships" xmlns:p="http://schemas.openxmlformats.org/presentationml/2006/main">
   <p:cSld>
-    <p:bg>
-      <p:bgPr>
-        <a:gradFill rotWithShape="1">
-          <a:gsLst>
-            <a:gs pos="0">
-              <a:schemeClr val="bg2">
-                <a:tint val="94000"/>
-                <a:satMod val="80000"/>
-                <a:lumMod val="106000"/>
-              </a:schemeClr>
-            </a:gs>
-            <a:gs pos="100000">
-              <a:schemeClr val="bg2">
-                <a:shade val="80000"/>
-              </a:schemeClr>
-            </a:gs>
-          </a:gsLst>
-          <a:path path="circle">
-            <a:fillToRect l="43000" r="43000" b="100000"/>
-          </a:path>
-        </a:gradFill>
-        <a:effectLst/>
-      </p:bgPr>
-    </p:bg>
     <p:spTree>
       <p:nvGrpSpPr>
         <p:cNvPr id="1" name=""/>
@@ -6321,7 +6501,7 @@
           <p:cNvPr id="2" name="Title 1">
             <a:extLst>
               <a:ext uri="{FF2B5EF4-FFF2-40B4-BE49-F238E27FC236}">
-                <a16:creationId xmlns:a16="http://schemas.microsoft.com/office/drawing/2014/main" id="{17924B18-343E-BC46-82D5-942B63B247E9}"/>
+                <a16:creationId xmlns:a16="http://schemas.microsoft.com/office/drawing/2014/main" id="{6CAEB196-FFFF-61BE-E06C-7897C44B7C49}"/>
               </a:ext>
             </a:extLst>
           </p:cNvPr>
@@ -6332,80 +6512,27 @@
             <p:ph type="title"/>
           </p:nvPr>
         </p:nvSpPr>
-        <p:spPr>
-          <a:xfrm>
-            <a:off x="1451579" y="804519"/>
-            <a:ext cx="9603275" cy="1049235"/>
-          </a:xfrm>
-        </p:spPr>
-        <p:txBody>
-          <a:bodyPr>
-            <a:normAutofit/>
-          </a:bodyPr>
-          <a:lstStyle/>
-          <a:p>
-            <a:r>
-              <a:rPr lang="en-US" dirty="0"/>
-              <a:t>Multiple Classification</a:t>
-            </a:r>
-          </a:p>
-        </p:txBody>
-      </p:sp>
-      <p:pic>
-        <p:nvPicPr>
-          <p:cNvPr id="4098" name="Picture 2" descr="Logistic Regression | Machine Learning, Deep Learning, and Computer Vision">
+        <p:spPr/>
+        <p:txBody>
+          <a:bodyPr/>
+          <a:lstStyle/>
+          <a:p>
+            <a:r>
+              <a:rPr lang="en-US" dirty="0"/>
+              <a:t>What if There Are More than 2 Classes?</a:t>
+            </a:r>
+          </a:p>
+        </p:txBody>
+      </p:sp>
+      <p:sp>
+        <p:nvSpPr>
+          <p:cNvPr id="3" name="Content Placeholder 2">
             <a:extLst>
               <a:ext uri="{FF2B5EF4-FFF2-40B4-BE49-F238E27FC236}">
-                <a16:creationId xmlns:a16="http://schemas.microsoft.com/office/drawing/2014/main" id="{0FCC8ECD-3D62-484C-9CBD-48657C83B52C}"/>
+                <a16:creationId xmlns:a16="http://schemas.microsoft.com/office/drawing/2014/main" id="{B454EEEC-AE20-1885-E76F-7B7689F686D0}"/>
               </a:ext>
             </a:extLst>
           </p:cNvPr>
-          <p:cNvPicPr>
-            <a:picLocks noChangeAspect="1" noChangeArrowheads="1"/>
-          </p:cNvPicPr>
-          <p:nvPr/>
-        </p:nvPicPr>
-        <p:blipFill>
-          <a:blip r:embed="rId2">
-            <a:extLst>
-              <a:ext uri="{28A0092B-C50C-407E-A947-70E740481C1C}">
-                <a14:useLocalDpi xmlns:a14="http://schemas.microsoft.com/office/drawing/2010/main" val="0"/>
-              </a:ext>
-            </a:extLst>
-          </a:blip>
-          <a:stretch>
-            <a:fillRect/>
-          </a:stretch>
-        </p:blipFill>
-        <p:spPr bwMode="auto">
-          <a:xfrm>
-            <a:off x="0" y="1572526"/>
-            <a:ext cx="8858250" cy="4938472"/>
-          </a:xfrm>
-          <a:prstGeom prst="rect">
-            <a:avLst/>
-          </a:prstGeom>
-          <a:noFill/>
-          <a:extLst>
-            <a:ext uri="{909E8E84-426E-40DD-AFC4-6F175D3DCCD1}">
-              <a14:hiddenFill xmlns:a14="http://schemas.microsoft.com/office/drawing/2010/main">
-                <a:solidFill>
-                  <a:srgbClr val="FFFFFF"/>
-                </a:solidFill>
-              </a14:hiddenFill>
-            </a:ext>
-          </a:extLst>
-        </p:spPr>
-      </p:pic>
-      <p:sp>
-        <p:nvSpPr>
-          <p:cNvPr id="3" name="Content Placeholder 2">
-            <a:extLst>
-              <a:ext uri="{FF2B5EF4-FFF2-40B4-BE49-F238E27FC236}">
-                <a16:creationId xmlns:a16="http://schemas.microsoft.com/office/drawing/2014/main" id="{2946E953-78A9-4645-AFD0-EE3431E8EC02}"/>
-              </a:ext>
-            </a:extLst>
-          </p:cNvPr>
           <p:cNvSpPr>
             <a:spLocks noGrp="1"/>
           </p:cNvSpPr>
@@ -6415,42 +6542,96 @@
         </p:nvSpPr>
         <p:spPr>
           <a:xfrm>
-            <a:off x="8858250" y="2015734"/>
-            <a:ext cx="3157538" cy="4037747"/>
-          </a:xfrm>
-        </p:spPr>
-        <p:txBody>
-          <a:bodyPr>
-            <a:normAutofit/>
-          </a:bodyPr>
-          <a:lstStyle/>
-          <a:p>
-            <a:r>
-              <a:rPr lang="en-US" dirty="0"/>
-              <a:t>We can also predict things into multiple classes. </a:t>
-            </a:r>
-          </a:p>
-          <a:p>
+            <a:off x="1451579" y="1853754"/>
+            <a:ext cx="9603275" cy="4199727"/>
+          </a:xfrm>
+        </p:spPr>
+        <p:txBody>
+          <a:bodyPr/>
+          <a:lstStyle/>
+          <a:p>
+            <a:r>
+              <a:rPr lang="en-US" dirty="0"/>
+              <a:t>Classification models have defaulted to binary so far. </a:t>
+            </a:r>
+          </a:p>
+          <a:p>
+            <a:pPr lvl="1"/>
+            <a:r>
+              <a:rPr lang="en-US" dirty="0"/>
+              <a:t>Classes are (or can be understood as) True and False. </a:t>
+            </a:r>
+          </a:p>
+          <a:p>
+            <a:pPr lvl="1"/>
+            <a:r>
+              <a:rPr lang="en-US" dirty="0"/>
+              <a:t>Output is the probability something is true, translated into a T/F for a final prediction. </a:t>
+            </a:r>
+          </a:p>
+          <a:p>
+            <a:pPr lvl="1"/>
+            <a:r>
+              <a:rPr lang="en-US" dirty="0"/>
+              <a:t>Loss function (binary cross entropy) is built on the difference from the correct answer. </a:t>
+            </a:r>
+          </a:p>
+          <a:p>
+            <a:pPr lvl="1"/>
+            <a:r>
+              <a:rPr lang="en-US" dirty="0"/>
+              <a:t>Trees and Bayes can handle more than 2 output classes by default, linear models can’t. </a:t>
+            </a:r>
+          </a:p>
+          <a:p>
+            <a:r>
+              <a:rPr lang="en-US" dirty="0"/>
+              <a:t>We can modify these models to handle more than one class, in several ways. </a:t>
+            </a:r>
+          </a:p>
+          <a:p>
+            <a:pPr lvl="1"/>
+            <a:r>
+              <a:rPr lang="en-US" dirty="0"/>
+              <a:t>One vs One – make a classifier for each pair of possible outputs. </a:t>
+            </a:r>
+          </a:p>
+          <a:p>
+            <a:pPr lvl="1"/>
+            <a:r>
+              <a:rPr lang="en-US" dirty="0"/>
+              <a:t>One vs Rest – make a classifier for each class vs not that class. </a:t>
+            </a:r>
+          </a:p>
+          <a:p>
+            <a:pPr lvl="1"/>
+            <a:r>
+              <a:rPr lang="en-US" dirty="0"/>
+              <a:t>This can be forced in </a:t>
+            </a:r>
             <a:r>
               <a:rPr lang="en-US" dirty="0" err="1"/>
               <a:t>Sklearn</a:t>
             </a:r>
             <a:r>
               <a:rPr lang="en-US" dirty="0"/>
-              <a:t> does this by default by doing 1 vs rest. </a:t>
-            </a:r>
-          </a:p>
-          <a:p>
-            <a:pPr lvl="1"/>
-            <a:r>
-              <a:rPr lang="en-US" dirty="0"/>
-              <a:t>Build 1 classifier per class, making a yes/no for that class. </a:t>
-            </a:r>
-          </a:p>
-          <a:p>
-            <a:r>
-              <a:rPr lang="en-US" dirty="0"/>
-              <a:t>We get the probabilities of the above prediction. </a:t>
+              <a:t>, but is generally invisible. SVM uses </a:t>
+            </a:r>
+            <a:r>
+              <a:rPr lang="en-US" dirty="0" err="1"/>
+              <a:t>OvO</a:t>
+            </a:r>
+            <a:r>
+              <a:rPr lang="en-US" dirty="0"/>
+              <a:t>, other linear use </a:t>
+            </a:r>
+            <a:r>
+              <a:rPr lang="en-US" dirty="0" err="1"/>
+              <a:t>OvR</a:t>
+            </a:r>
+            <a:r>
+              <a:rPr lang="en-US" dirty="0"/>
+              <a:t>, and tree or Bayes models can do multiple classes directly. </a:t>
             </a:r>
           </a:p>
         </p:txBody>
@@ -6458,7 +6639,7 @@
     </p:spTree>
     <p:extLst>
       <p:ext uri="{BB962C8B-B14F-4D97-AF65-F5344CB8AC3E}">
-        <p14:creationId xmlns:p14="http://schemas.microsoft.com/office/powerpoint/2010/main" val="2341763407"/>
+        <p14:creationId xmlns:p14="http://schemas.microsoft.com/office/powerpoint/2010/main" val="3791882905"/>
       </p:ext>
     </p:extLst>
   </p:cSld>
@@ -6514,7 +6695,7 @@
           <p:cNvPr id="2" name="Title 1">
             <a:extLst>
               <a:ext uri="{FF2B5EF4-FFF2-40B4-BE49-F238E27FC236}">
-                <a16:creationId xmlns:a16="http://schemas.microsoft.com/office/drawing/2014/main" id="{281F390E-340F-B249-822B-570BE9D0D667}"/>
+                <a16:creationId xmlns:a16="http://schemas.microsoft.com/office/drawing/2014/main" id="{17924B18-343E-BC46-82D5-942B63B247E9}"/>
               </a:ext>
             </a:extLst>
           </p:cNvPr>
@@ -6538,96 +6719,18 @@
           <a:lstStyle/>
           <a:p>
             <a:r>
-              <a:rPr lang="en-US" dirty="0" err="1"/>
-              <a:t>Softmax</a:t>
-            </a:r>
-            <a:endParaRPr lang="en-US" dirty="0"/>
-          </a:p>
-        </p:txBody>
-      </p:sp>
-      <p:sp>
-        <p:nvSpPr>
-          <p:cNvPr id="3" name="Content Placeholder 2">
+              <a:rPr lang="en-US" dirty="0"/>
+              <a:t>Multiple Classification</a:t>
+            </a:r>
+          </a:p>
+        </p:txBody>
+      </p:sp>
+      <p:pic>
+        <p:nvPicPr>
+          <p:cNvPr id="4098" name="Picture 2" descr="Logistic Regression | Machine Learning, Deep Learning, and Computer Vision">
             <a:extLst>
               <a:ext uri="{FF2B5EF4-FFF2-40B4-BE49-F238E27FC236}">
-                <a16:creationId xmlns:a16="http://schemas.microsoft.com/office/drawing/2014/main" id="{14DFB65A-A4ED-8244-AFBA-19A6DF06612B}"/>
-              </a:ext>
-            </a:extLst>
-          </p:cNvPr>
-          <p:cNvSpPr>
-            <a:spLocks noGrp="1"/>
-          </p:cNvSpPr>
-          <p:nvPr>
-            <p:ph idx="1"/>
-          </p:nvPr>
-        </p:nvSpPr>
-        <p:spPr>
-          <a:xfrm>
-            <a:off x="0" y="2015734"/>
-            <a:ext cx="4588351" cy="4037747"/>
-          </a:xfrm>
-        </p:spPr>
-        <p:txBody>
-          <a:bodyPr>
-            <a:normAutofit/>
-          </a:bodyPr>
-          <a:lstStyle/>
-          <a:p>
-            <a:r>
-              <a:rPr lang="en-US" dirty="0" err="1"/>
-              <a:t>Softmax</a:t>
-            </a:r>
-            <a:r>
-              <a:rPr lang="en-US" dirty="0"/>
-              <a:t> allows us to directly predict class probabilities with one classifier. </a:t>
-            </a:r>
-          </a:p>
-          <a:p>
-            <a:r>
-              <a:rPr lang="en-US" dirty="0"/>
-              <a:t>The output of </a:t>
-            </a:r>
-            <a:r>
-              <a:rPr lang="en-US" dirty="0" err="1"/>
-              <a:t>Softmax</a:t>
-            </a:r>
-            <a:r>
-              <a:rPr lang="en-US" dirty="0"/>
-              <a:t> is a probability (0 to 1) that the instance is in that class. </a:t>
-            </a:r>
-          </a:p>
-          <a:p>
-            <a:r>
-              <a:rPr lang="en-US" dirty="0" err="1"/>
-              <a:t>Softmax</a:t>
-            </a:r>
-            <a:r>
-              <a:rPr lang="en-US" dirty="0"/>
-              <a:t> can:</a:t>
-            </a:r>
-          </a:p>
-          <a:p>
-            <a:pPr lvl="1"/>
-            <a:r>
-              <a:rPr lang="en-US" dirty="0"/>
-              <a:t>Take in the logits, or the output of the regression models internally. </a:t>
-            </a:r>
-          </a:p>
-          <a:p>
-            <a:pPr lvl="1"/>
-            <a:r>
-              <a:rPr lang="en-US" dirty="0"/>
-              <a:t>Change those into probabilities per class, which is what we need!</a:t>
-            </a:r>
-          </a:p>
-        </p:txBody>
-      </p:sp>
-      <p:pic>
-        <p:nvPicPr>
-          <p:cNvPr id="3074" name="Picture 2" descr="PyTorch Lecture 09: Softmax Classifier - YouTube">
-            <a:extLst>
-              <a:ext uri="{FF2B5EF4-FFF2-40B4-BE49-F238E27FC236}">
-                <a16:creationId xmlns:a16="http://schemas.microsoft.com/office/drawing/2014/main" id="{EAFE1CA0-BEE5-0149-8F24-D1E42CA099AA}"/>
+                <a16:creationId xmlns:a16="http://schemas.microsoft.com/office/drawing/2014/main" id="{0FCC8ECD-3D62-484C-9CBD-48657C83B52C}"/>
               </a:ext>
             </a:extLst>
           </p:cNvPr>
@@ -6650,8 +6753,8 @@
         </p:blipFill>
         <p:spPr bwMode="auto">
           <a:xfrm>
-            <a:off x="4588350" y="2345916"/>
-            <a:ext cx="7640485" cy="4297772"/>
+            <a:off x="0" y="1572526"/>
+            <a:ext cx="8858250" cy="4938472"/>
           </a:xfrm>
           <a:prstGeom prst="rect">
             <a:avLst/>
@@ -6668,10 +6771,68 @@
           </a:extLst>
         </p:spPr>
       </p:pic>
+      <p:sp>
+        <p:nvSpPr>
+          <p:cNvPr id="3" name="Content Placeholder 2">
+            <a:extLst>
+              <a:ext uri="{FF2B5EF4-FFF2-40B4-BE49-F238E27FC236}">
+                <a16:creationId xmlns:a16="http://schemas.microsoft.com/office/drawing/2014/main" id="{2946E953-78A9-4645-AFD0-EE3431E8EC02}"/>
+              </a:ext>
+            </a:extLst>
+          </p:cNvPr>
+          <p:cNvSpPr>
+            <a:spLocks noGrp="1"/>
+          </p:cNvSpPr>
+          <p:nvPr>
+            <p:ph idx="1"/>
+          </p:nvPr>
+        </p:nvSpPr>
+        <p:spPr>
+          <a:xfrm>
+            <a:off x="8858250" y="2015734"/>
+            <a:ext cx="3157538" cy="4037747"/>
+          </a:xfrm>
+        </p:spPr>
+        <p:txBody>
+          <a:bodyPr>
+            <a:normAutofit/>
+          </a:bodyPr>
+          <a:lstStyle/>
+          <a:p>
+            <a:r>
+              <a:rPr lang="en-US" dirty="0"/>
+              <a:t>We can also predict things into multiple classes. </a:t>
+            </a:r>
+          </a:p>
+          <a:p>
+            <a:r>
+              <a:rPr lang="en-US" dirty="0" err="1"/>
+              <a:t>Sklearn</a:t>
+            </a:r>
+            <a:r>
+              <a:rPr lang="en-US" dirty="0"/>
+              <a:t> does this by default by doing 1 vs rest. </a:t>
+            </a:r>
+          </a:p>
+          <a:p>
+            <a:pPr lvl="1"/>
+            <a:r>
+              <a:rPr lang="en-US" dirty="0"/>
+              <a:t>Build 1 classifier per class, making a yes/no for that class. </a:t>
+            </a:r>
+          </a:p>
+          <a:p>
+            <a:r>
+              <a:rPr lang="en-US" dirty="0"/>
+              <a:t>We get the probabilities of the above prediction. </a:t>
+            </a:r>
+          </a:p>
+        </p:txBody>
+      </p:sp>
     </p:spTree>
     <p:extLst>
       <p:ext uri="{BB962C8B-B14F-4D97-AF65-F5344CB8AC3E}">
-        <p14:creationId xmlns:p14="http://schemas.microsoft.com/office/powerpoint/2010/main" val="2396580394"/>
+        <p14:creationId xmlns:p14="http://schemas.microsoft.com/office/powerpoint/2010/main" val="2341763407"/>
       </p:ext>
     </p:extLst>
   </p:cSld>
